--- a/Modul_03_Ressources/Ressources.pptx
+++ b/Modul_03_Ressources/Ressources.pptx
@@ -1194,334 +1194,6 @@
       <dsp:cNvGrpSpPr/>
     </dsp:nvGrpSpPr>
     <dsp:grpSpPr/>
-    <dsp:sp modelId="{EB5E673E-33F1-46A3-B2CF-D8E5A83AB1E5}">
-      <dsp:nvSpPr>
-        <dsp:cNvPr id="0" name=""/>
-        <dsp:cNvSpPr/>
-      </dsp:nvSpPr>
-      <dsp:spPr>
-        <a:xfrm>
-          <a:off x="5140" y="548891"/>
-          <a:ext cx="2992590" cy="1197036"/>
-        </a:xfrm>
-        <a:prstGeom prst="chevron">
-          <a:avLst/>
-        </a:prstGeom>
-        <a:solidFill>
-          <a:schemeClr val="accent1">
-            <a:hueOff val="0"/>
-            <a:satOff val="0"/>
-            <a:lumOff val="0"/>
-            <a:alphaOff val="0"/>
-          </a:schemeClr>
-        </a:solidFill>
-        <a:ln w="12700" cap="flat" cmpd="sng" algn="ctr">
-          <a:solidFill>
-            <a:schemeClr val="lt1">
-              <a:hueOff val="0"/>
-              <a:satOff val="0"/>
-              <a:lumOff val="0"/>
-              <a:alphaOff val="0"/>
-            </a:schemeClr>
-          </a:solidFill>
-          <a:prstDash val="solid"/>
-          <a:miter lim="800000"/>
-        </a:ln>
-        <a:effectLst/>
-      </dsp:spPr>
-      <dsp:style>
-        <a:lnRef idx="2">
-          <a:scrgbClr r="0" g="0" b="0"/>
-        </a:lnRef>
-        <a:fillRef idx="1">
-          <a:scrgbClr r="0" g="0" b="0"/>
-        </a:fillRef>
-        <a:effectRef idx="0">
-          <a:scrgbClr r="0" g="0" b="0"/>
-        </a:effectRef>
-        <a:fontRef idx="minor">
-          <a:schemeClr val="lt1"/>
-        </a:fontRef>
-      </dsp:style>
-      <dsp:txBody>
-        <a:bodyPr spcFirstLastPara="0" vert="horz" wrap="square" lIns="104013" tIns="34671" rIns="34671" bIns="34671" numCol="1" spcCol="1270" anchor="ctr" anchorCtr="0">
-          <a:noAutofit/>
-        </a:bodyPr>
-        <a:lstStyle/>
-        <a:p>
-          <a:pPr lvl="0" algn="ctr" defTabSz="1155700">
-            <a:lnSpc>
-              <a:spcPct val="90000"/>
-            </a:lnSpc>
-            <a:spcBef>
-              <a:spcPct val="0"/>
-            </a:spcBef>
-            <a:spcAft>
-              <a:spcPct val="35000"/>
-            </a:spcAft>
-          </a:pPr>
-          <a:r>
-            <a:rPr lang="de-DE" sz="2600" kern="1200" dirty="0" smtClean="0"/>
-            <a:t>Create</a:t>
-          </a:r>
-          <a:endParaRPr lang="de-DE" sz="2600" kern="1200" dirty="0"/>
-        </a:p>
-      </dsp:txBody>
-      <dsp:txXfrm>
-        <a:off x="603658" y="548891"/>
-        <a:ext cx="1795554" cy="1197036"/>
-      </dsp:txXfrm>
-    </dsp:sp>
-    <dsp:sp modelId="{D6A44A52-7EE1-4EFA-8D93-F4FC516819A9}">
-      <dsp:nvSpPr>
-        <dsp:cNvPr id="0" name=""/>
-        <dsp:cNvSpPr/>
-      </dsp:nvSpPr>
-      <dsp:spPr>
-        <a:xfrm>
-          <a:off x="2698472" y="548891"/>
-          <a:ext cx="2992590" cy="1197036"/>
-        </a:xfrm>
-        <a:prstGeom prst="chevron">
-          <a:avLst/>
-        </a:prstGeom>
-        <a:solidFill>
-          <a:schemeClr val="accent1">
-            <a:hueOff val="0"/>
-            <a:satOff val="0"/>
-            <a:lumOff val="0"/>
-            <a:alphaOff val="0"/>
-          </a:schemeClr>
-        </a:solidFill>
-        <a:ln w="12700" cap="flat" cmpd="sng" algn="ctr">
-          <a:solidFill>
-            <a:schemeClr val="lt1">
-              <a:hueOff val="0"/>
-              <a:satOff val="0"/>
-              <a:lumOff val="0"/>
-              <a:alphaOff val="0"/>
-            </a:schemeClr>
-          </a:solidFill>
-          <a:prstDash val="solid"/>
-          <a:miter lim="800000"/>
-        </a:ln>
-        <a:effectLst/>
-      </dsp:spPr>
-      <dsp:style>
-        <a:lnRef idx="2">
-          <a:scrgbClr r="0" g="0" b="0"/>
-        </a:lnRef>
-        <a:fillRef idx="1">
-          <a:scrgbClr r="0" g="0" b="0"/>
-        </a:fillRef>
-        <a:effectRef idx="0">
-          <a:scrgbClr r="0" g="0" b="0"/>
-        </a:effectRef>
-        <a:fontRef idx="minor">
-          <a:schemeClr val="lt1"/>
-        </a:fontRef>
-      </dsp:style>
-      <dsp:txBody>
-        <a:bodyPr spcFirstLastPara="0" vert="horz" wrap="square" lIns="104013" tIns="34671" rIns="34671" bIns="34671" numCol="1" spcCol="1270" anchor="ctr" anchorCtr="0">
-          <a:noAutofit/>
-        </a:bodyPr>
-        <a:lstStyle/>
-        <a:p>
-          <a:pPr lvl="0" algn="ctr" defTabSz="1155700">
-            <a:lnSpc>
-              <a:spcPct val="90000"/>
-            </a:lnSpc>
-            <a:spcBef>
-              <a:spcPct val="0"/>
-            </a:spcBef>
-            <a:spcAft>
-              <a:spcPct val="35000"/>
-            </a:spcAft>
-          </a:pPr>
-          <a:r>
-            <a:rPr lang="de-DE" sz="2600" kern="1200" dirty="0" err="1" smtClean="0"/>
-            <a:t>Destroy</a:t>
-          </a:r>
-          <a:endParaRPr lang="de-DE" sz="2600" kern="1200" dirty="0"/>
-        </a:p>
-      </dsp:txBody>
-      <dsp:txXfrm>
-        <a:off x="3296990" y="548891"/>
-        <a:ext cx="1795554" cy="1197036"/>
-      </dsp:txXfrm>
-    </dsp:sp>
-    <dsp:sp modelId="{A95A2FA1-2525-4E62-912B-28C162AD2F23}">
-      <dsp:nvSpPr>
-        <dsp:cNvPr id="0" name=""/>
-        <dsp:cNvSpPr/>
-      </dsp:nvSpPr>
-      <dsp:spPr>
-        <a:xfrm>
-          <a:off x="5391803" y="548891"/>
-          <a:ext cx="2992590" cy="1197036"/>
-        </a:xfrm>
-        <a:prstGeom prst="chevron">
-          <a:avLst/>
-        </a:prstGeom>
-        <a:solidFill>
-          <a:schemeClr val="accent1">
-            <a:hueOff val="0"/>
-            <a:satOff val="0"/>
-            <a:lumOff val="0"/>
-            <a:alphaOff val="0"/>
-          </a:schemeClr>
-        </a:solidFill>
-        <a:ln w="12700" cap="flat" cmpd="sng" algn="ctr">
-          <a:solidFill>
-            <a:schemeClr val="lt1">
-              <a:hueOff val="0"/>
-              <a:satOff val="0"/>
-              <a:lumOff val="0"/>
-              <a:alphaOff val="0"/>
-            </a:schemeClr>
-          </a:solidFill>
-          <a:prstDash val="solid"/>
-          <a:miter lim="800000"/>
-        </a:ln>
-        <a:effectLst/>
-      </dsp:spPr>
-      <dsp:style>
-        <a:lnRef idx="2">
-          <a:scrgbClr r="0" g="0" b="0"/>
-        </a:lnRef>
-        <a:fillRef idx="1">
-          <a:scrgbClr r="0" g="0" b="0"/>
-        </a:fillRef>
-        <a:effectRef idx="0">
-          <a:scrgbClr r="0" g="0" b="0"/>
-        </a:effectRef>
-        <a:fontRef idx="minor">
-          <a:schemeClr val="lt1"/>
-        </a:fontRef>
-      </dsp:style>
-      <dsp:txBody>
-        <a:bodyPr spcFirstLastPara="0" vert="horz" wrap="square" lIns="104013" tIns="34671" rIns="34671" bIns="34671" numCol="1" spcCol="1270" anchor="ctr" anchorCtr="0">
-          <a:noAutofit/>
-        </a:bodyPr>
-        <a:lstStyle/>
-        <a:p>
-          <a:pPr lvl="0" algn="ctr" defTabSz="1155700">
-            <a:lnSpc>
-              <a:spcPct val="90000"/>
-            </a:lnSpc>
-            <a:spcBef>
-              <a:spcPct val="0"/>
-            </a:spcBef>
-            <a:spcAft>
-              <a:spcPct val="35000"/>
-            </a:spcAft>
-          </a:pPr>
-          <a:r>
-            <a:rPr lang="de-DE" sz="2600" kern="1200" dirty="0" smtClean="0"/>
-            <a:t>Update</a:t>
-          </a:r>
-          <a:endParaRPr lang="de-DE" sz="2600" kern="1200" dirty="0"/>
-        </a:p>
-      </dsp:txBody>
-      <dsp:txXfrm>
-        <a:off x="5990321" y="548891"/>
-        <a:ext cx="1795554" cy="1197036"/>
-      </dsp:txXfrm>
-    </dsp:sp>
-    <dsp:sp modelId="{1CCDB9B4-44E7-4A67-8847-3F3690177928}">
-      <dsp:nvSpPr>
-        <dsp:cNvPr id="0" name=""/>
-        <dsp:cNvSpPr/>
-      </dsp:nvSpPr>
-      <dsp:spPr>
-        <a:xfrm>
-          <a:off x="8085135" y="548891"/>
-          <a:ext cx="2992590" cy="1197036"/>
-        </a:xfrm>
-        <a:prstGeom prst="chevron">
-          <a:avLst/>
-        </a:prstGeom>
-        <a:solidFill>
-          <a:schemeClr val="accent1">
-            <a:hueOff val="0"/>
-            <a:satOff val="0"/>
-            <a:lumOff val="0"/>
-            <a:alphaOff val="0"/>
-          </a:schemeClr>
-        </a:solidFill>
-        <a:ln w="12700" cap="flat" cmpd="sng" algn="ctr">
-          <a:solidFill>
-            <a:schemeClr val="lt1">
-              <a:hueOff val="0"/>
-              <a:satOff val="0"/>
-              <a:lumOff val="0"/>
-              <a:alphaOff val="0"/>
-            </a:schemeClr>
-          </a:solidFill>
-          <a:prstDash val="solid"/>
-          <a:miter lim="800000"/>
-        </a:ln>
-        <a:effectLst/>
-      </dsp:spPr>
-      <dsp:style>
-        <a:lnRef idx="2">
-          <a:scrgbClr r="0" g="0" b="0"/>
-        </a:lnRef>
-        <a:fillRef idx="1">
-          <a:scrgbClr r="0" g="0" b="0"/>
-        </a:fillRef>
-        <a:effectRef idx="0">
-          <a:scrgbClr r="0" g="0" b="0"/>
-        </a:effectRef>
-        <a:fontRef idx="minor">
-          <a:schemeClr val="lt1"/>
-        </a:fontRef>
-      </dsp:style>
-      <dsp:txBody>
-        <a:bodyPr spcFirstLastPara="0" vert="horz" wrap="square" lIns="104013" tIns="34671" rIns="34671" bIns="34671" numCol="1" spcCol="1270" anchor="ctr" anchorCtr="0">
-          <a:noAutofit/>
-        </a:bodyPr>
-        <a:lstStyle/>
-        <a:p>
-          <a:pPr lvl="0" algn="ctr" defTabSz="1155700">
-            <a:lnSpc>
-              <a:spcPct val="90000"/>
-            </a:lnSpc>
-            <a:spcBef>
-              <a:spcPct val="0"/>
-            </a:spcBef>
-            <a:spcAft>
-              <a:spcPct val="35000"/>
-            </a:spcAft>
-          </a:pPr>
-          <a:r>
-            <a:rPr lang="de-DE" sz="2600" kern="1200" dirty="0" err="1" smtClean="0"/>
-            <a:t>Destroy</a:t>
-          </a:r>
-          <a:r>
-            <a:rPr lang="de-DE" sz="2600" kern="1200" dirty="0" smtClean="0"/>
-            <a:t> </a:t>
-          </a:r>
-          <a:r>
-            <a:rPr lang="de-DE" sz="2600" kern="1200" dirty="0" err="1" smtClean="0"/>
-            <a:t>and</a:t>
-          </a:r>
-          <a:r>
-            <a:rPr lang="de-DE" sz="2600" kern="1200" dirty="0" smtClean="0"/>
-            <a:t> </a:t>
-          </a:r>
-          <a:r>
-            <a:rPr lang="de-DE" sz="2600" kern="1200" dirty="0" err="1" smtClean="0"/>
-            <a:t>re-create</a:t>
-          </a:r>
-          <a:endParaRPr lang="de-DE" sz="2600" kern="1200" dirty="0"/>
-        </a:p>
-      </dsp:txBody>
-      <dsp:txXfrm>
-        <a:off x="8683653" y="548891"/>
-        <a:ext cx="1795554" cy="1197036"/>
-      </dsp:txXfrm>
-    </dsp:sp>
   </dsp:spTree>
 </dsp:drawing>
 </file>
@@ -2925,7 +2597,7 @@
           <a:p>
             <a:fld id="{E9DAB8B5-B9A3-426D-91D9-D7966B0F2B79}" type="datetimeFigureOut">
               <a:rPr lang="de-DE" smtClean="0"/>
-              <a:t>14.11.2021</a:t>
+              <a:t>22.11.2021</a:t>
             </a:fld>
             <a:endParaRPr lang="de-DE"/>
           </a:p>
@@ -4963,7 +4635,7 @@
           <a:p>
             <a:fld id="{6CBA03CC-73C5-46A8-8DFB-B5DC4577D8E2}" type="datetimeFigureOut">
               <a:rPr lang="de-DE" smtClean="0"/>
-              <a:t>14.11.2021</a:t>
+              <a:t>22.11.2021</a:t>
             </a:fld>
             <a:endParaRPr lang="de-DE"/>
           </a:p>
@@ -5133,7 +4805,7 @@
           <a:p>
             <a:fld id="{6CBA03CC-73C5-46A8-8DFB-B5DC4577D8E2}" type="datetimeFigureOut">
               <a:rPr lang="de-DE" smtClean="0"/>
-              <a:t>14.11.2021</a:t>
+              <a:t>22.11.2021</a:t>
             </a:fld>
             <a:endParaRPr lang="de-DE"/>
           </a:p>
@@ -5313,7 +4985,7 @@
           <a:p>
             <a:fld id="{6CBA03CC-73C5-46A8-8DFB-B5DC4577D8E2}" type="datetimeFigureOut">
               <a:rPr lang="de-DE" smtClean="0"/>
-              <a:t>14.11.2021</a:t>
+              <a:t>22.11.2021</a:t>
             </a:fld>
             <a:endParaRPr lang="de-DE"/>
           </a:p>
@@ -5483,7 +5155,7 @@
           <a:p>
             <a:fld id="{6CBA03CC-73C5-46A8-8DFB-B5DC4577D8E2}" type="datetimeFigureOut">
               <a:rPr lang="de-DE" smtClean="0"/>
-              <a:t>14.11.2021</a:t>
+              <a:t>22.11.2021</a:t>
             </a:fld>
             <a:endParaRPr lang="de-DE"/>
           </a:p>
@@ -5729,7 +5401,7 @@
           <a:p>
             <a:fld id="{6CBA03CC-73C5-46A8-8DFB-B5DC4577D8E2}" type="datetimeFigureOut">
               <a:rPr lang="de-DE" smtClean="0"/>
-              <a:t>14.11.2021</a:t>
+              <a:t>22.11.2021</a:t>
             </a:fld>
             <a:endParaRPr lang="de-DE"/>
           </a:p>
@@ -5961,7 +5633,7 @@
           <a:p>
             <a:fld id="{6CBA03CC-73C5-46A8-8DFB-B5DC4577D8E2}" type="datetimeFigureOut">
               <a:rPr lang="de-DE" smtClean="0"/>
-              <a:t>14.11.2021</a:t>
+              <a:t>22.11.2021</a:t>
             </a:fld>
             <a:endParaRPr lang="de-DE"/>
           </a:p>
@@ -6328,7 +6000,7 @@
           <a:p>
             <a:fld id="{6CBA03CC-73C5-46A8-8DFB-B5DC4577D8E2}" type="datetimeFigureOut">
               <a:rPr lang="de-DE" smtClean="0"/>
-              <a:t>14.11.2021</a:t>
+              <a:t>22.11.2021</a:t>
             </a:fld>
             <a:endParaRPr lang="de-DE"/>
           </a:p>
@@ -6446,7 +6118,7 @@
           <a:p>
             <a:fld id="{6CBA03CC-73C5-46A8-8DFB-B5DC4577D8E2}" type="datetimeFigureOut">
               <a:rPr lang="de-DE" smtClean="0"/>
-              <a:t>14.11.2021</a:t>
+              <a:t>22.11.2021</a:t>
             </a:fld>
             <a:endParaRPr lang="de-DE"/>
           </a:p>
@@ -6541,7 +6213,7 @@
           <a:p>
             <a:fld id="{6CBA03CC-73C5-46A8-8DFB-B5DC4577D8E2}" type="datetimeFigureOut">
               <a:rPr lang="de-DE" smtClean="0"/>
-              <a:t>14.11.2021</a:t>
+              <a:t>22.11.2021</a:t>
             </a:fld>
             <a:endParaRPr lang="de-DE"/>
           </a:p>
@@ -6818,7 +6490,7 @@
           <a:p>
             <a:fld id="{6CBA03CC-73C5-46A8-8DFB-B5DC4577D8E2}" type="datetimeFigureOut">
               <a:rPr lang="de-DE" smtClean="0"/>
-              <a:t>14.11.2021</a:t>
+              <a:t>22.11.2021</a:t>
             </a:fld>
             <a:endParaRPr lang="de-DE"/>
           </a:p>
@@ -7071,7 +6743,7 @@
           <a:p>
             <a:fld id="{6CBA03CC-73C5-46A8-8DFB-B5DC4577D8E2}" type="datetimeFigureOut">
               <a:rPr lang="de-DE" smtClean="0"/>
-              <a:t>14.11.2021</a:t>
+              <a:t>22.11.2021</a:t>
             </a:fld>
             <a:endParaRPr lang="de-DE"/>
           </a:p>
@@ -7284,7 +6956,7 @@
           <a:p>
             <a:fld id="{6CBA03CC-73C5-46A8-8DFB-B5DC4577D8E2}" type="datetimeFigureOut">
               <a:rPr lang="de-DE" smtClean="0"/>
-              <a:t>14.11.2021</a:t>
+              <a:t>22.11.2021</a:t>
             </a:fld>
             <a:endParaRPr lang="de-DE"/>
           </a:p>
@@ -19030,7 +18702,7 @@
               <a:t>= </a:t>
             </a:r>
             <a:r>
-              <a:rPr kumimoji="0" lang="de-DE" altLang="de-DE" sz="2400" b="0" i="0" u="none" strike="noStrike" cap="none" normalizeH="0" baseline="0" dirty="0" err="1" smtClean="0">
+              <a:rPr kumimoji="0" lang="de-DE" altLang="de-DE" sz="2400" b="0" i="0" u="none" strike="noStrike" cap="none" normalizeH="0" baseline="0" smtClean="0">
                 <a:ln>
                   <a:noFill/>
                 </a:ln>
@@ -19043,7 +18715,7 @@
               <a:t>aws_iam_user</a:t>
             </a:r>
             <a:r>
-              <a:rPr kumimoji="0" lang="de-DE" altLang="de-DE" sz="2400" b="0" i="0" u="none" strike="noStrike" cap="none" normalizeH="0" baseline="0" dirty="0" err="1" smtClean="0">
+              <a:rPr kumimoji="0" lang="de-DE" altLang="de-DE" sz="2400" b="0" i="0" u="none" strike="noStrike" cap="none" normalizeH="0" baseline="0" smtClean="0">
                 <a:ln>
                   <a:noFill/>
                 </a:ln>
@@ -19056,17 +18728,26 @@
               <a:t>.</a:t>
             </a:r>
             <a:r>
-              <a:rPr kumimoji="0" lang="de-DE" altLang="de-DE" sz="2400" b="0" i="0" u="none" strike="noStrike" cap="none" normalizeH="0" baseline="0" dirty="0" err="1" smtClean="0">
-                <a:ln>
-                  <a:noFill/>
-                </a:ln>
+              <a:rPr lang="de-DE" altLang="de-DE" sz="2400" smtClean="0">
                 <a:solidFill>
                   <a:srgbClr val="E5C07B"/>
                 </a:solidFill>
-                <a:effectLst/>
-                <a:latin typeface="JetBrains Mono"/>
-              </a:rPr>
-              <a:t>my_user</a:t>
+                <a:latin typeface="JetBrains Mono"/>
+              </a:rPr>
+              <a:t>demo</a:t>
+            </a:r>
+            <a:r>
+              <a:rPr kumimoji="0" lang="de-DE" altLang="de-DE" sz="2400" b="0" i="0" u="none" strike="noStrike" cap="none" normalizeH="0" baseline="0" smtClean="0">
+                <a:ln>
+                  <a:noFill/>
+                </a:ln>
+                <a:solidFill>
+                  <a:srgbClr val="E5C07B"/>
+                </a:solidFill>
+                <a:effectLst/>
+                <a:latin typeface="JetBrains Mono"/>
+              </a:rPr>
+              <a:t>_user</a:t>
             </a:r>
             <a:r>
               <a:rPr lang="de-DE" altLang="de-DE" sz="2400" dirty="0" smtClean="0">

--- a/Modul_03_Ressources/Ressources.pptx
+++ b/Modul_03_Ressources/Ressources.pptx
@@ -18702,7 +18702,7 @@
               <a:t>= </a:t>
             </a:r>
             <a:r>
-              <a:rPr kumimoji="0" lang="de-DE" altLang="de-DE" sz="2400" b="0" i="0" u="none" strike="noStrike" cap="none" normalizeH="0" baseline="0" smtClean="0">
+              <a:rPr kumimoji="0" lang="de-DE" altLang="de-DE" sz="2400" b="0" i="0" u="none" strike="noStrike" cap="none" normalizeH="0" baseline="0" dirty="0" err="1" smtClean="0">
                 <a:ln>
                   <a:noFill/>
                 </a:ln>
@@ -18715,7 +18715,7 @@
               <a:t>aws_iam_user</a:t>
             </a:r>
             <a:r>
-              <a:rPr kumimoji="0" lang="de-DE" altLang="de-DE" sz="2400" b="0" i="0" u="none" strike="noStrike" cap="none" normalizeH="0" baseline="0" smtClean="0">
+              <a:rPr kumimoji="0" lang="de-DE" altLang="de-DE" sz="2400" b="0" i="0" u="none" strike="noStrike" cap="none" normalizeH="0" baseline="0" dirty="0" err="1" smtClean="0">
                 <a:ln>
                   <a:noFill/>
                 </a:ln>
@@ -18728,7 +18728,7 @@
               <a:t>.</a:t>
             </a:r>
             <a:r>
-              <a:rPr lang="de-DE" altLang="de-DE" sz="2400" smtClean="0">
+              <a:rPr lang="de-DE" altLang="de-DE" sz="2400" dirty="0" err="1" smtClean="0">
                 <a:solidFill>
                   <a:srgbClr val="E5C07B"/>
                 </a:solidFill>
@@ -18737,7 +18737,7 @@
               <a:t>demo</a:t>
             </a:r>
             <a:r>
-              <a:rPr kumimoji="0" lang="de-DE" altLang="de-DE" sz="2400" b="0" i="0" u="none" strike="noStrike" cap="none" normalizeH="0" baseline="0" smtClean="0">
+              <a:rPr kumimoji="0" lang="de-DE" altLang="de-DE" sz="2400" b="0" i="0" u="none" strike="noStrike" cap="none" normalizeH="0" baseline="0" dirty="0" err="1" smtClean="0">
                 <a:ln>
                   <a:noFill/>
                 </a:ln>

--- a/Modul_03_Ressources/Ressources.pptx
+++ b/Modul_03_Ressources/Ressources.pptx
@@ -904,10 +904,9 @@
         <a:lstStyle/>
         <a:p>
           <a:r>
-            <a:rPr lang="de-DE" dirty="0" smtClean="0"/>
+            <a:rPr lang="de-DE" dirty="0"/>
             <a:t>Create</a:t>
           </a:r>
-          <a:endParaRPr lang="de-DE" dirty="0"/>
         </a:p>
       </dgm:t>
     </dgm:pt>
@@ -941,7 +940,7 @@
         <a:lstStyle/>
         <a:p>
           <a:r>
-            <a:rPr lang="de-DE" dirty="0" err="1" smtClean="0"/>
+            <a:rPr lang="de-DE" dirty="0" err="1"/>
             <a:t>Destroy</a:t>
           </a:r>
           <a:endParaRPr lang="de-DE" dirty="0"/>
@@ -978,10 +977,9 @@
         <a:lstStyle/>
         <a:p>
           <a:r>
-            <a:rPr lang="de-DE" dirty="0" smtClean="0"/>
+            <a:rPr lang="de-DE" dirty="0"/>
             <a:t>Update</a:t>
           </a:r>
-          <a:endParaRPr lang="de-DE" dirty="0"/>
         </a:p>
       </dgm:t>
     </dgm:pt>
@@ -1015,23 +1013,23 @@
         <a:lstStyle/>
         <a:p>
           <a:r>
-            <a:rPr lang="de-DE" dirty="0" err="1" smtClean="0"/>
+            <a:rPr lang="de-DE" dirty="0" err="1"/>
             <a:t>Destroy</a:t>
           </a:r>
           <a:r>
-            <a:rPr lang="de-DE" dirty="0" smtClean="0"/>
+            <a:rPr lang="de-DE" dirty="0"/>
             <a:t> </a:t>
           </a:r>
           <a:r>
-            <a:rPr lang="de-DE" dirty="0" err="1" smtClean="0"/>
+            <a:rPr lang="de-DE" dirty="0" err="1"/>
             <a:t>and</a:t>
           </a:r>
           <a:r>
-            <a:rPr lang="de-DE" dirty="0" smtClean="0"/>
+            <a:rPr lang="de-DE" dirty="0"/>
             <a:t> </a:t>
           </a:r>
           <a:r>
-            <a:rPr lang="de-DE" dirty="0" err="1" smtClean="0"/>
+            <a:rPr lang="de-DE" dirty="0" err="1"/>
             <a:t>re-create</a:t>
           </a:r>
           <a:endParaRPr lang="de-DE" dirty="0"/>
@@ -1069,13 +1067,6 @@
         </dgm:presLayoutVars>
       </dgm:prSet>
       <dgm:spPr/>
-      <dgm:t>
-        <a:bodyPr/>
-        <a:lstStyle/>
-        <a:p>
-          <a:endParaRPr lang="de-DE"/>
-        </a:p>
-      </dgm:t>
     </dgm:pt>
     <dgm:pt modelId="{EB5E673E-33F1-46A3-B2CF-D8E5A83AB1E5}" type="pres">
       <dgm:prSet presAssocID="{68EE4F0A-3E42-4F5D-AE5C-AAD74BB87A77}" presName="parTxOnly" presStyleLbl="node1" presStyleIdx="0" presStyleCnt="4">
@@ -1086,13 +1077,6 @@
         </dgm:presLayoutVars>
       </dgm:prSet>
       <dgm:spPr/>
-      <dgm:t>
-        <a:bodyPr/>
-        <a:lstStyle/>
-        <a:p>
-          <a:endParaRPr lang="de-DE"/>
-        </a:p>
-      </dgm:t>
     </dgm:pt>
     <dgm:pt modelId="{257578E0-AAE8-4586-8AFC-B7064F55CFC8}" type="pres">
       <dgm:prSet presAssocID="{A51790B5-9445-4821-97FC-027B66A20B34}" presName="parTxOnlySpace" presStyleCnt="0"/>
@@ -1107,13 +1091,6 @@
         </dgm:presLayoutVars>
       </dgm:prSet>
       <dgm:spPr/>
-      <dgm:t>
-        <a:bodyPr/>
-        <a:lstStyle/>
-        <a:p>
-          <a:endParaRPr lang="de-DE"/>
-        </a:p>
-      </dgm:t>
     </dgm:pt>
     <dgm:pt modelId="{B0F151F2-E5B2-469C-91E7-3D14F1745AA7}" type="pres">
       <dgm:prSet presAssocID="{D092A9EB-FD31-409E-B8E1-3F0B8811B505}" presName="parTxOnlySpace" presStyleCnt="0"/>
@@ -1128,13 +1105,6 @@
         </dgm:presLayoutVars>
       </dgm:prSet>
       <dgm:spPr/>
-      <dgm:t>
-        <a:bodyPr/>
-        <a:lstStyle/>
-        <a:p>
-          <a:endParaRPr lang="de-DE"/>
-        </a:p>
-      </dgm:t>
     </dgm:pt>
     <dgm:pt modelId="{AA61E983-DDEC-4F7D-96C9-55F988378958}" type="pres">
       <dgm:prSet presAssocID="{6254FF25-6C4D-4D24-89B4-24F1C97A7187}" presName="parTxOnlySpace" presStyleCnt="0"/>
@@ -1149,25 +1119,18 @@
         </dgm:presLayoutVars>
       </dgm:prSet>
       <dgm:spPr/>
-      <dgm:t>
-        <a:bodyPr/>
-        <a:lstStyle/>
-        <a:p>
-          <a:endParaRPr lang="de-DE"/>
-        </a:p>
-      </dgm:t>
     </dgm:pt>
   </dgm:ptLst>
   <dgm:cxnLst>
+    <dgm:cxn modelId="{5507D20B-5980-4D28-810F-A722464C7A34}" type="presOf" srcId="{090C47F3-46D3-46EB-A93F-3E06E0932EEA}" destId="{D6A44A52-7EE1-4EFA-8D93-F4FC516819A9}" srcOrd="0" destOrd="0" presId="urn:microsoft.com/office/officeart/2005/8/layout/chevron1"/>
+    <dgm:cxn modelId="{96718918-EA72-4DB1-9FC0-9ABBD6FCCAFF}" srcId="{5DA924ED-5309-42AE-9C75-65FC2D867C19}" destId="{7EF18C5F-6BB0-449B-85D4-267BABE5ABC3}" srcOrd="3" destOrd="0" parTransId="{E90BE6B5-9E82-45CE-9D90-9C600466A46B}" sibTransId="{D40817DF-AB13-4513-A433-C9AFCF743B03}"/>
+    <dgm:cxn modelId="{80964933-AE81-411A-9036-595FAAA4221B}" type="presOf" srcId="{68EE4F0A-3E42-4F5D-AE5C-AAD74BB87A77}" destId="{EB5E673E-33F1-46A3-B2CF-D8E5A83AB1E5}" srcOrd="0" destOrd="0" presId="urn:microsoft.com/office/officeart/2005/8/layout/chevron1"/>
+    <dgm:cxn modelId="{B3FF345C-2AFA-4833-98BF-5F769EB0833A}" srcId="{5DA924ED-5309-42AE-9C75-65FC2D867C19}" destId="{12BEC697-20F3-4C80-A7B9-D3C59E371801}" srcOrd="2" destOrd="0" parTransId="{6B8219F8-5435-4E66-9B4A-D7E8823808D6}" sibTransId="{6254FF25-6C4D-4D24-89B4-24F1C97A7187}"/>
+    <dgm:cxn modelId="{8B432A9F-F5B7-4550-9879-593049F9D0C0}" srcId="{5DA924ED-5309-42AE-9C75-65FC2D867C19}" destId="{090C47F3-46D3-46EB-A93F-3E06E0932EEA}" srcOrd="1" destOrd="0" parTransId="{28314848-B9F3-4101-8418-17365683FBF6}" sibTransId="{D092A9EB-FD31-409E-B8E1-3F0B8811B505}"/>
     <dgm:cxn modelId="{13C674B4-BF77-4CCA-B2E7-79E3F3E86C3D}" type="presOf" srcId="{7EF18C5F-6BB0-449B-85D4-267BABE5ABC3}" destId="{1CCDB9B4-44E7-4A67-8847-3F3690177928}" srcOrd="0" destOrd="0" presId="urn:microsoft.com/office/officeart/2005/8/layout/chevron1"/>
-    <dgm:cxn modelId="{96718918-EA72-4DB1-9FC0-9ABBD6FCCAFF}" srcId="{5DA924ED-5309-42AE-9C75-65FC2D867C19}" destId="{7EF18C5F-6BB0-449B-85D4-267BABE5ABC3}" srcOrd="3" destOrd="0" parTransId="{E90BE6B5-9E82-45CE-9D90-9C600466A46B}" sibTransId="{D40817DF-AB13-4513-A433-C9AFCF743B03}"/>
-    <dgm:cxn modelId="{B3FF345C-2AFA-4833-98BF-5F769EB0833A}" srcId="{5DA924ED-5309-42AE-9C75-65FC2D867C19}" destId="{12BEC697-20F3-4C80-A7B9-D3C59E371801}" srcOrd="2" destOrd="0" parTransId="{6B8219F8-5435-4E66-9B4A-D7E8823808D6}" sibTransId="{6254FF25-6C4D-4D24-89B4-24F1C97A7187}"/>
+    <dgm:cxn modelId="{01C6B0C5-8403-4EAA-91ED-809B4CDA256B}" srcId="{5DA924ED-5309-42AE-9C75-65FC2D867C19}" destId="{68EE4F0A-3E42-4F5D-AE5C-AAD74BB87A77}" srcOrd="0" destOrd="0" parTransId="{17807A7C-25DF-4F7E-94F6-E0ED1684E8FA}" sibTransId="{A51790B5-9445-4821-97FC-027B66A20B34}"/>
+    <dgm:cxn modelId="{9D4118DC-1125-424D-A44B-4EDA05CB1972}" type="presOf" srcId="{12BEC697-20F3-4C80-A7B9-D3C59E371801}" destId="{A95A2FA1-2525-4E62-912B-28C162AD2F23}" srcOrd="0" destOrd="0" presId="urn:microsoft.com/office/officeart/2005/8/layout/chevron1"/>
     <dgm:cxn modelId="{ACE868FF-1D6A-40EE-87A9-6C451D80DBB9}" type="presOf" srcId="{5DA924ED-5309-42AE-9C75-65FC2D867C19}" destId="{F32DAB19-BDD6-4D8E-9383-12B5E135D7C4}" srcOrd="0" destOrd="0" presId="urn:microsoft.com/office/officeart/2005/8/layout/chevron1"/>
-    <dgm:cxn modelId="{80964933-AE81-411A-9036-595FAAA4221B}" type="presOf" srcId="{68EE4F0A-3E42-4F5D-AE5C-AAD74BB87A77}" destId="{EB5E673E-33F1-46A3-B2CF-D8E5A83AB1E5}" srcOrd="0" destOrd="0" presId="urn:microsoft.com/office/officeart/2005/8/layout/chevron1"/>
-    <dgm:cxn modelId="{9D4118DC-1125-424D-A44B-4EDA05CB1972}" type="presOf" srcId="{12BEC697-20F3-4C80-A7B9-D3C59E371801}" destId="{A95A2FA1-2525-4E62-912B-28C162AD2F23}" srcOrd="0" destOrd="0" presId="urn:microsoft.com/office/officeart/2005/8/layout/chevron1"/>
-    <dgm:cxn modelId="{01C6B0C5-8403-4EAA-91ED-809B4CDA256B}" srcId="{5DA924ED-5309-42AE-9C75-65FC2D867C19}" destId="{68EE4F0A-3E42-4F5D-AE5C-AAD74BB87A77}" srcOrd="0" destOrd="0" parTransId="{17807A7C-25DF-4F7E-94F6-E0ED1684E8FA}" sibTransId="{A51790B5-9445-4821-97FC-027B66A20B34}"/>
-    <dgm:cxn modelId="{5507D20B-5980-4D28-810F-A722464C7A34}" type="presOf" srcId="{090C47F3-46D3-46EB-A93F-3E06E0932EEA}" destId="{D6A44A52-7EE1-4EFA-8D93-F4FC516819A9}" srcOrd="0" destOrd="0" presId="urn:microsoft.com/office/officeart/2005/8/layout/chevron1"/>
-    <dgm:cxn modelId="{8B432A9F-F5B7-4550-9879-593049F9D0C0}" srcId="{5DA924ED-5309-42AE-9C75-65FC2D867C19}" destId="{090C47F3-46D3-46EB-A93F-3E06E0932EEA}" srcOrd="1" destOrd="0" parTransId="{28314848-B9F3-4101-8418-17365683FBF6}" sibTransId="{D092A9EB-FD31-409E-B8E1-3F0B8811B505}"/>
     <dgm:cxn modelId="{B507BE9D-D9AF-42FD-84DF-EC83AA530EB4}" type="presParOf" srcId="{F32DAB19-BDD6-4D8E-9383-12B5E135D7C4}" destId="{EB5E673E-33F1-46A3-B2CF-D8E5A83AB1E5}" srcOrd="0" destOrd="0" presId="urn:microsoft.com/office/officeart/2005/8/layout/chevron1"/>
     <dgm:cxn modelId="{2380489E-4E3B-48EA-8849-9CCC6E999EFE}" type="presParOf" srcId="{F32DAB19-BDD6-4D8E-9383-12B5E135D7C4}" destId="{257578E0-AAE8-4586-8AFC-B7064F55CFC8}" srcOrd="1" destOrd="0" presId="urn:microsoft.com/office/officeart/2005/8/layout/chevron1"/>
     <dgm:cxn modelId="{7816A49D-C1FC-4E37-8D19-3B6F17EEEBC3}" type="presParOf" srcId="{F32DAB19-BDD6-4D8E-9383-12B5E135D7C4}" destId="{D6A44A52-7EE1-4EFA-8D93-F4FC516819A9}" srcOrd="2" destOrd="0" presId="urn:microsoft.com/office/officeart/2005/8/layout/chevron1"/>
@@ -1194,6 +1157,336 @@
       <dsp:cNvGrpSpPr/>
     </dsp:nvGrpSpPr>
     <dsp:grpSpPr/>
+    <dsp:sp modelId="{EB5E673E-33F1-46A3-B2CF-D8E5A83AB1E5}">
+      <dsp:nvSpPr>
+        <dsp:cNvPr id="0" name=""/>
+        <dsp:cNvSpPr/>
+      </dsp:nvSpPr>
+      <dsp:spPr>
+        <a:xfrm>
+          <a:off x="5140" y="548891"/>
+          <a:ext cx="2992590" cy="1197036"/>
+        </a:xfrm>
+        <a:prstGeom prst="chevron">
+          <a:avLst/>
+        </a:prstGeom>
+        <a:solidFill>
+          <a:schemeClr val="accent1">
+            <a:hueOff val="0"/>
+            <a:satOff val="0"/>
+            <a:lumOff val="0"/>
+            <a:alphaOff val="0"/>
+          </a:schemeClr>
+        </a:solidFill>
+        <a:ln w="12700" cap="flat" cmpd="sng" algn="ctr">
+          <a:solidFill>
+            <a:schemeClr val="lt1">
+              <a:hueOff val="0"/>
+              <a:satOff val="0"/>
+              <a:lumOff val="0"/>
+              <a:alphaOff val="0"/>
+            </a:schemeClr>
+          </a:solidFill>
+          <a:prstDash val="solid"/>
+          <a:miter lim="800000"/>
+        </a:ln>
+        <a:effectLst/>
+      </dsp:spPr>
+      <dsp:style>
+        <a:lnRef idx="2">
+          <a:scrgbClr r="0" g="0" b="0"/>
+        </a:lnRef>
+        <a:fillRef idx="1">
+          <a:scrgbClr r="0" g="0" b="0"/>
+        </a:fillRef>
+        <a:effectRef idx="0">
+          <a:scrgbClr r="0" g="0" b="0"/>
+        </a:effectRef>
+        <a:fontRef idx="minor">
+          <a:schemeClr val="lt1"/>
+        </a:fontRef>
+      </dsp:style>
+      <dsp:txBody>
+        <a:bodyPr spcFirstLastPara="0" vert="horz" wrap="square" lIns="104013" tIns="34671" rIns="34671" bIns="34671" numCol="1" spcCol="1270" anchor="ctr" anchorCtr="0">
+          <a:noAutofit/>
+        </a:bodyPr>
+        <a:lstStyle/>
+        <a:p>
+          <a:pPr marL="0" lvl="0" indent="0" algn="ctr" defTabSz="1155700">
+            <a:lnSpc>
+              <a:spcPct val="90000"/>
+            </a:lnSpc>
+            <a:spcBef>
+              <a:spcPct val="0"/>
+            </a:spcBef>
+            <a:spcAft>
+              <a:spcPct val="35000"/>
+            </a:spcAft>
+            <a:buNone/>
+          </a:pPr>
+          <a:r>
+            <a:rPr lang="de-DE" sz="2600" kern="1200" dirty="0"/>
+            <a:t>Create</a:t>
+          </a:r>
+        </a:p>
+      </dsp:txBody>
+      <dsp:txXfrm>
+        <a:off x="603658" y="548891"/>
+        <a:ext cx="1795554" cy="1197036"/>
+      </dsp:txXfrm>
+    </dsp:sp>
+    <dsp:sp modelId="{D6A44A52-7EE1-4EFA-8D93-F4FC516819A9}">
+      <dsp:nvSpPr>
+        <dsp:cNvPr id="0" name=""/>
+        <dsp:cNvSpPr/>
+      </dsp:nvSpPr>
+      <dsp:spPr>
+        <a:xfrm>
+          <a:off x="2698472" y="548891"/>
+          <a:ext cx="2992590" cy="1197036"/>
+        </a:xfrm>
+        <a:prstGeom prst="chevron">
+          <a:avLst/>
+        </a:prstGeom>
+        <a:solidFill>
+          <a:schemeClr val="accent1">
+            <a:hueOff val="0"/>
+            <a:satOff val="0"/>
+            <a:lumOff val="0"/>
+            <a:alphaOff val="0"/>
+          </a:schemeClr>
+        </a:solidFill>
+        <a:ln w="12700" cap="flat" cmpd="sng" algn="ctr">
+          <a:solidFill>
+            <a:schemeClr val="lt1">
+              <a:hueOff val="0"/>
+              <a:satOff val="0"/>
+              <a:lumOff val="0"/>
+              <a:alphaOff val="0"/>
+            </a:schemeClr>
+          </a:solidFill>
+          <a:prstDash val="solid"/>
+          <a:miter lim="800000"/>
+        </a:ln>
+        <a:effectLst/>
+      </dsp:spPr>
+      <dsp:style>
+        <a:lnRef idx="2">
+          <a:scrgbClr r="0" g="0" b="0"/>
+        </a:lnRef>
+        <a:fillRef idx="1">
+          <a:scrgbClr r="0" g="0" b="0"/>
+        </a:fillRef>
+        <a:effectRef idx="0">
+          <a:scrgbClr r="0" g="0" b="0"/>
+        </a:effectRef>
+        <a:fontRef idx="minor">
+          <a:schemeClr val="lt1"/>
+        </a:fontRef>
+      </dsp:style>
+      <dsp:txBody>
+        <a:bodyPr spcFirstLastPara="0" vert="horz" wrap="square" lIns="104013" tIns="34671" rIns="34671" bIns="34671" numCol="1" spcCol="1270" anchor="ctr" anchorCtr="0">
+          <a:noAutofit/>
+        </a:bodyPr>
+        <a:lstStyle/>
+        <a:p>
+          <a:pPr marL="0" lvl="0" indent="0" algn="ctr" defTabSz="1155700">
+            <a:lnSpc>
+              <a:spcPct val="90000"/>
+            </a:lnSpc>
+            <a:spcBef>
+              <a:spcPct val="0"/>
+            </a:spcBef>
+            <a:spcAft>
+              <a:spcPct val="35000"/>
+            </a:spcAft>
+            <a:buNone/>
+          </a:pPr>
+          <a:r>
+            <a:rPr lang="de-DE" sz="2600" kern="1200" dirty="0" err="1"/>
+            <a:t>Destroy</a:t>
+          </a:r>
+          <a:endParaRPr lang="de-DE" sz="2600" kern="1200" dirty="0"/>
+        </a:p>
+      </dsp:txBody>
+      <dsp:txXfrm>
+        <a:off x="3296990" y="548891"/>
+        <a:ext cx="1795554" cy="1197036"/>
+      </dsp:txXfrm>
+    </dsp:sp>
+    <dsp:sp modelId="{A95A2FA1-2525-4E62-912B-28C162AD2F23}">
+      <dsp:nvSpPr>
+        <dsp:cNvPr id="0" name=""/>
+        <dsp:cNvSpPr/>
+      </dsp:nvSpPr>
+      <dsp:spPr>
+        <a:xfrm>
+          <a:off x="5391803" y="548891"/>
+          <a:ext cx="2992590" cy="1197036"/>
+        </a:xfrm>
+        <a:prstGeom prst="chevron">
+          <a:avLst/>
+        </a:prstGeom>
+        <a:solidFill>
+          <a:schemeClr val="accent1">
+            <a:hueOff val="0"/>
+            <a:satOff val="0"/>
+            <a:lumOff val="0"/>
+            <a:alphaOff val="0"/>
+          </a:schemeClr>
+        </a:solidFill>
+        <a:ln w="12700" cap="flat" cmpd="sng" algn="ctr">
+          <a:solidFill>
+            <a:schemeClr val="lt1">
+              <a:hueOff val="0"/>
+              <a:satOff val="0"/>
+              <a:lumOff val="0"/>
+              <a:alphaOff val="0"/>
+            </a:schemeClr>
+          </a:solidFill>
+          <a:prstDash val="solid"/>
+          <a:miter lim="800000"/>
+        </a:ln>
+        <a:effectLst/>
+      </dsp:spPr>
+      <dsp:style>
+        <a:lnRef idx="2">
+          <a:scrgbClr r="0" g="0" b="0"/>
+        </a:lnRef>
+        <a:fillRef idx="1">
+          <a:scrgbClr r="0" g="0" b="0"/>
+        </a:fillRef>
+        <a:effectRef idx="0">
+          <a:scrgbClr r="0" g="0" b="0"/>
+        </a:effectRef>
+        <a:fontRef idx="minor">
+          <a:schemeClr val="lt1"/>
+        </a:fontRef>
+      </dsp:style>
+      <dsp:txBody>
+        <a:bodyPr spcFirstLastPara="0" vert="horz" wrap="square" lIns="104013" tIns="34671" rIns="34671" bIns="34671" numCol="1" spcCol="1270" anchor="ctr" anchorCtr="0">
+          <a:noAutofit/>
+        </a:bodyPr>
+        <a:lstStyle/>
+        <a:p>
+          <a:pPr marL="0" lvl="0" indent="0" algn="ctr" defTabSz="1155700">
+            <a:lnSpc>
+              <a:spcPct val="90000"/>
+            </a:lnSpc>
+            <a:spcBef>
+              <a:spcPct val="0"/>
+            </a:spcBef>
+            <a:spcAft>
+              <a:spcPct val="35000"/>
+            </a:spcAft>
+            <a:buNone/>
+          </a:pPr>
+          <a:r>
+            <a:rPr lang="de-DE" sz="2600" kern="1200" dirty="0"/>
+            <a:t>Update</a:t>
+          </a:r>
+        </a:p>
+      </dsp:txBody>
+      <dsp:txXfrm>
+        <a:off x="5990321" y="548891"/>
+        <a:ext cx="1795554" cy="1197036"/>
+      </dsp:txXfrm>
+    </dsp:sp>
+    <dsp:sp modelId="{1CCDB9B4-44E7-4A67-8847-3F3690177928}">
+      <dsp:nvSpPr>
+        <dsp:cNvPr id="0" name=""/>
+        <dsp:cNvSpPr/>
+      </dsp:nvSpPr>
+      <dsp:spPr>
+        <a:xfrm>
+          <a:off x="8085135" y="548891"/>
+          <a:ext cx="2992590" cy="1197036"/>
+        </a:xfrm>
+        <a:prstGeom prst="chevron">
+          <a:avLst/>
+        </a:prstGeom>
+        <a:solidFill>
+          <a:schemeClr val="accent1">
+            <a:hueOff val="0"/>
+            <a:satOff val="0"/>
+            <a:lumOff val="0"/>
+            <a:alphaOff val="0"/>
+          </a:schemeClr>
+        </a:solidFill>
+        <a:ln w="12700" cap="flat" cmpd="sng" algn="ctr">
+          <a:solidFill>
+            <a:schemeClr val="lt1">
+              <a:hueOff val="0"/>
+              <a:satOff val="0"/>
+              <a:lumOff val="0"/>
+              <a:alphaOff val="0"/>
+            </a:schemeClr>
+          </a:solidFill>
+          <a:prstDash val="solid"/>
+          <a:miter lim="800000"/>
+        </a:ln>
+        <a:effectLst/>
+      </dsp:spPr>
+      <dsp:style>
+        <a:lnRef idx="2">
+          <a:scrgbClr r="0" g="0" b="0"/>
+        </a:lnRef>
+        <a:fillRef idx="1">
+          <a:scrgbClr r="0" g="0" b="0"/>
+        </a:fillRef>
+        <a:effectRef idx="0">
+          <a:scrgbClr r="0" g="0" b="0"/>
+        </a:effectRef>
+        <a:fontRef idx="minor">
+          <a:schemeClr val="lt1"/>
+        </a:fontRef>
+      </dsp:style>
+      <dsp:txBody>
+        <a:bodyPr spcFirstLastPara="0" vert="horz" wrap="square" lIns="104013" tIns="34671" rIns="34671" bIns="34671" numCol="1" spcCol="1270" anchor="ctr" anchorCtr="0">
+          <a:noAutofit/>
+        </a:bodyPr>
+        <a:lstStyle/>
+        <a:p>
+          <a:pPr marL="0" lvl="0" indent="0" algn="ctr" defTabSz="1155700">
+            <a:lnSpc>
+              <a:spcPct val="90000"/>
+            </a:lnSpc>
+            <a:spcBef>
+              <a:spcPct val="0"/>
+            </a:spcBef>
+            <a:spcAft>
+              <a:spcPct val="35000"/>
+            </a:spcAft>
+            <a:buNone/>
+          </a:pPr>
+          <a:r>
+            <a:rPr lang="de-DE" sz="2600" kern="1200" dirty="0" err="1"/>
+            <a:t>Destroy</a:t>
+          </a:r>
+          <a:r>
+            <a:rPr lang="de-DE" sz="2600" kern="1200" dirty="0"/>
+            <a:t> </a:t>
+          </a:r>
+          <a:r>
+            <a:rPr lang="de-DE" sz="2600" kern="1200" dirty="0" err="1"/>
+            <a:t>and</a:t>
+          </a:r>
+          <a:r>
+            <a:rPr lang="de-DE" sz="2600" kern="1200" dirty="0"/>
+            <a:t> </a:t>
+          </a:r>
+          <a:r>
+            <a:rPr lang="de-DE" sz="2600" kern="1200" dirty="0" err="1"/>
+            <a:t>re-create</a:t>
+          </a:r>
+          <a:endParaRPr lang="de-DE" sz="2600" kern="1200" dirty="0"/>
+        </a:p>
+      </dsp:txBody>
+      <dsp:txXfrm>
+        <a:off x="8683653" y="548891"/>
+        <a:ext cx="1795554" cy="1197036"/>
+      </dsp:txXfrm>
+    </dsp:sp>
   </dsp:spTree>
 </dsp:drawing>
 </file>
@@ -2597,7 +2890,7 @@
           <a:p>
             <a:fld id="{E9DAB8B5-B9A3-426D-91D9-D7966B0F2B79}" type="datetimeFigureOut">
               <a:rPr lang="de-DE" smtClean="0"/>
-              <a:t>22.11.2021</a:t>
+              <a:t>06.03.2022</a:t>
             </a:fld>
             <a:endParaRPr lang="de-DE"/>
           </a:p>
@@ -2661,38 +2954,37 @@
           <a:p>
             <a:pPr lvl="0"/>
             <a:r>
-              <a:rPr lang="de-DE" smtClean="0"/>
+              <a:rPr lang="de-DE"/>
               <a:t>Textmasterformat bearbeiten</a:t>
             </a:r>
           </a:p>
           <a:p>
             <a:pPr lvl="1"/>
             <a:r>
-              <a:rPr lang="de-DE" smtClean="0"/>
+              <a:rPr lang="de-DE"/>
               <a:t>Zweite Ebene</a:t>
             </a:r>
           </a:p>
           <a:p>
             <a:pPr lvl="2"/>
             <a:r>
-              <a:rPr lang="de-DE" smtClean="0"/>
+              <a:rPr lang="de-DE"/>
               <a:t>Dritte Ebene</a:t>
             </a:r>
           </a:p>
           <a:p>
             <a:pPr lvl="3"/>
             <a:r>
-              <a:rPr lang="de-DE" smtClean="0"/>
+              <a:rPr lang="de-DE"/>
               <a:t>Vierte Ebene</a:t>
             </a:r>
           </a:p>
           <a:p>
             <a:pPr lvl="4"/>
             <a:r>
-              <a:rPr lang="de-DE" smtClean="0"/>
+              <a:rPr lang="de-DE"/>
               <a:t>Fünfte Ebene</a:t>
             </a:r>
-            <a:endParaRPr lang="de-DE"/>
           </a:p>
         </p:txBody>
       </p:sp>
@@ -2910,15 +3202,15 @@
           <a:lstStyle/>
           <a:p>
             <a:r>
-              <a:rPr lang="de-DE" dirty="0" smtClean="0"/>
+              <a:rPr lang="de-DE" dirty="0"/>
               <a:t>VPCs,</a:t>
             </a:r>
             <a:r>
-              <a:rPr lang="de-DE" baseline="0" dirty="0" smtClean="0"/>
+              <a:rPr lang="de-DE" baseline="0" dirty="0"/>
               <a:t> User, Keys, Datenbanken, Server-Instanzen, </a:t>
             </a:r>
             <a:r>
-              <a:rPr lang="de-DE" baseline="0" dirty="0" err="1" smtClean="0"/>
+              <a:rPr lang="de-DE" baseline="0" dirty="0" err="1"/>
               <a:t>uvm</a:t>
             </a:r>
             <a:endParaRPr lang="de-DE" dirty="0"/>
@@ -3930,11 +4222,11 @@
           <a:lstStyle/>
           <a:p>
             <a:r>
-              <a:rPr lang="de-DE" dirty="0" smtClean="0"/>
+              <a:rPr lang="de-DE" dirty="0"/>
               <a:t>Dem Typ ist immer der Provider</a:t>
             </a:r>
             <a:r>
-              <a:rPr lang="de-DE" baseline="0" dirty="0" smtClean="0"/>
+              <a:rPr lang="de-DE" baseline="0" dirty="0"/>
               <a:t> per Unterstrich vorangestellt </a:t>
             </a:r>
             <a:endParaRPr lang="de-DE" dirty="0"/>
@@ -4291,7 +4583,7 @@
               <a:defRPr/>
             </a:pPr>
             <a:r>
-              <a:rPr lang="de-DE" dirty="0" smtClean="0"/>
+              <a:rPr lang="de-DE" dirty="0"/>
               <a:t>TODO: Beispiel</a:t>
             </a:r>
           </a:p>
@@ -4546,10 +4838,9 @@
           </a:lstStyle>
           <a:p>
             <a:r>
-              <a:rPr lang="de-DE" smtClean="0"/>
+              <a:rPr lang="de-DE"/>
               <a:t>Titelmasterformat durch Klicken bearbeiten</a:t>
             </a:r>
-            <a:endParaRPr lang="de-DE"/>
           </a:p>
         </p:txBody>
       </p:sp>
@@ -4611,10 +4902,9 @@
           </a:lstStyle>
           <a:p>
             <a:r>
-              <a:rPr lang="de-DE" smtClean="0"/>
+              <a:rPr lang="de-DE"/>
               <a:t>Formatvorlage des Untertitelmasters durch Klicken bearbeiten</a:t>
             </a:r>
-            <a:endParaRPr lang="de-DE"/>
           </a:p>
         </p:txBody>
       </p:sp>
@@ -4635,7 +4925,7 @@
           <a:p>
             <a:fld id="{6CBA03CC-73C5-46A8-8DFB-B5DC4577D8E2}" type="datetimeFigureOut">
               <a:rPr lang="de-DE" smtClean="0"/>
-              <a:t>22.11.2021</a:t>
+              <a:t>06.03.2022</a:t>
             </a:fld>
             <a:endParaRPr lang="de-DE"/>
           </a:p>
@@ -4729,10 +5019,9 @@
           <a:lstStyle/>
           <a:p>
             <a:r>
-              <a:rPr lang="de-DE" smtClean="0"/>
+              <a:rPr lang="de-DE"/>
               <a:t>Titelmasterformat durch Klicken bearbeiten</a:t>
             </a:r>
-            <a:endParaRPr lang="de-DE"/>
           </a:p>
         </p:txBody>
       </p:sp>
@@ -4753,38 +5042,37 @@
           <a:p>
             <a:pPr lvl="0"/>
             <a:r>
-              <a:rPr lang="de-DE" smtClean="0"/>
+              <a:rPr lang="de-DE"/>
               <a:t>Textmasterformat bearbeiten</a:t>
             </a:r>
           </a:p>
           <a:p>
             <a:pPr lvl="1"/>
             <a:r>
-              <a:rPr lang="de-DE" smtClean="0"/>
+              <a:rPr lang="de-DE"/>
               <a:t>Zweite Ebene</a:t>
             </a:r>
           </a:p>
           <a:p>
             <a:pPr lvl="2"/>
             <a:r>
-              <a:rPr lang="de-DE" smtClean="0"/>
+              <a:rPr lang="de-DE"/>
               <a:t>Dritte Ebene</a:t>
             </a:r>
           </a:p>
           <a:p>
             <a:pPr lvl="3"/>
             <a:r>
-              <a:rPr lang="de-DE" smtClean="0"/>
+              <a:rPr lang="de-DE"/>
               <a:t>Vierte Ebene</a:t>
             </a:r>
           </a:p>
           <a:p>
             <a:pPr lvl="4"/>
             <a:r>
-              <a:rPr lang="de-DE" smtClean="0"/>
+              <a:rPr lang="de-DE"/>
               <a:t>Fünfte Ebene</a:t>
             </a:r>
-            <a:endParaRPr lang="de-DE"/>
           </a:p>
         </p:txBody>
       </p:sp>
@@ -4805,7 +5093,7 @@
           <a:p>
             <a:fld id="{6CBA03CC-73C5-46A8-8DFB-B5DC4577D8E2}" type="datetimeFigureOut">
               <a:rPr lang="de-DE" smtClean="0"/>
-              <a:t>22.11.2021</a:t>
+              <a:t>06.03.2022</a:t>
             </a:fld>
             <a:endParaRPr lang="de-DE"/>
           </a:p>
@@ -4904,10 +5192,9 @@
           <a:lstStyle/>
           <a:p>
             <a:r>
-              <a:rPr lang="de-DE" smtClean="0"/>
+              <a:rPr lang="de-DE"/>
               <a:t>Titelmasterformat durch Klicken bearbeiten</a:t>
             </a:r>
-            <a:endParaRPr lang="de-DE"/>
           </a:p>
         </p:txBody>
       </p:sp>
@@ -4933,38 +5220,37 @@
           <a:p>
             <a:pPr lvl="0"/>
             <a:r>
-              <a:rPr lang="de-DE" smtClean="0"/>
+              <a:rPr lang="de-DE"/>
               <a:t>Textmasterformat bearbeiten</a:t>
             </a:r>
           </a:p>
           <a:p>
             <a:pPr lvl="1"/>
             <a:r>
-              <a:rPr lang="de-DE" smtClean="0"/>
+              <a:rPr lang="de-DE"/>
               <a:t>Zweite Ebene</a:t>
             </a:r>
           </a:p>
           <a:p>
             <a:pPr lvl="2"/>
             <a:r>
-              <a:rPr lang="de-DE" smtClean="0"/>
+              <a:rPr lang="de-DE"/>
               <a:t>Dritte Ebene</a:t>
             </a:r>
           </a:p>
           <a:p>
             <a:pPr lvl="3"/>
             <a:r>
-              <a:rPr lang="de-DE" smtClean="0"/>
+              <a:rPr lang="de-DE"/>
               <a:t>Vierte Ebene</a:t>
             </a:r>
           </a:p>
           <a:p>
             <a:pPr lvl="4"/>
             <a:r>
-              <a:rPr lang="de-DE" smtClean="0"/>
+              <a:rPr lang="de-DE"/>
               <a:t>Fünfte Ebene</a:t>
             </a:r>
-            <a:endParaRPr lang="de-DE"/>
           </a:p>
         </p:txBody>
       </p:sp>
@@ -4985,7 +5271,7 @@
           <a:p>
             <a:fld id="{6CBA03CC-73C5-46A8-8DFB-B5DC4577D8E2}" type="datetimeFigureOut">
               <a:rPr lang="de-DE" smtClean="0"/>
-              <a:t>22.11.2021</a:t>
+              <a:t>06.03.2022</a:t>
             </a:fld>
             <a:endParaRPr lang="de-DE"/>
           </a:p>
@@ -5079,10 +5365,9 @@
           <a:lstStyle/>
           <a:p>
             <a:r>
-              <a:rPr lang="de-DE" smtClean="0"/>
+              <a:rPr lang="de-DE"/>
               <a:t>Titelmasterformat durch Klicken bearbeiten</a:t>
             </a:r>
-            <a:endParaRPr lang="de-DE"/>
           </a:p>
         </p:txBody>
       </p:sp>
@@ -5103,38 +5388,37 @@
           <a:p>
             <a:pPr lvl="0"/>
             <a:r>
-              <a:rPr lang="de-DE" smtClean="0"/>
+              <a:rPr lang="de-DE"/>
               <a:t>Textmasterformat bearbeiten</a:t>
             </a:r>
           </a:p>
           <a:p>
             <a:pPr lvl="1"/>
             <a:r>
-              <a:rPr lang="de-DE" smtClean="0"/>
+              <a:rPr lang="de-DE"/>
               <a:t>Zweite Ebene</a:t>
             </a:r>
           </a:p>
           <a:p>
             <a:pPr lvl="2"/>
             <a:r>
-              <a:rPr lang="de-DE" smtClean="0"/>
+              <a:rPr lang="de-DE"/>
               <a:t>Dritte Ebene</a:t>
             </a:r>
           </a:p>
           <a:p>
             <a:pPr lvl="3"/>
             <a:r>
-              <a:rPr lang="de-DE" smtClean="0"/>
+              <a:rPr lang="de-DE"/>
               <a:t>Vierte Ebene</a:t>
             </a:r>
           </a:p>
           <a:p>
             <a:pPr lvl="4"/>
             <a:r>
-              <a:rPr lang="de-DE" smtClean="0"/>
+              <a:rPr lang="de-DE"/>
               <a:t>Fünfte Ebene</a:t>
             </a:r>
-            <a:endParaRPr lang="de-DE"/>
           </a:p>
         </p:txBody>
       </p:sp>
@@ -5155,7 +5439,7 @@
           <a:p>
             <a:fld id="{6CBA03CC-73C5-46A8-8DFB-B5DC4577D8E2}" type="datetimeFigureOut">
               <a:rPr lang="de-DE" smtClean="0"/>
-              <a:t>22.11.2021</a:t>
+              <a:t>06.03.2022</a:t>
             </a:fld>
             <a:endParaRPr lang="de-DE"/>
           </a:p>
@@ -5258,10 +5542,9 @@
           </a:lstStyle>
           <a:p>
             <a:r>
-              <a:rPr lang="de-DE" smtClean="0"/>
+              <a:rPr lang="de-DE"/>
               <a:t>Titelmasterformat durch Klicken bearbeiten</a:t>
             </a:r>
-            <a:endParaRPr lang="de-DE"/>
           </a:p>
         </p:txBody>
       </p:sp>
@@ -5378,7 +5661,7 @@
           <a:p>
             <a:pPr lvl="0"/>
             <a:r>
-              <a:rPr lang="de-DE" smtClean="0"/>
+              <a:rPr lang="de-DE"/>
               <a:t>Textmasterformat bearbeiten</a:t>
             </a:r>
           </a:p>
@@ -5401,7 +5684,7 @@
           <a:p>
             <a:fld id="{6CBA03CC-73C5-46A8-8DFB-B5DC4577D8E2}" type="datetimeFigureOut">
               <a:rPr lang="de-DE" smtClean="0"/>
-              <a:t>22.11.2021</a:t>
+              <a:t>06.03.2022</a:t>
             </a:fld>
             <a:endParaRPr lang="de-DE"/>
           </a:p>
@@ -5495,10 +5778,9 @@
           <a:lstStyle/>
           <a:p>
             <a:r>
-              <a:rPr lang="de-DE" smtClean="0"/>
+              <a:rPr lang="de-DE"/>
               <a:t>Titelmasterformat durch Klicken bearbeiten</a:t>
             </a:r>
-            <a:endParaRPr lang="de-DE"/>
           </a:p>
         </p:txBody>
       </p:sp>
@@ -5524,38 +5806,37 @@
           <a:p>
             <a:pPr lvl="0"/>
             <a:r>
-              <a:rPr lang="de-DE" smtClean="0"/>
+              <a:rPr lang="de-DE"/>
               <a:t>Textmasterformat bearbeiten</a:t>
             </a:r>
           </a:p>
           <a:p>
             <a:pPr lvl="1"/>
             <a:r>
-              <a:rPr lang="de-DE" smtClean="0"/>
+              <a:rPr lang="de-DE"/>
               <a:t>Zweite Ebene</a:t>
             </a:r>
           </a:p>
           <a:p>
             <a:pPr lvl="2"/>
             <a:r>
-              <a:rPr lang="de-DE" smtClean="0"/>
+              <a:rPr lang="de-DE"/>
               <a:t>Dritte Ebene</a:t>
             </a:r>
           </a:p>
           <a:p>
             <a:pPr lvl="3"/>
             <a:r>
-              <a:rPr lang="de-DE" smtClean="0"/>
+              <a:rPr lang="de-DE"/>
               <a:t>Vierte Ebene</a:t>
             </a:r>
           </a:p>
           <a:p>
             <a:pPr lvl="4"/>
             <a:r>
-              <a:rPr lang="de-DE" smtClean="0"/>
+              <a:rPr lang="de-DE"/>
               <a:t>Fünfte Ebene</a:t>
             </a:r>
-            <a:endParaRPr lang="de-DE"/>
           </a:p>
         </p:txBody>
       </p:sp>
@@ -5581,38 +5862,37 @@
           <a:p>
             <a:pPr lvl="0"/>
             <a:r>
-              <a:rPr lang="de-DE" smtClean="0"/>
+              <a:rPr lang="de-DE"/>
               <a:t>Textmasterformat bearbeiten</a:t>
             </a:r>
           </a:p>
           <a:p>
             <a:pPr lvl="1"/>
             <a:r>
-              <a:rPr lang="de-DE" smtClean="0"/>
+              <a:rPr lang="de-DE"/>
               <a:t>Zweite Ebene</a:t>
             </a:r>
           </a:p>
           <a:p>
             <a:pPr lvl="2"/>
             <a:r>
-              <a:rPr lang="de-DE" smtClean="0"/>
+              <a:rPr lang="de-DE"/>
               <a:t>Dritte Ebene</a:t>
             </a:r>
           </a:p>
           <a:p>
             <a:pPr lvl="3"/>
             <a:r>
-              <a:rPr lang="de-DE" smtClean="0"/>
+              <a:rPr lang="de-DE"/>
               <a:t>Vierte Ebene</a:t>
             </a:r>
           </a:p>
           <a:p>
             <a:pPr lvl="4"/>
             <a:r>
-              <a:rPr lang="de-DE" smtClean="0"/>
+              <a:rPr lang="de-DE"/>
               <a:t>Fünfte Ebene</a:t>
             </a:r>
-            <a:endParaRPr lang="de-DE"/>
           </a:p>
         </p:txBody>
       </p:sp>
@@ -5633,7 +5913,7 @@
           <a:p>
             <a:fld id="{6CBA03CC-73C5-46A8-8DFB-B5DC4577D8E2}" type="datetimeFigureOut">
               <a:rPr lang="de-DE" smtClean="0"/>
-              <a:t>22.11.2021</a:t>
+              <a:t>06.03.2022</a:t>
             </a:fld>
             <a:endParaRPr lang="de-DE"/>
           </a:p>
@@ -5732,10 +6012,9 @@
           <a:lstStyle/>
           <a:p>
             <a:r>
-              <a:rPr lang="de-DE" smtClean="0"/>
+              <a:rPr lang="de-DE"/>
               <a:t>Titelmasterformat durch Klicken bearbeiten</a:t>
             </a:r>
-            <a:endParaRPr lang="de-DE"/>
           </a:p>
         </p:txBody>
       </p:sp>
@@ -5798,7 +6077,7 @@
           <a:p>
             <a:pPr lvl="0"/>
             <a:r>
-              <a:rPr lang="de-DE" smtClean="0"/>
+              <a:rPr lang="de-DE"/>
               <a:t>Textmasterformat bearbeiten</a:t>
             </a:r>
           </a:p>
@@ -5826,38 +6105,37 @@
           <a:p>
             <a:pPr lvl="0"/>
             <a:r>
-              <a:rPr lang="de-DE" smtClean="0"/>
+              <a:rPr lang="de-DE"/>
               <a:t>Textmasterformat bearbeiten</a:t>
             </a:r>
           </a:p>
           <a:p>
             <a:pPr lvl="1"/>
             <a:r>
-              <a:rPr lang="de-DE" smtClean="0"/>
+              <a:rPr lang="de-DE"/>
               <a:t>Zweite Ebene</a:t>
             </a:r>
           </a:p>
           <a:p>
             <a:pPr lvl="2"/>
             <a:r>
-              <a:rPr lang="de-DE" smtClean="0"/>
+              <a:rPr lang="de-DE"/>
               <a:t>Dritte Ebene</a:t>
             </a:r>
           </a:p>
           <a:p>
             <a:pPr lvl="3"/>
             <a:r>
-              <a:rPr lang="de-DE" smtClean="0"/>
+              <a:rPr lang="de-DE"/>
               <a:t>Vierte Ebene</a:t>
             </a:r>
           </a:p>
           <a:p>
             <a:pPr lvl="4"/>
             <a:r>
-              <a:rPr lang="de-DE" smtClean="0"/>
+              <a:rPr lang="de-DE"/>
               <a:t>Fünfte Ebene</a:t>
             </a:r>
-            <a:endParaRPr lang="de-DE"/>
           </a:p>
         </p:txBody>
       </p:sp>
@@ -5920,7 +6198,7 @@
           <a:p>
             <a:pPr lvl="0"/>
             <a:r>
-              <a:rPr lang="de-DE" smtClean="0"/>
+              <a:rPr lang="de-DE"/>
               <a:t>Textmasterformat bearbeiten</a:t>
             </a:r>
           </a:p>
@@ -5948,38 +6226,37 @@
           <a:p>
             <a:pPr lvl="0"/>
             <a:r>
-              <a:rPr lang="de-DE" smtClean="0"/>
+              <a:rPr lang="de-DE"/>
               <a:t>Textmasterformat bearbeiten</a:t>
             </a:r>
           </a:p>
           <a:p>
             <a:pPr lvl="1"/>
             <a:r>
-              <a:rPr lang="de-DE" smtClean="0"/>
+              <a:rPr lang="de-DE"/>
               <a:t>Zweite Ebene</a:t>
             </a:r>
           </a:p>
           <a:p>
             <a:pPr lvl="2"/>
             <a:r>
-              <a:rPr lang="de-DE" smtClean="0"/>
+              <a:rPr lang="de-DE"/>
               <a:t>Dritte Ebene</a:t>
             </a:r>
           </a:p>
           <a:p>
             <a:pPr lvl="3"/>
             <a:r>
-              <a:rPr lang="de-DE" smtClean="0"/>
+              <a:rPr lang="de-DE"/>
               <a:t>Vierte Ebene</a:t>
             </a:r>
           </a:p>
           <a:p>
             <a:pPr lvl="4"/>
             <a:r>
-              <a:rPr lang="de-DE" smtClean="0"/>
+              <a:rPr lang="de-DE"/>
               <a:t>Fünfte Ebene</a:t>
             </a:r>
-            <a:endParaRPr lang="de-DE"/>
           </a:p>
         </p:txBody>
       </p:sp>
@@ -6000,7 +6277,7 @@
           <a:p>
             <a:fld id="{6CBA03CC-73C5-46A8-8DFB-B5DC4577D8E2}" type="datetimeFigureOut">
               <a:rPr lang="de-DE" smtClean="0"/>
-              <a:t>22.11.2021</a:t>
+              <a:t>06.03.2022</a:t>
             </a:fld>
             <a:endParaRPr lang="de-DE"/>
           </a:p>
@@ -6094,10 +6371,9 @@
           <a:lstStyle/>
           <a:p>
             <a:r>
-              <a:rPr lang="de-DE" smtClean="0"/>
+              <a:rPr lang="de-DE"/>
               <a:t>Titelmasterformat durch Klicken bearbeiten</a:t>
             </a:r>
-            <a:endParaRPr lang="de-DE"/>
           </a:p>
         </p:txBody>
       </p:sp>
@@ -6118,7 +6394,7 @@
           <a:p>
             <a:fld id="{6CBA03CC-73C5-46A8-8DFB-B5DC4577D8E2}" type="datetimeFigureOut">
               <a:rPr lang="de-DE" smtClean="0"/>
-              <a:t>22.11.2021</a:t>
+              <a:t>06.03.2022</a:t>
             </a:fld>
             <a:endParaRPr lang="de-DE"/>
           </a:p>
@@ -6213,7 +6489,7 @@
           <a:p>
             <a:fld id="{6CBA03CC-73C5-46A8-8DFB-B5DC4577D8E2}" type="datetimeFigureOut">
               <a:rPr lang="de-DE" smtClean="0"/>
-              <a:t>22.11.2021</a:t>
+              <a:t>06.03.2022</a:t>
             </a:fld>
             <a:endParaRPr lang="de-DE"/>
           </a:p>
@@ -6316,10 +6592,9 @@
           </a:lstStyle>
           <a:p>
             <a:r>
-              <a:rPr lang="de-DE" smtClean="0"/>
+              <a:rPr lang="de-DE"/>
               <a:t>Titelmasterformat durch Klicken bearbeiten</a:t>
             </a:r>
-            <a:endParaRPr lang="de-DE"/>
           </a:p>
         </p:txBody>
       </p:sp>
@@ -6373,38 +6648,37 @@
           <a:p>
             <a:pPr lvl="0"/>
             <a:r>
-              <a:rPr lang="de-DE" smtClean="0"/>
+              <a:rPr lang="de-DE"/>
               <a:t>Textmasterformat bearbeiten</a:t>
             </a:r>
           </a:p>
           <a:p>
             <a:pPr lvl="1"/>
             <a:r>
-              <a:rPr lang="de-DE" smtClean="0"/>
+              <a:rPr lang="de-DE"/>
               <a:t>Zweite Ebene</a:t>
             </a:r>
           </a:p>
           <a:p>
             <a:pPr lvl="2"/>
             <a:r>
-              <a:rPr lang="de-DE" smtClean="0"/>
+              <a:rPr lang="de-DE"/>
               <a:t>Dritte Ebene</a:t>
             </a:r>
           </a:p>
           <a:p>
             <a:pPr lvl="3"/>
             <a:r>
-              <a:rPr lang="de-DE" smtClean="0"/>
+              <a:rPr lang="de-DE"/>
               <a:t>Vierte Ebene</a:t>
             </a:r>
           </a:p>
           <a:p>
             <a:pPr lvl="4"/>
             <a:r>
-              <a:rPr lang="de-DE" smtClean="0"/>
+              <a:rPr lang="de-DE"/>
               <a:t>Fünfte Ebene</a:t>
             </a:r>
-            <a:endParaRPr lang="de-DE"/>
           </a:p>
         </p:txBody>
       </p:sp>
@@ -6467,7 +6741,7 @@
           <a:p>
             <a:pPr lvl="0"/>
             <a:r>
-              <a:rPr lang="de-DE" smtClean="0"/>
+              <a:rPr lang="de-DE"/>
               <a:t>Textmasterformat bearbeiten</a:t>
             </a:r>
           </a:p>
@@ -6490,7 +6764,7 @@
           <a:p>
             <a:fld id="{6CBA03CC-73C5-46A8-8DFB-B5DC4577D8E2}" type="datetimeFigureOut">
               <a:rPr lang="de-DE" smtClean="0"/>
-              <a:t>22.11.2021</a:t>
+              <a:t>06.03.2022</a:t>
             </a:fld>
             <a:endParaRPr lang="de-DE"/>
           </a:p>
@@ -6593,10 +6867,9 @@
           </a:lstStyle>
           <a:p>
             <a:r>
-              <a:rPr lang="de-DE" smtClean="0"/>
+              <a:rPr lang="de-DE"/>
               <a:t>Titelmasterformat durch Klicken bearbeiten</a:t>
             </a:r>
-            <a:endParaRPr lang="de-DE"/>
           </a:p>
         </p:txBody>
       </p:sp>
@@ -6720,7 +6993,7 @@
           <a:p>
             <a:pPr lvl="0"/>
             <a:r>
-              <a:rPr lang="de-DE" smtClean="0"/>
+              <a:rPr lang="de-DE"/>
               <a:t>Textmasterformat bearbeiten</a:t>
             </a:r>
           </a:p>
@@ -6743,7 +7016,7 @@
           <a:p>
             <a:fld id="{6CBA03CC-73C5-46A8-8DFB-B5DC4577D8E2}" type="datetimeFigureOut">
               <a:rPr lang="de-DE" smtClean="0"/>
-              <a:t>22.11.2021</a:t>
+              <a:t>06.03.2022</a:t>
             </a:fld>
             <a:endParaRPr lang="de-DE"/>
           </a:p>
@@ -6852,10 +7125,9 @@
           <a:lstStyle/>
           <a:p>
             <a:r>
-              <a:rPr lang="de-DE" smtClean="0"/>
+              <a:rPr lang="de-DE"/>
               <a:t>Titelmasterformat durch Klicken bearbeiten</a:t>
             </a:r>
-            <a:endParaRPr lang="de-DE"/>
           </a:p>
         </p:txBody>
       </p:sp>
@@ -6886,38 +7158,37 @@
           <a:p>
             <a:pPr lvl="0"/>
             <a:r>
-              <a:rPr lang="de-DE" smtClean="0"/>
+              <a:rPr lang="de-DE"/>
               <a:t>Textmasterformat bearbeiten</a:t>
             </a:r>
           </a:p>
           <a:p>
             <a:pPr lvl="1"/>
             <a:r>
-              <a:rPr lang="de-DE" smtClean="0"/>
+              <a:rPr lang="de-DE"/>
               <a:t>Zweite Ebene</a:t>
             </a:r>
           </a:p>
           <a:p>
             <a:pPr lvl="2"/>
             <a:r>
-              <a:rPr lang="de-DE" smtClean="0"/>
+              <a:rPr lang="de-DE"/>
               <a:t>Dritte Ebene</a:t>
             </a:r>
           </a:p>
           <a:p>
             <a:pPr lvl="3"/>
             <a:r>
-              <a:rPr lang="de-DE" smtClean="0"/>
+              <a:rPr lang="de-DE"/>
               <a:t>Vierte Ebene</a:t>
             </a:r>
           </a:p>
           <a:p>
             <a:pPr lvl="4"/>
             <a:r>
-              <a:rPr lang="de-DE" smtClean="0"/>
+              <a:rPr lang="de-DE"/>
               <a:t>Fünfte Ebene</a:t>
             </a:r>
-            <a:endParaRPr lang="de-DE"/>
           </a:p>
         </p:txBody>
       </p:sp>
@@ -6956,7 +7227,7 @@
           <a:p>
             <a:fld id="{6CBA03CC-73C5-46A8-8DFB-B5DC4577D8E2}" type="datetimeFigureOut">
               <a:rPr lang="de-DE" smtClean="0"/>
-              <a:t>22.11.2021</a:t>
+              <a:t>06.03.2022</a:t>
             </a:fld>
             <a:endParaRPr lang="de-DE"/>
           </a:p>
@@ -7377,10 +7648,9 @@
           <a:lstStyle/>
           <a:p>
             <a:r>
-              <a:rPr lang="de-DE" dirty="0" smtClean="0"/>
+              <a:rPr lang="de-DE" dirty="0"/>
               <a:t>Ressourcen</a:t>
             </a:r>
-            <a:endParaRPr lang="de-DE" dirty="0"/>
           </a:p>
         </p:txBody>
       </p:sp>
@@ -7409,15 +7679,15 @@
               <a:buChar char="-"/>
             </a:pPr>
             <a:r>
-              <a:rPr lang="de-DE" dirty="0" smtClean="0"/>
+              <a:rPr lang="de-DE" dirty="0"/>
               <a:t>von Terraform gemanagte Infrastruktur-Objekte werden in Form von </a:t>
             </a:r>
             <a:r>
-              <a:rPr lang="de-DE" dirty="0" err="1" smtClean="0"/>
+              <a:rPr lang="de-DE" dirty="0" err="1"/>
               <a:t>Resource</a:t>
             </a:r>
             <a:r>
-              <a:rPr lang="de-DE" dirty="0" smtClean="0"/>
+              <a:rPr lang="de-DE" dirty="0"/>
               <a:t>-Blöcken beschrieben</a:t>
             </a:r>
           </a:p>
@@ -7445,12 +7715,8 @@
               <a:buChar char="-"/>
             </a:pPr>
             <a:r>
-              <a:rPr lang="de-DE" dirty="0" smtClean="0"/>
-              <a:t>Summe der </a:t>
-            </a:r>
-            <a:r>
               <a:rPr lang="de-DE" dirty="0"/>
-              <a:t>Ressourcen beschreibt die Infrastruktur</a:t>
+              <a:t>Summe der Ressourcen beschreibt die Infrastruktur</a:t>
             </a:r>
           </a:p>
           <a:p>
@@ -7458,7 +7724,7 @@
               <a:buFontTx/>
               <a:buChar char="-"/>
             </a:pPr>
-            <a:endParaRPr lang="de-DE" dirty="0" smtClean="0"/>
+            <a:endParaRPr lang="de-DE" dirty="0"/>
           </a:p>
         </p:txBody>
       </p:sp>
@@ -7533,15 +7799,9 @@
               <a:rPr lang="de-DE" sz="1050" dirty="0">
                 <a:hlinkClick r:id="rId4"/>
               </a:rPr>
-              <a:t>https://</a:t>
-            </a:r>
-            <a:r>
-              <a:rPr lang="de-DE" sz="1050" dirty="0" smtClean="0">
-                <a:hlinkClick r:id="rId4"/>
-              </a:rPr>
-              <a:t>levelup.gitconnected.com/terraform-explained-for-managers-f894253fa6b2</a:t>
-            </a:r>
-            <a:endParaRPr lang="de-DE" sz="1050" dirty="0" smtClean="0"/>
+              <a:t>https://levelup.gitconnected.com/terraform-explained-for-managers-f894253fa6b2</a:t>
+            </a:r>
+            <a:endParaRPr lang="de-DE" sz="1050" dirty="0"/>
           </a:p>
         </p:txBody>
       </p:sp>
@@ -7555,13 +7815,6 @@
   <p:clrMapOvr>
     <a:masterClrMapping/>
   </p:clrMapOvr>
-  <p:timing>
-    <p:tnLst>
-      <p:par>
-        <p:cTn id="1" dur="indefinite" restart="never" nodeType="tmRoot"/>
-      </p:par>
-    </p:tnLst>
-  </p:timing>
 </p:sld>
 </file>
 
@@ -7598,10 +7851,9 @@
           <a:lstStyle/>
           <a:p>
             <a:r>
-              <a:rPr lang="de-DE" dirty="0" smtClean="0"/>
+              <a:rPr lang="de-DE" dirty="0"/>
               <a:t>Abhängigkeiten </a:t>
             </a:r>
-            <a:endParaRPr lang="de-DE" dirty="0"/>
           </a:p>
         </p:txBody>
       </p:sp>
@@ -7625,8 +7877,8 @@
               <a:buChar char="-"/>
             </a:pPr>
             <a:r>
-              <a:rPr lang="de-DE" dirty="0" smtClean="0"/>
-              <a:t>Ressourcen können voneinander Abhängen</a:t>
+              <a:rPr lang="de-DE" dirty="0"/>
+              <a:t>Ressourcen können voneinander abhängen</a:t>
             </a:r>
           </a:p>
           <a:p>
@@ -7635,7 +7887,7 @@
               <a:buChar char="-"/>
             </a:pPr>
             <a:r>
-              <a:rPr lang="de-DE" dirty="0" smtClean="0"/>
+              <a:rPr lang="de-DE" dirty="0"/>
               <a:t>Terraform löst Abhängigkeiten automatisch auf</a:t>
             </a:r>
           </a:p>
@@ -7645,15 +7897,15 @@
               <a:buChar char="-"/>
             </a:pPr>
             <a:r>
-              <a:rPr lang="de-DE" dirty="0" smtClean="0"/>
+              <a:rPr lang="de-DE" dirty="0"/>
               <a:t>Ausdrücke innerhalb eines </a:t>
             </a:r>
             <a:r>
-              <a:rPr lang="de-DE" dirty="0" err="1" smtClean="0"/>
+              <a:rPr lang="de-DE" dirty="0" err="1"/>
               <a:t>Resource</a:t>
             </a:r>
             <a:r>
-              <a:rPr lang="de-DE" dirty="0" smtClean="0"/>
+              <a:rPr lang="de-DE" dirty="0"/>
               <a:t>-Block werden auf Referenzen auf andere Ressourcen ausgewertet</a:t>
             </a:r>
           </a:p>
@@ -7663,7 +7915,7 @@
               <a:buChar char="-"/>
             </a:pPr>
             <a:r>
-              <a:rPr lang="de-DE" dirty="0" smtClean="0"/>
+              <a:rPr lang="de-DE" dirty="0"/>
               <a:t>Reihenfolge des Erzeugen, Aktualisieren und Zerstören von Ressourcen wird von Terraform berücksichtigt</a:t>
             </a:r>
           </a:p>
@@ -7679,13 +7931,6 @@
   <p:clrMapOvr>
     <a:masterClrMapping/>
   </p:clrMapOvr>
-  <p:timing>
-    <p:tnLst>
-      <p:par>
-        <p:cTn id="1" dur="indefinite" restart="never" nodeType="tmRoot"/>
-      </p:par>
-    </p:tnLst>
-  </p:timing>
 </p:sld>
 </file>
 
@@ -7722,10 +7967,9 @@
           <a:lstStyle/>
           <a:p>
             <a:r>
-              <a:rPr lang="de-DE" dirty="0" smtClean="0"/>
+              <a:rPr lang="de-DE" dirty="0"/>
               <a:t>Implizite Abhängigkeiten</a:t>
             </a:r>
-            <a:endParaRPr lang="de-DE" dirty="0"/>
           </a:p>
         </p:txBody>
       </p:sp>
@@ -7754,7 +7998,7 @@
               <a:buChar char="-"/>
             </a:pPr>
             <a:r>
-              <a:rPr lang="de-DE" dirty="0" smtClean="0"/>
+              <a:rPr lang="de-DE" dirty="0"/>
               <a:t>Subnetze werden erst angelegt, nachdem das VPC erzeugt wurde</a:t>
             </a:r>
           </a:p>
@@ -7831,7 +8075,7 @@
               <a:tabLst/>
             </a:pPr>
             <a:r>
-              <a:rPr kumimoji="0" lang="de-DE" altLang="de-DE" sz="2400" b="0" i="1" u="none" strike="noStrike" cap="none" normalizeH="0" baseline="0" dirty="0" err="1" smtClean="0">
+              <a:rPr kumimoji="0" lang="de-DE" altLang="de-DE" sz="2400" b="0" i="1" u="none" strike="noStrike" cap="none" normalizeH="0" baseline="0" dirty="0" err="1">
                 <a:ln>
                   <a:noFill/>
                 </a:ln>
@@ -7844,7 +8088,7 @@
               <a:t>resource</a:t>
             </a:r>
             <a:r>
-              <a:rPr kumimoji="0" lang="de-DE" altLang="de-DE" sz="2400" b="0" i="1" u="none" strike="noStrike" cap="none" normalizeH="0" baseline="0" dirty="0" smtClean="0">
+              <a:rPr kumimoji="0" lang="de-DE" altLang="de-DE" sz="2400" b="0" i="1" u="none" strike="noStrike" cap="none" normalizeH="0" baseline="0" dirty="0">
                 <a:ln>
                   <a:noFill/>
                 </a:ln>
@@ -7857,7 +8101,7 @@
               <a:t> </a:t>
             </a:r>
             <a:r>
-              <a:rPr kumimoji="0" lang="de-DE" altLang="de-DE" sz="2400" b="0" i="0" u="none" strike="noStrike" cap="none" normalizeH="0" baseline="0" dirty="0" smtClean="0">
+              <a:rPr kumimoji="0" lang="de-DE" altLang="de-DE" sz="2400" b="0" i="0" u="none" strike="noStrike" cap="none" normalizeH="0" baseline="0" dirty="0">
                 <a:ln>
                   <a:noFill/>
                 </a:ln>
@@ -7870,7 +8114,7 @@
               <a:t>"</a:t>
             </a:r>
             <a:r>
-              <a:rPr kumimoji="0" lang="de-DE" altLang="de-DE" sz="2400" b="0" i="0" u="none" strike="noStrike" cap="none" normalizeH="0" baseline="0" dirty="0" err="1" smtClean="0">
+              <a:rPr kumimoji="0" lang="de-DE" altLang="de-DE" sz="2400" b="0" i="0" u="none" strike="noStrike" cap="none" normalizeH="0" baseline="0" dirty="0" err="1">
                 <a:ln>
                   <a:noFill/>
                 </a:ln>
@@ -7883,7 +8127,7 @@
               <a:t>aws_vpc</a:t>
             </a:r>
             <a:r>
-              <a:rPr kumimoji="0" lang="de-DE" altLang="de-DE" sz="2400" b="0" i="0" u="none" strike="noStrike" cap="none" normalizeH="0" baseline="0" dirty="0" smtClean="0">
+              <a:rPr kumimoji="0" lang="de-DE" altLang="de-DE" sz="2400" b="0" i="0" u="none" strike="noStrike" cap="none" normalizeH="0" baseline="0" dirty="0">
                 <a:ln>
                   <a:noFill/>
                 </a:ln>
@@ -7896,7 +8140,7 @@
               <a:t>" "</a:t>
             </a:r>
             <a:r>
-              <a:rPr kumimoji="0" lang="de-DE" altLang="de-DE" sz="2400" b="0" i="0" u="none" strike="noStrike" cap="none" normalizeH="0" baseline="0" dirty="0" err="1" smtClean="0">
+              <a:rPr kumimoji="0" lang="de-DE" altLang="de-DE" sz="2400" b="0" i="0" u="none" strike="noStrike" cap="none" normalizeH="0" baseline="0" dirty="0" err="1">
                 <a:ln>
                   <a:noFill/>
                 </a:ln>
@@ -7909,7 +8153,7 @@
               <a:t>my_vpc</a:t>
             </a:r>
             <a:r>
-              <a:rPr kumimoji="0" lang="de-DE" altLang="de-DE" sz="2400" b="0" i="0" u="none" strike="noStrike" cap="none" normalizeH="0" baseline="0" dirty="0" smtClean="0">
+              <a:rPr kumimoji="0" lang="de-DE" altLang="de-DE" sz="2400" b="0" i="0" u="none" strike="noStrike" cap="none" normalizeH="0" baseline="0" dirty="0">
                 <a:ln>
                   <a:noFill/>
                 </a:ln>
@@ -7922,7 +8166,7 @@
               <a:t>" </a:t>
             </a:r>
             <a:r>
-              <a:rPr kumimoji="0" lang="de-DE" altLang="de-DE" sz="2400" b="0" i="0" u="none" strike="noStrike" cap="none" normalizeH="0" baseline="0" dirty="0" smtClean="0">
+              <a:rPr kumimoji="0" lang="de-DE" altLang="de-DE" sz="2400" b="0" i="0" u="none" strike="noStrike" cap="none" normalizeH="0" baseline="0" dirty="0">
                 <a:ln>
                   <a:noFill/>
                 </a:ln>
@@ -7935,7 +8179,7 @@
               <a:t>{</a:t>
             </a:r>
             <a:br>
-              <a:rPr kumimoji="0" lang="de-DE" altLang="de-DE" sz="2400" b="0" i="0" u="none" strike="noStrike" cap="none" normalizeH="0" baseline="0" dirty="0" smtClean="0">
+              <a:rPr kumimoji="0" lang="de-DE" altLang="de-DE" sz="2400" b="0" i="0" u="none" strike="noStrike" cap="none" normalizeH="0" baseline="0" dirty="0">
                 <a:ln>
                   <a:noFill/>
                 </a:ln>
@@ -7947,7 +8191,7 @@
               </a:rPr>
             </a:br>
             <a:r>
-              <a:rPr kumimoji="0" lang="de-DE" altLang="de-DE" sz="2400" b="0" i="0" u="none" strike="noStrike" cap="none" normalizeH="0" baseline="0" dirty="0" smtClean="0">
+              <a:rPr kumimoji="0" lang="de-DE" altLang="de-DE" sz="2400" b="0" i="0" u="none" strike="noStrike" cap="none" normalizeH="0" baseline="0" dirty="0">
                 <a:ln>
                   <a:noFill/>
                 </a:ln>
@@ -7960,7 +8204,7 @@
               <a:t>  </a:t>
             </a:r>
             <a:r>
-              <a:rPr kumimoji="0" lang="de-DE" altLang="de-DE" sz="2400" b="0" i="0" u="none" strike="noStrike" cap="none" normalizeH="0" baseline="0" dirty="0" err="1" smtClean="0">
+              <a:rPr kumimoji="0" lang="de-DE" altLang="de-DE" sz="2400" b="0" i="0" u="none" strike="noStrike" cap="none" normalizeH="0" baseline="0" dirty="0" err="1">
                 <a:ln>
                   <a:noFill/>
                 </a:ln>
@@ -7973,7 +8217,7 @@
               <a:t>cidr_block</a:t>
             </a:r>
             <a:r>
-              <a:rPr kumimoji="0" lang="de-DE" altLang="de-DE" sz="2400" b="0" i="0" u="none" strike="noStrike" cap="none" normalizeH="0" baseline="0" dirty="0" smtClean="0">
+              <a:rPr kumimoji="0" lang="de-DE" altLang="de-DE" sz="2400" b="0" i="0" u="none" strike="noStrike" cap="none" normalizeH="0" baseline="0" dirty="0">
                 <a:ln>
                   <a:noFill/>
                 </a:ln>
@@ -7986,7 +8230,7 @@
               <a:t> </a:t>
             </a:r>
             <a:r>
-              <a:rPr kumimoji="0" lang="de-DE" altLang="de-DE" sz="2400" b="0" i="0" u="none" strike="noStrike" cap="none" normalizeH="0" baseline="0" dirty="0" smtClean="0">
+              <a:rPr kumimoji="0" lang="de-DE" altLang="de-DE" sz="2400" b="0" i="0" u="none" strike="noStrike" cap="none" normalizeH="0" baseline="0" dirty="0">
                 <a:ln>
                   <a:noFill/>
                 </a:ln>
@@ -7999,7 +8243,7 @@
               <a:t>= </a:t>
             </a:r>
             <a:r>
-              <a:rPr kumimoji="0" lang="de-DE" altLang="de-DE" sz="2400" b="0" i="0" u="none" strike="noStrike" cap="none" normalizeH="0" baseline="0" dirty="0" smtClean="0">
+              <a:rPr kumimoji="0" lang="de-DE" altLang="de-DE" sz="2400" b="0" i="0" u="none" strike="noStrike" cap="none" normalizeH="0" baseline="0" dirty="0">
                 <a:ln>
                   <a:noFill/>
                 </a:ln>
@@ -8012,7 +8256,7 @@
               <a:t>"10.0.0.0/16"</a:t>
             </a:r>
             <a:br>
-              <a:rPr kumimoji="0" lang="de-DE" altLang="de-DE" sz="2400" b="0" i="0" u="none" strike="noStrike" cap="none" normalizeH="0" baseline="0" dirty="0" smtClean="0">
+              <a:rPr kumimoji="0" lang="de-DE" altLang="de-DE" sz="2400" b="0" i="0" u="none" strike="noStrike" cap="none" normalizeH="0" baseline="0" dirty="0">
                 <a:ln>
                   <a:noFill/>
                 </a:ln>
@@ -8024,7 +8268,7 @@
               </a:rPr>
             </a:br>
             <a:r>
-              <a:rPr kumimoji="0" lang="de-DE" altLang="de-DE" sz="2400" b="0" i="0" u="none" strike="noStrike" cap="none" normalizeH="0" baseline="0" dirty="0" smtClean="0">
+              <a:rPr kumimoji="0" lang="de-DE" altLang="de-DE" sz="2400" b="0" i="0" u="none" strike="noStrike" cap="none" normalizeH="0" baseline="0" dirty="0">
                 <a:ln>
                   <a:noFill/>
                 </a:ln>
@@ -8037,7 +8281,7 @@
               <a:t>}</a:t>
             </a:r>
             <a:br>
-              <a:rPr kumimoji="0" lang="de-DE" altLang="de-DE" sz="2400" b="0" i="0" u="none" strike="noStrike" cap="none" normalizeH="0" baseline="0" dirty="0" smtClean="0">
+              <a:rPr kumimoji="0" lang="de-DE" altLang="de-DE" sz="2400" b="0" i="0" u="none" strike="noStrike" cap="none" normalizeH="0" baseline="0" dirty="0">
                 <a:ln>
                   <a:noFill/>
                 </a:ln>
@@ -8048,21 +8292,8 @@
                 <a:latin typeface="JetBrains Mono"/>
               </a:rPr>
             </a:br>
-            <a:r>
-              <a:rPr kumimoji="0" lang="de-DE" altLang="de-DE" sz="2400" b="0" i="0" u="none" strike="noStrike" cap="none" normalizeH="0" baseline="0" dirty="0" smtClean="0">
-                <a:ln>
-                  <a:noFill/>
-                </a:ln>
-                <a:solidFill>
-                  <a:srgbClr val="BBBBBB"/>
-                </a:solidFill>
-                <a:effectLst/>
-                <a:latin typeface="JetBrains Mono"/>
-              </a:rPr>
-              <a:t/>
-            </a:r>
             <a:br>
-              <a:rPr kumimoji="0" lang="de-DE" altLang="de-DE" sz="2400" b="0" i="0" u="none" strike="noStrike" cap="none" normalizeH="0" baseline="0" dirty="0" smtClean="0">
+              <a:rPr kumimoji="0" lang="de-DE" altLang="de-DE" sz="2400" b="0" i="0" u="none" strike="noStrike" cap="none" normalizeH="0" baseline="0" dirty="0">
                 <a:ln>
                   <a:noFill/>
                 </a:ln>
@@ -8074,7 +8305,7 @@
               </a:rPr>
             </a:br>
             <a:r>
-              <a:rPr kumimoji="0" lang="de-DE" altLang="de-DE" sz="2400" b="0" i="1" u="none" strike="noStrike" cap="none" normalizeH="0" baseline="0" dirty="0" err="1" smtClean="0">
+              <a:rPr kumimoji="0" lang="de-DE" altLang="de-DE" sz="2400" b="0" i="1" u="none" strike="noStrike" cap="none" normalizeH="0" baseline="0" dirty="0" err="1">
                 <a:ln>
                   <a:noFill/>
                 </a:ln>
@@ -8087,7 +8318,7 @@
               <a:t>resource</a:t>
             </a:r>
             <a:r>
-              <a:rPr kumimoji="0" lang="de-DE" altLang="de-DE" sz="2400" b="0" i="1" u="none" strike="noStrike" cap="none" normalizeH="0" baseline="0" dirty="0" smtClean="0">
+              <a:rPr kumimoji="0" lang="de-DE" altLang="de-DE" sz="2400" b="0" i="1" u="none" strike="noStrike" cap="none" normalizeH="0" baseline="0" dirty="0">
                 <a:ln>
                   <a:noFill/>
                 </a:ln>
@@ -8100,7 +8331,7 @@
               <a:t> </a:t>
             </a:r>
             <a:r>
-              <a:rPr kumimoji="0" lang="de-DE" altLang="de-DE" sz="2400" b="0" i="0" u="none" strike="noStrike" cap="none" normalizeH="0" baseline="0" dirty="0" smtClean="0">
+              <a:rPr kumimoji="0" lang="de-DE" altLang="de-DE" sz="2400" b="0" i="0" u="none" strike="noStrike" cap="none" normalizeH="0" baseline="0" dirty="0">
                 <a:ln>
                   <a:noFill/>
                 </a:ln>
@@ -8113,7 +8344,7 @@
               <a:t>"</a:t>
             </a:r>
             <a:r>
-              <a:rPr kumimoji="0" lang="de-DE" altLang="de-DE" sz="2400" b="0" i="0" u="none" strike="noStrike" cap="none" normalizeH="0" baseline="0" dirty="0" err="1" smtClean="0">
+              <a:rPr kumimoji="0" lang="de-DE" altLang="de-DE" sz="2400" b="0" i="0" u="none" strike="noStrike" cap="none" normalizeH="0" baseline="0" dirty="0" err="1">
                 <a:ln>
                   <a:noFill/>
                 </a:ln>
@@ -8126,7 +8357,7 @@
               <a:t>aws_subnet</a:t>
             </a:r>
             <a:r>
-              <a:rPr kumimoji="0" lang="de-DE" altLang="de-DE" sz="2400" b="0" i="0" u="none" strike="noStrike" cap="none" normalizeH="0" baseline="0" dirty="0" smtClean="0">
+              <a:rPr kumimoji="0" lang="de-DE" altLang="de-DE" sz="2400" b="0" i="0" u="none" strike="noStrike" cap="none" normalizeH="0" baseline="0" dirty="0">
                 <a:ln>
                   <a:noFill/>
                 </a:ln>
@@ -8139,7 +8370,7 @@
               <a:t>" "</a:t>
             </a:r>
             <a:r>
-              <a:rPr kumimoji="0" lang="de-DE" altLang="de-DE" sz="2400" b="0" i="0" u="none" strike="noStrike" cap="none" normalizeH="0" baseline="0" dirty="0" err="1" smtClean="0">
+              <a:rPr kumimoji="0" lang="de-DE" altLang="de-DE" sz="2400" b="0" i="0" u="none" strike="noStrike" cap="none" normalizeH="0" baseline="0" dirty="0" err="1">
                 <a:ln>
                   <a:noFill/>
                 </a:ln>
@@ -8152,7 +8383,7 @@
               <a:t>my_subnet</a:t>
             </a:r>
             <a:r>
-              <a:rPr kumimoji="0" lang="de-DE" altLang="de-DE" sz="2400" b="0" i="0" u="none" strike="noStrike" cap="none" normalizeH="0" baseline="0" dirty="0" smtClean="0">
+              <a:rPr kumimoji="0" lang="de-DE" altLang="de-DE" sz="2400" b="0" i="0" u="none" strike="noStrike" cap="none" normalizeH="0" baseline="0" dirty="0">
                 <a:ln>
                   <a:noFill/>
                 </a:ln>
@@ -8165,7 +8396,7 @@
               <a:t>" </a:t>
             </a:r>
             <a:r>
-              <a:rPr kumimoji="0" lang="de-DE" altLang="de-DE" sz="2400" b="0" i="0" u="none" strike="noStrike" cap="none" normalizeH="0" baseline="0" dirty="0" smtClean="0">
+              <a:rPr kumimoji="0" lang="de-DE" altLang="de-DE" sz="2400" b="0" i="0" u="none" strike="noStrike" cap="none" normalizeH="0" baseline="0" dirty="0">
                 <a:ln>
                   <a:noFill/>
                 </a:ln>
@@ -8178,7 +8409,7 @@
               <a:t>{</a:t>
             </a:r>
             <a:br>
-              <a:rPr kumimoji="0" lang="de-DE" altLang="de-DE" sz="2400" b="0" i="0" u="none" strike="noStrike" cap="none" normalizeH="0" baseline="0" dirty="0" smtClean="0">
+              <a:rPr kumimoji="0" lang="de-DE" altLang="de-DE" sz="2400" b="0" i="0" u="none" strike="noStrike" cap="none" normalizeH="0" baseline="0" dirty="0">
                 <a:ln>
                   <a:noFill/>
                 </a:ln>
@@ -8190,7 +8421,7 @@
               </a:rPr>
             </a:br>
             <a:r>
-              <a:rPr kumimoji="0" lang="de-DE" altLang="de-DE" sz="2400" b="0" i="0" u="none" strike="noStrike" cap="none" normalizeH="0" baseline="0" dirty="0" smtClean="0">
+              <a:rPr kumimoji="0" lang="de-DE" altLang="de-DE" sz="2400" b="0" i="0" u="none" strike="noStrike" cap="none" normalizeH="0" baseline="0" dirty="0">
                 <a:ln>
                   <a:noFill/>
                 </a:ln>
@@ -8203,7 +8434,7 @@
               <a:t>  </a:t>
             </a:r>
             <a:r>
-              <a:rPr kumimoji="0" lang="de-DE" altLang="de-DE" sz="2400" b="0" i="0" u="none" strike="noStrike" cap="none" normalizeH="0" baseline="0" dirty="0" err="1" smtClean="0">
+              <a:rPr kumimoji="0" lang="de-DE" altLang="de-DE" sz="2400" b="0" i="0" u="none" strike="noStrike" cap="none" normalizeH="0" baseline="0" dirty="0" err="1">
                 <a:ln>
                   <a:noFill/>
                 </a:ln>
@@ -8216,7 +8447,7 @@
               <a:t>vpc_id</a:t>
             </a:r>
             <a:r>
-              <a:rPr kumimoji="0" lang="de-DE" altLang="de-DE" sz="2400" b="0" i="0" u="none" strike="noStrike" cap="none" normalizeH="0" baseline="0" dirty="0" smtClean="0">
+              <a:rPr kumimoji="0" lang="de-DE" altLang="de-DE" sz="2400" b="0" i="0" u="none" strike="noStrike" cap="none" normalizeH="0" baseline="0" dirty="0">
                 <a:ln>
                   <a:noFill/>
                 </a:ln>
@@ -8229,7 +8460,7 @@
               <a:t>     </a:t>
             </a:r>
             <a:r>
-              <a:rPr kumimoji="0" lang="de-DE" altLang="de-DE" sz="2400" b="0" i="0" u="none" strike="noStrike" cap="none" normalizeH="0" baseline="0" dirty="0" smtClean="0">
+              <a:rPr kumimoji="0" lang="de-DE" altLang="de-DE" sz="2400" b="0" i="0" u="none" strike="noStrike" cap="none" normalizeH="0" baseline="0" dirty="0">
                 <a:ln>
                   <a:noFill/>
                 </a:ln>
@@ -8242,7 +8473,7 @@
               <a:t>= </a:t>
             </a:r>
             <a:r>
-              <a:rPr kumimoji="0" lang="de-DE" altLang="de-DE" sz="2400" b="0" i="0" u="none" strike="noStrike" cap="none" normalizeH="0" baseline="0" dirty="0" smtClean="0">
+              <a:rPr kumimoji="0" lang="de-DE" altLang="de-DE" sz="2400" b="0" i="0" u="none" strike="noStrike" cap="none" normalizeH="0" baseline="0" dirty="0">
                 <a:ln>
                   <a:noFill/>
                 </a:ln>
@@ -8255,7 +8486,7 @@
               <a:t>aws_vpc</a:t>
             </a:r>
             <a:r>
-              <a:rPr kumimoji="0" lang="de-DE" altLang="de-DE" sz="2400" b="0" i="0" u="none" strike="noStrike" cap="none" normalizeH="0" baseline="0" dirty="0" smtClean="0">
+              <a:rPr kumimoji="0" lang="de-DE" altLang="de-DE" sz="2400" b="0" i="0" u="none" strike="noStrike" cap="none" normalizeH="0" baseline="0" dirty="0">
                 <a:ln>
                   <a:noFill/>
                 </a:ln>
@@ -8268,7 +8499,7 @@
               <a:t>.</a:t>
             </a:r>
             <a:r>
-              <a:rPr kumimoji="0" lang="de-DE" altLang="de-DE" sz="2400" b="0" i="0" u="none" strike="noStrike" cap="none" normalizeH="0" baseline="0" dirty="0" smtClean="0">
+              <a:rPr kumimoji="0" lang="de-DE" altLang="de-DE" sz="2400" b="0" i="0" u="none" strike="noStrike" cap="none" normalizeH="0" baseline="0" dirty="0">
                 <a:ln>
                   <a:noFill/>
                 </a:ln>
@@ -8281,7 +8512,7 @@
               <a:t>my_vpc</a:t>
             </a:r>
             <a:r>
-              <a:rPr kumimoji="0" lang="de-DE" altLang="de-DE" sz="2400" b="0" i="0" u="none" strike="noStrike" cap="none" normalizeH="0" baseline="0" dirty="0" smtClean="0">
+              <a:rPr kumimoji="0" lang="de-DE" altLang="de-DE" sz="2400" b="0" i="0" u="none" strike="noStrike" cap="none" normalizeH="0" baseline="0" dirty="0">
                 <a:ln>
                   <a:noFill/>
                 </a:ln>
@@ -8294,7 +8525,7 @@
               <a:t>.</a:t>
             </a:r>
             <a:r>
-              <a:rPr kumimoji="0" lang="de-DE" altLang="de-DE" sz="2400" b="0" i="0" u="none" strike="noStrike" cap="none" normalizeH="0" baseline="0" dirty="0" smtClean="0">
+              <a:rPr kumimoji="0" lang="de-DE" altLang="de-DE" sz="2400" b="0" i="0" u="none" strike="noStrike" cap="none" normalizeH="0" baseline="0" dirty="0">
                 <a:ln>
                   <a:noFill/>
                 </a:ln>
@@ -8307,7 +8538,7 @@
               <a:t>id</a:t>
             </a:r>
             <a:br>
-              <a:rPr kumimoji="0" lang="de-DE" altLang="de-DE" sz="2400" b="0" i="0" u="none" strike="noStrike" cap="none" normalizeH="0" baseline="0" dirty="0" smtClean="0">
+              <a:rPr kumimoji="0" lang="de-DE" altLang="de-DE" sz="2400" b="0" i="0" u="none" strike="noStrike" cap="none" normalizeH="0" baseline="0" dirty="0">
                 <a:ln>
                   <a:noFill/>
                 </a:ln>
@@ -8319,7 +8550,7 @@
               </a:rPr>
             </a:br>
             <a:r>
-              <a:rPr kumimoji="0" lang="de-DE" altLang="de-DE" sz="2400" b="0" i="0" u="none" strike="noStrike" cap="none" normalizeH="0" baseline="0" dirty="0" smtClean="0">
+              <a:rPr kumimoji="0" lang="de-DE" altLang="de-DE" sz="2400" b="0" i="0" u="none" strike="noStrike" cap="none" normalizeH="0" baseline="0" dirty="0">
                 <a:ln>
                   <a:noFill/>
                 </a:ln>
@@ -8332,7 +8563,7 @@
               <a:t>  </a:t>
             </a:r>
             <a:r>
-              <a:rPr kumimoji="0" lang="de-DE" altLang="de-DE" sz="2400" b="0" i="0" u="none" strike="noStrike" cap="none" normalizeH="0" baseline="0" dirty="0" err="1" smtClean="0">
+              <a:rPr kumimoji="0" lang="de-DE" altLang="de-DE" sz="2400" b="0" i="0" u="none" strike="noStrike" cap="none" normalizeH="0" baseline="0" dirty="0" err="1">
                 <a:ln>
                   <a:noFill/>
                 </a:ln>
@@ -8345,7 +8576,7 @@
               <a:t>cidr_block</a:t>
             </a:r>
             <a:r>
-              <a:rPr kumimoji="0" lang="de-DE" altLang="de-DE" sz="2400" b="0" i="0" u="none" strike="noStrike" cap="none" normalizeH="0" baseline="0" dirty="0" smtClean="0">
+              <a:rPr kumimoji="0" lang="de-DE" altLang="de-DE" sz="2400" b="0" i="0" u="none" strike="noStrike" cap="none" normalizeH="0" baseline="0" dirty="0">
                 <a:ln>
                   <a:noFill/>
                 </a:ln>
@@ -8358,7 +8589,7 @@
               <a:t> </a:t>
             </a:r>
             <a:r>
-              <a:rPr kumimoji="0" lang="de-DE" altLang="de-DE" sz="2400" b="0" i="0" u="none" strike="noStrike" cap="none" normalizeH="0" baseline="0" dirty="0" smtClean="0">
+              <a:rPr kumimoji="0" lang="de-DE" altLang="de-DE" sz="2400" b="0" i="0" u="none" strike="noStrike" cap="none" normalizeH="0" baseline="0" dirty="0">
                 <a:ln>
                   <a:noFill/>
                 </a:ln>
@@ -8371,7 +8602,7 @@
               <a:t>= </a:t>
             </a:r>
             <a:r>
-              <a:rPr kumimoji="0" lang="de-DE" altLang="de-DE" sz="2400" b="0" i="0" u="none" strike="noStrike" cap="none" normalizeH="0" baseline="0" dirty="0" smtClean="0">
+              <a:rPr kumimoji="0" lang="de-DE" altLang="de-DE" sz="2400" b="0" i="0" u="none" strike="noStrike" cap="none" normalizeH="0" baseline="0" dirty="0">
                 <a:ln>
                   <a:noFill/>
                 </a:ln>
@@ -8384,7 +8615,7 @@
               <a:t>"10.0.1.0/24"</a:t>
             </a:r>
             <a:br>
-              <a:rPr kumimoji="0" lang="de-DE" altLang="de-DE" sz="2400" b="0" i="0" u="none" strike="noStrike" cap="none" normalizeH="0" baseline="0" dirty="0" smtClean="0">
+              <a:rPr kumimoji="0" lang="de-DE" altLang="de-DE" sz="2400" b="0" i="0" u="none" strike="noStrike" cap="none" normalizeH="0" baseline="0" dirty="0">
                 <a:ln>
                   <a:noFill/>
                 </a:ln>
@@ -8396,7 +8627,7 @@
               </a:rPr>
             </a:br>
             <a:r>
-              <a:rPr kumimoji="0" lang="de-DE" altLang="de-DE" sz="2400" b="0" i="0" u="none" strike="noStrike" cap="none" normalizeH="0" baseline="0" dirty="0" smtClean="0">
+              <a:rPr kumimoji="0" lang="de-DE" altLang="de-DE" sz="2400" b="0" i="0" u="none" strike="noStrike" cap="none" normalizeH="0" baseline="0" dirty="0">
                 <a:ln>
                   <a:noFill/>
                 </a:ln>
@@ -8408,7 +8639,7 @@
               </a:rPr>
               <a:t>}</a:t>
             </a:r>
-            <a:endParaRPr kumimoji="0" lang="de-DE" altLang="de-DE" sz="4800" b="0" i="0" u="none" strike="noStrike" cap="none" normalizeH="0" baseline="0" dirty="0" smtClean="0">
+            <a:endParaRPr kumimoji="0" lang="de-DE" altLang="de-DE" sz="4800" b="0" i="0" u="none" strike="noStrike" cap="none" normalizeH="0" baseline="0" dirty="0">
               <a:ln>
                 <a:noFill/>
               </a:ln>
@@ -8431,13 +8662,6 @@
   <p:clrMapOvr>
     <a:masterClrMapping/>
   </p:clrMapOvr>
-  <p:timing>
-    <p:tnLst>
-      <p:par>
-        <p:cTn id="1" dur="indefinite" restart="never" nodeType="tmRoot"/>
-      </p:par>
-    </p:tnLst>
-  </p:timing>
 </p:sld>
 </file>
 
@@ -8474,10 +8698,9 @@
           <a:lstStyle/>
           <a:p>
             <a:r>
-              <a:rPr lang="de-DE" dirty="0" smtClean="0"/>
+              <a:rPr lang="de-DE" dirty="0"/>
               <a:t>Abhängigkeiten II</a:t>
             </a:r>
-            <a:endParaRPr lang="de-DE" dirty="0"/>
           </a:p>
         </p:txBody>
       </p:sp>
@@ -8501,7 +8724,7 @@
               <a:buChar char="-"/>
             </a:pPr>
             <a:r>
-              <a:rPr lang="de-DE" dirty="0" smtClean="0"/>
+              <a:rPr lang="de-DE" dirty="0"/>
               <a:t>Nicht alle Abhängigkeiten können anhand der Konfiguration implizit erkannt werden</a:t>
             </a:r>
           </a:p>
@@ -8511,15 +8734,15 @@
               <a:buChar char="-"/>
             </a:pPr>
             <a:r>
-              <a:rPr lang="de-DE" dirty="0" smtClean="0"/>
+              <a:rPr lang="de-DE" dirty="0"/>
               <a:t>„Versteckte“ Abhängigkeiten können via Meta-Argument „</a:t>
             </a:r>
             <a:r>
-              <a:rPr lang="de-DE" dirty="0" err="1" smtClean="0"/>
+              <a:rPr lang="de-DE" dirty="0" err="1"/>
               <a:t>depends_on</a:t>
             </a:r>
             <a:r>
-              <a:rPr lang="de-DE" dirty="0" smtClean="0"/>
+              <a:rPr lang="de-DE" dirty="0"/>
               <a:t>“ explizit angegeben werden</a:t>
             </a:r>
           </a:p>
@@ -8535,13 +8758,6 @@
   <p:clrMapOvr>
     <a:masterClrMapping/>
   </p:clrMapOvr>
-  <p:timing>
-    <p:tnLst>
-      <p:par>
-        <p:cTn id="1" dur="indefinite" restart="never" nodeType="tmRoot"/>
-      </p:par>
-    </p:tnLst>
-  </p:timing>
 </p:sld>
 </file>
 
@@ -8578,11 +8794,11 @@
           <a:lstStyle/>
           <a:p>
             <a:r>
-              <a:rPr lang="de-DE" dirty="0" smtClean="0"/>
+              <a:rPr lang="de-DE" dirty="0"/>
               <a:t>Meta-Argument - </a:t>
             </a:r>
             <a:r>
-              <a:rPr lang="de-DE" dirty="0" err="1" smtClean="0"/>
+              <a:rPr lang="de-DE" dirty="0" err="1"/>
               <a:t>depends_on</a:t>
             </a:r>
             <a:endParaRPr lang="de-DE" dirty="0"/>
@@ -8608,16 +8824,8 @@
               <a:buNone/>
             </a:pPr>
             <a:r>
-              <a:rPr lang="de-DE" dirty="0" smtClean="0"/>
-              <a:t>- Falls die Abhängigkeit nicht </a:t>
-            </a:r>
-            <a:r>
-              <a:rPr lang="de-DE" dirty="0" err="1" smtClean="0"/>
-              <a:t>impliziet</a:t>
-            </a:r>
-            <a:r>
-              <a:rPr lang="de-DE" dirty="0" smtClean="0"/>
-              <a:t> aufgelöst werden kann, ist es auch möglich diese explizit anzugeben</a:t>
+              <a:rPr lang="de-DE" dirty="0"/>
+              <a:t>- Falls die Abhängigkeit nicht implizit aufgelöst werden kann, ist es auch möglich diese explizit anzugeben</a:t>
             </a:r>
           </a:p>
         </p:txBody>
@@ -8693,7 +8901,7 @@
               <a:tabLst/>
             </a:pPr>
             <a:r>
-              <a:rPr kumimoji="0" lang="de-DE" altLang="de-DE" sz="2400" b="0" i="1" u="none" strike="noStrike" cap="none" normalizeH="0" baseline="0" dirty="0" err="1" smtClean="0">
+              <a:rPr kumimoji="0" lang="de-DE" altLang="de-DE" sz="2400" b="0" i="1" u="none" strike="noStrike" cap="none" normalizeH="0" baseline="0" dirty="0" err="1">
                 <a:ln>
                   <a:noFill/>
                 </a:ln>
@@ -8706,7 +8914,7 @@
               <a:t>resource</a:t>
             </a:r>
             <a:r>
-              <a:rPr kumimoji="0" lang="de-DE" altLang="de-DE" sz="2400" b="0" i="1" u="none" strike="noStrike" cap="none" normalizeH="0" baseline="0" dirty="0" smtClean="0">
+              <a:rPr kumimoji="0" lang="de-DE" altLang="de-DE" sz="2400" b="0" i="1" u="none" strike="noStrike" cap="none" normalizeH="0" baseline="0" dirty="0">
                 <a:ln>
                   <a:noFill/>
                 </a:ln>
@@ -8719,7 +8927,7 @@
               <a:t> </a:t>
             </a:r>
             <a:r>
-              <a:rPr kumimoji="0" lang="de-DE" altLang="de-DE" sz="2400" b="0" i="0" u="none" strike="noStrike" cap="none" normalizeH="0" baseline="0" dirty="0" smtClean="0">
+              <a:rPr kumimoji="0" lang="de-DE" altLang="de-DE" sz="2400" b="0" i="0" u="none" strike="noStrike" cap="none" normalizeH="0" baseline="0" dirty="0">
                 <a:ln>
                   <a:noFill/>
                 </a:ln>
@@ -8732,7 +8940,7 @@
               <a:t>"</a:t>
             </a:r>
             <a:r>
-              <a:rPr kumimoji="0" lang="de-DE" altLang="de-DE" sz="2400" b="0" i="0" u="none" strike="noStrike" cap="none" normalizeH="0" baseline="0" dirty="0" err="1" smtClean="0">
+              <a:rPr kumimoji="0" lang="de-DE" altLang="de-DE" sz="2400" b="0" i="0" u="none" strike="noStrike" cap="none" normalizeH="0" baseline="0" dirty="0" err="1">
                 <a:ln>
                   <a:noFill/>
                 </a:ln>
@@ -8745,7 +8953,7 @@
               <a:t>aws_instance</a:t>
             </a:r>
             <a:r>
-              <a:rPr kumimoji="0" lang="de-DE" altLang="de-DE" sz="2400" b="0" i="0" u="none" strike="noStrike" cap="none" normalizeH="0" baseline="0" dirty="0" smtClean="0">
+              <a:rPr kumimoji="0" lang="de-DE" altLang="de-DE" sz="2400" b="0" i="0" u="none" strike="noStrike" cap="none" normalizeH="0" baseline="0" dirty="0">
                 <a:ln>
                   <a:noFill/>
                 </a:ln>
@@ -8758,7 +8966,7 @@
               <a:t>" "</a:t>
             </a:r>
             <a:r>
-              <a:rPr kumimoji="0" lang="de-DE" altLang="de-DE" sz="2400" b="0" i="0" u="none" strike="noStrike" cap="none" normalizeH="0" baseline="0" dirty="0" err="1" smtClean="0">
+              <a:rPr kumimoji="0" lang="de-DE" altLang="de-DE" sz="2400" b="0" i="0" u="none" strike="noStrike" cap="none" normalizeH="0" baseline="0" dirty="0" err="1">
                 <a:ln>
                   <a:noFill/>
                 </a:ln>
@@ -8771,7 +8979,7 @@
               <a:t>example</a:t>
             </a:r>
             <a:r>
-              <a:rPr kumimoji="0" lang="de-DE" altLang="de-DE" sz="2400" b="0" i="0" u="none" strike="noStrike" cap="none" normalizeH="0" baseline="0" dirty="0" smtClean="0">
+              <a:rPr kumimoji="0" lang="de-DE" altLang="de-DE" sz="2400" b="0" i="0" u="none" strike="noStrike" cap="none" normalizeH="0" baseline="0" dirty="0">
                 <a:ln>
                   <a:noFill/>
                 </a:ln>
@@ -8784,7 +8992,7 @@
               <a:t>" </a:t>
             </a:r>
             <a:r>
-              <a:rPr kumimoji="0" lang="de-DE" altLang="de-DE" sz="2400" b="0" i="0" u="none" strike="noStrike" cap="none" normalizeH="0" baseline="0" dirty="0" smtClean="0">
+              <a:rPr kumimoji="0" lang="de-DE" altLang="de-DE" sz="2400" b="0" i="0" u="none" strike="noStrike" cap="none" normalizeH="0" baseline="0" dirty="0">
                 <a:ln>
                   <a:noFill/>
                 </a:ln>
@@ -8797,7 +9005,7 @@
               <a:t>{</a:t>
             </a:r>
             <a:br>
-              <a:rPr kumimoji="0" lang="de-DE" altLang="de-DE" sz="2400" b="0" i="0" u="none" strike="noStrike" cap="none" normalizeH="0" baseline="0" dirty="0" smtClean="0">
+              <a:rPr kumimoji="0" lang="de-DE" altLang="de-DE" sz="2400" b="0" i="0" u="none" strike="noStrike" cap="none" normalizeH="0" baseline="0" dirty="0">
                 <a:ln>
                   <a:noFill/>
                 </a:ln>
@@ -8809,7 +9017,7 @@
               </a:rPr>
             </a:br>
             <a:r>
-              <a:rPr kumimoji="0" lang="de-DE" altLang="de-DE" sz="2400" b="0" i="0" u="none" strike="noStrike" cap="none" normalizeH="0" baseline="0" dirty="0" smtClean="0">
+              <a:rPr kumimoji="0" lang="de-DE" altLang="de-DE" sz="2400" b="0" i="0" u="none" strike="noStrike" cap="none" normalizeH="0" baseline="0" dirty="0">
                 <a:ln>
                   <a:noFill/>
                 </a:ln>
@@ -8822,7 +9030,7 @@
               <a:t>  </a:t>
             </a:r>
             <a:r>
-              <a:rPr kumimoji="0" lang="de-DE" altLang="de-DE" sz="2400" b="0" i="0" u="none" strike="noStrike" cap="none" normalizeH="0" baseline="0" dirty="0" err="1" smtClean="0">
+              <a:rPr kumimoji="0" lang="de-DE" altLang="de-DE" sz="2400" b="0" i="0" u="none" strike="noStrike" cap="none" normalizeH="0" baseline="0" dirty="0" err="1">
                 <a:ln>
                   <a:noFill/>
                 </a:ln>
@@ -8835,7 +9043,7 @@
               <a:t>ami</a:t>
             </a:r>
             <a:r>
-              <a:rPr kumimoji="0" lang="de-DE" altLang="de-DE" sz="2400" b="0" i="0" u="none" strike="noStrike" cap="none" normalizeH="0" baseline="0" dirty="0" smtClean="0">
+              <a:rPr kumimoji="0" lang="de-DE" altLang="de-DE" sz="2400" b="0" i="0" u="none" strike="noStrike" cap="none" normalizeH="0" baseline="0" dirty="0">
                 <a:ln>
                   <a:noFill/>
                 </a:ln>
@@ -8848,7 +9056,7 @@
               <a:t>           </a:t>
             </a:r>
             <a:r>
-              <a:rPr kumimoji="0" lang="de-DE" altLang="de-DE" sz="2400" b="0" i="0" u="none" strike="noStrike" cap="none" normalizeH="0" baseline="0" dirty="0" smtClean="0">
+              <a:rPr kumimoji="0" lang="de-DE" altLang="de-DE" sz="2400" b="0" i="0" u="none" strike="noStrike" cap="none" normalizeH="0" baseline="0" dirty="0">
                 <a:ln>
                   <a:noFill/>
                 </a:ln>
@@ -8861,7 +9069,7 @@
               <a:t>= </a:t>
             </a:r>
             <a:r>
-              <a:rPr kumimoji="0" lang="de-DE" altLang="de-DE" sz="2400" b="0" i="0" u="none" strike="noStrike" cap="none" normalizeH="0" baseline="0" dirty="0" smtClean="0">
+              <a:rPr kumimoji="0" lang="de-DE" altLang="de-DE" sz="2400" b="0" i="0" u="none" strike="noStrike" cap="none" normalizeH="0" baseline="0" dirty="0">
                 <a:ln>
                   <a:noFill/>
                 </a:ln>
@@ -8874,7 +9082,7 @@
               <a:t>"ami-a1b2c3d4"</a:t>
             </a:r>
             <a:br>
-              <a:rPr kumimoji="0" lang="de-DE" altLang="de-DE" sz="2400" b="0" i="0" u="none" strike="noStrike" cap="none" normalizeH="0" baseline="0" dirty="0" smtClean="0">
+              <a:rPr kumimoji="0" lang="de-DE" altLang="de-DE" sz="2400" b="0" i="0" u="none" strike="noStrike" cap="none" normalizeH="0" baseline="0" dirty="0">
                 <a:ln>
                   <a:noFill/>
                 </a:ln>
@@ -8886,7 +9094,7 @@
               </a:rPr>
             </a:br>
             <a:r>
-              <a:rPr kumimoji="0" lang="de-DE" altLang="de-DE" sz="2400" b="0" i="0" u="none" strike="noStrike" cap="none" normalizeH="0" baseline="0" dirty="0" smtClean="0">
+              <a:rPr kumimoji="0" lang="de-DE" altLang="de-DE" sz="2400" b="0" i="0" u="none" strike="noStrike" cap="none" normalizeH="0" baseline="0" dirty="0">
                 <a:ln>
                   <a:noFill/>
                 </a:ln>
@@ -8899,7 +9107,7 @@
               <a:t>  </a:t>
             </a:r>
             <a:r>
-              <a:rPr kumimoji="0" lang="de-DE" altLang="de-DE" sz="2400" b="0" i="0" u="none" strike="noStrike" cap="none" normalizeH="0" baseline="0" dirty="0" err="1" smtClean="0">
+              <a:rPr kumimoji="0" lang="de-DE" altLang="de-DE" sz="2400" b="0" i="0" u="none" strike="noStrike" cap="none" normalizeH="0" baseline="0" dirty="0" err="1">
                 <a:ln>
                   <a:noFill/>
                 </a:ln>
@@ -8912,7 +9120,7 @@
               <a:t>instance_type</a:t>
             </a:r>
             <a:r>
-              <a:rPr kumimoji="0" lang="de-DE" altLang="de-DE" sz="2400" b="0" i="0" u="none" strike="noStrike" cap="none" normalizeH="0" baseline="0" dirty="0" smtClean="0">
+              <a:rPr kumimoji="0" lang="de-DE" altLang="de-DE" sz="2400" b="0" i="0" u="none" strike="noStrike" cap="none" normalizeH="0" baseline="0" dirty="0">
                 <a:ln>
                   <a:noFill/>
                 </a:ln>
@@ -8925,7 +9133,7 @@
               <a:t> </a:t>
             </a:r>
             <a:r>
-              <a:rPr kumimoji="0" lang="de-DE" altLang="de-DE" sz="2400" b="0" i="0" u="none" strike="noStrike" cap="none" normalizeH="0" baseline="0" dirty="0" smtClean="0">
+              <a:rPr kumimoji="0" lang="de-DE" altLang="de-DE" sz="2400" b="0" i="0" u="none" strike="noStrike" cap="none" normalizeH="0" baseline="0" dirty="0">
                 <a:ln>
                   <a:noFill/>
                 </a:ln>
@@ -8938,7 +9146,7 @@
               <a:t>= </a:t>
             </a:r>
             <a:r>
-              <a:rPr kumimoji="0" lang="de-DE" altLang="de-DE" sz="2400" b="0" i="0" u="none" strike="noStrike" cap="none" normalizeH="0" baseline="0" dirty="0" smtClean="0">
+              <a:rPr kumimoji="0" lang="de-DE" altLang="de-DE" sz="2400" b="0" i="0" u="none" strike="noStrike" cap="none" normalizeH="0" baseline="0" dirty="0">
                 <a:ln>
                   <a:noFill/>
                 </a:ln>
@@ -8951,7 +9159,7 @@
               <a:t>"t2.micro"</a:t>
             </a:r>
             <a:br>
-              <a:rPr kumimoji="0" lang="de-DE" altLang="de-DE" sz="2400" b="0" i="0" u="none" strike="noStrike" cap="none" normalizeH="0" baseline="0" dirty="0" smtClean="0">
+              <a:rPr kumimoji="0" lang="de-DE" altLang="de-DE" sz="2400" b="0" i="0" u="none" strike="noStrike" cap="none" normalizeH="0" baseline="0" dirty="0">
                 <a:ln>
                   <a:noFill/>
                 </a:ln>
@@ -8962,8 +9170,8 @@
                 <a:latin typeface="JetBrains Mono"/>
               </a:rPr>
             </a:br>
-            <a:r>
-              <a:rPr kumimoji="0" lang="de-DE" altLang="de-DE" sz="2400" b="0" i="0" u="none" strike="noStrike" cap="none" normalizeH="0" baseline="0" dirty="0" smtClean="0">
+            <a:br>
+              <a:rPr kumimoji="0" lang="de-DE" altLang="de-DE" sz="2400" b="0" i="0" u="none" strike="noStrike" cap="none" normalizeH="0" baseline="0" dirty="0">
                 <a:ln>
                   <a:noFill/>
                 </a:ln>
@@ -8973,27 +9181,129 @@
                 <a:effectLst/>
                 <a:latin typeface="JetBrains Mono"/>
               </a:rPr>
-              <a:t/>
+            </a:br>
+            <a:r>
+              <a:rPr kumimoji="0" lang="de-DE" altLang="de-DE" sz="2400" b="0" i="0" u="none" strike="noStrike" cap="none" normalizeH="0" baseline="0" dirty="0">
+                <a:ln>
+                  <a:noFill/>
+                </a:ln>
+                <a:solidFill>
+                  <a:srgbClr val="89CA78"/>
+                </a:solidFill>
+                <a:effectLst/>
+                <a:latin typeface="JetBrains Mono"/>
+              </a:rPr>
+              <a:t>  </a:t>
+            </a:r>
+            <a:r>
+              <a:rPr kumimoji="0" lang="de-DE" altLang="de-DE" sz="2400" b="0" i="0" u="none" strike="noStrike" cap="none" normalizeH="0" baseline="0" dirty="0" err="1">
+                <a:ln>
+                  <a:noFill/>
+                </a:ln>
+                <a:solidFill>
+                  <a:srgbClr val="EF596F"/>
+                </a:solidFill>
+                <a:effectLst/>
+                <a:latin typeface="JetBrains Mono"/>
+              </a:rPr>
+              <a:t>iam_instance_profile</a:t>
+            </a:r>
+            <a:r>
+              <a:rPr kumimoji="0" lang="de-DE" altLang="de-DE" sz="2400" b="0" i="0" u="none" strike="noStrike" cap="none" normalizeH="0" baseline="0" dirty="0">
+                <a:ln>
+                  <a:noFill/>
+                </a:ln>
+                <a:solidFill>
+                  <a:srgbClr val="EF596F"/>
+                </a:solidFill>
+                <a:effectLst/>
+                <a:latin typeface="JetBrains Mono"/>
+              </a:rPr>
+              <a:t> </a:t>
+            </a:r>
+            <a:r>
+              <a:rPr kumimoji="0" lang="de-DE" altLang="de-DE" sz="2400" b="0" i="0" u="none" strike="noStrike" cap="none" normalizeH="0" baseline="0" dirty="0">
+                <a:ln>
+                  <a:noFill/>
+                </a:ln>
+                <a:solidFill>
+                  <a:srgbClr val="BBBBBB"/>
+                </a:solidFill>
+                <a:effectLst/>
+                <a:latin typeface="JetBrains Mono"/>
+              </a:rPr>
+              <a:t>= </a:t>
+            </a:r>
+            <a:r>
+              <a:rPr kumimoji="0" lang="de-DE" altLang="de-DE" sz="2400" b="0" i="0" u="none" strike="noStrike" cap="none" normalizeH="0" baseline="0" dirty="0" err="1">
+                <a:ln>
+                  <a:noFill/>
+                </a:ln>
+                <a:solidFill>
+                  <a:srgbClr val="E5C07B"/>
+                </a:solidFill>
+                <a:effectLst/>
+                <a:latin typeface="JetBrains Mono"/>
+              </a:rPr>
+              <a:t>aws_iam_instance_profile</a:t>
+            </a:r>
+            <a:r>
+              <a:rPr kumimoji="0" lang="de-DE" altLang="de-DE" sz="2400" b="0" i="0" u="none" strike="noStrike" cap="none" normalizeH="0" baseline="0" dirty="0" err="1">
+                <a:ln>
+                  <a:noFill/>
+                </a:ln>
+                <a:solidFill>
+                  <a:srgbClr val="BBBBBB"/>
+                </a:solidFill>
+                <a:effectLst/>
+                <a:latin typeface="JetBrains Mono"/>
+              </a:rPr>
+              <a:t>.</a:t>
+            </a:r>
+            <a:r>
+              <a:rPr kumimoji="0" lang="de-DE" altLang="de-DE" sz="2400" b="0" i="0" u="none" strike="noStrike" cap="none" normalizeH="0" baseline="0" dirty="0" err="1">
+                <a:ln>
+                  <a:noFill/>
+                </a:ln>
+                <a:solidFill>
+                  <a:srgbClr val="E5C07B"/>
+                </a:solidFill>
+                <a:effectLst/>
+                <a:latin typeface="JetBrains Mono"/>
+              </a:rPr>
+              <a:t>example</a:t>
             </a:r>
             <a:br>
-              <a:rPr kumimoji="0" lang="de-DE" altLang="de-DE" sz="2400" b="0" i="0" u="none" strike="noStrike" cap="none" normalizeH="0" baseline="0" dirty="0" smtClean="0">
-                <a:ln>
-                  <a:noFill/>
-                </a:ln>
-                <a:solidFill>
-                  <a:srgbClr val="89CA78"/>
+              <a:rPr kumimoji="0" lang="de-DE" altLang="de-DE" sz="2400" b="0" i="0" u="none" strike="noStrike" cap="none" normalizeH="0" baseline="0" dirty="0">
+                <a:ln>
+                  <a:noFill/>
+                </a:ln>
+                <a:solidFill>
+                  <a:srgbClr val="E5C07B"/>
                 </a:solidFill>
                 <a:effectLst/>
                 <a:latin typeface="JetBrains Mono"/>
               </a:rPr>
             </a:br>
-            <a:r>
-              <a:rPr kumimoji="0" lang="de-DE" altLang="de-DE" sz="2400" b="0" i="0" u="none" strike="noStrike" cap="none" normalizeH="0" baseline="0" dirty="0" smtClean="0">
-                <a:ln>
-                  <a:noFill/>
-                </a:ln>
-                <a:solidFill>
-                  <a:srgbClr val="89CA78"/>
+            <a:br>
+              <a:rPr kumimoji="0" lang="de-DE" altLang="de-DE" sz="2400" b="0" i="0" u="none" strike="noStrike" cap="none" normalizeH="0" baseline="0" dirty="0">
+                <a:ln>
+                  <a:noFill/>
+                </a:ln>
+                <a:solidFill>
+                  <a:srgbClr val="E5C07B"/>
+                </a:solidFill>
+                <a:effectLst/>
+                <a:latin typeface="JetBrains Mono"/>
+              </a:rPr>
+            </a:br>
+            <a:r>
+              <a:rPr kumimoji="0" lang="de-DE" altLang="de-DE" sz="2400" b="0" i="0" u="none" strike="noStrike" cap="none" normalizeH="0" baseline="0" dirty="0">
+                <a:ln>
+                  <a:noFill/>
+                </a:ln>
+                <a:solidFill>
+                  <a:srgbClr val="E5C07B"/>
                 </a:solidFill>
                 <a:effectLst/>
                 <a:latin typeface="JetBrains Mono"/>
@@ -9001,7 +9311,7 @@
               <a:t>  </a:t>
             </a:r>
             <a:r>
-              <a:rPr kumimoji="0" lang="de-DE" altLang="de-DE" sz="2400" b="0" i="0" u="none" strike="noStrike" cap="none" normalizeH="0" baseline="0" dirty="0" err="1" smtClean="0">
+              <a:rPr kumimoji="0" lang="de-DE" altLang="de-DE" sz="2400" b="0" i="0" u="none" strike="noStrike" cap="none" normalizeH="0" baseline="0" dirty="0" err="1">
                 <a:ln>
                   <a:noFill/>
                 </a:ln>
@@ -9011,10 +9321,10 @@
                 <a:effectLst/>
                 <a:latin typeface="JetBrains Mono"/>
               </a:rPr>
-              <a:t>iam_instance_profile</a:t>
-            </a:r>
-            <a:r>
-              <a:rPr kumimoji="0" lang="de-DE" altLang="de-DE" sz="2400" b="0" i="0" u="none" strike="noStrike" cap="none" normalizeH="0" baseline="0" dirty="0" smtClean="0">
+              <a:t>depends_on</a:t>
+            </a:r>
+            <a:r>
+              <a:rPr kumimoji="0" lang="de-DE" altLang="de-DE" sz="2400" b="0" i="0" u="none" strike="noStrike" cap="none" normalizeH="0" baseline="0" dirty="0">
                 <a:ln>
                   <a:noFill/>
                 </a:ln>
@@ -9027,20 +9337,45 @@
               <a:t> </a:t>
             </a:r>
             <a:r>
-              <a:rPr kumimoji="0" lang="de-DE" altLang="de-DE" sz="2400" b="0" i="0" u="none" strike="noStrike" cap="none" normalizeH="0" baseline="0" dirty="0" smtClean="0">
-                <a:ln>
-                  <a:noFill/>
-                </a:ln>
-                <a:solidFill>
-                  <a:srgbClr val="BBBBBB"/>
-                </a:solidFill>
-                <a:effectLst/>
-                <a:latin typeface="JetBrains Mono"/>
-              </a:rPr>
-              <a:t>= </a:t>
-            </a:r>
-            <a:r>
-              <a:rPr kumimoji="0" lang="de-DE" altLang="de-DE" sz="2400" b="0" i="0" u="none" strike="noStrike" cap="none" normalizeH="0" baseline="0" dirty="0" err="1" smtClean="0">
+              <a:rPr kumimoji="0" lang="de-DE" altLang="de-DE" sz="2400" b="0" i="0" u="none" strike="noStrike" cap="none" normalizeH="0" baseline="0" dirty="0">
+                <a:ln>
+                  <a:noFill/>
+                </a:ln>
+                <a:solidFill>
+                  <a:srgbClr val="BBBBBB"/>
+                </a:solidFill>
+                <a:effectLst/>
+                <a:latin typeface="JetBrains Mono"/>
+              </a:rPr>
+              <a:t>= [</a:t>
+            </a:r>
+            <a:br>
+              <a:rPr kumimoji="0" lang="de-DE" altLang="de-DE" sz="2400" b="0" i="0" u="none" strike="noStrike" cap="none" normalizeH="0" baseline="0" dirty="0">
+                <a:ln>
+                  <a:noFill/>
+                </a:ln>
+                <a:solidFill>
+                  <a:srgbClr val="BBBBBB"/>
+                </a:solidFill>
+                <a:effectLst/>
+                <a:latin typeface="JetBrains Mono"/>
+              </a:rPr>
+            </a:br>
+            <a:r>
+              <a:rPr kumimoji="0" lang="de-DE" altLang="de-DE" sz="2400" b="0" i="0" u="none" strike="noStrike" cap="none" normalizeH="0" baseline="0" dirty="0">
+                <a:ln>
+                  <a:noFill/>
+                </a:ln>
+                <a:solidFill>
+                  <a:srgbClr val="BBBBBB"/>
+                </a:solidFill>
+                <a:effectLst/>
+                <a:latin typeface="JetBrains Mono"/>
+              </a:rPr>
+              <a:t>    </a:t>
+            </a:r>
+            <a:r>
+              <a:rPr kumimoji="0" lang="de-DE" altLang="de-DE" sz="2400" b="0" i="0" u="none" strike="noStrike" cap="none" normalizeH="0" baseline="0" dirty="0" err="1">
                 <a:ln>
                   <a:noFill/>
                 </a:ln>
@@ -9050,10 +9385,10 @@
                 <a:effectLst/>
                 <a:latin typeface="JetBrains Mono"/>
               </a:rPr>
-              <a:t>aws_iam_instance_profile</a:t>
-            </a:r>
-            <a:r>
-              <a:rPr kumimoji="0" lang="de-DE" altLang="de-DE" sz="2400" b="0" i="0" u="none" strike="noStrike" cap="none" normalizeH="0" baseline="0" dirty="0" err="1" smtClean="0">
+              <a:t>aws_iam_role_policy</a:t>
+            </a:r>
+            <a:r>
+              <a:rPr kumimoji="0" lang="de-DE" altLang="de-DE" sz="2400" b="0" i="0" u="none" strike="noStrike" cap="none" normalizeH="0" baseline="0" dirty="0" err="1">
                 <a:ln>
                   <a:noFill/>
                 </a:ln>
@@ -9066,7 +9401,7 @@
               <a:t>.</a:t>
             </a:r>
             <a:r>
-              <a:rPr kumimoji="0" lang="de-DE" altLang="de-DE" sz="2400" b="0" i="0" u="none" strike="noStrike" cap="none" normalizeH="0" baseline="0" dirty="0" err="1" smtClean="0">
+              <a:rPr kumimoji="0" lang="de-DE" altLang="de-DE" sz="2400" b="0" i="0" u="none" strike="noStrike" cap="none" normalizeH="0" baseline="0" dirty="0" err="1">
                 <a:ln>
                   <a:noFill/>
                 </a:ln>
@@ -9079,223 +9414,57 @@
               <a:t>example</a:t>
             </a:r>
             <a:r>
-              <a:rPr kumimoji="0" lang="de-DE" altLang="de-DE" sz="2400" b="0" i="0" u="none" strike="noStrike" cap="none" normalizeH="0" baseline="0" dirty="0" smtClean="0">
-                <a:ln>
-                  <a:noFill/>
-                </a:ln>
-                <a:solidFill>
-                  <a:srgbClr val="E5C07B"/>
-                </a:solidFill>
-                <a:effectLst/>
-                <a:latin typeface="JetBrains Mono"/>
-              </a:rPr>
-              <a:t/>
+              <a:rPr kumimoji="0" lang="de-DE" altLang="de-DE" sz="2400" b="0" i="0" u="none" strike="noStrike" cap="none" normalizeH="0" baseline="0" dirty="0">
+                <a:ln>
+                  <a:noFill/>
+                </a:ln>
+                <a:solidFill>
+                  <a:srgbClr val="BBBBBB"/>
+                </a:solidFill>
+                <a:effectLst/>
+                <a:latin typeface="JetBrains Mono"/>
+              </a:rPr>
+              <a:t>,</a:t>
             </a:r>
             <a:br>
-              <a:rPr kumimoji="0" lang="de-DE" altLang="de-DE" sz="2400" b="0" i="0" u="none" strike="noStrike" cap="none" normalizeH="0" baseline="0" dirty="0" smtClean="0">
-                <a:ln>
-                  <a:noFill/>
-                </a:ln>
-                <a:solidFill>
-                  <a:srgbClr val="E5C07B"/>
+              <a:rPr kumimoji="0" lang="de-DE" altLang="de-DE" sz="2400" b="0" i="0" u="none" strike="noStrike" cap="none" normalizeH="0" baseline="0" dirty="0">
+                <a:ln>
+                  <a:noFill/>
+                </a:ln>
+                <a:solidFill>
+                  <a:srgbClr val="BBBBBB"/>
                 </a:solidFill>
                 <a:effectLst/>
                 <a:latin typeface="JetBrains Mono"/>
               </a:rPr>
             </a:br>
             <a:r>
-              <a:rPr kumimoji="0" lang="de-DE" altLang="de-DE" sz="2400" b="0" i="0" u="none" strike="noStrike" cap="none" normalizeH="0" baseline="0" dirty="0" smtClean="0">
-                <a:ln>
-                  <a:noFill/>
-                </a:ln>
-                <a:solidFill>
-                  <a:srgbClr val="E5C07B"/>
-                </a:solidFill>
-                <a:effectLst/>
-                <a:latin typeface="JetBrains Mono"/>
-              </a:rPr>
-              <a:t/>
+              <a:rPr kumimoji="0" lang="de-DE" altLang="de-DE" sz="2400" b="0" i="0" u="none" strike="noStrike" cap="none" normalizeH="0" baseline="0" dirty="0">
+                <a:ln>
+                  <a:noFill/>
+                </a:ln>
+                <a:solidFill>
+                  <a:srgbClr val="BBBBBB"/>
+                </a:solidFill>
+                <a:effectLst/>
+                <a:latin typeface="JetBrains Mono"/>
+              </a:rPr>
+              <a:t>  ]</a:t>
             </a:r>
             <a:br>
-              <a:rPr kumimoji="0" lang="de-DE" altLang="de-DE" sz="2400" b="0" i="0" u="none" strike="noStrike" cap="none" normalizeH="0" baseline="0" dirty="0" smtClean="0">
-                <a:ln>
-                  <a:noFill/>
-                </a:ln>
-                <a:solidFill>
-                  <a:srgbClr val="E5C07B"/>
+              <a:rPr kumimoji="0" lang="de-DE" altLang="de-DE" sz="2400" b="0" i="0" u="none" strike="noStrike" cap="none" normalizeH="0" baseline="0" dirty="0">
+                <a:ln>
+                  <a:noFill/>
+                </a:ln>
+                <a:solidFill>
+                  <a:srgbClr val="BBBBBB"/>
                 </a:solidFill>
                 <a:effectLst/>
                 <a:latin typeface="JetBrains Mono"/>
               </a:rPr>
             </a:br>
             <a:r>
-              <a:rPr kumimoji="0" lang="de-DE" altLang="de-DE" sz="2400" b="0" i="0" u="none" strike="noStrike" cap="none" normalizeH="0" baseline="0" dirty="0" smtClean="0">
-                <a:ln>
-                  <a:noFill/>
-                </a:ln>
-                <a:solidFill>
-                  <a:srgbClr val="E5C07B"/>
-                </a:solidFill>
-                <a:effectLst/>
-                <a:latin typeface="JetBrains Mono"/>
-              </a:rPr>
-              <a:t>  </a:t>
-            </a:r>
-            <a:r>
-              <a:rPr kumimoji="0" lang="de-DE" altLang="de-DE" sz="2400" b="0" i="0" u="none" strike="noStrike" cap="none" normalizeH="0" baseline="0" dirty="0" err="1" smtClean="0">
-                <a:ln>
-                  <a:noFill/>
-                </a:ln>
-                <a:solidFill>
-                  <a:srgbClr val="EF596F"/>
-                </a:solidFill>
-                <a:effectLst/>
-                <a:latin typeface="JetBrains Mono"/>
-              </a:rPr>
-              <a:t>depends_on</a:t>
-            </a:r>
-            <a:r>
-              <a:rPr kumimoji="0" lang="de-DE" altLang="de-DE" sz="2400" b="0" i="0" u="none" strike="noStrike" cap="none" normalizeH="0" baseline="0" dirty="0" smtClean="0">
-                <a:ln>
-                  <a:noFill/>
-                </a:ln>
-                <a:solidFill>
-                  <a:srgbClr val="EF596F"/>
-                </a:solidFill>
-                <a:effectLst/>
-                <a:latin typeface="JetBrains Mono"/>
-              </a:rPr>
-              <a:t> </a:t>
-            </a:r>
-            <a:r>
-              <a:rPr kumimoji="0" lang="de-DE" altLang="de-DE" sz="2400" b="0" i="0" u="none" strike="noStrike" cap="none" normalizeH="0" baseline="0" dirty="0" smtClean="0">
-                <a:ln>
-                  <a:noFill/>
-                </a:ln>
-                <a:solidFill>
-                  <a:srgbClr val="BBBBBB"/>
-                </a:solidFill>
-                <a:effectLst/>
-                <a:latin typeface="JetBrains Mono"/>
-              </a:rPr>
-              <a:t>= [</a:t>
-            </a:r>
-            <a:br>
-              <a:rPr kumimoji="0" lang="de-DE" altLang="de-DE" sz="2400" b="0" i="0" u="none" strike="noStrike" cap="none" normalizeH="0" baseline="0" dirty="0" smtClean="0">
-                <a:ln>
-                  <a:noFill/>
-                </a:ln>
-                <a:solidFill>
-                  <a:srgbClr val="BBBBBB"/>
-                </a:solidFill>
-                <a:effectLst/>
-                <a:latin typeface="JetBrains Mono"/>
-              </a:rPr>
-            </a:br>
-            <a:r>
-              <a:rPr kumimoji="0" lang="de-DE" altLang="de-DE" sz="2400" b="0" i="0" u="none" strike="noStrike" cap="none" normalizeH="0" baseline="0" dirty="0" smtClean="0">
-                <a:ln>
-                  <a:noFill/>
-                </a:ln>
-                <a:solidFill>
-                  <a:srgbClr val="BBBBBB"/>
-                </a:solidFill>
-                <a:effectLst/>
-                <a:latin typeface="JetBrains Mono"/>
-              </a:rPr>
-              <a:t>    </a:t>
-            </a:r>
-            <a:r>
-              <a:rPr kumimoji="0" lang="de-DE" altLang="de-DE" sz="2400" b="0" i="0" u="none" strike="noStrike" cap="none" normalizeH="0" baseline="0" dirty="0" err="1" smtClean="0">
-                <a:ln>
-                  <a:noFill/>
-                </a:ln>
-                <a:solidFill>
-                  <a:srgbClr val="E5C07B"/>
-                </a:solidFill>
-                <a:effectLst/>
-                <a:latin typeface="JetBrains Mono"/>
-              </a:rPr>
-              <a:t>aws_iam_role_policy</a:t>
-            </a:r>
-            <a:r>
-              <a:rPr kumimoji="0" lang="de-DE" altLang="de-DE" sz="2400" b="0" i="0" u="none" strike="noStrike" cap="none" normalizeH="0" baseline="0" dirty="0" err="1" smtClean="0">
-                <a:ln>
-                  <a:noFill/>
-                </a:ln>
-                <a:solidFill>
-                  <a:srgbClr val="BBBBBB"/>
-                </a:solidFill>
-                <a:effectLst/>
-                <a:latin typeface="JetBrains Mono"/>
-              </a:rPr>
-              <a:t>.</a:t>
-            </a:r>
-            <a:r>
-              <a:rPr kumimoji="0" lang="de-DE" altLang="de-DE" sz="2400" b="0" i="0" u="none" strike="noStrike" cap="none" normalizeH="0" baseline="0" dirty="0" err="1" smtClean="0">
-                <a:ln>
-                  <a:noFill/>
-                </a:ln>
-                <a:solidFill>
-                  <a:srgbClr val="E5C07B"/>
-                </a:solidFill>
-                <a:effectLst/>
-                <a:latin typeface="JetBrains Mono"/>
-              </a:rPr>
-              <a:t>example</a:t>
-            </a:r>
-            <a:r>
-              <a:rPr kumimoji="0" lang="de-DE" altLang="de-DE" sz="2400" b="0" i="0" u="none" strike="noStrike" cap="none" normalizeH="0" baseline="0" dirty="0" smtClean="0">
-                <a:ln>
-                  <a:noFill/>
-                </a:ln>
-                <a:solidFill>
-                  <a:srgbClr val="BBBBBB"/>
-                </a:solidFill>
-                <a:effectLst/>
-                <a:latin typeface="JetBrains Mono"/>
-              </a:rPr>
-              <a:t>,</a:t>
-            </a:r>
-            <a:br>
-              <a:rPr kumimoji="0" lang="de-DE" altLang="de-DE" sz="2400" b="0" i="0" u="none" strike="noStrike" cap="none" normalizeH="0" baseline="0" dirty="0" smtClean="0">
-                <a:ln>
-                  <a:noFill/>
-                </a:ln>
-                <a:solidFill>
-                  <a:srgbClr val="BBBBBB"/>
-                </a:solidFill>
-                <a:effectLst/>
-                <a:latin typeface="JetBrains Mono"/>
-              </a:rPr>
-            </a:br>
-            <a:r>
-              <a:rPr kumimoji="0" lang="de-DE" altLang="de-DE" sz="2400" b="0" i="0" u="none" strike="noStrike" cap="none" normalizeH="0" baseline="0" dirty="0" smtClean="0">
-                <a:ln>
-                  <a:noFill/>
-                </a:ln>
-                <a:solidFill>
-                  <a:srgbClr val="BBBBBB"/>
-                </a:solidFill>
-                <a:effectLst/>
-                <a:latin typeface="JetBrains Mono"/>
-              </a:rPr>
-              <a:t>  ]</a:t>
-            </a:r>
-            <a:br>
-              <a:rPr kumimoji="0" lang="de-DE" altLang="de-DE" sz="2400" b="0" i="0" u="none" strike="noStrike" cap="none" normalizeH="0" baseline="0" dirty="0" smtClean="0">
-                <a:ln>
-                  <a:noFill/>
-                </a:ln>
-                <a:solidFill>
-                  <a:srgbClr val="BBBBBB"/>
-                </a:solidFill>
-                <a:effectLst/>
-                <a:latin typeface="JetBrains Mono"/>
-              </a:rPr>
-            </a:br>
-            <a:r>
-              <a:rPr kumimoji="0" lang="de-DE" altLang="de-DE" sz="2400" b="0" i="0" u="none" strike="noStrike" cap="none" normalizeH="0" baseline="0" dirty="0" smtClean="0">
+              <a:rPr kumimoji="0" lang="de-DE" altLang="de-DE" sz="2400" b="0" i="0" u="none" strike="noStrike" cap="none" normalizeH="0" baseline="0" dirty="0">
                 <a:ln>
                   <a:noFill/>
                 </a:ln>
@@ -9307,7 +9476,7 @@
               </a:rPr>
               <a:t>}</a:t>
             </a:r>
-            <a:endParaRPr kumimoji="0" lang="de-DE" altLang="de-DE" sz="4800" b="0" i="0" u="none" strike="noStrike" cap="none" normalizeH="0" baseline="0" dirty="0" smtClean="0">
+            <a:endParaRPr kumimoji="0" lang="de-DE" altLang="de-DE" sz="4800" b="0" i="0" u="none" strike="noStrike" cap="none" normalizeH="0" baseline="0" dirty="0">
               <a:ln>
                 <a:noFill/>
               </a:ln>
@@ -9330,13 +9499,6 @@
   <p:clrMapOvr>
     <a:masterClrMapping/>
   </p:clrMapOvr>
-  <p:timing>
-    <p:tnLst>
-      <p:par>
-        <p:cTn id="1" dur="indefinite" restart="never" nodeType="tmRoot"/>
-      </p:par>
-    </p:tnLst>
-  </p:timing>
 </p:sld>
 </file>
 
@@ -9373,14 +9535,13 @@
           <a:lstStyle/>
           <a:p>
             <a:r>
-              <a:rPr lang="de-DE" dirty="0" err="1" smtClean="0"/>
+              <a:rPr lang="de-DE" dirty="0" err="1"/>
               <a:t>Dependency</a:t>
             </a:r>
             <a:r>
-              <a:rPr lang="de-DE" dirty="0" smtClean="0"/>
+              <a:rPr lang="de-DE" dirty="0"/>
               <a:t> Graph</a:t>
             </a:r>
-            <a:endParaRPr lang="de-DE" dirty="0"/>
           </a:p>
         </p:txBody>
       </p:sp>
@@ -9404,27 +9565,27 @@
               <a:buChar char="-"/>
             </a:pPr>
             <a:r>
-              <a:rPr lang="de-DE" dirty="0" smtClean="0"/>
+              <a:rPr lang="de-DE" dirty="0"/>
               <a:t>Über </a:t>
             </a:r>
             <a:r>
-              <a:rPr lang="de-DE" i="1" dirty="0" err="1" smtClean="0"/>
+              <a:rPr lang="de-DE" i="1" dirty="0" err="1"/>
               <a:t>terraform</a:t>
             </a:r>
             <a:r>
-              <a:rPr lang="de-DE" i="1" dirty="0" smtClean="0"/>
+              <a:rPr lang="de-DE" i="1" dirty="0"/>
               <a:t> </a:t>
             </a:r>
             <a:r>
-              <a:rPr lang="de-DE" i="1" dirty="0" err="1" smtClean="0"/>
+              <a:rPr lang="de-DE" i="1" dirty="0" err="1"/>
               <a:t>graph</a:t>
             </a:r>
             <a:r>
-              <a:rPr lang="de-DE" i="1" dirty="0" smtClean="0"/>
+              <a:rPr lang="de-DE" i="1" dirty="0"/>
               <a:t> </a:t>
             </a:r>
             <a:r>
-              <a:rPr lang="de-DE" dirty="0" smtClean="0"/>
+              <a:rPr lang="de-DE" dirty="0"/>
               <a:t>lassen sich die Abhängigkeiten anzeigen</a:t>
             </a:r>
           </a:p>
@@ -9434,14 +9595,9 @@
               <a:buChar char="-"/>
             </a:pPr>
             <a:r>
-              <a:rPr lang="de-DE" dirty="0" smtClean="0"/>
-              <a:t>Visualisierung z.B. </a:t>
-            </a:r>
-            <a:r>
               <a:rPr lang="de-DE" dirty="0"/>
-              <a:t>via http://dreampuf.github.io/GraphvizOnline</a:t>
-            </a:r>
-            <a:endParaRPr lang="de-DE" dirty="0" smtClean="0"/>
+              <a:t>Visualisierung z.B. via http://dreampuf.github.io/GraphvizOnline</a:t>
+            </a:r>
           </a:p>
         </p:txBody>
       </p:sp>
@@ -9479,13 +9635,6 @@
   <p:clrMapOvr>
     <a:masterClrMapping/>
   </p:clrMapOvr>
-  <p:timing>
-    <p:tnLst>
-      <p:par>
-        <p:cTn id="1" dur="indefinite" restart="never" nodeType="tmRoot"/>
-      </p:par>
-    </p:tnLst>
-  </p:timing>
 </p:sld>
 </file>
 
@@ -9522,11 +9671,11 @@
           <a:lstStyle/>
           <a:p>
             <a:r>
-              <a:rPr lang="de-DE" dirty="0" smtClean="0"/>
+              <a:rPr lang="de-DE" dirty="0"/>
               <a:t>Meta-Argument - </a:t>
             </a:r>
             <a:r>
-              <a:rPr lang="de-DE" dirty="0" err="1" smtClean="0"/>
+              <a:rPr lang="de-DE" dirty="0" err="1"/>
               <a:t>provider</a:t>
             </a:r>
             <a:endParaRPr lang="de-DE" dirty="0"/>
@@ -9553,7 +9702,7 @@
               <a:buChar char="-"/>
             </a:pPr>
             <a:r>
-              <a:rPr lang="de-DE" dirty="0" smtClean="0"/>
+              <a:rPr lang="de-DE" dirty="0"/>
               <a:t>Via Alias können verschiedene Konfigurationen pro Provider angelegt werden (siehe Modul 2 -&gt; Provider)</a:t>
             </a:r>
           </a:p>
@@ -9563,29 +9712,24 @@
               <a:buChar char="-"/>
             </a:pPr>
             <a:r>
-              <a:rPr lang="de-DE" dirty="0" smtClean="0"/>
+              <a:rPr lang="de-DE" dirty="0"/>
               <a:t>Mit dem Meta-Argument </a:t>
             </a:r>
             <a:r>
-              <a:rPr lang="de-DE" dirty="0" err="1" smtClean="0"/>
+              <a:rPr lang="de-DE" dirty="0" err="1"/>
               <a:t>provider</a:t>
             </a:r>
             <a:r>
               <a:rPr lang="de-DE" dirty="0"/>
-              <a:t> </a:t>
-            </a:r>
-            <a:r>
-              <a:rPr lang="de-DE" dirty="0" smtClean="0"/>
-              <a:t>kann der jeweilige Provider über den Alias angegeben werden</a:t>
-            </a:r>
-            <a:endParaRPr lang="de-DE" dirty="0"/>
+              <a:t> kann der jeweilige Provider über den Alias angegeben werden</a:t>
+            </a:r>
           </a:p>
           <a:p>
             <a:pPr lvl="1">
               <a:buFontTx/>
               <a:buChar char="-"/>
             </a:pPr>
-            <a:endParaRPr lang="de-DE" dirty="0" smtClean="0"/>
+            <a:endParaRPr lang="de-DE" dirty="0"/>
           </a:p>
         </p:txBody>
       </p:sp>
@@ -9652,7 +9796,7 @@
               </a:spcAft>
             </a:pPr>
             <a:r>
-              <a:rPr kumimoji="0" lang="de-DE" altLang="de-DE" sz="2400" b="0" i="1" u="none" strike="noStrike" cap="none" normalizeH="0" baseline="0" dirty="0" err="1" smtClean="0">
+              <a:rPr kumimoji="0" lang="de-DE" altLang="de-DE" sz="2400" b="0" i="1" u="none" strike="noStrike" cap="none" normalizeH="0" baseline="0" dirty="0" err="1">
                 <a:ln>
                   <a:noFill/>
                 </a:ln>
@@ -9665,7 +9809,7 @@
               <a:t>resource</a:t>
             </a:r>
             <a:r>
-              <a:rPr kumimoji="0" lang="de-DE" altLang="de-DE" sz="2400" b="0" i="1" u="none" strike="noStrike" cap="none" normalizeH="0" baseline="0" dirty="0" smtClean="0">
+              <a:rPr kumimoji="0" lang="de-DE" altLang="de-DE" sz="2400" b="0" i="1" u="none" strike="noStrike" cap="none" normalizeH="0" baseline="0" dirty="0">
                 <a:ln>
                   <a:noFill/>
                 </a:ln>
@@ -9678,7 +9822,7 @@
               <a:t> </a:t>
             </a:r>
             <a:r>
-              <a:rPr kumimoji="0" lang="de-DE" altLang="de-DE" sz="2400" b="0" i="0" u="none" strike="noStrike" cap="none" normalizeH="0" baseline="0" dirty="0" smtClean="0">
+              <a:rPr kumimoji="0" lang="de-DE" altLang="de-DE" sz="2400" b="0" i="0" u="none" strike="noStrike" cap="none" normalizeH="0" baseline="0" dirty="0">
                 <a:ln>
                   <a:noFill/>
                 </a:ln>
@@ -9691,7 +9835,7 @@
               <a:t>"</a:t>
             </a:r>
             <a:r>
-              <a:rPr kumimoji="0" lang="de-DE" altLang="de-DE" sz="2400" b="0" i="0" u="none" strike="noStrike" cap="none" normalizeH="0" baseline="0" dirty="0" err="1" smtClean="0">
+              <a:rPr kumimoji="0" lang="de-DE" altLang="de-DE" sz="2400" b="0" i="0" u="none" strike="noStrike" cap="none" normalizeH="0" baseline="0" dirty="0" err="1">
                 <a:ln>
                   <a:noFill/>
                 </a:ln>
@@ -9704,7 +9848,7 @@
               <a:t>aws_instance</a:t>
             </a:r>
             <a:r>
-              <a:rPr kumimoji="0" lang="de-DE" altLang="de-DE" sz="2400" b="0" i="0" u="none" strike="noStrike" cap="none" normalizeH="0" baseline="0" dirty="0" smtClean="0">
+              <a:rPr kumimoji="0" lang="de-DE" altLang="de-DE" sz="2400" b="0" i="0" u="none" strike="noStrike" cap="none" normalizeH="0" baseline="0" dirty="0">
                 <a:ln>
                   <a:noFill/>
                 </a:ln>
@@ -9717,7 +9861,7 @@
               <a:t>" "</a:t>
             </a:r>
             <a:r>
-              <a:rPr kumimoji="0" lang="de-DE" altLang="de-DE" sz="2400" b="0" i="0" u="none" strike="noStrike" cap="none" normalizeH="0" baseline="0" dirty="0" err="1" smtClean="0">
+              <a:rPr kumimoji="0" lang="de-DE" altLang="de-DE" sz="2400" b="0" i="0" u="none" strike="noStrike" cap="none" normalizeH="0" baseline="0" dirty="0" err="1">
                 <a:ln>
                   <a:noFill/>
                 </a:ln>
@@ -9730,7 +9874,7 @@
               <a:t>example</a:t>
             </a:r>
             <a:r>
-              <a:rPr kumimoji="0" lang="de-DE" altLang="de-DE" sz="2400" b="0" i="0" u="none" strike="noStrike" cap="none" normalizeH="0" baseline="0" dirty="0" smtClean="0">
+              <a:rPr kumimoji="0" lang="de-DE" altLang="de-DE" sz="2400" b="0" i="0" u="none" strike="noStrike" cap="none" normalizeH="0" baseline="0" dirty="0">
                 <a:ln>
                   <a:noFill/>
                 </a:ln>
@@ -9743,7 +9887,7 @@
               <a:t>" </a:t>
             </a:r>
             <a:r>
-              <a:rPr kumimoji="0" lang="de-DE" altLang="de-DE" sz="2400" b="0" i="0" u="none" strike="noStrike" cap="none" normalizeH="0" baseline="0" dirty="0" smtClean="0">
+              <a:rPr kumimoji="0" lang="de-DE" altLang="de-DE" sz="2400" b="0" i="0" u="none" strike="noStrike" cap="none" normalizeH="0" baseline="0" dirty="0">
                 <a:ln>
                   <a:noFill/>
                 </a:ln>
@@ -9756,7 +9900,7 @@
               <a:t>{</a:t>
             </a:r>
             <a:br>
-              <a:rPr kumimoji="0" lang="de-DE" altLang="de-DE" sz="2400" b="0" i="0" u="none" strike="noStrike" cap="none" normalizeH="0" baseline="0" dirty="0" smtClean="0">
+              <a:rPr kumimoji="0" lang="de-DE" altLang="de-DE" sz="2400" b="0" i="0" u="none" strike="noStrike" cap="none" normalizeH="0" baseline="0" dirty="0">
                 <a:ln>
                   <a:noFill/>
                 </a:ln>
@@ -9768,7 +9912,7 @@
               </a:rPr>
             </a:br>
             <a:r>
-              <a:rPr kumimoji="0" lang="de-DE" altLang="de-DE" sz="2400" b="0" i="0" u="none" strike="noStrike" cap="none" normalizeH="0" baseline="0" dirty="0" smtClean="0">
+              <a:rPr kumimoji="0" lang="de-DE" altLang="de-DE" sz="2400" b="0" i="0" u="none" strike="noStrike" cap="none" normalizeH="0" baseline="0" dirty="0">
                 <a:ln>
                   <a:noFill/>
                 </a:ln>
@@ -9781,7 +9925,7 @@
               <a:t>  </a:t>
             </a:r>
             <a:r>
-              <a:rPr kumimoji="0" lang="de-DE" altLang="de-DE" sz="2400" b="0" i="0" u="none" strike="noStrike" cap="none" normalizeH="0" baseline="0" dirty="0" err="1" smtClean="0">
+              <a:rPr kumimoji="0" lang="de-DE" altLang="de-DE" sz="2400" b="0" i="0" u="none" strike="noStrike" cap="none" normalizeH="0" baseline="0" dirty="0" err="1">
                 <a:ln>
                   <a:noFill/>
                 </a:ln>
@@ -9794,7 +9938,7 @@
               <a:t>ami</a:t>
             </a:r>
             <a:r>
-              <a:rPr kumimoji="0" lang="de-DE" altLang="de-DE" sz="2400" b="0" i="0" u="none" strike="noStrike" cap="none" normalizeH="0" baseline="0" dirty="0" smtClean="0">
+              <a:rPr kumimoji="0" lang="de-DE" altLang="de-DE" sz="2400" b="0" i="0" u="none" strike="noStrike" cap="none" normalizeH="0" baseline="0" dirty="0">
                 <a:ln>
                   <a:noFill/>
                 </a:ln>
@@ -9807,7 +9951,7 @@
               <a:t>           </a:t>
             </a:r>
             <a:r>
-              <a:rPr kumimoji="0" lang="de-DE" altLang="de-DE" sz="2400" b="0" i="0" u="none" strike="noStrike" cap="none" normalizeH="0" baseline="0" dirty="0" smtClean="0">
+              <a:rPr kumimoji="0" lang="de-DE" altLang="de-DE" sz="2400" b="0" i="0" u="none" strike="noStrike" cap="none" normalizeH="0" baseline="0" dirty="0">
                 <a:ln>
                   <a:noFill/>
                 </a:ln>
@@ -9820,7 +9964,7 @@
               <a:t>= </a:t>
             </a:r>
             <a:r>
-              <a:rPr lang="de-DE" altLang="de-DE" sz="2400" dirty="0" smtClean="0">
+              <a:rPr lang="de-DE" altLang="de-DE" sz="2400" dirty="0">
                 <a:solidFill>
                   <a:srgbClr val="89CA78"/>
                 </a:solidFill>
@@ -9829,7 +9973,7 @@
               <a:t>"ami-68dae275</a:t>
             </a:r>
             <a:r>
-              <a:rPr kumimoji="0" lang="de-DE" altLang="de-DE" sz="2400" b="0" i="0" u="none" strike="noStrike" cap="none" normalizeH="0" baseline="0" dirty="0" smtClean="0">
+              <a:rPr kumimoji="0" lang="de-DE" altLang="de-DE" sz="2400" b="0" i="0" u="none" strike="noStrike" cap="none" normalizeH="0" baseline="0" dirty="0">
                 <a:ln>
                   <a:noFill/>
                 </a:ln>
@@ -9842,7 +9986,7 @@
               <a:t>"</a:t>
             </a:r>
             <a:br>
-              <a:rPr kumimoji="0" lang="de-DE" altLang="de-DE" sz="2400" b="0" i="0" u="none" strike="noStrike" cap="none" normalizeH="0" baseline="0" dirty="0" smtClean="0">
+              <a:rPr kumimoji="0" lang="de-DE" altLang="de-DE" sz="2400" b="0" i="0" u="none" strike="noStrike" cap="none" normalizeH="0" baseline="0" dirty="0">
                 <a:ln>
                   <a:noFill/>
                 </a:ln>
@@ -9854,7 +9998,7 @@
               </a:rPr>
             </a:br>
             <a:r>
-              <a:rPr kumimoji="0" lang="de-DE" altLang="de-DE" sz="2400" b="0" i="0" u="none" strike="noStrike" cap="none" normalizeH="0" baseline="0" dirty="0" smtClean="0">
+              <a:rPr kumimoji="0" lang="de-DE" altLang="de-DE" sz="2400" b="0" i="0" u="none" strike="noStrike" cap="none" normalizeH="0" baseline="0" dirty="0">
                 <a:ln>
                   <a:noFill/>
                 </a:ln>
@@ -9867,7 +10011,7 @@
               <a:t>  </a:t>
             </a:r>
             <a:r>
-              <a:rPr kumimoji="0" lang="de-DE" altLang="de-DE" sz="2400" b="0" i="0" u="none" strike="noStrike" cap="none" normalizeH="0" baseline="0" dirty="0" err="1" smtClean="0">
+              <a:rPr kumimoji="0" lang="de-DE" altLang="de-DE" sz="2400" b="0" i="0" u="none" strike="noStrike" cap="none" normalizeH="0" baseline="0" dirty="0" err="1">
                 <a:ln>
                   <a:noFill/>
                 </a:ln>
@@ -9880,7 +10024,7 @@
               <a:t>instance_type</a:t>
             </a:r>
             <a:r>
-              <a:rPr kumimoji="0" lang="de-DE" altLang="de-DE" sz="2400" b="0" i="0" u="none" strike="noStrike" cap="none" normalizeH="0" baseline="0" dirty="0" smtClean="0">
+              <a:rPr kumimoji="0" lang="de-DE" altLang="de-DE" sz="2400" b="0" i="0" u="none" strike="noStrike" cap="none" normalizeH="0" baseline="0" dirty="0">
                 <a:ln>
                   <a:noFill/>
                 </a:ln>
@@ -9893,7 +10037,7 @@
               <a:t> </a:t>
             </a:r>
             <a:r>
-              <a:rPr kumimoji="0" lang="de-DE" altLang="de-DE" sz="2400" b="0" i="0" u="none" strike="noStrike" cap="none" normalizeH="0" baseline="0" dirty="0" smtClean="0">
+              <a:rPr kumimoji="0" lang="de-DE" altLang="de-DE" sz="2400" b="0" i="0" u="none" strike="noStrike" cap="none" normalizeH="0" baseline="0" dirty="0">
                 <a:ln>
                   <a:noFill/>
                 </a:ln>
@@ -9906,7 +10050,7 @@
               <a:t>= </a:t>
             </a:r>
             <a:r>
-              <a:rPr kumimoji="0" lang="de-DE" altLang="de-DE" sz="2400" b="0" i="0" u="none" strike="noStrike" cap="none" normalizeH="0" baseline="0" dirty="0" smtClean="0">
+              <a:rPr kumimoji="0" lang="de-DE" altLang="de-DE" sz="2400" b="0" i="0" u="none" strike="noStrike" cap="none" normalizeH="0" baseline="0" dirty="0">
                 <a:ln>
                   <a:noFill/>
                 </a:ln>
@@ -9919,7 +10063,7 @@
               <a:t>"t2.micro"</a:t>
             </a:r>
             <a:br>
-              <a:rPr kumimoji="0" lang="de-DE" altLang="de-DE" sz="2400" b="0" i="0" u="none" strike="noStrike" cap="none" normalizeH="0" baseline="0" dirty="0" smtClean="0">
+              <a:rPr kumimoji="0" lang="de-DE" altLang="de-DE" sz="2400" b="0" i="0" u="none" strike="noStrike" cap="none" normalizeH="0" baseline="0" dirty="0">
                 <a:ln>
                   <a:noFill/>
                 </a:ln>
@@ -9931,7 +10075,7 @@
               </a:rPr>
             </a:br>
             <a:r>
-              <a:rPr kumimoji="0" lang="de-DE" altLang="de-DE" sz="2400" b="0" i="0" u="none" strike="noStrike" cap="none" normalizeH="0" baseline="0" dirty="0" smtClean="0">
+              <a:rPr kumimoji="0" lang="de-DE" altLang="de-DE" sz="2400" b="0" i="0" u="none" strike="noStrike" cap="none" normalizeH="0" baseline="0" dirty="0">
                 <a:ln>
                   <a:noFill/>
                 </a:ln>
@@ -9944,7 +10088,7 @@
               <a:t>  </a:t>
             </a:r>
             <a:r>
-              <a:rPr kumimoji="0" lang="de-DE" altLang="de-DE" sz="2400" b="0" i="0" u="none" strike="noStrike" cap="none" normalizeH="0" baseline="0" dirty="0" err="1" smtClean="0">
+              <a:rPr kumimoji="0" lang="de-DE" altLang="de-DE" sz="2400" b="0" i="0" u="none" strike="noStrike" cap="none" normalizeH="0" baseline="0" dirty="0" err="1">
                 <a:ln>
                   <a:noFill/>
                 </a:ln>
@@ -9957,7 +10101,7 @@
               <a:t>provider</a:t>
             </a:r>
             <a:r>
-              <a:rPr kumimoji="0" lang="de-DE" altLang="de-DE" sz="2400" b="0" i="0" u="none" strike="noStrike" cap="none" normalizeH="0" baseline="0" dirty="0" smtClean="0">
+              <a:rPr kumimoji="0" lang="de-DE" altLang="de-DE" sz="2400" b="0" i="0" u="none" strike="noStrike" cap="none" normalizeH="0" baseline="0" dirty="0">
                 <a:ln>
                   <a:noFill/>
                 </a:ln>
@@ -9970,7 +10114,7 @@
               <a:t> </a:t>
             </a:r>
             <a:r>
-              <a:rPr kumimoji="0" lang="de-DE" altLang="de-DE" sz="2400" b="0" i="0" u="none" strike="noStrike" cap="none" normalizeH="0" baseline="0" dirty="0" smtClean="0">
+              <a:rPr kumimoji="0" lang="de-DE" altLang="de-DE" sz="2400" b="0" i="0" u="none" strike="noStrike" cap="none" normalizeH="0" baseline="0" dirty="0">
                 <a:ln>
                   <a:noFill/>
                 </a:ln>
@@ -9983,7 +10127,7 @@
               <a:t>= </a:t>
             </a:r>
             <a:r>
-              <a:rPr kumimoji="0" lang="de-DE" altLang="de-DE" sz="2400" b="0" i="0" u="none" strike="noStrike" cap="none" normalizeH="0" baseline="0" dirty="0" smtClean="0">
+              <a:rPr kumimoji="0" lang="de-DE" altLang="de-DE" sz="2400" b="0" i="0" u="none" strike="noStrike" cap="none" normalizeH="0" baseline="0" dirty="0">
                 <a:ln>
                   <a:noFill/>
                 </a:ln>
@@ -9996,7 +10140,7 @@
               <a:t>aws</a:t>
             </a:r>
             <a:r>
-              <a:rPr kumimoji="0" lang="de-DE" altLang="de-DE" sz="2400" b="0" i="0" u="none" strike="noStrike" cap="none" normalizeH="0" baseline="0" dirty="0" smtClean="0">
+              <a:rPr kumimoji="0" lang="de-DE" altLang="de-DE" sz="2400" b="0" i="0" u="none" strike="noStrike" cap="none" normalizeH="0" baseline="0" dirty="0">
                 <a:ln>
                   <a:noFill/>
                 </a:ln>
@@ -10009,7 +10153,7 @@
               <a:t>.</a:t>
             </a:r>
             <a:r>
-              <a:rPr kumimoji="0" lang="de-DE" altLang="de-DE" sz="2400" b="0" i="0" u="none" strike="noStrike" cap="none" normalizeH="0" baseline="0" dirty="0" smtClean="0">
+              <a:rPr kumimoji="0" lang="de-DE" altLang="de-DE" sz="2400" b="0" i="0" u="none" strike="noStrike" cap="none" normalizeH="0" baseline="0" dirty="0">
                 <a:ln>
                   <a:noFill/>
                 </a:ln>
@@ -10022,7 +10166,7 @@
               <a:t>eu-west-1</a:t>
             </a:r>
             <a:br>
-              <a:rPr kumimoji="0" lang="de-DE" altLang="de-DE" sz="2400" b="0" i="0" u="none" strike="noStrike" cap="none" normalizeH="0" baseline="0" dirty="0" smtClean="0">
+              <a:rPr kumimoji="0" lang="de-DE" altLang="de-DE" sz="2400" b="0" i="0" u="none" strike="noStrike" cap="none" normalizeH="0" baseline="0" dirty="0">
                 <a:ln>
                   <a:noFill/>
                 </a:ln>
@@ -10034,7 +10178,7 @@
               </a:rPr>
             </a:br>
             <a:r>
-              <a:rPr kumimoji="0" lang="de-DE" altLang="de-DE" sz="2400" b="0" i="0" u="none" strike="noStrike" cap="none" normalizeH="0" baseline="0" dirty="0" smtClean="0">
+              <a:rPr kumimoji="0" lang="de-DE" altLang="de-DE" sz="2400" b="0" i="0" u="none" strike="noStrike" cap="none" normalizeH="0" baseline="0" dirty="0">
                 <a:ln>
                   <a:noFill/>
                 </a:ln>
@@ -10046,7 +10190,7 @@
               </a:rPr>
               <a:t>}</a:t>
             </a:r>
-            <a:endParaRPr kumimoji="0" lang="de-DE" altLang="de-DE" sz="4800" b="0" i="0" u="none" strike="noStrike" cap="none" normalizeH="0" baseline="0" dirty="0" smtClean="0">
+            <a:endParaRPr kumimoji="0" lang="de-DE" altLang="de-DE" sz="4800" b="0" i="0" u="none" strike="noStrike" cap="none" normalizeH="0" baseline="0" dirty="0">
               <a:ln>
                 <a:noFill/>
               </a:ln>
@@ -10069,13 +10213,6 @@
   <p:clrMapOvr>
     <a:masterClrMapping/>
   </p:clrMapOvr>
-  <p:timing>
-    <p:tnLst>
-      <p:par>
-        <p:cTn id="1" dur="indefinite" restart="never" nodeType="tmRoot"/>
-      </p:par>
-    </p:tnLst>
-  </p:timing>
 </p:sld>
 </file>
 
@@ -10112,11 +10249,11 @@
           <a:lstStyle/>
           <a:p>
             <a:r>
-              <a:rPr lang="de-DE" dirty="0" smtClean="0"/>
+              <a:rPr lang="de-DE" dirty="0"/>
               <a:t>Meta-Argument - </a:t>
             </a:r>
             <a:r>
-              <a:rPr lang="de-DE" dirty="0" err="1" smtClean="0"/>
+              <a:rPr lang="de-DE" dirty="0" err="1"/>
               <a:t>lifecycle</a:t>
             </a:r>
             <a:endParaRPr lang="de-DE" dirty="0"/>
@@ -10143,15 +10280,15 @@
               <a:buChar char="-"/>
             </a:pPr>
             <a:r>
-              <a:rPr lang="de-DE" dirty="0" smtClean="0"/>
+              <a:rPr lang="de-DE" dirty="0"/>
               <a:t>Ermöglicht das Anpassen des </a:t>
             </a:r>
             <a:r>
-              <a:rPr lang="de-DE" dirty="0" err="1" smtClean="0"/>
+              <a:rPr lang="de-DE" dirty="0" err="1"/>
               <a:t>Lebenzyklus</a:t>
             </a:r>
             <a:r>
-              <a:rPr lang="de-DE" dirty="0" smtClean="0"/>
+              <a:rPr lang="de-DE" dirty="0"/>
               <a:t> einer Ressource</a:t>
             </a:r>
           </a:p>
@@ -10161,18 +10298,17 @@
               <a:buChar char="-"/>
             </a:pPr>
             <a:r>
-              <a:rPr lang="de-DE" dirty="0" smtClean="0"/>
+              <a:rPr lang="de-DE" dirty="0"/>
               <a:t>Das Meta-Argument </a:t>
             </a:r>
             <a:r>
-              <a:rPr lang="de-DE" dirty="0" err="1" smtClean="0"/>
+              <a:rPr lang="de-DE" dirty="0" err="1"/>
               <a:t>lifecycle</a:t>
             </a:r>
             <a:r>
-              <a:rPr lang="de-DE" dirty="0" smtClean="0"/>
+              <a:rPr lang="de-DE" dirty="0"/>
               <a:t> ist im Gegensatz zu den anderen Meta-Argumenten ein verschachteltest Argument</a:t>
             </a:r>
-            <a:endParaRPr lang="de-DE" dirty="0"/>
           </a:p>
           <a:p>
             <a:pPr>
@@ -10180,15 +10316,15 @@
               <a:buChar char="-"/>
             </a:pPr>
             <a:r>
-              <a:rPr lang="de-DE" dirty="0" smtClean="0"/>
+              <a:rPr lang="de-DE" dirty="0"/>
               <a:t>Im Gegensatz zu den anderen Meta-Argumenten dürfen keine Ausdrücke sondern nur </a:t>
             </a:r>
             <a:r>
-              <a:rPr lang="de-DE" dirty="0" err="1" smtClean="0"/>
+              <a:rPr lang="de-DE" dirty="0" err="1"/>
               <a:t>Literale</a:t>
             </a:r>
             <a:r>
-              <a:rPr lang="de-DE" dirty="0" smtClean="0"/>
+              <a:rPr lang="de-DE" dirty="0"/>
               <a:t> zugewiesen werden</a:t>
             </a:r>
           </a:p>
@@ -10204,13 +10340,6 @@
   <p:clrMapOvr>
     <a:masterClrMapping/>
   </p:clrMapOvr>
-  <p:timing>
-    <p:tnLst>
-      <p:par>
-        <p:cTn id="1" dur="indefinite" restart="never" nodeType="tmRoot"/>
-      </p:par>
-    </p:tnLst>
-  </p:timing>
 </p:sld>
 </file>
 
@@ -10247,15 +10376,15 @@
           <a:lstStyle/>
           <a:p>
             <a:r>
-              <a:rPr lang="de-DE" dirty="0" err="1" smtClean="0"/>
+              <a:rPr lang="de-DE" dirty="0" err="1"/>
               <a:t>Lifecycle</a:t>
             </a:r>
             <a:r>
-              <a:rPr lang="de-DE" dirty="0" smtClean="0"/>
+              <a:rPr lang="de-DE" dirty="0"/>
               <a:t> - </a:t>
             </a:r>
             <a:r>
-              <a:rPr lang="de-DE" dirty="0" err="1" smtClean="0"/>
+              <a:rPr lang="de-DE" dirty="0" err="1"/>
               <a:t>create_before_destroy</a:t>
             </a:r>
             <a:endParaRPr lang="de-DE" dirty="0"/>
@@ -10282,8 +10411,8 @@
               <a:buChar char="-"/>
             </a:pPr>
             <a:r>
-              <a:rPr lang="de-DE" dirty="0" smtClean="0"/>
-              <a:t>Betrifft Ressourcen welche nicht  neu erzeugt werden müssen</a:t>
+              <a:rPr lang="de-DE" dirty="0"/>
+              <a:t>Betrifft Ressourcen welche nicht In-Place aktualisiert werden können</a:t>
             </a:r>
           </a:p>
           <a:p>
@@ -10292,7 +10421,7 @@
               <a:buChar char="-"/>
             </a:pPr>
             <a:r>
-              <a:rPr lang="de-DE" dirty="0" smtClean="0"/>
+              <a:rPr lang="de-DE" dirty="0"/>
               <a:t>Das neue Objekt wird erzeugt, bevor das alte Objekt zerstört wird</a:t>
             </a:r>
           </a:p>
@@ -10302,7 +10431,7 @@
               <a:buChar char="-"/>
             </a:pPr>
             <a:r>
-              <a:rPr lang="de-DE" dirty="0" smtClean="0"/>
+              <a:rPr lang="de-DE" dirty="0"/>
               <a:t>Kann ggf. zu Namenskonflikten führen </a:t>
             </a:r>
           </a:p>
@@ -10330,7 +10459,7 @@
         </p:blipFill>
         <p:spPr>
           <a:xfrm>
-            <a:off x="239889" y="2819360"/>
+            <a:off x="239889" y="2819363"/>
             <a:ext cx="598311" cy="552441"/>
           </a:xfrm>
           <a:prstGeom prst="rect">
@@ -10409,7 +10538,7 @@
               <a:tabLst/>
             </a:pPr>
             <a:r>
-              <a:rPr kumimoji="0" lang="de-DE" altLang="de-DE" sz="2400" b="0" i="1" u="none" strike="noStrike" cap="none" normalizeH="0" baseline="0" dirty="0" err="1" smtClean="0">
+              <a:rPr kumimoji="0" lang="de-DE" altLang="de-DE" sz="2400" b="0" i="1" u="none" strike="noStrike" cap="none" normalizeH="0" baseline="0" dirty="0" err="1">
                 <a:ln>
                   <a:noFill/>
                 </a:ln>
@@ -10422,7 +10551,7 @@
               <a:t>resource</a:t>
             </a:r>
             <a:r>
-              <a:rPr kumimoji="0" lang="de-DE" altLang="de-DE" sz="2400" b="0" i="1" u="none" strike="noStrike" cap="none" normalizeH="0" baseline="0" dirty="0" smtClean="0">
+              <a:rPr kumimoji="0" lang="de-DE" altLang="de-DE" sz="2400" b="0" i="1" u="none" strike="noStrike" cap="none" normalizeH="0" baseline="0" dirty="0">
                 <a:ln>
                   <a:noFill/>
                 </a:ln>
@@ -10435,7 +10564,7 @@
               <a:t> </a:t>
             </a:r>
             <a:r>
-              <a:rPr kumimoji="0" lang="de-DE" altLang="de-DE" sz="2400" b="0" i="0" u="none" strike="noStrike" cap="none" normalizeH="0" baseline="0" dirty="0" smtClean="0">
+              <a:rPr kumimoji="0" lang="de-DE" altLang="de-DE" sz="2400" b="0" i="0" u="none" strike="noStrike" cap="none" normalizeH="0" baseline="0" dirty="0">
                 <a:ln>
                   <a:noFill/>
                 </a:ln>
@@ -10448,7 +10577,7 @@
               <a:t>"</a:t>
             </a:r>
             <a:r>
-              <a:rPr kumimoji="0" lang="de-DE" altLang="de-DE" sz="2400" b="0" i="0" u="none" strike="noStrike" cap="none" normalizeH="0" baseline="0" dirty="0" err="1" smtClean="0">
+              <a:rPr kumimoji="0" lang="de-DE" altLang="de-DE" sz="2400" b="0" i="0" u="none" strike="noStrike" cap="none" normalizeH="0" baseline="0" dirty="0" err="1">
                 <a:ln>
                   <a:noFill/>
                 </a:ln>
@@ -10461,7 +10590,7 @@
               <a:t>aws_launch_configuration</a:t>
             </a:r>
             <a:r>
-              <a:rPr kumimoji="0" lang="de-DE" altLang="de-DE" sz="2400" b="0" i="0" u="none" strike="noStrike" cap="none" normalizeH="0" baseline="0" dirty="0" smtClean="0">
+              <a:rPr kumimoji="0" lang="de-DE" altLang="de-DE" sz="2400" b="0" i="0" u="none" strike="noStrike" cap="none" normalizeH="0" baseline="0" dirty="0">
                 <a:ln>
                   <a:noFill/>
                 </a:ln>
@@ -10474,7 +10603,7 @@
               <a:t>" "</a:t>
             </a:r>
             <a:r>
-              <a:rPr lang="de-DE" altLang="de-DE" sz="2400" dirty="0" err="1" smtClean="0">
+              <a:rPr lang="de-DE" altLang="de-DE" sz="2400" dirty="0" err="1">
                 <a:solidFill>
                   <a:srgbClr val="E5C07B"/>
                 </a:solidFill>
@@ -10483,7 +10612,7 @@
               <a:t>demo</a:t>
             </a:r>
             <a:r>
-              <a:rPr kumimoji="0" lang="de-DE" altLang="de-DE" sz="2400" b="0" i="0" u="none" strike="noStrike" cap="none" normalizeH="0" baseline="0" dirty="0" smtClean="0">
+              <a:rPr kumimoji="0" lang="de-DE" altLang="de-DE" sz="2400" b="0" i="0" u="none" strike="noStrike" cap="none" normalizeH="0" baseline="0" dirty="0">
                 <a:ln>
                   <a:noFill/>
                 </a:ln>
@@ -10496,7 +10625,7 @@
               <a:t>" </a:t>
             </a:r>
             <a:r>
-              <a:rPr kumimoji="0" lang="de-DE" altLang="de-DE" sz="2400" b="0" i="0" u="none" strike="noStrike" cap="none" normalizeH="0" baseline="0" dirty="0" smtClean="0">
+              <a:rPr kumimoji="0" lang="de-DE" altLang="de-DE" sz="2400" b="0" i="0" u="none" strike="noStrike" cap="none" normalizeH="0" baseline="0" dirty="0">
                 <a:ln>
                   <a:noFill/>
                 </a:ln>
@@ -10509,7 +10638,7 @@
               <a:t>{</a:t>
             </a:r>
             <a:br>
-              <a:rPr kumimoji="0" lang="de-DE" altLang="de-DE" sz="2400" b="0" i="0" u="none" strike="noStrike" cap="none" normalizeH="0" baseline="0" dirty="0" smtClean="0">
+              <a:rPr kumimoji="0" lang="de-DE" altLang="de-DE" sz="2400" b="0" i="0" u="none" strike="noStrike" cap="none" normalizeH="0" baseline="0" dirty="0">
                 <a:ln>
                   <a:noFill/>
                 </a:ln>
@@ -10521,7 +10650,7 @@
               </a:rPr>
             </a:br>
             <a:r>
-              <a:rPr kumimoji="0" lang="de-DE" altLang="de-DE" sz="2400" b="0" i="0" u="none" strike="noStrike" cap="none" normalizeH="0" baseline="0" dirty="0" smtClean="0">
+              <a:rPr kumimoji="0" lang="de-DE" altLang="de-DE" sz="2400" b="0" i="0" u="none" strike="noStrike" cap="none" normalizeH="0" baseline="0" dirty="0">
                 <a:ln>
                   <a:noFill/>
                 </a:ln>
@@ -10534,7 +10663,7 @@
               <a:t>  </a:t>
             </a:r>
             <a:r>
-              <a:rPr kumimoji="0" lang="de-DE" altLang="de-DE" sz="2400" b="0" i="0" u="none" strike="noStrike" cap="none" normalizeH="0" baseline="0" dirty="0" err="1" smtClean="0">
+              <a:rPr kumimoji="0" lang="de-DE" altLang="de-DE" sz="2400" b="0" i="0" u="none" strike="noStrike" cap="none" normalizeH="0" baseline="0" dirty="0" err="1">
                 <a:ln>
                   <a:noFill/>
                 </a:ln>
@@ -10547,7 +10676,7 @@
               <a:t>name_prefix</a:t>
             </a:r>
             <a:r>
-              <a:rPr kumimoji="0" lang="de-DE" altLang="de-DE" sz="2400" b="0" i="0" u="none" strike="noStrike" cap="none" normalizeH="0" baseline="0" dirty="0" smtClean="0">
+              <a:rPr kumimoji="0" lang="de-DE" altLang="de-DE" sz="2400" b="0" i="0" u="none" strike="noStrike" cap="none" normalizeH="0" baseline="0" dirty="0">
                 <a:ln>
                   <a:noFill/>
                 </a:ln>
@@ -10560,7 +10689,7 @@
               <a:t>   </a:t>
             </a:r>
             <a:r>
-              <a:rPr kumimoji="0" lang="de-DE" altLang="de-DE" sz="2400" b="0" i="0" u="none" strike="noStrike" cap="none" normalizeH="0" baseline="0" dirty="0" smtClean="0">
+              <a:rPr kumimoji="0" lang="de-DE" altLang="de-DE" sz="2400" b="0" i="0" u="none" strike="noStrike" cap="none" normalizeH="0" baseline="0" dirty="0">
                 <a:ln>
                   <a:noFill/>
                 </a:ln>
@@ -10573,7 +10702,7 @@
               <a:t>= </a:t>
             </a:r>
             <a:r>
-              <a:rPr kumimoji="0" lang="de-DE" altLang="de-DE" sz="2400" b="0" i="0" u="none" strike="noStrike" cap="none" normalizeH="0" baseline="0" dirty="0" smtClean="0">
+              <a:rPr kumimoji="0" lang="de-DE" altLang="de-DE" sz="2400" b="0" i="0" u="none" strike="noStrike" cap="none" normalizeH="0" baseline="0" dirty="0">
                 <a:ln>
                   <a:noFill/>
                 </a:ln>
@@ -10586,7 +10715,7 @@
               <a:t>"demo-"</a:t>
             </a:r>
             <a:br>
-              <a:rPr kumimoji="0" lang="de-DE" altLang="de-DE" sz="2400" b="0" i="0" u="none" strike="noStrike" cap="none" normalizeH="0" baseline="0" dirty="0" smtClean="0">
+              <a:rPr kumimoji="0" lang="de-DE" altLang="de-DE" sz="2400" b="0" i="0" u="none" strike="noStrike" cap="none" normalizeH="0" baseline="0" dirty="0">
                 <a:ln>
                   <a:noFill/>
                 </a:ln>
@@ -10598,7 +10727,7 @@
               </a:rPr>
             </a:br>
             <a:r>
-              <a:rPr kumimoji="0" lang="de-DE" altLang="de-DE" sz="2400" b="0" i="0" u="none" strike="noStrike" cap="none" normalizeH="0" baseline="0" dirty="0" smtClean="0">
+              <a:rPr kumimoji="0" lang="de-DE" altLang="de-DE" sz="2400" b="0" i="0" u="none" strike="noStrike" cap="none" normalizeH="0" baseline="0" dirty="0">
                 <a:ln>
                   <a:noFill/>
                 </a:ln>
@@ -10611,7 +10740,7 @@
               <a:t>  </a:t>
             </a:r>
             <a:r>
-              <a:rPr kumimoji="0" lang="de-DE" altLang="de-DE" sz="2400" b="0" i="0" u="none" strike="noStrike" cap="none" normalizeH="0" baseline="0" dirty="0" err="1" smtClean="0">
+              <a:rPr kumimoji="0" lang="de-DE" altLang="de-DE" sz="2400" b="0" i="0" u="none" strike="noStrike" cap="none" normalizeH="0" baseline="0" dirty="0" err="1">
                 <a:ln>
                   <a:noFill/>
                 </a:ln>
@@ -10624,7 +10753,7 @@
               <a:t>image_id</a:t>
             </a:r>
             <a:r>
-              <a:rPr kumimoji="0" lang="de-DE" altLang="de-DE" sz="2400" b="0" i="0" u="none" strike="noStrike" cap="none" normalizeH="0" baseline="0" dirty="0" smtClean="0">
+              <a:rPr kumimoji="0" lang="de-DE" altLang="de-DE" sz="2400" b="0" i="0" u="none" strike="noStrike" cap="none" normalizeH="0" baseline="0" dirty="0">
                 <a:ln>
                   <a:noFill/>
                 </a:ln>
@@ -10637,7 +10766,7 @@
               <a:t>      </a:t>
             </a:r>
             <a:r>
-              <a:rPr kumimoji="0" lang="de-DE" altLang="de-DE" sz="2400" b="0" i="0" u="none" strike="noStrike" cap="none" normalizeH="0" baseline="0" dirty="0" smtClean="0">
+              <a:rPr kumimoji="0" lang="de-DE" altLang="de-DE" sz="2400" b="0" i="0" u="none" strike="noStrike" cap="none" normalizeH="0" baseline="0" dirty="0">
                 <a:ln>
                   <a:noFill/>
                 </a:ln>
@@ -10650,7 +10779,7 @@
               <a:t>= </a:t>
             </a:r>
             <a:r>
-              <a:rPr kumimoji="0" lang="de-DE" altLang="de-DE" sz="2400" b="0" i="0" u="none" strike="noStrike" cap="none" normalizeH="0" baseline="0" dirty="0" smtClean="0">
+              <a:rPr kumimoji="0" lang="de-DE" altLang="de-DE" sz="2400" b="0" i="0" u="none" strike="noStrike" cap="none" normalizeH="0" baseline="0" dirty="0">
                 <a:ln>
                   <a:noFill/>
                 </a:ln>
@@ -10663,7 +10792,7 @@
               <a:t>"ami-68dae275"</a:t>
             </a:r>
             <a:br>
-              <a:rPr kumimoji="0" lang="de-DE" altLang="de-DE" sz="2400" b="0" i="0" u="none" strike="noStrike" cap="none" normalizeH="0" baseline="0" dirty="0" smtClean="0">
+              <a:rPr kumimoji="0" lang="de-DE" altLang="de-DE" sz="2400" b="0" i="0" u="none" strike="noStrike" cap="none" normalizeH="0" baseline="0" dirty="0">
                 <a:ln>
                   <a:noFill/>
                 </a:ln>
@@ -10675,7 +10804,7 @@
               </a:rPr>
             </a:br>
             <a:r>
-              <a:rPr kumimoji="0" lang="de-DE" altLang="de-DE" sz="2400" b="0" i="0" u="none" strike="noStrike" cap="none" normalizeH="0" baseline="0" dirty="0" smtClean="0">
+              <a:rPr kumimoji="0" lang="de-DE" altLang="de-DE" sz="2400" b="0" i="0" u="none" strike="noStrike" cap="none" normalizeH="0" baseline="0" dirty="0">
                 <a:ln>
                   <a:noFill/>
                 </a:ln>
@@ -10688,7 +10817,7 @@
               <a:t>  </a:t>
             </a:r>
             <a:r>
-              <a:rPr kumimoji="0" lang="de-DE" altLang="de-DE" sz="2400" b="0" i="0" u="none" strike="noStrike" cap="none" normalizeH="0" baseline="0" dirty="0" err="1" smtClean="0">
+              <a:rPr kumimoji="0" lang="de-DE" altLang="de-DE" sz="2400" b="0" i="0" u="none" strike="noStrike" cap="none" normalizeH="0" baseline="0" dirty="0" err="1">
                 <a:ln>
                   <a:noFill/>
                 </a:ln>
@@ -10701,7 +10830,7 @@
               <a:t>instance_type</a:t>
             </a:r>
             <a:r>
-              <a:rPr kumimoji="0" lang="de-DE" altLang="de-DE" sz="2400" b="0" i="0" u="none" strike="noStrike" cap="none" normalizeH="0" baseline="0" dirty="0" smtClean="0">
+              <a:rPr kumimoji="0" lang="de-DE" altLang="de-DE" sz="2400" b="0" i="0" u="none" strike="noStrike" cap="none" normalizeH="0" baseline="0" dirty="0">
                 <a:ln>
                   <a:noFill/>
                 </a:ln>
@@ -10714,7 +10843,7 @@
               <a:t> </a:t>
             </a:r>
             <a:r>
-              <a:rPr kumimoji="0" lang="de-DE" altLang="de-DE" sz="2400" b="0" i="0" u="none" strike="noStrike" cap="none" normalizeH="0" baseline="0" dirty="0" smtClean="0">
+              <a:rPr kumimoji="0" lang="de-DE" altLang="de-DE" sz="2400" b="0" i="0" u="none" strike="noStrike" cap="none" normalizeH="0" baseline="0" dirty="0">
                 <a:ln>
                   <a:noFill/>
                 </a:ln>
@@ -10727,7 +10856,7 @@
               <a:t>= </a:t>
             </a:r>
             <a:r>
-              <a:rPr kumimoji="0" lang="de-DE" altLang="de-DE" sz="2400" b="0" i="0" u="none" strike="noStrike" cap="none" normalizeH="0" baseline="0" dirty="0" smtClean="0">
+              <a:rPr kumimoji="0" lang="de-DE" altLang="de-DE" sz="2400" b="0" i="0" u="none" strike="noStrike" cap="none" normalizeH="0" baseline="0" dirty="0">
                 <a:ln>
                   <a:noFill/>
                 </a:ln>
@@ -10740,7 +10869,7 @@
               <a:t>"t2.micro"</a:t>
             </a:r>
             <a:br>
-              <a:rPr kumimoji="0" lang="de-DE" altLang="de-DE" sz="2400" b="0" i="0" u="none" strike="noStrike" cap="none" normalizeH="0" baseline="0" dirty="0" smtClean="0">
+              <a:rPr kumimoji="0" lang="de-DE" altLang="de-DE" sz="2400" b="0" i="0" u="none" strike="noStrike" cap="none" normalizeH="0" baseline="0" dirty="0">
                 <a:ln>
                   <a:noFill/>
                 </a:ln>
@@ -10752,7 +10881,7 @@
               </a:rPr>
             </a:br>
             <a:r>
-              <a:rPr kumimoji="0" lang="de-DE" altLang="de-DE" sz="2400" b="0" i="0" u="none" strike="noStrike" cap="none" normalizeH="0" baseline="0" dirty="0" smtClean="0">
+              <a:rPr kumimoji="0" lang="de-DE" altLang="de-DE" sz="2400" b="0" i="0" u="none" strike="noStrike" cap="none" normalizeH="0" baseline="0" dirty="0">
                 <a:ln>
                   <a:noFill/>
                 </a:ln>
@@ -10765,7 +10894,7 @@
               <a:t>  </a:t>
             </a:r>
             <a:r>
-              <a:rPr kumimoji="0" lang="de-DE" altLang="de-DE" sz="2400" b="0" i="1" u="none" strike="noStrike" cap="none" normalizeH="0" baseline="0" dirty="0" err="1" smtClean="0">
+              <a:rPr kumimoji="0" lang="de-DE" altLang="de-DE" sz="2400" b="0" i="1" u="none" strike="noStrike" cap="none" normalizeH="0" baseline="0" dirty="0" err="1">
                 <a:ln>
                   <a:noFill/>
                 </a:ln>
@@ -10778,7 +10907,7 @@
               <a:t>lifecycle</a:t>
             </a:r>
             <a:r>
-              <a:rPr kumimoji="0" lang="de-DE" altLang="de-DE" sz="2400" b="0" i="1" u="none" strike="noStrike" cap="none" normalizeH="0" baseline="0" dirty="0" smtClean="0">
+              <a:rPr kumimoji="0" lang="de-DE" altLang="de-DE" sz="2400" b="0" i="1" u="none" strike="noStrike" cap="none" normalizeH="0" baseline="0" dirty="0">
                 <a:ln>
                   <a:noFill/>
                 </a:ln>
@@ -10791,7 +10920,7 @@
               <a:t> </a:t>
             </a:r>
             <a:r>
-              <a:rPr kumimoji="0" lang="de-DE" altLang="de-DE" sz="2400" b="0" i="0" u="none" strike="noStrike" cap="none" normalizeH="0" baseline="0" dirty="0" smtClean="0">
+              <a:rPr kumimoji="0" lang="de-DE" altLang="de-DE" sz="2400" b="0" i="0" u="none" strike="noStrike" cap="none" normalizeH="0" baseline="0" dirty="0">
                 <a:ln>
                   <a:noFill/>
                 </a:ln>
@@ -10804,7 +10933,7 @@
               <a:t>{</a:t>
             </a:r>
             <a:br>
-              <a:rPr kumimoji="0" lang="de-DE" altLang="de-DE" sz="2400" b="0" i="0" u="none" strike="noStrike" cap="none" normalizeH="0" baseline="0" dirty="0" smtClean="0">
+              <a:rPr kumimoji="0" lang="de-DE" altLang="de-DE" sz="2400" b="0" i="0" u="none" strike="noStrike" cap="none" normalizeH="0" baseline="0" dirty="0">
                 <a:ln>
                   <a:noFill/>
                 </a:ln>
@@ -10816,7 +10945,7 @@
               </a:rPr>
             </a:br>
             <a:r>
-              <a:rPr kumimoji="0" lang="de-DE" altLang="de-DE" sz="2400" b="0" i="0" u="none" strike="noStrike" cap="none" normalizeH="0" baseline="0" dirty="0" smtClean="0">
+              <a:rPr kumimoji="0" lang="de-DE" altLang="de-DE" sz="2400" b="0" i="0" u="none" strike="noStrike" cap="none" normalizeH="0" baseline="0" dirty="0">
                 <a:ln>
                   <a:noFill/>
                 </a:ln>
@@ -10829,7 +10958,7 @@
               <a:t>    </a:t>
             </a:r>
             <a:r>
-              <a:rPr kumimoji="0" lang="de-DE" altLang="de-DE" sz="2400" b="0" i="0" u="none" strike="noStrike" cap="none" normalizeH="0" baseline="0" dirty="0" err="1" smtClean="0">
+              <a:rPr kumimoji="0" lang="de-DE" altLang="de-DE" sz="2400" b="0" i="0" u="none" strike="noStrike" cap="none" normalizeH="0" baseline="0" dirty="0" err="1">
                 <a:ln>
                   <a:noFill/>
                 </a:ln>
@@ -10842,7 +10971,7 @@
               <a:t>create_before_destroy</a:t>
             </a:r>
             <a:r>
-              <a:rPr kumimoji="0" lang="de-DE" altLang="de-DE" sz="2400" b="0" i="0" u="none" strike="noStrike" cap="none" normalizeH="0" baseline="0" dirty="0" smtClean="0">
+              <a:rPr kumimoji="0" lang="de-DE" altLang="de-DE" sz="2400" b="0" i="0" u="none" strike="noStrike" cap="none" normalizeH="0" baseline="0" dirty="0">
                 <a:ln>
                   <a:noFill/>
                 </a:ln>
@@ -10855,7 +10984,7 @@
               <a:t> </a:t>
             </a:r>
             <a:r>
-              <a:rPr kumimoji="0" lang="de-DE" altLang="de-DE" sz="2400" b="0" i="0" u="none" strike="noStrike" cap="none" normalizeH="0" baseline="0" dirty="0" smtClean="0">
+              <a:rPr kumimoji="0" lang="de-DE" altLang="de-DE" sz="2400" b="0" i="0" u="none" strike="noStrike" cap="none" normalizeH="0" baseline="0" dirty="0">
                 <a:ln>
                   <a:noFill/>
                 </a:ln>
@@ -10868,7 +10997,7 @@
               <a:t>= </a:t>
             </a:r>
             <a:r>
-              <a:rPr kumimoji="0" lang="de-DE" altLang="de-DE" sz="2400" b="0" i="1" u="none" strike="noStrike" cap="none" normalizeH="0" baseline="0" dirty="0" err="1" smtClean="0">
+              <a:rPr kumimoji="0" lang="de-DE" altLang="de-DE" sz="2400" b="0" i="1" u="none" strike="noStrike" cap="none" normalizeH="0" baseline="0" dirty="0" err="1">
                 <a:ln>
                   <a:noFill/>
                 </a:ln>
@@ -10880,8 +11009,8 @@
               </a:rPr>
               <a:t>true</a:t>
             </a:r>
-            <a:r>
-              <a:rPr kumimoji="0" lang="de-DE" altLang="de-DE" sz="2400" b="0" i="1" u="none" strike="noStrike" cap="none" normalizeH="0" baseline="0" dirty="0" smtClean="0">
+            <a:br>
+              <a:rPr kumimoji="0" lang="de-DE" altLang="de-DE" sz="2400" b="0" i="1" u="none" strike="noStrike" cap="none" normalizeH="0" baseline="0" dirty="0">
                 <a:ln>
                   <a:noFill/>
                 </a:ln>
@@ -10891,35 +11020,47 @@
                 <a:effectLst/>
                 <a:latin typeface="JetBrains Mono"/>
               </a:rPr>
-              <a:t/>
+            </a:br>
+            <a:r>
+              <a:rPr kumimoji="0" lang="de-DE" altLang="de-DE" sz="2400" b="0" i="1" u="none" strike="noStrike" cap="none" normalizeH="0" baseline="0" dirty="0">
+                <a:ln>
+                  <a:noFill/>
+                </a:ln>
+                <a:solidFill>
+                  <a:srgbClr val="D55FDE"/>
+                </a:solidFill>
+                <a:effectLst/>
+                <a:latin typeface="JetBrains Mono"/>
+              </a:rPr>
+              <a:t>  </a:t>
+            </a:r>
+            <a:r>
+              <a:rPr kumimoji="0" lang="de-DE" altLang="de-DE" sz="2400" b="0" i="0" u="none" strike="noStrike" cap="none" normalizeH="0" baseline="0" dirty="0">
+                <a:ln>
+                  <a:noFill/>
+                </a:ln>
+                <a:solidFill>
+                  <a:srgbClr val="BBBBBB"/>
+                </a:solidFill>
+                <a:effectLst/>
+                <a:latin typeface="JetBrains Mono"/>
+              </a:rPr>
+              <a:t>}</a:t>
             </a:r>
             <a:br>
-              <a:rPr kumimoji="0" lang="de-DE" altLang="de-DE" sz="2400" b="0" i="1" u="none" strike="noStrike" cap="none" normalizeH="0" baseline="0" dirty="0" smtClean="0">
-                <a:ln>
-                  <a:noFill/>
-                </a:ln>
-                <a:solidFill>
-                  <a:srgbClr val="D55FDE"/>
+              <a:rPr kumimoji="0" lang="de-DE" altLang="de-DE" sz="2400" b="0" i="0" u="none" strike="noStrike" cap="none" normalizeH="0" baseline="0" dirty="0">
+                <a:ln>
+                  <a:noFill/>
+                </a:ln>
+                <a:solidFill>
+                  <a:srgbClr val="BBBBBB"/>
                 </a:solidFill>
                 <a:effectLst/>
                 <a:latin typeface="JetBrains Mono"/>
               </a:rPr>
             </a:br>
             <a:r>
-              <a:rPr kumimoji="0" lang="de-DE" altLang="de-DE" sz="2400" b="0" i="1" u="none" strike="noStrike" cap="none" normalizeH="0" baseline="0" dirty="0" smtClean="0">
-                <a:ln>
-                  <a:noFill/>
-                </a:ln>
-                <a:solidFill>
-                  <a:srgbClr val="D55FDE"/>
-                </a:solidFill>
-                <a:effectLst/>
-                <a:latin typeface="JetBrains Mono"/>
-              </a:rPr>
-              <a:t>  </a:t>
-            </a:r>
-            <a:r>
-              <a:rPr kumimoji="0" lang="de-DE" altLang="de-DE" sz="2400" b="0" i="0" u="none" strike="noStrike" cap="none" normalizeH="0" baseline="0" dirty="0" smtClean="0">
+              <a:rPr kumimoji="0" lang="de-DE" altLang="de-DE" sz="2400" b="0" i="0" u="none" strike="noStrike" cap="none" normalizeH="0" baseline="0" dirty="0">
                 <a:ln>
                   <a:noFill/>
                 </a:ln>
@@ -10931,32 +11072,7 @@
               </a:rPr>
               <a:t>}</a:t>
             </a:r>
-            <a:br>
-              <a:rPr kumimoji="0" lang="de-DE" altLang="de-DE" sz="2400" b="0" i="0" u="none" strike="noStrike" cap="none" normalizeH="0" baseline="0" dirty="0" smtClean="0">
-                <a:ln>
-                  <a:noFill/>
-                </a:ln>
-                <a:solidFill>
-                  <a:srgbClr val="BBBBBB"/>
-                </a:solidFill>
-                <a:effectLst/>
-                <a:latin typeface="JetBrains Mono"/>
-              </a:rPr>
-            </a:br>
-            <a:r>
-              <a:rPr kumimoji="0" lang="de-DE" altLang="de-DE" sz="2400" b="0" i="0" u="none" strike="noStrike" cap="none" normalizeH="0" baseline="0" dirty="0" smtClean="0">
-                <a:ln>
-                  <a:noFill/>
-                </a:ln>
-                <a:solidFill>
-                  <a:srgbClr val="BBBBBB"/>
-                </a:solidFill>
-                <a:effectLst/>
-                <a:latin typeface="JetBrains Mono"/>
-              </a:rPr>
-              <a:t>}</a:t>
-            </a:r>
-            <a:endParaRPr kumimoji="0" lang="de-DE" altLang="de-DE" sz="4800" b="0" i="0" u="none" strike="noStrike" cap="none" normalizeH="0" baseline="0" dirty="0" smtClean="0">
+            <a:endParaRPr kumimoji="0" lang="de-DE" altLang="de-DE" sz="4800" b="0" i="0" u="none" strike="noStrike" cap="none" normalizeH="0" baseline="0" dirty="0">
               <a:ln>
                 <a:noFill/>
               </a:ln>
@@ -10979,13 +11095,6 @@
   <p:clrMapOvr>
     <a:masterClrMapping/>
   </p:clrMapOvr>
-  <p:timing>
-    <p:tnLst>
-      <p:par>
-        <p:cTn id="1" dur="indefinite" restart="never" nodeType="tmRoot"/>
-      </p:par>
-    </p:tnLst>
-  </p:timing>
 </p:sld>
 </file>
 
@@ -11027,14 +11136,10 @@
             </a:r>
             <a:r>
               <a:rPr lang="de-DE" dirty="0"/>
-              <a:t> </a:t>
-            </a:r>
-            <a:r>
-              <a:rPr lang="de-DE" dirty="0" smtClean="0"/>
-              <a:t>- </a:t>
-            </a:r>
-            <a:r>
-              <a:rPr lang="de-DE" dirty="0" err="1" smtClean="0"/>
+              <a:t> - </a:t>
+            </a:r>
+            <a:r>
+              <a:rPr lang="de-DE" dirty="0" err="1"/>
               <a:t>prevent_destroy</a:t>
             </a:r>
             <a:endParaRPr lang="de-DE" dirty="0"/>
@@ -11061,7 +11166,7 @@
               <a:buChar char="-"/>
             </a:pPr>
             <a:r>
-              <a:rPr lang="de-DE" dirty="0" smtClean="0"/>
+              <a:rPr lang="de-DE" dirty="0"/>
               <a:t>Dient dazu zu verhindern, dass kritische Infrastrukturobjekte versehentlich zerstört werden</a:t>
             </a:r>
           </a:p>
@@ -11071,7 +11176,7 @@
               <a:buChar char="-"/>
             </a:pPr>
             <a:r>
-              <a:rPr lang="de-DE" dirty="0" smtClean="0"/>
+              <a:rPr lang="de-DE" dirty="0"/>
               <a:t>Soll das Infrastrukturobjekt tatsächlich zerstört werden, muss das Meta-Argument erst aus der Konfiguration entfernt werden</a:t>
             </a:r>
           </a:p>
@@ -11148,7 +11253,7 @@
               <a:tabLst/>
             </a:pPr>
             <a:r>
-              <a:rPr kumimoji="0" lang="de-DE" altLang="de-DE" sz="2400" b="0" i="1" u="none" strike="noStrike" cap="none" normalizeH="0" baseline="0" dirty="0" err="1" smtClean="0">
+              <a:rPr kumimoji="0" lang="de-DE" altLang="de-DE" sz="2400" b="0" i="1" u="none" strike="noStrike" cap="none" normalizeH="0" baseline="0" dirty="0" err="1">
                 <a:ln>
                   <a:noFill/>
                 </a:ln>
@@ -11161,7 +11266,7 @@
               <a:t>resource</a:t>
             </a:r>
             <a:r>
-              <a:rPr kumimoji="0" lang="de-DE" altLang="de-DE" sz="2400" b="0" i="1" u="none" strike="noStrike" cap="none" normalizeH="0" baseline="0" dirty="0" smtClean="0">
+              <a:rPr kumimoji="0" lang="de-DE" altLang="de-DE" sz="2400" b="0" i="1" u="none" strike="noStrike" cap="none" normalizeH="0" baseline="0" dirty="0">
                 <a:ln>
                   <a:noFill/>
                 </a:ln>
@@ -11174,7 +11279,7 @@
               <a:t> </a:t>
             </a:r>
             <a:r>
-              <a:rPr kumimoji="0" lang="de-DE" altLang="de-DE" sz="2400" b="0" i="0" u="none" strike="noStrike" cap="none" normalizeH="0" baseline="0" dirty="0" smtClean="0">
+              <a:rPr kumimoji="0" lang="de-DE" altLang="de-DE" sz="2400" b="0" i="0" u="none" strike="noStrike" cap="none" normalizeH="0" baseline="0" dirty="0">
                 <a:ln>
                   <a:noFill/>
                 </a:ln>
@@ -11187,7 +11292,7 @@
               <a:t>"aws_s3_bucket" "</a:t>
             </a:r>
             <a:r>
-              <a:rPr kumimoji="0" lang="de-DE" altLang="de-DE" sz="2400" b="0" i="0" u="none" strike="noStrike" cap="none" normalizeH="0" baseline="0" dirty="0" err="1" smtClean="0">
+              <a:rPr kumimoji="0" lang="de-DE" altLang="de-DE" sz="2400" b="0" i="0" u="none" strike="noStrike" cap="none" normalizeH="0" baseline="0" dirty="0" err="1">
                 <a:ln>
                   <a:noFill/>
                 </a:ln>
@@ -11200,7 +11305,7 @@
               <a:t>important</a:t>
             </a:r>
             <a:r>
-              <a:rPr kumimoji="0" lang="de-DE" altLang="de-DE" sz="2400" b="0" i="0" u="none" strike="noStrike" cap="none" normalizeH="0" baseline="0" dirty="0" smtClean="0">
+              <a:rPr kumimoji="0" lang="de-DE" altLang="de-DE" sz="2400" b="0" i="0" u="none" strike="noStrike" cap="none" normalizeH="0" baseline="0" dirty="0">
                 <a:ln>
                   <a:noFill/>
                 </a:ln>
@@ -11213,7 +11318,7 @@
               <a:t>" </a:t>
             </a:r>
             <a:r>
-              <a:rPr kumimoji="0" lang="de-DE" altLang="de-DE" sz="2400" b="0" i="0" u="none" strike="noStrike" cap="none" normalizeH="0" baseline="0" dirty="0" smtClean="0">
+              <a:rPr kumimoji="0" lang="de-DE" altLang="de-DE" sz="2400" b="0" i="0" u="none" strike="noStrike" cap="none" normalizeH="0" baseline="0" dirty="0">
                 <a:ln>
                   <a:noFill/>
                 </a:ln>
@@ -11226,7 +11331,7 @@
               <a:t>{</a:t>
             </a:r>
             <a:br>
-              <a:rPr kumimoji="0" lang="de-DE" altLang="de-DE" sz="2400" b="0" i="0" u="none" strike="noStrike" cap="none" normalizeH="0" baseline="0" dirty="0" smtClean="0">
+              <a:rPr kumimoji="0" lang="de-DE" altLang="de-DE" sz="2400" b="0" i="0" u="none" strike="noStrike" cap="none" normalizeH="0" baseline="0" dirty="0">
                 <a:ln>
                   <a:noFill/>
                 </a:ln>
@@ -11238,7 +11343,7 @@
               </a:rPr>
             </a:br>
             <a:r>
-              <a:rPr kumimoji="0" lang="de-DE" altLang="de-DE" sz="2400" b="0" i="0" u="none" strike="noStrike" cap="none" normalizeH="0" baseline="0" dirty="0" smtClean="0">
+              <a:rPr kumimoji="0" lang="de-DE" altLang="de-DE" sz="2400" b="0" i="0" u="none" strike="noStrike" cap="none" normalizeH="0" baseline="0" dirty="0">
                 <a:ln>
                   <a:noFill/>
                 </a:ln>
@@ -11251,7 +11356,7 @@
               <a:t>  </a:t>
             </a:r>
             <a:r>
-              <a:rPr kumimoji="0" lang="de-DE" altLang="de-DE" sz="2400" b="0" i="0" u="none" strike="noStrike" cap="none" normalizeH="0" baseline="0" dirty="0" err="1" smtClean="0">
+              <a:rPr kumimoji="0" lang="de-DE" altLang="de-DE" sz="2400" b="0" i="0" u="none" strike="noStrike" cap="none" normalizeH="0" baseline="0" dirty="0" err="1">
                 <a:ln>
                   <a:noFill/>
                 </a:ln>
@@ -11264,7 +11369,7 @@
               <a:t>bucket</a:t>
             </a:r>
             <a:r>
-              <a:rPr kumimoji="0" lang="de-DE" altLang="de-DE" sz="2400" b="0" i="0" u="none" strike="noStrike" cap="none" normalizeH="0" baseline="0" dirty="0" smtClean="0">
+              <a:rPr kumimoji="0" lang="de-DE" altLang="de-DE" sz="2400" b="0" i="0" u="none" strike="noStrike" cap="none" normalizeH="0" baseline="0" dirty="0">
                 <a:ln>
                   <a:noFill/>
                 </a:ln>
@@ -11277,7 +11382,7 @@
               <a:t> </a:t>
             </a:r>
             <a:r>
-              <a:rPr kumimoji="0" lang="de-DE" altLang="de-DE" sz="2400" b="0" i="0" u="none" strike="noStrike" cap="none" normalizeH="0" baseline="0" dirty="0" smtClean="0">
+              <a:rPr kumimoji="0" lang="de-DE" altLang="de-DE" sz="2400" b="0" i="0" u="none" strike="noStrike" cap="none" normalizeH="0" baseline="0" dirty="0">
                 <a:ln>
                   <a:noFill/>
                 </a:ln>
@@ -11290,7 +11395,7 @@
               <a:t>= </a:t>
             </a:r>
             <a:r>
-              <a:rPr kumimoji="0" lang="de-DE" altLang="de-DE" sz="2400" b="0" i="0" u="none" strike="noStrike" cap="none" normalizeH="0" baseline="0" dirty="0" smtClean="0">
+              <a:rPr kumimoji="0" lang="de-DE" altLang="de-DE" sz="2400" b="0" i="0" u="none" strike="noStrike" cap="none" normalizeH="0" baseline="0" dirty="0">
                 <a:ln>
                   <a:noFill/>
                 </a:ln>
@@ -11303,7 +11408,7 @@
               <a:t>"</a:t>
             </a:r>
             <a:r>
-              <a:rPr kumimoji="0" lang="de-DE" altLang="de-DE" sz="2400" b="0" i="0" u="none" strike="noStrike" cap="none" normalizeH="0" baseline="0" dirty="0" err="1" smtClean="0">
+              <a:rPr kumimoji="0" lang="de-DE" altLang="de-DE" sz="2400" b="0" i="0" u="none" strike="noStrike" cap="none" normalizeH="0" baseline="0" dirty="0" err="1">
                 <a:ln>
                   <a:noFill/>
                 </a:ln>
@@ -11316,7 +11421,7 @@
               <a:t>important</a:t>
             </a:r>
             <a:r>
-              <a:rPr kumimoji="0" lang="de-DE" altLang="de-DE" sz="2400" b="0" i="0" u="none" strike="noStrike" cap="none" normalizeH="0" baseline="0" dirty="0" smtClean="0">
+              <a:rPr kumimoji="0" lang="de-DE" altLang="de-DE" sz="2400" b="0" i="0" u="none" strike="noStrike" cap="none" normalizeH="0" baseline="0" dirty="0">
                 <a:ln>
                   <a:noFill/>
                 </a:ln>
@@ -11329,7 +11434,7 @@
               <a:t>"</a:t>
             </a:r>
             <a:br>
-              <a:rPr kumimoji="0" lang="de-DE" altLang="de-DE" sz="2400" b="0" i="0" u="none" strike="noStrike" cap="none" normalizeH="0" baseline="0" dirty="0" smtClean="0">
+              <a:rPr kumimoji="0" lang="de-DE" altLang="de-DE" sz="2400" b="0" i="0" u="none" strike="noStrike" cap="none" normalizeH="0" baseline="0" dirty="0">
                 <a:ln>
                   <a:noFill/>
                 </a:ln>
@@ -11341,7 +11446,7 @@
               </a:rPr>
             </a:br>
             <a:r>
-              <a:rPr kumimoji="0" lang="de-DE" altLang="de-DE" sz="2400" b="0" i="0" u="none" strike="noStrike" cap="none" normalizeH="0" baseline="0" dirty="0" smtClean="0">
+              <a:rPr kumimoji="0" lang="de-DE" altLang="de-DE" sz="2400" b="0" i="0" u="none" strike="noStrike" cap="none" normalizeH="0" baseline="0" dirty="0">
                 <a:ln>
                   <a:noFill/>
                 </a:ln>
@@ -11354,7 +11459,7 @@
               <a:t>  </a:t>
             </a:r>
             <a:r>
-              <a:rPr kumimoji="0" lang="de-DE" altLang="de-DE" sz="2400" b="0" i="1" u="none" strike="noStrike" cap="none" normalizeH="0" baseline="0" dirty="0" err="1" smtClean="0">
+              <a:rPr kumimoji="0" lang="de-DE" altLang="de-DE" sz="2400" b="0" i="1" u="none" strike="noStrike" cap="none" normalizeH="0" baseline="0" dirty="0" err="1">
                 <a:ln>
                   <a:noFill/>
                 </a:ln>
@@ -11367,7 +11472,7 @@
               <a:t>lifecycle</a:t>
             </a:r>
             <a:r>
-              <a:rPr kumimoji="0" lang="de-DE" altLang="de-DE" sz="2400" b="0" i="1" u="none" strike="noStrike" cap="none" normalizeH="0" baseline="0" dirty="0" smtClean="0">
+              <a:rPr kumimoji="0" lang="de-DE" altLang="de-DE" sz="2400" b="0" i="1" u="none" strike="noStrike" cap="none" normalizeH="0" baseline="0" dirty="0">
                 <a:ln>
                   <a:noFill/>
                 </a:ln>
@@ -11380,7 +11485,7 @@
               <a:t> </a:t>
             </a:r>
             <a:r>
-              <a:rPr kumimoji="0" lang="de-DE" altLang="de-DE" sz="2400" b="0" i="0" u="none" strike="noStrike" cap="none" normalizeH="0" baseline="0" dirty="0" smtClean="0">
+              <a:rPr kumimoji="0" lang="de-DE" altLang="de-DE" sz="2400" b="0" i="0" u="none" strike="noStrike" cap="none" normalizeH="0" baseline="0" dirty="0">
                 <a:ln>
                   <a:noFill/>
                 </a:ln>
@@ -11393,7 +11498,7 @@
               <a:t>{</a:t>
             </a:r>
             <a:br>
-              <a:rPr kumimoji="0" lang="de-DE" altLang="de-DE" sz="2400" b="0" i="0" u="none" strike="noStrike" cap="none" normalizeH="0" baseline="0" dirty="0" smtClean="0">
+              <a:rPr kumimoji="0" lang="de-DE" altLang="de-DE" sz="2400" b="0" i="0" u="none" strike="noStrike" cap="none" normalizeH="0" baseline="0" dirty="0">
                 <a:ln>
                   <a:noFill/>
                 </a:ln>
@@ -11405,7 +11510,7 @@
               </a:rPr>
             </a:br>
             <a:r>
-              <a:rPr kumimoji="0" lang="de-DE" altLang="de-DE" sz="2400" b="0" i="0" u="none" strike="noStrike" cap="none" normalizeH="0" baseline="0" dirty="0" smtClean="0">
+              <a:rPr kumimoji="0" lang="de-DE" altLang="de-DE" sz="2400" b="0" i="0" u="none" strike="noStrike" cap="none" normalizeH="0" baseline="0" dirty="0">
                 <a:ln>
                   <a:noFill/>
                 </a:ln>
@@ -11418,7 +11523,7 @@
               <a:t>    </a:t>
             </a:r>
             <a:r>
-              <a:rPr kumimoji="0" lang="de-DE" altLang="de-DE" sz="2400" b="0" i="0" u="none" strike="noStrike" cap="none" normalizeH="0" baseline="0" dirty="0" err="1" smtClean="0">
+              <a:rPr kumimoji="0" lang="de-DE" altLang="de-DE" sz="2400" b="0" i="0" u="none" strike="noStrike" cap="none" normalizeH="0" baseline="0" dirty="0" err="1">
                 <a:ln>
                   <a:noFill/>
                 </a:ln>
@@ -11431,7 +11536,7 @@
               <a:t>prevent_destroy</a:t>
             </a:r>
             <a:r>
-              <a:rPr kumimoji="0" lang="de-DE" altLang="de-DE" sz="2400" b="0" i="0" u="none" strike="noStrike" cap="none" normalizeH="0" baseline="0" dirty="0" smtClean="0">
+              <a:rPr kumimoji="0" lang="de-DE" altLang="de-DE" sz="2400" b="0" i="0" u="none" strike="noStrike" cap="none" normalizeH="0" baseline="0" dirty="0">
                 <a:ln>
                   <a:noFill/>
                 </a:ln>
@@ -11444,7 +11549,7 @@
               <a:t> </a:t>
             </a:r>
             <a:r>
-              <a:rPr kumimoji="0" lang="de-DE" altLang="de-DE" sz="2400" b="0" i="0" u="none" strike="noStrike" cap="none" normalizeH="0" baseline="0" dirty="0" smtClean="0">
+              <a:rPr kumimoji="0" lang="de-DE" altLang="de-DE" sz="2400" b="0" i="0" u="none" strike="noStrike" cap="none" normalizeH="0" baseline="0" dirty="0">
                 <a:ln>
                   <a:noFill/>
                 </a:ln>
@@ -11457,7 +11562,7 @@
               <a:t>= </a:t>
             </a:r>
             <a:r>
-              <a:rPr kumimoji="0" lang="de-DE" altLang="de-DE" sz="2400" b="0" i="1" u="none" strike="noStrike" cap="none" normalizeH="0" baseline="0" dirty="0" err="1" smtClean="0">
+              <a:rPr kumimoji="0" lang="de-DE" altLang="de-DE" sz="2400" b="0" i="1" u="none" strike="noStrike" cap="none" normalizeH="0" baseline="0" dirty="0" err="1">
                 <a:ln>
                   <a:noFill/>
                 </a:ln>
@@ -11469,8 +11574,8 @@
               </a:rPr>
               <a:t>true</a:t>
             </a:r>
-            <a:r>
-              <a:rPr kumimoji="0" lang="de-DE" altLang="de-DE" sz="2400" b="0" i="1" u="none" strike="noStrike" cap="none" normalizeH="0" baseline="0" dirty="0" smtClean="0">
+            <a:br>
+              <a:rPr kumimoji="0" lang="de-DE" altLang="de-DE" sz="2400" b="0" i="1" u="none" strike="noStrike" cap="none" normalizeH="0" baseline="0" dirty="0">
                 <a:ln>
                   <a:noFill/>
                 </a:ln>
@@ -11480,35 +11585,47 @@
                 <a:effectLst/>
                 <a:latin typeface="JetBrains Mono"/>
               </a:rPr>
-              <a:t/>
+            </a:br>
+            <a:r>
+              <a:rPr kumimoji="0" lang="de-DE" altLang="de-DE" sz="2400" b="0" i="1" u="none" strike="noStrike" cap="none" normalizeH="0" baseline="0" dirty="0">
+                <a:ln>
+                  <a:noFill/>
+                </a:ln>
+                <a:solidFill>
+                  <a:srgbClr val="D55FDE"/>
+                </a:solidFill>
+                <a:effectLst/>
+                <a:latin typeface="JetBrains Mono"/>
+              </a:rPr>
+              <a:t>  </a:t>
+            </a:r>
+            <a:r>
+              <a:rPr kumimoji="0" lang="de-DE" altLang="de-DE" sz="2400" b="0" i="0" u="none" strike="noStrike" cap="none" normalizeH="0" baseline="0" dirty="0">
+                <a:ln>
+                  <a:noFill/>
+                </a:ln>
+                <a:solidFill>
+                  <a:srgbClr val="BBBBBB"/>
+                </a:solidFill>
+                <a:effectLst/>
+                <a:latin typeface="JetBrains Mono"/>
+              </a:rPr>
+              <a:t>}</a:t>
             </a:r>
             <a:br>
-              <a:rPr kumimoji="0" lang="de-DE" altLang="de-DE" sz="2400" b="0" i="1" u="none" strike="noStrike" cap="none" normalizeH="0" baseline="0" dirty="0" smtClean="0">
-                <a:ln>
-                  <a:noFill/>
-                </a:ln>
-                <a:solidFill>
-                  <a:srgbClr val="D55FDE"/>
+              <a:rPr kumimoji="0" lang="de-DE" altLang="de-DE" sz="2400" b="0" i="0" u="none" strike="noStrike" cap="none" normalizeH="0" baseline="0" dirty="0">
+                <a:ln>
+                  <a:noFill/>
+                </a:ln>
+                <a:solidFill>
+                  <a:srgbClr val="BBBBBB"/>
                 </a:solidFill>
                 <a:effectLst/>
                 <a:latin typeface="JetBrains Mono"/>
               </a:rPr>
             </a:br>
             <a:r>
-              <a:rPr kumimoji="0" lang="de-DE" altLang="de-DE" sz="2400" b="0" i="1" u="none" strike="noStrike" cap="none" normalizeH="0" baseline="0" dirty="0" smtClean="0">
-                <a:ln>
-                  <a:noFill/>
-                </a:ln>
-                <a:solidFill>
-                  <a:srgbClr val="D55FDE"/>
-                </a:solidFill>
-                <a:effectLst/>
-                <a:latin typeface="JetBrains Mono"/>
-              </a:rPr>
-              <a:t>  </a:t>
-            </a:r>
-            <a:r>
-              <a:rPr kumimoji="0" lang="de-DE" altLang="de-DE" sz="2400" b="0" i="0" u="none" strike="noStrike" cap="none" normalizeH="0" baseline="0" dirty="0" smtClean="0">
+              <a:rPr kumimoji="0" lang="de-DE" altLang="de-DE" sz="2400" b="0" i="0" u="none" strike="noStrike" cap="none" normalizeH="0" baseline="0" dirty="0">
                 <a:ln>
                   <a:noFill/>
                 </a:ln>
@@ -11520,32 +11637,7 @@
               </a:rPr>
               <a:t>}</a:t>
             </a:r>
-            <a:br>
-              <a:rPr kumimoji="0" lang="de-DE" altLang="de-DE" sz="2400" b="0" i="0" u="none" strike="noStrike" cap="none" normalizeH="0" baseline="0" dirty="0" smtClean="0">
-                <a:ln>
-                  <a:noFill/>
-                </a:ln>
-                <a:solidFill>
-                  <a:srgbClr val="BBBBBB"/>
-                </a:solidFill>
-                <a:effectLst/>
-                <a:latin typeface="JetBrains Mono"/>
-              </a:rPr>
-            </a:br>
-            <a:r>
-              <a:rPr kumimoji="0" lang="de-DE" altLang="de-DE" sz="2400" b="0" i="0" u="none" strike="noStrike" cap="none" normalizeH="0" baseline="0" dirty="0" smtClean="0">
-                <a:ln>
-                  <a:noFill/>
-                </a:ln>
-                <a:solidFill>
-                  <a:srgbClr val="BBBBBB"/>
-                </a:solidFill>
-                <a:effectLst/>
-                <a:latin typeface="JetBrains Mono"/>
-              </a:rPr>
-              <a:t>}</a:t>
-            </a:r>
-            <a:endParaRPr kumimoji="0" lang="de-DE" altLang="de-DE" sz="4800" b="0" i="0" u="none" strike="noStrike" cap="none" normalizeH="0" baseline="0" dirty="0" smtClean="0">
+            <a:endParaRPr kumimoji="0" lang="de-DE" altLang="de-DE" sz="4800" b="0" i="0" u="none" strike="noStrike" cap="none" normalizeH="0" baseline="0" dirty="0">
               <a:ln>
                 <a:noFill/>
               </a:ln>
@@ -11568,13 +11660,6 @@
   <p:clrMapOvr>
     <a:masterClrMapping/>
   </p:clrMapOvr>
-  <p:timing>
-    <p:tnLst>
-      <p:par>
-        <p:cTn id="1" dur="indefinite" restart="never" nodeType="tmRoot"/>
-      </p:par>
-    </p:tnLst>
-  </p:timing>
 </p:sld>
 </file>
 
@@ -11611,15 +11696,15 @@
           <a:lstStyle/>
           <a:p>
             <a:r>
-              <a:rPr lang="de-DE" dirty="0" err="1" smtClean="0"/>
+              <a:rPr lang="de-DE" dirty="0" err="1"/>
               <a:t>Lifecycle</a:t>
             </a:r>
             <a:r>
-              <a:rPr lang="de-DE" dirty="0" smtClean="0"/>
+              <a:rPr lang="de-DE" dirty="0"/>
               <a:t> – </a:t>
             </a:r>
             <a:r>
-              <a:rPr lang="de-DE" dirty="0" err="1" smtClean="0"/>
+              <a:rPr lang="de-DE" dirty="0" err="1"/>
               <a:t>ignore_changes</a:t>
             </a:r>
             <a:endParaRPr lang="de-DE" dirty="0"/>
@@ -11646,23 +11731,23 @@
               <a:buChar char="-"/>
             </a:pPr>
             <a:r>
-              <a:rPr lang="de-DE" dirty="0" smtClean="0"/>
+              <a:rPr lang="de-DE" dirty="0"/>
               <a:t>Änderungen an den angegebenen Argumenten der Ressource führen nicht zu einem Update / </a:t>
             </a:r>
             <a:r>
-              <a:rPr lang="de-DE" dirty="0" err="1" smtClean="0"/>
+              <a:rPr lang="de-DE" dirty="0" err="1"/>
               <a:t>Destroy</a:t>
             </a:r>
             <a:r>
-              <a:rPr lang="de-DE" dirty="0" smtClean="0"/>
+              <a:rPr lang="de-DE" dirty="0"/>
               <a:t> </a:t>
             </a:r>
             <a:r>
-              <a:rPr lang="de-DE" dirty="0" err="1" smtClean="0"/>
+              <a:rPr lang="de-DE" dirty="0" err="1"/>
               <a:t>and</a:t>
             </a:r>
             <a:r>
-              <a:rPr lang="de-DE" dirty="0" smtClean="0"/>
+              <a:rPr lang="de-DE" dirty="0"/>
               <a:t> Create</a:t>
             </a:r>
           </a:p>
@@ -11739,7 +11824,7 @@
               <a:tabLst/>
             </a:pPr>
             <a:r>
-              <a:rPr kumimoji="0" lang="de-DE" altLang="de-DE" sz="2400" b="0" i="1" u="none" strike="noStrike" cap="none" normalizeH="0" baseline="0" dirty="0" err="1" smtClean="0">
+              <a:rPr kumimoji="0" lang="de-DE" altLang="de-DE" sz="2400" b="0" i="1" u="none" strike="noStrike" cap="none" normalizeH="0" baseline="0" dirty="0" err="1">
                 <a:ln>
                   <a:noFill/>
                 </a:ln>
@@ -11752,7 +11837,7 @@
               <a:t>resource</a:t>
             </a:r>
             <a:r>
-              <a:rPr kumimoji="0" lang="de-DE" altLang="de-DE" sz="2400" b="0" i="1" u="none" strike="noStrike" cap="none" normalizeH="0" baseline="0" dirty="0" smtClean="0">
+              <a:rPr kumimoji="0" lang="de-DE" altLang="de-DE" sz="2400" b="0" i="1" u="none" strike="noStrike" cap="none" normalizeH="0" baseline="0" dirty="0">
                 <a:ln>
                   <a:noFill/>
                 </a:ln>
@@ -11765,7 +11850,7 @@
               <a:t> </a:t>
             </a:r>
             <a:r>
-              <a:rPr kumimoji="0" lang="de-DE" altLang="de-DE" sz="2400" b="0" i="0" u="none" strike="noStrike" cap="none" normalizeH="0" baseline="0" dirty="0" smtClean="0">
+              <a:rPr kumimoji="0" lang="de-DE" altLang="de-DE" sz="2400" b="0" i="0" u="none" strike="noStrike" cap="none" normalizeH="0" baseline="0" dirty="0">
                 <a:ln>
                   <a:noFill/>
                 </a:ln>
@@ -11778,7 +11863,7 @@
               <a:t>"</a:t>
             </a:r>
             <a:r>
-              <a:rPr kumimoji="0" lang="de-DE" altLang="de-DE" sz="2400" b="0" i="0" u="none" strike="noStrike" cap="none" normalizeH="0" baseline="0" dirty="0" err="1" smtClean="0">
+              <a:rPr kumimoji="0" lang="de-DE" altLang="de-DE" sz="2400" b="0" i="0" u="none" strike="noStrike" cap="none" normalizeH="0" baseline="0" dirty="0" err="1">
                 <a:ln>
                   <a:noFill/>
                 </a:ln>
@@ -11791,7 +11876,7 @@
               <a:t>aws_instance</a:t>
             </a:r>
             <a:r>
-              <a:rPr kumimoji="0" lang="de-DE" altLang="de-DE" sz="2400" b="0" i="0" u="none" strike="noStrike" cap="none" normalizeH="0" baseline="0" dirty="0" smtClean="0">
+              <a:rPr kumimoji="0" lang="de-DE" altLang="de-DE" sz="2400" b="0" i="0" u="none" strike="noStrike" cap="none" normalizeH="0" baseline="0" dirty="0">
                 <a:ln>
                   <a:noFill/>
                 </a:ln>
@@ -11804,7 +11889,7 @@
               <a:t>" "</a:t>
             </a:r>
             <a:r>
-              <a:rPr kumimoji="0" lang="de-DE" altLang="de-DE" sz="2400" b="0" i="0" u="none" strike="noStrike" cap="none" normalizeH="0" baseline="0" dirty="0" err="1" smtClean="0">
+              <a:rPr kumimoji="0" lang="de-DE" altLang="de-DE" sz="2400" b="0" i="0" u="none" strike="noStrike" cap="none" normalizeH="0" baseline="0" dirty="0" err="1">
                 <a:ln>
                   <a:noFill/>
                 </a:ln>
@@ -11817,7 +11902,7 @@
               <a:t>demo</a:t>
             </a:r>
             <a:r>
-              <a:rPr kumimoji="0" lang="de-DE" altLang="de-DE" sz="2400" b="0" i="0" u="none" strike="noStrike" cap="none" normalizeH="0" baseline="0" dirty="0" smtClean="0">
+              <a:rPr kumimoji="0" lang="de-DE" altLang="de-DE" sz="2400" b="0" i="0" u="none" strike="noStrike" cap="none" normalizeH="0" baseline="0" dirty="0">
                 <a:ln>
                   <a:noFill/>
                 </a:ln>
@@ -11830,7 +11915,7 @@
               <a:t>"</a:t>
             </a:r>
             <a:r>
-              <a:rPr kumimoji="0" lang="de-DE" altLang="de-DE" sz="2400" b="0" i="0" u="none" strike="noStrike" cap="none" normalizeH="0" baseline="0" dirty="0" smtClean="0">
+              <a:rPr kumimoji="0" lang="de-DE" altLang="de-DE" sz="2400" b="0" i="0" u="none" strike="noStrike" cap="none" normalizeH="0" baseline="0" dirty="0">
                 <a:ln>
                   <a:noFill/>
                 </a:ln>
@@ -11843,7 +11928,7 @@
               <a:t>{</a:t>
             </a:r>
             <a:br>
-              <a:rPr kumimoji="0" lang="de-DE" altLang="de-DE" sz="2400" b="0" i="0" u="none" strike="noStrike" cap="none" normalizeH="0" baseline="0" dirty="0" smtClean="0">
+              <a:rPr kumimoji="0" lang="de-DE" altLang="de-DE" sz="2400" b="0" i="0" u="none" strike="noStrike" cap="none" normalizeH="0" baseline="0" dirty="0">
                 <a:ln>
                   <a:noFill/>
                 </a:ln>
@@ -11855,7 +11940,7 @@
               </a:rPr>
             </a:br>
             <a:r>
-              <a:rPr kumimoji="0" lang="de-DE" altLang="de-DE" sz="2400" b="0" i="0" u="none" strike="noStrike" cap="none" normalizeH="0" baseline="0" dirty="0" smtClean="0">
+              <a:rPr kumimoji="0" lang="de-DE" altLang="de-DE" sz="2400" b="0" i="0" u="none" strike="noStrike" cap="none" normalizeH="0" baseline="0" dirty="0">
                 <a:ln>
                   <a:noFill/>
                 </a:ln>
@@ -11868,7 +11953,7 @@
               <a:t>  </a:t>
             </a:r>
             <a:r>
-              <a:rPr kumimoji="0" lang="de-DE" altLang="de-DE" sz="2400" b="0" i="0" u="none" strike="noStrike" cap="none" normalizeH="0" baseline="0" dirty="0" err="1" smtClean="0">
+              <a:rPr kumimoji="0" lang="de-DE" altLang="de-DE" sz="2400" b="0" i="0" u="none" strike="noStrike" cap="none" normalizeH="0" baseline="0" dirty="0" err="1">
                 <a:ln>
                   <a:noFill/>
                 </a:ln>
@@ -11881,7 +11966,7 @@
               <a:t>ami</a:t>
             </a:r>
             <a:r>
-              <a:rPr kumimoji="0" lang="de-DE" altLang="de-DE" sz="2400" b="0" i="0" u="none" strike="noStrike" cap="none" normalizeH="0" baseline="0" dirty="0" smtClean="0">
+              <a:rPr kumimoji="0" lang="de-DE" altLang="de-DE" sz="2400" b="0" i="0" u="none" strike="noStrike" cap="none" normalizeH="0" baseline="0" dirty="0">
                 <a:ln>
                   <a:noFill/>
                 </a:ln>
@@ -11894,7 +11979,7 @@
               <a:t> </a:t>
             </a:r>
             <a:r>
-              <a:rPr kumimoji="0" lang="de-DE" altLang="de-DE" sz="2400" b="0" i="0" u="none" strike="noStrike" cap="none" normalizeH="0" baseline="0" dirty="0" smtClean="0">
+              <a:rPr kumimoji="0" lang="de-DE" altLang="de-DE" sz="2400" b="0" i="0" u="none" strike="noStrike" cap="none" normalizeH="0" baseline="0" dirty="0">
                 <a:ln>
                   <a:noFill/>
                 </a:ln>
@@ -11907,7 +11992,7 @@
               <a:t>= ami-68dae275</a:t>
             </a:r>
             <a:br>
-              <a:rPr kumimoji="0" lang="de-DE" altLang="de-DE" sz="2400" b="0" i="0" u="none" strike="noStrike" cap="none" normalizeH="0" baseline="0" dirty="0" smtClean="0">
+              <a:rPr kumimoji="0" lang="de-DE" altLang="de-DE" sz="2400" b="0" i="0" u="none" strike="noStrike" cap="none" normalizeH="0" baseline="0" dirty="0">
                 <a:ln>
                   <a:noFill/>
                 </a:ln>
@@ -11919,7 +12004,7 @@
               </a:rPr>
             </a:br>
             <a:r>
-              <a:rPr kumimoji="0" lang="de-DE" altLang="de-DE" sz="2400" b="0" i="0" u="none" strike="noStrike" cap="none" normalizeH="0" baseline="0" dirty="0" smtClean="0">
+              <a:rPr kumimoji="0" lang="de-DE" altLang="de-DE" sz="2400" b="0" i="0" u="none" strike="noStrike" cap="none" normalizeH="0" baseline="0" dirty="0">
                 <a:ln>
                   <a:noFill/>
                 </a:ln>
@@ -11932,7 +12017,7 @@
               <a:t>  </a:t>
             </a:r>
             <a:r>
-              <a:rPr kumimoji="0" lang="de-DE" altLang="de-DE" sz="2400" b="0" i="0" u="none" strike="noStrike" cap="none" normalizeH="0" baseline="0" dirty="0" err="1" smtClean="0">
+              <a:rPr kumimoji="0" lang="de-DE" altLang="de-DE" sz="2400" b="0" i="0" u="none" strike="noStrike" cap="none" normalizeH="0" baseline="0" dirty="0" err="1">
                 <a:ln>
                   <a:noFill/>
                 </a:ln>
@@ -11945,7 +12030,7 @@
               <a:t>instance_type</a:t>
             </a:r>
             <a:r>
-              <a:rPr kumimoji="0" lang="de-DE" altLang="de-DE" sz="2400" b="0" i="0" u="none" strike="noStrike" cap="none" normalizeH="0" baseline="0" dirty="0" smtClean="0">
+              <a:rPr kumimoji="0" lang="de-DE" altLang="de-DE" sz="2400" b="0" i="0" u="none" strike="noStrike" cap="none" normalizeH="0" baseline="0" dirty="0">
                 <a:ln>
                   <a:noFill/>
                 </a:ln>
@@ -11958,7 +12043,7 @@
               <a:t> </a:t>
             </a:r>
             <a:r>
-              <a:rPr kumimoji="0" lang="de-DE" altLang="de-DE" sz="2400" b="0" i="0" u="none" strike="noStrike" cap="none" normalizeH="0" baseline="0" dirty="0" smtClean="0">
+              <a:rPr kumimoji="0" lang="de-DE" altLang="de-DE" sz="2400" b="0" i="0" u="none" strike="noStrike" cap="none" normalizeH="0" baseline="0" dirty="0">
                 <a:ln>
                   <a:noFill/>
                 </a:ln>
@@ -11971,7 +12056,7 @@
               <a:t>= </a:t>
             </a:r>
             <a:r>
-              <a:rPr kumimoji="0" lang="de-DE" altLang="de-DE" sz="2400" b="0" i="0" u="none" strike="noStrike" cap="none" normalizeH="0" baseline="0" dirty="0" smtClean="0">
+              <a:rPr kumimoji="0" lang="de-DE" altLang="de-DE" sz="2400" b="0" i="0" u="none" strike="noStrike" cap="none" normalizeH="0" baseline="0" dirty="0">
                 <a:ln>
                   <a:noFill/>
                 </a:ln>
@@ -11984,7 +12069,7 @@
               <a:t>"t2.micro"</a:t>
             </a:r>
             <a:br>
-              <a:rPr kumimoji="0" lang="de-DE" altLang="de-DE" sz="2400" b="0" i="0" u="none" strike="noStrike" cap="none" normalizeH="0" baseline="0" dirty="0" smtClean="0">
+              <a:rPr kumimoji="0" lang="de-DE" altLang="de-DE" sz="2400" b="0" i="0" u="none" strike="noStrike" cap="none" normalizeH="0" baseline="0" dirty="0">
                 <a:ln>
                   <a:noFill/>
                 </a:ln>
@@ -11996,7 +12081,7 @@
               </a:rPr>
             </a:br>
             <a:r>
-              <a:rPr kumimoji="0" lang="de-DE" altLang="de-DE" sz="2400" b="0" i="0" u="none" strike="noStrike" cap="none" normalizeH="0" baseline="0" dirty="0" smtClean="0">
+              <a:rPr kumimoji="0" lang="de-DE" altLang="de-DE" sz="2400" b="0" i="0" u="none" strike="noStrike" cap="none" normalizeH="0" baseline="0" dirty="0">
                 <a:ln>
                   <a:noFill/>
                 </a:ln>
@@ -12009,7 +12094,7 @@
               <a:t>  </a:t>
             </a:r>
             <a:r>
-              <a:rPr kumimoji="0" lang="de-DE" altLang="de-DE" sz="2400" b="0" i="0" u="none" strike="noStrike" cap="none" normalizeH="0" baseline="0" dirty="0" smtClean="0">
+              <a:rPr kumimoji="0" lang="de-DE" altLang="de-DE" sz="2400" b="0" i="0" u="none" strike="noStrike" cap="none" normalizeH="0" baseline="0" dirty="0">
                 <a:ln>
                   <a:noFill/>
                 </a:ln>
@@ -12022,7 +12107,7 @@
               <a:t>tags </a:t>
             </a:r>
             <a:r>
-              <a:rPr kumimoji="0" lang="de-DE" altLang="de-DE" sz="2400" b="0" i="0" u="none" strike="noStrike" cap="none" normalizeH="0" baseline="0" dirty="0" smtClean="0">
+              <a:rPr kumimoji="0" lang="de-DE" altLang="de-DE" sz="2400" b="0" i="0" u="none" strike="noStrike" cap="none" normalizeH="0" baseline="0" dirty="0">
                 <a:ln>
                   <a:noFill/>
                 </a:ln>
@@ -12035,7 +12120,7 @@
               <a:t>= { </a:t>
             </a:r>
             <a:r>
-              <a:rPr kumimoji="0" lang="de-DE" altLang="de-DE" sz="2400" b="0" i="0" u="none" strike="noStrike" cap="none" normalizeH="0" baseline="0" dirty="0" err="1" smtClean="0">
+              <a:rPr kumimoji="0" lang="de-DE" altLang="de-DE" sz="2400" b="0" i="0" u="none" strike="noStrike" cap="none" normalizeH="0" baseline="0" dirty="0" err="1">
                 <a:ln>
                   <a:noFill/>
                 </a:ln>
@@ -12048,7 +12133,7 @@
               <a:t>LastModified</a:t>
             </a:r>
             <a:r>
-              <a:rPr kumimoji="0" lang="de-DE" altLang="de-DE" sz="2400" b="0" i="0" u="none" strike="noStrike" cap="none" normalizeH="0" baseline="0" dirty="0" smtClean="0">
+              <a:rPr kumimoji="0" lang="de-DE" altLang="de-DE" sz="2400" b="0" i="0" u="none" strike="noStrike" cap="none" normalizeH="0" baseline="0" dirty="0">
                 <a:ln>
                   <a:noFill/>
                 </a:ln>
@@ -12061,7 +12146,7 @@
               <a:t> </a:t>
             </a:r>
             <a:r>
-              <a:rPr kumimoji="0" lang="de-DE" altLang="de-DE" sz="2400" b="0" i="0" u="none" strike="noStrike" cap="none" normalizeH="0" baseline="0" dirty="0" smtClean="0">
+              <a:rPr kumimoji="0" lang="de-DE" altLang="de-DE" sz="2400" b="0" i="0" u="none" strike="noStrike" cap="none" normalizeH="0" baseline="0" dirty="0">
                 <a:ln>
                   <a:noFill/>
                 </a:ln>
@@ -12074,7 +12159,7 @@
               <a:t>= </a:t>
             </a:r>
             <a:r>
-              <a:rPr kumimoji="0" lang="de-DE" altLang="de-DE" sz="2400" b="0" i="0" u="none" strike="noStrike" cap="none" normalizeH="0" baseline="0" dirty="0" err="1" smtClean="0">
+              <a:rPr kumimoji="0" lang="de-DE" altLang="de-DE" sz="2400" b="0" i="0" u="none" strike="noStrike" cap="none" normalizeH="0" baseline="0" dirty="0" err="1">
                 <a:ln>
                   <a:noFill/>
                 </a:ln>
@@ -12087,7 +12172,7 @@
               <a:t>timestamp</a:t>
             </a:r>
             <a:r>
-              <a:rPr kumimoji="0" lang="de-DE" altLang="de-DE" sz="2400" b="0" i="0" u="none" strike="noStrike" cap="none" normalizeH="0" baseline="0" dirty="0" smtClean="0">
+              <a:rPr kumimoji="0" lang="de-DE" altLang="de-DE" sz="2400" b="0" i="0" u="none" strike="noStrike" cap="none" normalizeH="0" baseline="0" dirty="0">
                 <a:ln>
                   <a:noFill/>
                 </a:ln>
@@ -12100,7 +12185,7 @@
               <a:t>() }</a:t>
             </a:r>
             <a:br>
-              <a:rPr kumimoji="0" lang="de-DE" altLang="de-DE" sz="2400" b="0" i="0" u="none" strike="noStrike" cap="none" normalizeH="0" baseline="0" dirty="0" smtClean="0">
+              <a:rPr kumimoji="0" lang="de-DE" altLang="de-DE" sz="2400" b="0" i="0" u="none" strike="noStrike" cap="none" normalizeH="0" baseline="0" dirty="0">
                 <a:ln>
                   <a:noFill/>
                 </a:ln>
@@ -12112,7 +12197,7 @@
               </a:rPr>
             </a:br>
             <a:r>
-              <a:rPr kumimoji="0" lang="de-DE" altLang="de-DE" sz="2400" b="0" i="0" u="none" strike="noStrike" cap="none" normalizeH="0" baseline="0" dirty="0" smtClean="0">
+              <a:rPr kumimoji="0" lang="de-DE" altLang="de-DE" sz="2400" b="0" i="0" u="none" strike="noStrike" cap="none" normalizeH="0" baseline="0" dirty="0">
                 <a:ln>
                   <a:noFill/>
                 </a:ln>
@@ -12125,7 +12210,7 @@
               <a:t>  </a:t>
             </a:r>
             <a:r>
-              <a:rPr kumimoji="0" lang="de-DE" altLang="de-DE" sz="2400" b="0" i="1" u="none" strike="noStrike" cap="none" normalizeH="0" baseline="0" dirty="0" err="1" smtClean="0">
+              <a:rPr kumimoji="0" lang="de-DE" altLang="de-DE" sz="2400" b="0" i="1" u="none" strike="noStrike" cap="none" normalizeH="0" baseline="0" dirty="0" err="1">
                 <a:ln>
                   <a:noFill/>
                 </a:ln>
@@ -12138,7 +12223,7 @@
               <a:t>lifecycle</a:t>
             </a:r>
             <a:r>
-              <a:rPr kumimoji="0" lang="de-DE" altLang="de-DE" sz="2400" b="0" i="1" u="none" strike="noStrike" cap="none" normalizeH="0" baseline="0" dirty="0" smtClean="0">
+              <a:rPr kumimoji="0" lang="de-DE" altLang="de-DE" sz="2400" b="0" i="1" u="none" strike="noStrike" cap="none" normalizeH="0" baseline="0" dirty="0">
                 <a:ln>
                   <a:noFill/>
                 </a:ln>
@@ -12151,7 +12236,7 @@
               <a:t> </a:t>
             </a:r>
             <a:r>
-              <a:rPr kumimoji="0" lang="de-DE" altLang="de-DE" sz="2400" b="0" i="0" u="none" strike="noStrike" cap="none" normalizeH="0" baseline="0" dirty="0" smtClean="0">
+              <a:rPr kumimoji="0" lang="de-DE" altLang="de-DE" sz="2400" b="0" i="0" u="none" strike="noStrike" cap="none" normalizeH="0" baseline="0" dirty="0">
                 <a:ln>
                   <a:noFill/>
                 </a:ln>
@@ -12164,7 +12249,7 @@
               <a:t>{</a:t>
             </a:r>
             <a:br>
-              <a:rPr kumimoji="0" lang="de-DE" altLang="de-DE" sz="2400" b="0" i="0" u="none" strike="noStrike" cap="none" normalizeH="0" baseline="0" dirty="0" smtClean="0">
+              <a:rPr kumimoji="0" lang="de-DE" altLang="de-DE" sz="2400" b="0" i="0" u="none" strike="noStrike" cap="none" normalizeH="0" baseline="0" dirty="0">
                 <a:ln>
                   <a:noFill/>
                 </a:ln>
@@ -12176,7 +12261,7 @@
               </a:rPr>
             </a:br>
             <a:r>
-              <a:rPr kumimoji="0" lang="de-DE" altLang="de-DE" sz="2400" b="0" i="0" u="none" strike="noStrike" cap="none" normalizeH="0" baseline="0" dirty="0" smtClean="0">
+              <a:rPr kumimoji="0" lang="de-DE" altLang="de-DE" sz="2400" b="0" i="0" u="none" strike="noStrike" cap="none" normalizeH="0" baseline="0" dirty="0">
                 <a:ln>
                   <a:noFill/>
                 </a:ln>
@@ -12189,7 +12274,7 @@
               <a:t>    </a:t>
             </a:r>
             <a:r>
-              <a:rPr kumimoji="0" lang="de-DE" altLang="de-DE" sz="2400" b="0" i="0" u="none" strike="noStrike" cap="none" normalizeH="0" baseline="0" dirty="0" err="1" smtClean="0">
+              <a:rPr kumimoji="0" lang="de-DE" altLang="de-DE" sz="2400" b="0" i="0" u="none" strike="noStrike" cap="none" normalizeH="0" baseline="0" dirty="0" err="1">
                 <a:ln>
                   <a:noFill/>
                 </a:ln>
@@ -12202,7 +12287,7 @@
               <a:t>ignore_changes</a:t>
             </a:r>
             <a:r>
-              <a:rPr kumimoji="0" lang="de-DE" altLang="de-DE" sz="2400" b="0" i="0" u="none" strike="noStrike" cap="none" normalizeH="0" baseline="0" dirty="0" smtClean="0">
+              <a:rPr kumimoji="0" lang="de-DE" altLang="de-DE" sz="2400" b="0" i="0" u="none" strike="noStrike" cap="none" normalizeH="0" baseline="0" dirty="0">
                 <a:ln>
                   <a:noFill/>
                 </a:ln>
@@ -12215,7 +12300,7 @@
               <a:t> </a:t>
             </a:r>
             <a:r>
-              <a:rPr kumimoji="0" lang="de-DE" altLang="de-DE" sz="2400" b="0" i="0" u="none" strike="noStrike" cap="none" normalizeH="0" baseline="0" dirty="0" smtClean="0">
+              <a:rPr kumimoji="0" lang="de-DE" altLang="de-DE" sz="2400" b="0" i="0" u="none" strike="noStrike" cap="none" normalizeH="0" baseline="0" dirty="0">
                 <a:ln>
                   <a:noFill/>
                 </a:ln>
@@ -12228,7 +12313,7 @@
               <a:t>= [tags]</a:t>
             </a:r>
             <a:br>
-              <a:rPr kumimoji="0" lang="de-DE" altLang="de-DE" sz="2400" b="0" i="0" u="none" strike="noStrike" cap="none" normalizeH="0" baseline="0" dirty="0" smtClean="0">
+              <a:rPr kumimoji="0" lang="de-DE" altLang="de-DE" sz="2400" b="0" i="0" u="none" strike="noStrike" cap="none" normalizeH="0" baseline="0" dirty="0">
                 <a:ln>
                   <a:noFill/>
                 </a:ln>
@@ -12240,7 +12325,7 @@
               </a:rPr>
             </a:br>
             <a:r>
-              <a:rPr kumimoji="0" lang="de-DE" altLang="de-DE" sz="2400" b="0" i="0" u="none" strike="noStrike" cap="none" normalizeH="0" baseline="0" dirty="0" smtClean="0">
+              <a:rPr kumimoji="0" lang="de-DE" altLang="de-DE" sz="2400" b="0" i="0" u="none" strike="noStrike" cap="none" normalizeH="0" baseline="0" dirty="0">
                 <a:ln>
                   <a:noFill/>
                 </a:ln>
@@ -12253,7 +12338,7 @@
               <a:t>  }</a:t>
             </a:r>
             <a:br>
-              <a:rPr kumimoji="0" lang="de-DE" altLang="de-DE" sz="2400" b="0" i="0" u="none" strike="noStrike" cap="none" normalizeH="0" baseline="0" dirty="0" smtClean="0">
+              <a:rPr kumimoji="0" lang="de-DE" altLang="de-DE" sz="2400" b="0" i="0" u="none" strike="noStrike" cap="none" normalizeH="0" baseline="0" dirty="0">
                 <a:ln>
                   <a:noFill/>
                 </a:ln>
@@ -12265,7 +12350,7 @@
               </a:rPr>
             </a:br>
             <a:r>
-              <a:rPr kumimoji="0" lang="de-DE" altLang="de-DE" sz="2400" b="0" i="0" u="none" strike="noStrike" cap="none" normalizeH="0" baseline="0" dirty="0" smtClean="0">
+              <a:rPr kumimoji="0" lang="de-DE" altLang="de-DE" sz="2400" b="0" i="0" u="none" strike="noStrike" cap="none" normalizeH="0" baseline="0" dirty="0">
                 <a:ln>
                   <a:noFill/>
                 </a:ln>
@@ -12277,7 +12362,7 @@
               </a:rPr>
               <a:t>}</a:t>
             </a:r>
-            <a:endParaRPr kumimoji="0" lang="de-DE" altLang="de-DE" sz="4800" b="0" i="0" u="none" strike="noStrike" cap="none" normalizeH="0" baseline="0" dirty="0" smtClean="0">
+            <a:endParaRPr kumimoji="0" lang="de-DE" altLang="de-DE" sz="4800" b="0" i="0" u="none" strike="noStrike" cap="none" normalizeH="0" baseline="0" dirty="0">
               <a:ln>
                 <a:noFill/>
               </a:ln>
@@ -12300,13 +12385,6 @@
   <p:clrMapOvr>
     <a:masterClrMapping/>
   </p:clrMapOvr>
-  <p:timing>
-    <p:tnLst>
-      <p:par>
-        <p:cTn id="1" dur="indefinite" restart="never" nodeType="tmRoot"/>
-      </p:par>
-    </p:tnLst>
-  </p:timing>
 </p:sld>
 </file>
 
@@ -12343,16 +12421,8 @@
           <a:lstStyle/>
           <a:p>
             <a:r>
-              <a:rPr lang="de-DE" dirty="0" err="1" smtClean="0"/>
-              <a:t>Resource</a:t>
-            </a:r>
-            <a:r>
               <a:rPr lang="de-DE" dirty="0" err="1"/>
-              <a:t>-</a:t>
-            </a:r>
-            <a:r>
-              <a:rPr lang="de-DE" dirty="0" err="1" smtClean="0"/>
-              <a:t>Lifecycle</a:t>
+              <a:t>Resource-Lifecycle</a:t>
             </a:r>
             <a:endParaRPr lang="de-DE" dirty="0"/>
           </a:p>
@@ -12574,29 +12644,29 @@
               <a:buChar char="-"/>
             </a:pPr>
             <a:r>
-              <a:rPr lang="de-DE" dirty="0" smtClean="0"/>
+              <a:rPr lang="de-DE" dirty="0"/>
               <a:t>Die Folgenden Aktionen werden beim Ausführen von </a:t>
             </a:r>
             <a:r>
-              <a:rPr lang="de-DE" dirty="0" err="1" smtClean="0">
+              <a:rPr lang="de-DE" dirty="0" err="1">
                 <a:latin typeface="Consolas" panose="020B0609020204030204" pitchFamily="49" charset="0"/>
               </a:rPr>
               <a:t>terraform</a:t>
             </a:r>
             <a:r>
-              <a:rPr lang="de-DE" dirty="0" smtClean="0">
+              <a:rPr lang="de-DE" dirty="0">
                 <a:latin typeface="Consolas" panose="020B0609020204030204" pitchFamily="49" charset="0"/>
               </a:rPr>
               <a:t> </a:t>
             </a:r>
             <a:r>
-              <a:rPr lang="de-DE" dirty="0" err="1" smtClean="0">
+              <a:rPr lang="de-DE" dirty="0" err="1">
                 <a:latin typeface="Consolas" panose="020B0609020204030204" pitchFamily="49" charset="0"/>
               </a:rPr>
               <a:t>apply</a:t>
             </a:r>
             <a:r>
-              <a:rPr lang="de-DE" dirty="0" smtClean="0"/>
+              <a:rPr lang="de-DE" dirty="0"/>
               <a:t> in der Reihenfolge durchgeführt</a:t>
             </a:r>
           </a:p>
@@ -12630,10 +12700,9 @@
           <a:lstStyle/>
           <a:p>
             <a:r>
-              <a:rPr lang="de-DE" sz="2400" dirty="0" smtClean="0"/>
+              <a:rPr lang="de-DE" sz="2400" dirty="0"/>
               <a:t>Erzeuge Ressourcen der Konfiguration, für die kein Äquivalent im State existiert</a:t>
             </a:r>
-            <a:endParaRPr lang="de-DE" sz="2400" dirty="0"/>
           </a:p>
         </p:txBody>
       </p:sp>
@@ -12665,10 +12734,9 @@
           <a:lstStyle/>
           <a:p>
             <a:r>
-              <a:rPr lang="de-DE" sz="2400" dirty="0" smtClean="0"/>
+              <a:rPr lang="de-DE" sz="2400" dirty="0"/>
               <a:t>Lösche Ressourcen des State, welche nicht in der  Konfiguration existierten</a:t>
             </a:r>
-            <a:endParaRPr lang="de-DE" sz="2400" dirty="0"/>
           </a:p>
         </p:txBody>
       </p:sp>
@@ -12700,10 +12768,9 @@
           <a:lstStyle/>
           <a:p>
             <a:r>
-              <a:rPr lang="de-DE" sz="2400" dirty="0" smtClean="0"/>
+              <a:rPr lang="de-DE" sz="2400" dirty="0"/>
               <a:t>Aktualisiere Ressourcen, deren Konfiguration sich verändert hat</a:t>
             </a:r>
-            <a:endParaRPr lang="de-DE" sz="2400" dirty="0"/>
           </a:p>
         </p:txBody>
       </p:sp>
@@ -12735,10 +12802,9 @@
           <a:lstStyle/>
           <a:p>
             <a:r>
-              <a:rPr lang="de-DE" sz="2400" dirty="0" smtClean="0"/>
+              <a:rPr lang="de-DE" sz="2400" dirty="0"/>
               <a:t>Löschen und anschließendes Neu-Erzeugen von Ressourcen, bei denen ein Aktualisieren nicht möglich ist</a:t>
             </a:r>
-            <a:endParaRPr lang="de-DE" sz="2400" dirty="0"/>
           </a:p>
         </p:txBody>
       </p:sp>
@@ -12752,13 +12818,6 @@
   <p:clrMapOvr>
     <a:masterClrMapping/>
   </p:clrMapOvr>
-  <p:timing>
-    <p:tnLst>
-      <p:par>
-        <p:cTn id="1" dur="indefinite" restart="never" nodeType="tmRoot"/>
-      </p:par>
-    </p:tnLst>
-  </p:timing>
 </p:sld>
 </file>
 
@@ -12795,10 +12854,9 @@
           <a:lstStyle/>
           <a:p>
             <a:r>
-              <a:rPr lang="de-DE" dirty="0" smtClean="0"/>
+              <a:rPr lang="de-DE" dirty="0"/>
               <a:t>Timeouts</a:t>
             </a:r>
-            <a:endParaRPr lang="de-DE" dirty="0"/>
           </a:p>
         </p:txBody>
       </p:sp>
@@ -12822,47 +12880,47 @@
               <a:buChar char="-"/>
             </a:pPr>
             <a:r>
-              <a:rPr lang="de-DE" dirty="0" smtClean="0"/>
+              <a:rPr lang="de-DE" dirty="0"/>
               <a:t>Einige Ressourcen bieten die Möglichkeit einen Block </a:t>
             </a:r>
             <a:r>
-              <a:rPr lang="de-DE" dirty="0" err="1" smtClean="0">
+              <a:rPr lang="de-DE" dirty="0" err="1">
                 <a:latin typeface="Consolas" panose="020B0609020204030204" pitchFamily="49" charset="0"/>
               </a:rPr>
               <a:t>timeouts</a:t>
             </a:r>
             <a:r>
-              <a:rPr lang="de-DE" dirty="0" smtClean="0"/>
+              <a:rPr lang="de-DE" dirty="0"/>
               <a:t> zu definieren, in welchem für die Operationen </a:t>
             </a:r>
             <a:r>
-              <a:rPr lang="de-DE" dirty="0" err="1" smtClean="0">
+              <a:rPr lang="de-DE" dirty="0" err="1">
                 <a:latin typeface="Consolas" panose="020B0609020204030204" pitchFamily="49" charset="0"/>
               </a:rPr>
               <a:t>create</a:t>
             </a:r>
             <a:r>
-              <a:rPr lang="de-DE" dirty="0" smtClean="0"/>
+              <a:rPr lang="de-DE" dirty="0"/>
               <a:t>, </a:t>
             </a:r>
             <a:r>
-              <a:rPr lang="de-DE" dirty="0" smtClean="0">
+              <a:rPr lang="de-DE" dirty="0">
                 <a:latin typeface="Consolas" panose="020B0609020204030204" pitchFamily="49" charset="0"/>
               </a:rPr>
               <a:t>update</a:t>
             </a:r>
             <a:r>
-              <a:rPr lang="de-DE" dirty="0" smtClean="0"/>
+              <a:rPr lang="de-DE" dirty="0"/>
               <a:t> und </a:t>
             </a:r>
             <a:r>
-              <a:rPr lang="de-DE" dirty="0" err="1" smtClean="0">
+              <a:rPr lang="de-DE" dirty="0" err="1">
                 <a:latin typeface="Consolas" panose="020B0609020204030204" pitchFamily="49" charset="0"/>
               </a:rPr>
               <a:t>delete</a:t>
             </a:r>
             <a:r>
-              <a:rPr lang="de-DE" dirty="0" smtClean="0"/>
+              <a:rPr lang="de-DE" dirty="0"/>
               <a:t> Timeouts definiert werden können</a:t>
             </a:r>
           </a:p>
@@ -12871,7 +12929,7 @@
               <a:buFontTx/>
               <a:buChar char="-"/>
             </a:pPr>
-            <a:endParaRPr lang="de-DE" dirty="0" smtClean="0"/>
+            <a:endParaRPr lang="de-DE" dirty="0"/>
           </a:p>
         </p:txBody>
       </p:sp>
@@ -12946,7 +13004,7 @@
               <a:tabLst/>
             </a:pPr>
             <a:r>
-              <a:rPr kumimoji="0" lang="de-DE" altLang="de-DE" sz="2400" b="0" i="1" u="none" strike="noStrike" cap="none" normalizeH="0" baseline="0" dirty="0" err="1" smtClean="0">
+              <a:rPr kumimoji="0" lang="de-DE" altLang="de-DE" sz="2400" b="0" i="1" u="none" strike="noStrike" cap="none" normalizeH="0" baseline="0" dirty="0" err="1">
                 <a:ln>
                   <a:noFill/>
                 </a:ln>
@@ -12959,7 +13017,7 @@
               <a:t>resource</a:t>
             </a:r>
             <a:r>
-              <a:rPr kumimoji="0" lang="de-DE" altLang="de-DE" sz="2400" b="0" i="1" u="none" strike="noStrike" cap="none" normalizeH="0" baseline="0" dirty="0" smtClean="0">
+              <a:rPr kumimoji="0" lang="de-DE" altLang="de-DE" sz="2400" b="0" i="1" u="none" strike="noStrike" cap="none" normalizeH="0" baseline="0" dirty="0">
                 <a:ln>
                   <a:noFill/>
                 </a:ln>
@@ -12972,7 +13030,7 @@
               <a:t> </a:t>
             </a:r>
             <a:r>
-              <a:rPr kumimoji="0" lang="de-DE" altLang="de-DE" sz="2400" b="0" i="0" u="none" strike="noStrike" cap="none" normalizeH="0" baseline="0" dirty="0" smtClean="0">
+              <a:rPr kumimoji="0" lang="de-DE" altLang="de-DE" sz="2400" b="0" i="0" u="none" strike="noStrike" cap="none" normalizeH="0" baseline="0" dirty="0">
                 <a:ln>
                   <a:noFill/>
                 </a:ln>
@@ -12985,7 +13043,7 @@
               <a:t>"</a:t>
             </a:r>
             <a:r>
-              <a:rPr kumimoji="0" lang="de-DE" altLang="de-DE" sz="2400" b="0" i="0" u="none" strike="noStrike" cap="none" normalizeH="0" baseline="0" dirty="0" err="1" smtClean="0">
+              <a:rPr kumimoji="0" lang="de-DE" altLang="de-DE" sz="2400" b="0" i="0" u="none" strike="noStrike" cap="none" normalizeH="0" baseline="0" dirty="0" err="1">
                 <a:ln>
                   <a:noFill/>
                 </a:ln>
@@ -12998,7 +13056,7 @@
               <a:t>aws_instance</a:t>
             </a:r>
             <a:r>
-              <a:rPr kumimoji="0" lang="de-DE" altLang="de-DE" sz="2400" b="0" i="0" u="none" strike="noStrike" cap="none" normalizeH="0" baseline="0" dirty="0" smtClean="0">
+              <a:rPr kumimoji="0" lang="de-DE" altLang="de-DE" sz="2400" b="0" i="0" u="none" strike="noStrike" cap="none" normalizeH="0" baseline="0" dirty="0">
                 <a:ln>
                   <a:noFill/>
                 </a:ln>
@@ -13011,7 +13069,7 @@
               <a:t>" "</a:t>
             </a:r>
             <a:r>
-              <a:rPr kumimoji="0" lang="de-DE" altLang="de-DE" sz="2400" b="0" i="0" u="none" strike="noStrike" cap="none" normalizeH="0" baseline="0" dirty="0" err="1" smtClean="0">
+              <a:rPr kumimoji="0" lang="de-DE" altLang="de-DE" sz="2400" b="0" i="0" u="none" strike="noStrike" cap="none" normalizeH="0" baseline="0" dirty="0" err="1">
                 <a:ln>
                   <a:noFill/>
                 </a:ln>
@@ -13024,7 +13082,7 @@
               <a:t>demo</a:t>
             </a:r>
             <a:r>
-              <a:rPr kumimoji="0" lang="de-DE" altLang="de-DE" sz="2400" b="0" i="0" u="none" strike="noStrike" cap="none" normalizeH="0" baseline="0" dirty="0" smtClean="0">
+              <a:rPr kumimoji="0" lang="de-DE" altLang="de-DE" sz="2400" b="0" i="0" u="none" strike="noStrike" cap="none" normalizeH="0" baseline="0" dirty="0">
                 <a:ln>
                   <a:noFill/>
                 </a:ln>
@@ -13037,7 +13095,7 @@
               <a:t>"</a:t>
             </a:r>
             <a:r>
-              <a:rPr kumimoji="0" lang="de-DE" altLang="de-DE" sz="2400" b="0" i="0" u="none" strike="noStrike" cap="none" normalizeH="0" baseline="0" dirty="0" smtClean="0">
+              <a:rPr kumimoji="0" lang="de-DE" altLang="de-DE" sz="2400" b="0" i="0" u="none" strike="noStrike" cap="none" normalizeH="0" baseline="0" dirty="0">
                 <a:ln>
                   <a:noFill/>
                 </a:ln>
@@ -13050,7 +13108,7 @@
               <a:t>{</a:t>
             </a:r>
             <a:br>
-              <a:rPr kumimoji="0" lang="de-DE" altLang="de-DE" sz="2400" b="0" i="0" u="none" strike="noStrike" cap="none" normalizeH="0" baseline="0" dirty="0" smtClean="0">
+              <a:rPr kumimoji="0" lang="de-DE" altLang="de-DE" sz="2400" b="0" i="0" u="none" strike="noStrike" cap="none" normalizeH="0" baseline="0" dirty="0">
                 <a:ln>
                   <a:noFill/>
                 </a:ln>
@@ -13062,7 +13120,7 @@
               </a:rPr>
             </a:br>
             <a:r>
-              <a:rPr kumimoji="0" lang="de-DE" altLang="de-DE" sz="2400" b="0" i="0" u="none" strike="noStrike" cap="none" normalizeH="0" baseline="0" dirty="0" smtClean="0">
+              <a:rPr kumimoji="0" lang="de-DE" altLang="de-DE" sz="2400" b="0" i="0" u="none" strike="noStrike" cap="none" normalizeH="0" baseline="0" dirty="0">
                 <a:ln>
                   <a:noFill/>
                 </a:ln>
@@ -13075,7 +13133,7 @@
               <a:t>  </a:t>
             </a:r>
             <a:r>
-              <a:rPr kumimoji="0" lang="de-DE" altLang="de-DE" sz="2400" b="0" i="0" u="none" strike="noStrike" cap="none" normalizeH="0" baseline="0" dirty="0" err="1" smtClean="0">
+              <a:rPr kumimoji="0" lang="de-DE" altLang="de-DE" sz="2400" b="0" i="0" u="none" strike="noStrike" cap="none" normalizeH="0" baseline="0" dirty="0" err="1">
                 <a:ln>
                   <a:noFill/>
                 </a:ln>
@@ -13088,7 +13146,7 @@
               <a:t>ami</a:t>
             </a:r>
             <a:r>
-              <a:rPr kumimoji="0" lang="de-DE" altLang="de-DE" sz="2400" b="0" i="0" u="none" strike="noStrike" cap="none" normalizeH="0" baseline="0" dirty="0" smtClean="0">
+              <a:rPr kumimoji="0" lang="de-DE" altLang="de-DE" sz="2400" b="0" i="0" u="none" strike="noStrike" cap="none" normalizeH="0" baseline="0" dirty="0">
                 <a:ln>
                   <a:noFill/>
                 </a:ln>
@@ -13101,7 +13159,7 @@
               <a:t> </a:t>
             </a:r>
             <a:r>
-              <a:rPr kumimoji="0" lang="de-DE" altLang="de-DE" sz="2400" b="0" i="0" u="none" strike="noStrike" cap="none" normalizeH="0" baseline="0" dirty="0" smtClean="0">
+              <a:rPr kumimoji="0" lang="de-DE" altLang="de-DE" sz="2400" b="0" i="0" u="none" strike="noStrike" cap="none" normalizeH="0" baseline="0" dirty="0">
                 <a:ln>
                   <a:noFill/>
                 </a:ln>
@@ -13114,7 +13172,7 @@
               <a:t>= ami-68dae275</a:t>
             </a:r>
             <a:br>
-              <a:rPr kumimoji="0" lang="de-DE" altLang="de-DE" sz="2400" b="0" i="0" u="none" strike="noStrike" cap="none" normalizeH="0" baseline="0" dirty="0" smtClean="0">
+              <a:rPr kumimoji="0" lang="de-DE" altLang="de-DE" sz="2400" b="0" i="0" u="none" strike="noStrike" cap="none" normalizeH="0" baseline="0" dirty="0">
                 <a:ln>
                   <a:noFill/>
                 </a:ln>
@@ -13126,7 +13184,7 @@
               </a:rPr>
             </a:br>
             <a:r>
-              <a:rPr kumimoji="0" lang="de-DE" altLang="de-DE" sz="2400" b="0" i="0" u="none" strike="noStrike" cap="none" normalizeH="0" baseline="0" dirty="0" smtClean="0">
+              <a:rPr kumimoji="0" lang="de-DE" altLang="de-DE" sz="2400" b="0" i="0" u="none" strike="noStrike" cap="none" normalizeH="0" baseline="0" dirty="0">
                 <a:ln>
                   <a:noFill/>
                 </a:ln>
@@ -13139,7 +13197,7 @@
               <a:t>  </a:t>
             </a:r>
             <a:r>
-              <a:rPr kumimoji="0" lang="de-DE" altLang="de-DE" sz="2400" b="0" i="0" u="none" strike="noStrike" cap="none" normalizeH="0" baseline="0" dirty="0" err="1" smtClean="0">
+              <a:rPr kumimoji="0" lang="de-DE" altLang="de-DE" sz="2400" b="0" i="0" u="none" strike="noStrike" cap="none" normalizeH="0" baseline="0" dirty="0" err="1">
                 <a:ln>
                   <a:noFill/>
                 </a:ln>
@@ -13152,7 +13210,7 @@
               <a:t>instance_type</a:t>
             </a:r>
             <a:r>
-              <a:rPr kumimoji="0" lang="de-DE" altLang="de-DE" sz="2400" b="0" i="0" u="none" strike="noStrike" cap="none" normalizeH="0" baseline="0" dirty="0" smtClean="0">
+              <a:rPr kumimoji="0" lang="de-DE" altLang="de-DE" sz="2400" b="0" i="0" u="none" strike="noStrike" cap="none" normalizeH="0" baseline="0" dirty="0">
                 <a:ln>
                   <a:noFill/>
                 </a:ln>
@@ -13165,7 +13223,7 @@
               <a:t> </a:t>
             </a:r>
             <a:r>
-              <a:rPr kumimoji="0" lang="de-DE" altLang="de-DE" sz="2400" b="0" i="0" u="none" strike="noStrike" cap="none" normalizeH="0" baseline="0" dirty="0" smtClean="0">
+              <a:rPr kumimoji="0" lang="de-DE" altLang="de-DE" sz="2400" b="0" i="0" u="none" strike="noStrike" cap="none" normalizeH="0" baseline="0" dirty="0">
                 <a:ln>
                   <a:noFill/>
                 </a:ln>
@@ -13178,7 +13236,7 @@
               <a:t>= </a:t>
             </a:r>
             <a:r>
-              <a:rPr kumimoji="0" lang="de-DE" altLang="de-DE" sz="2400" b="0" i="0" u="none" strike="noStrike" cap="none" normalizeH="0" baseline="0" dirty="0" smtClean="0">
+              <a:rPr kumimoji="0" lang="de-DE" altLang="de-DE" sz="2400" b="0" i="0" u="none" strike="noStrike" cap="none" normalizeH="0" baseline="0" dirty="0">
                 <a:ln>
                   <a:noFill/>
                 </a:ln>
@@ -13191,7 +13249,7 @@
               <a:t>"t2.micro"</a:t>
             </a:r>
             <a:br>
-              <a:rPr kumimoji="0" lang="de-DE" altLang="de-DE" sz="2400" b="0" i="0" u="none" strike="noStrike" cap="none" normalizeH="0" baseline="0" dirty="0" smtClean="0">
+              <a:rPr kumimoji="0" lang="de-DE" altLang="de-DE" sz="2400" b="0" i="0" u="none" strike="noStrike" cap="none" normalizeH="0" baseline="0" dirty="0">
                 <a:ln>
                   <a:noFill/>
                 </a:ln>
@@ -13203,7 +13261,7 @@
               </a:rPr>
             </a:br>
             <a:r>
-              <a:rPr kumimoji="0" lang="de-DE" altLang="de-DE" sz="2400" b="0" i="0" u="none" strike="noStrike" cap="none" normalizeH="0" baseline="0" dirty="0" smtClean="0">
+              <a:rPr kumimoji="0" lang="de-DE" altLang="de-DE" sz="2400" b="0" i="0" u="none" strike="noStrike" cap="none" normalizeH="0" baseline="0" dirty="0">
                 <a:ln>
                   <a:noFill/>
                 </a:ln>
@@ -13216,7 +13274,7 @@
               <a:t>  </a:t>
             </a:r>
             <a:r>
-              <a:rPr kumimoji="0" lang="de-DE" altLang="de-DE" sz="2400" b="0" i="1" u="none" strike="noStrike" cap="none" normalizeH="0" baseline="0" dirty="0" err="1" smtClean="0">
+              <a:rPr kumimoji="0" lang="de-DE" altLang="de-DE" sz="2400" b="0" i="1" u="none" strike="noStrike" cap="none" normalizeH="0" baseline="0" dirty="0" err="1">
                 <a:ln>
                   <a:noFill/>
                 </a:ln>
@@ -13229,7 +13287,7 @@
               <a:t>timeouts</a:t>
             </a:r>
             <a:r>
-              <a:rPr kumimoji="0" lang="de-DE" altLang="de-DE" sz="2400" b="0" i="1" u="none" strike="noStrike" cap="none" normalizeH="0" baseline="0" dirty="0" smtClean="0">
+              <a:rPr kumimoji="0" lang="de-DE" altLang="de-DE" sz="2400" b="0" i="1" u="none" strike="noStrike" cap="none" normalizeH="0" baseline="0" dirty="0">
                 <a:ln>
                   <a:noFill/>
                 </a:ln>
@@ -13242,7 +13300,7 @@
               <a:t> </a:t>
             </a:r>
             <a:r>
-              <a:rPr kumimoji="0" lang="de-DE" altLang="de-DE" sz="2400" b="0" i="0" u="none" strike="noStrike" cap="none" normalizeH="0" baseline="0" dirty="0" smtClean="0">
+              <a:rPr kumimoji="0" lang="de-DE" altLang="de-DE" sz="2400" b="0" i="0" u="none" strike="noStrike" cap="none" normalizeH="0" baseline="0" dirty="0">
                 <a:ln>
                   <a:noFill/>
                 </a:ln>
@@ -13255,7 +13313,7 @@
               <a:t>{</a:t>
             </a:r>
             <a:br>
-              <a:rPr kumimoji="0" lang="de-DE" altLang="de-DE" sz="2400" b="0" i="0" u="none" strike="noStrike" cap="none" normalizeH="0" baseline="0" dirty="0" smtClean="0">
+              <a:rPr kumimoji="0" lang="de-DE" altLang="de-DE" sz="2400" b="0" i="0" u="none" strike="noStrike" cap="none" normalizeH="0" baseline="0" dirty="0">
                 <a:ln>
                   <a:noFill/>
                 </a:ln>
@@ -13267,7 +13325,7 @@
               </a:rPr>
             </a:br>
             <a:r>
-              <a:rPr kumimoji="0" lang="de-DE" altLang="de-DE" sz="2400" b="0" i="0" u="none" strike="noStrike" cap="none" normalizeH="0" baseline="0" dirty="0" smtClean="0">
+              <a:rPr kumimoji="0" lang="de-DE" altLang="de-DE" sz="2400" b="0" i="0" u="none" strike="noStrike" cap="none" normalizeH="0" baseline="0" dirty="0">
                 <a:ln>
                   <a:noFill/>
                 </a:ln>
@@ -13280,7 +13338,7 @@
               <a:t>    </a:t>
             </a:r>
             <a:r>
-              <a:rPr kumimoji="0" lang="de-DE" altLang="de-DE" sz="2400" b="0" i="0" u="none" strike="noStrike" cap="none" normalizeH="0" baseline="0" dirty="0" err="1" smtClean="0">
+              <a:rPr kumimoji="0" lang="de-DE" altLang="de-DE" sz="2400" b="0" i="0" u="none" strike="noStrike" cap="none" normalizeH="0" baseline="0" dirty="0" err="1">
                 <a:ln>
                   <a:noFill/>
                 </a:ln>
@@ -13293,7 +13351,7 @@
               <a:t>create</a:t>
             </a:r>
             <a:r>
-              <a:rPr kumimoji="0" lang="de-DE" altLang="de-DE" sz="2400" b="0" i="0" u="none" strike="noStrike" cap="none" normalizeH="0" baseline="0" dirty="0" smtClean="0">
+              <a:rPr kumimoji="0" lang="de-DE" altLang="de-DE" sz="2400" b="0" i="0" u="none" strike="noStrike" cap="none" normalizeH="0" baseline="0" dirty="0">
                 <a:ln>
                   <a:noFill/>
                 </a:ln>
@@ -13306,7 +13364,7 @@
               <a:t> </a:t>
             </a:r>
             <a:r>
-              <a:rPr kumimoji="0" lang="de-DE" altLang="de-DE" sz="2400" b="0" i="0" u="none" strike="noStrike" cap="none" normalizeH="0" baseline="0" dirty="0" smtClean="0">
+              <a:rPr kumimoji="0" lang="de-DE" altLang="de-DE" sz="2400" b="0" i="0" u="none" strike="noStrike" cap="none" normalizeH="0" baseline="0" dirty="0">
                 <a:ln>
                   <a:noFill/>
                 </a:ln>
@@ -13319,7 +13377,7 @@
               <a:t>= </a:t>
             </a:r>
             <a:r>
-              <a:rPr kumimoji="0" lang="de-DE" altLang="de-DE" sz="2400" b="0" i="0" u="none" strike="noStrike" cap="none" normalizeH="0" baseline="0" dirty="0" smtClean="0">
+              <a:rPr kumimoji="0" lang="de-DE" altLang="de-DE" sz="2400" b="0" i="0" u="none" strike="noStrike" cap="none" normalizeH="0" baseline="0" dirty="0">
                 <a:ln>
                   <a:noFill/>
                 </a:ln>
@@ -13332,7 +13390,7 @@
               <a:t>"5m"</a:t>
             </a:r>
             <a:br>
-              <a:rPr kumimoji="0" lang="de-DE" altLang="de-DE" sz="2400" b="0" i="0" u="none" strike="noStrike" cap="none" normalizeH="0" baseline="0" dirty="0" smtClean="0">
+              <a:rPr kumimoji="0" lang="de-DE" altLang="de-DE" sz="2400" b="0" i="0" u="none" strike="noStrike" cap="none" normalizeH="0" baseline="0" dirty="0">
                 <a:ln>
                   <a:noFill/>
                 </a:ln>
@@ -13344,7 +13402,7 @@
               </a:rPr>
             </a:br>
             <a:r>
-              <a:rPr kumimoji="0" lang="de-DE" altLang="de-DE" sz="2400" b="0" i="0" u="none" strike="noStrike" cap="none" normalizeH="0" baseline="0" dirty="0" smtClean="0">
+              <a:rPr kumimoji="0" lang="de-DE" altLang="de-DE" sz="2400" b="0" i="0" u="none" strike="noStrike" cap="none" normalizeH="0" baseline="0" dirty="0">
                 <a:ln>
                   <a:noFill/>
                 </a:ln>
@@ -13357,7 +13415,7 @@
               <a:t>    </a:t>
             </a:r>
             <a:r>
-              <a:rPr kumimoji="0" lang="de-DE" altLang="de-DE" sz="2400" b="0" i="0" u="none" strike="noStrike" cap="none" normalizeH="0" baseline="0" dirty="0" smtClean="0">
+              <a:rPr kumimoji="0" lang="de-DE" altLang="de-DE" sz="2400" b="0" i="0" u="none" strike="noStrike" cap="none" normalizeH="0" baseline="0" dirty="0">
                 <a:ln>
                   <a:noFill/>
                 </a:ln>
@@ -13370,7 +13428,7 @@
               <a:t>update </a:t>
             </a:r>
             <a:r>
-              <a:rPr kumimoji="0" lang="de-DE" altLang="de-DE" sz="2400" b="0" i="0" u="none" strike="noStrike" cap="none" normalizeH="0" baseline="0" dirty="0" smtClean="0">
+              <a:rPr kumimoji="0" lang="de-DE" altLang="de-DE" sz="2400" b="0" i="0" u="none" strike="noStrike" cap="none" normalizeH="0" baseline="0" dirty="0">
                 <a:ln>
                   <a:noFill/>
                 </a:ln>
@@ -13383,7 +13441,7 @@
               <a:t>= </a:t>
             </a:r>
             <a:r>
-              <a:rPr kumimoji="0" lang="de-DE" altLang="de-DE" sz="2400" b="0" i="0" u="none" strike="noStrike" cap="none" normalizeH="0" baseline="0" dirty="0" smtClean="0">
+              <a:rPr kumimoji="0" lang="de-DE" altLang="de-DE" sz="2400" b="0" i="0" u="none" strike="noStrike" cap="none" normalizeH="0" baseline="0" dirty="0">
                 <a:ln>
                   <a:noFill/>
                 </a:ln>
@@ -13396,7 +13454,7 @@
               <a:t>"60s"</a:t>
             </a:r>
             <a:br>
-              <a:rPr kumimoji="0" lang="de-DE" altLang="de-DE" sz="2400" b="0" i="0" u="none" strike="noStrike" cap="none" normalizeH="0" baseline="0" dirty="0" smtClean="0">
+              <a:rPr kumimoji="0" lang="de-DE" altLang="de-DE" sz="2400" b="0" i="0" u="none" strike="noStrike" cap="none" normalizeH="0" baseline="0" dirty="0">
                 <a:ln>
                   <a:noFill/>
                 </a:ln>
@@ -13408,7 +13466,7 @@
               </a:rPr>
             </a:br>
             <a:r>
-              <a:rPr kumimoji="0" lang="de-DE" altLang="de-DE" sz="2400" b="0" i="0" u="none" strike="noStrike" cap="none" normalizeH="0" baseline="0" dirty="0" smtClean="0">
+              <a:rPr kumimoji="0" lang="de-DE" altLang="de-DE" sz="2400" b="0" i="0" u="none" strike="noStrike" cap="none" normalizeH="0" baseline="0" dirty="0">
                 <a:ln>
                   <a:noFill/>
                 </a:ln>
@@ -13421,7 +13479,7 @@
               <a:t>    </a:t>
             </a:r>
             <a:r>
-              <a:rPr kumimoji="0" lang="de-DE" altLang="de-DE" sz="2400" b="0" i="0" u="none" strike="noStrike" cap="none" normalizeH="0" baseline="0" dirty="0" err="1" smtClean="0">
+              <a:rPr kumimoji="0" lang="de-DE" altLang="de-DE" sz="2400" b="0" i="0" u="none" strike="noStrike" cap="none" normalizeH="0" baseline="0" dirty="0" err="1">
                 <a:ln>
                   <a:noFill/>
                 </a:ln>
@@ -13434,7 +13492,7 @@
               <a:t>delete</a:t>
             </a:r>
             <a:r>
-              <a:rPr kumimoji="0" lang="de-DE" altLang="de-DE" sz="2400" b="0" i="0" u="none" strike="noStrike" cap="none" normalizeH="0" baseline="0" dirty="0" smtClean="0">
+              <a:rPr kumimoji="0" lang="de-DE" altLang="de-DE" sz="2400" b="0" i="0" u="none" strike="noStrike" cap="none" normalizeH="0" baseline="0" dirty="0">
                 <a:ln>
                   <a:noFill/>
                 </a:ln>
@@ -13447,7 +13505,7 @@
               <a:t> </a:t>
             </a:r>
             <a:r>
-              <a:rPr kumimoji="0" lang="de-DE" altLang="de-DE" sz="2400" b="0" i="0" u="none" strike="noStrike" cap="none" normalizeH="0" baseline="0" dirty="0" smtClean="0">
+              <a:rPr kumimoji="0" lang="de-DE" altLang="de-DE" sz="2400" b="0" i="0" u="none" strike="noStrike" cap="none" normalizeH="0" baseline="0" dirty="0">
                 <a:ln>
                   <a:noFill/>
                 </a:ln>
@@ -13460,7 +13518,7 @@
               <a:t>= </a:t>
             </a:r>
             <a:r>
-              <a:rPr kumimoji="0" lang="de-DE" altLang="de-DE" sz="2400" b="0" i="0" u="none" strike="noStrike" cap="none" normalizeH="0" baseline="0" dirty="0" smtClean="0">
+              <a:rPr kumimoji="0" lang="de-DE" altLang="de-DE" sz="2400" b="0" i="0" u="none" strike="noStrike" cap="none" normalizeH="0" baseline="0" dirty="0">
                 <a:ln>
                   <a:noFill/>
                 </a:ln>
@@ -13473,7 +13531,7 @@
               <a:t>"1h"</a:t>
             </a:r>
             <a:br>
-              <a:rPr kumimoji="0" lang="de-DE" altLang="de-DE" sz="2400" b="0" i="0" u="none" strike="noStrike" cap="none" normalizeH="0" baseline="0" dirty="0" smtClean="0">
+              <a:rPr kumimoji="0" lang="de-DE" altLang="de-DE" sz="2400" b="0" i="0" u="none" strike="noStrike" cap="none" normalizeH="0" baseline="0" dirty="0">
                 <a:ln>
                   <a:noFill/>
                 </a:ln>
@@ -13485,7 +13543,7 @@
               </a:rPr>
             </a:br>
             <a:r>
-              <a:rPr kumimoji="0" lang="de-DE" altLang="de-DE" sz="2400" b="0" i="0" u="none" strike="noStrike" cap="none" normalizeH="0" baseline="0" dirty="0" smtClean="0">
+              <a:rPr kumimoji="0" lang="de-DE" altLang="de-DE" sz="2400" b="0" i="0" u="none" strike="noStrike" cap="none" normalizeH="0" baseline="0" dirty="0">
                 <a:ln>
                   <a:noFill/>
                 </a:ln>
@@ -13498,7 +13556,7 @@
               <a:t>  </a:t>
             </a:r>
             <a:r>
-              <a:rPr kumimoji="0" lang="de-DE" altLang="de-DE" sz="2400" b="0" i="0" u="none" strike="noStrike" cap="none" normalizeH="0" baseline="0" dirty="0" smtClean="0">
+              <a:rPr kumimoji="0" lang="de-DE" altLang="de-DE" sz="2400" b="0" i="0" u="none" strike="noStrike" cap="none" normalizeH="0" baseline="0" dirty="0">
                 <a:ln>
                   <a:noFill/>
                 </a:ln>
@@ -13511,7 +13569,7 @@
               <a:t>}</a:t>
             </a:r>
             <a:br>
-              <a:rPr kumimoji="0" lang="de-DE" altLang="de-DE" sz="2400" b="0" i="0" u="none" strike="noStrike" cap="none" normalizeH="0" baseline="0" dirty="0" smtClean="0">
+              <a:rPr kumimoji="0" lang="de-DE" altLang="de-DE" sz="2400" b="0" i="0" u="none" strike="noStrike" cap="none" normalizeH="0" baseline="0" dirty="0">
                 <a:ln>
                   <a:noFill/>
                 </a:ln>
@@ -13523,7 +13581,7 @@
               </a:rPr>
             </a:br>
             <a:r>
-              <a:rPr kumimoji="0" lang="de-DE" altLang="de-DE" sz="2400" b="0" i="0" u="none" strike="noStrike" cap="none" normalizeH="0" baseline="0" dirty="0" smtClean="0">
+              <a:rPr kumimoji="0" lang="de-DE" altLang="de-DE" sz="2400" b="0" i="0" u="none" strike="noStrike" cap="none" normalizeH="0" baseline="0" dirty="0">
                 <a:ln>
                   <a:noFill/>
                 </a:ln>
@@ -13535,7 +13593,7 @@
               </a:rPr>
               <a:t>}</a:t>
             </a:r>
-            <a:endParaRPr kumimoji="0" lang="de-DE" altLang="de-DE" sz="4800" b="0" i="0" u="none" strike="noStrike" cap="none" normalizeH="0" baseline="0" dirty="0" smtClean="0">
+            <a:endParaRPr kumimoji="0" lang="de-DE" altLang="de-DE" sz="4800" b="0" i="0" u="none" strike="noStrike" cap="none" normalizeH="0" baseline="0" dirty="0">
               <a:ln>
                 <a:noFill/>
               </a:ln>
@@ -13558,13 +13616,6 @@
   <p:clrMapOvr>
     <a:masterClrMapping/>
   </p:clrMapOvr>
-  <p:timing>
-    <p:tnLst>
-      <p:par>
-        <p:cTn id="1" dur="indefinite" restart="never" nodeType="tmRoot"/>
-      </p:par>
-    </p:tnLst>
-  </p:timing>
 </p:sld>
 </file>
 
@@ -13601,10 +13652,9 @@
           <a:lstStyle/>
           <a:p>
             <a:r>
-              <a:rPr lang="de-DE" dirty="0" smtClean="0"/>
+              <a:rPr lang="de-DE" dirty="0"/>
               <a:t>Lokale Ressourcen</a:t>
             </a:r>
-            <a:endParaRPr lang="de-DE" dirty="0"/>
           </a:p>
         </p:txBody>
       </p:sp>
@@ -13628,7 +13678,7 @@
               <a:buChar char="-"/>
             </a:pPr>
             <a:r>
-              <a:rPr lang="de-DE" dirty="0" smtClean="0"/>
+              <a:rPr lang="de-DE" dirty="0"/>
               <a:t>Ressourcen die zwar im State hinterlegt werden, für die allerdings kein entsprechendes Infrastruktur-Objekt existiert</a:t>
             </a:r>
           </a:p>
@@ -13638,23 +13688,23 @@
               <a:buChar char="-"/>
             </a:pPr>
             <a:r>
-              <a:rPr lang="de-DE" dirty="0" smtClean="0"/>
+              <a:rPr lang="de-DE" dirty="0"/>
               <a:t>Private Keys, </a:t>
             </a:r>
             <a:r>
-              <a:rPr lang="de-DE" dirty="0" err="1" smtClean="0"/>
+              <a:rPr lang="de-DE" dirty="0" err="1"/>
               <a:t>Self</a:t>
             </a:r>
             <a:r>
-              <a:rPr lang="de-DE" dirty="0" smtClean="0"/>
+              <a:rPr lang="de-DE" dirty="0"/>
               <a:t> </a:t>
             </a:r>
             <a:r>
-              <a:rPr lang="de-DE" dirty="0" err="1" smtClean="0"/>
+              <a:rPr lang="de-DE" dirty="0" err="1"/>
               <a:t>Signed</a:t>
             </a:r>
             <a:r>
-              <a:rPr lang="de-DE" dirty="0" smtClean="0"/>
+              <a:rPr lang="de-DE" dirty="0"/>
               <a:t> Zertifikate, zufällig generierte IDs</a:t>
             </a:r>
           </a:p>
@@ -13664,7 +13714,7 @@
               <a:buChar char="-"/>
             </a:pPr>
             <a:r>
-              <a:rPr lang="de-DE" dirty="0" smtClean="0"/>
+              <a:rPr lang="de-DE" dirty="0"/>
               <a:t>Diese Ressourcen sind in der Regel Inputs für weitere Ressourcen und Module</a:t>
             </a:r>
           </a:p>
@@ -13741,7 +13791,7 @@
               <a:tabLst/>
             </a:pPr>
             <a:r>
-              <a:rPr kumimoji="0" lang="de-DE" altLang="de-DE" sz="2400" b="0" i="1" u="none" strike="noStrike" cap="none" normalizeH="0" baseline="0" dirty="0" err="1" smtClean="0">
+              <a:rPr kumimoji="0" lang="de-DE" altLang="de-DE" sz="2400" b="0" i="1" u="none" strike="noStrike" cap="none" normalizeH="0" baseline="0" dirty="0" err="1">
                 <a:ln>
                   <a:noFill/>
                 </a:ln>
@@ -13754,7 +13804,7 @@
               <a:t>resource</a:t>
             </a:r>
             <a:r>
-              <a:rPr kumimoji="0" lang="de-DE" altLang="de-DE" sz="2400" b="0" i="1" u="none" strike="noStrike" cap="none" normalizeH="0" baseline="0" dirty="0" smtClean="0">
+              <a:rPr kumimoji="0" lang="de-DE" altLang="de-DE" sz="2400" b="0" i="1" u="none" strike="noStrike" cap="none" normalizeH="0" baseline="0" dirty="0">
                 <a:ln>
                   <a:noFill/>
                 </a:ln>
@@ -13767,7 +13817,7 @@
               <a:t> </a:t>
             </a:r>
             <a:r>
-              <a:rPr kumimoji="0" lang="de-DE" altLang="de-DE" sz="2400" b="0" i="0" u="none" strike="noStrike" cap="none" normalizeH="0" baseline="0" dirty="0" smtClean="0">
+              <a:rPr kumimoji="0" lang="de-DE" altLang="de-DE" sz="2400" b="0" i="0" u="none" strike="noStrike" cap="none" normalizeH="0" baseline="0" dirty="0">
                 <a:ln>
                   <a:noFill/>
                 </a:ln>
@@ -13780,7 +13830,7 @@
               <a:t>"</a:t>
             </a:r>
             <a:r>
-              <a:rPr kumimoji="0" lang="de-DE" altLang="de-DE" sz="2400" b="0" i="0" u="none" strike="noStrike" cap="none" normalizeH="0" baseline="0" dirty="0" err="1" smtClean="0">
+              <a:rPr kumimoji="0" lang="de-DE" altLang="de-DE" sz="2400" b="0" i="0" u="none" strike="noStrike" cap="none" normalizeH="0" baseline="0" dirty="0" err="1">
                 <a:ln>
                   <a:noFill/>
                 </a:ln>
@@ -13793,7 +13843,7 @@
               <a:t>random_id</a:t>
             </a:r>
             <a:r>
-              <a:rPr kumimoji="0" lang="de-DE" altLang="de-DE" sz="2400" b="0" i="0" u="none" strike="noStrike" cap="none" normalizeH="0" baseline="0" dirty="0" smtClean="0">
+              <a:rPr kumimoji="0" lang="de-DE" altLang="de-DE" sz="2400" b="0" i="0" u="none" strike="noStrike" cap="none" normalizeH="0" baseline="0" dirty="0">
                 <a:ln>
                   <a:noFill/>
                 </a:ln>
@@ -13806,7 +13856,7 @@
               <a:t>" "</a:t>
             </a:r>
             <a:r>
-              <a:rPr kumimoji="0" lang="de-DE" altLang="de-DE" sz="2400" b="0" i="0" u="none" strike="noStrike" cap="none" normalizeH="0" baseline="0" dirty="0" err="1" smtClean="0">
+              <a:rPr kumimoji="0" lang="de-DE" altLang="de-DE" sz="2400" b="0" i="0" u="none" strike="noStrike" cap="none" normalizeH="0" baseline="0" dirty="0" err="1">
                 <a:ln>
                   <a:noFill/>
                 </a:ln>
@@ -13819,7 +13869,7 @@
               <a:t>server</a:t>
             </a:r>
             <a:r>
-              <a:rPr kumimoji="0" lang="de-DE" altLang="de-DE" sz="2400" b="0" i="0" u="none" strike="noStrike" cap="none" normalizeH="0" baseline="0" dirty="0" smtClean="0">
+              <a:rPr kumimoji="0" lang="de-DE" altLang="de-DE" sz="2400" b="0" i="0" u="none" strike="noStrike" cap="none" normalizeH="0" baseline="0" dirty="0">
                 <a:ln>
                   <a:noFill/>
                 </a:ln>
@@ -13832,7 +13882,7 @@
               <a:t>" </a:t>
             </a:r>
             <a:r>
-              <a:rPr kumimoji="0" lang="de-DE" altLang="de-DE" sz="2400" b="0" i="0" u="none" strike="noStrike" cap="none" normalizeH="0" baseline="0" dirty="0" smtClean="0">
+              <a:rPr kumimoji="0" lang="de-DE" altLang="de-DE" sz="2400" b="0" i="0" u="none" strike="noStrike" cap="none" normalizeH="0" baseline="0" dirty="0">
                 <a:ln>
                   <a:noFill/>
                 </a:ln>
@@ -13845,7 +13895,7 @@
               <a:t>{</a:t>
             </a:r>
             <a:br>
-              <a:rPr kumimoji="0" lang="de-DE" altLang="de-DE" sz="2400" b="0" i="0" u="none" strike="noStrike" cap="none" normalizeH="0" baseline="0" dirty="0" smtClean="0">
+              <a:rPr kumimoji="0" lang="de-DE" altLang="de-DE" sz="2400" b="0" i="0" u="none" strike="noStrike" cap="none" normalizeH="0" baseline="0" dirty="0">
                 <a:ln>
                   <a:noFill/>
                 </a:ln>
@@ -13857,7 +13907,7 @@
               </a:rPr>
             </a:br>
             <a:r>
-              <a:rPr kumimoji="0" lang="de-DE" altLang="de-DE" sz="2400" b="0" i="0" u="none" strike="noStrike" cap="none" normalizeH="0" baseline="0" dirty="0" smtClean="0">
+              <a:rPr kumimoji="0" lang="de-DE" altLang="de-DE" sz="2400" b="0" i="0" u="none" strike="noStrike" cap="none" normalizeH="0" baseline="0" dirty="0">
                 <a:ln>
                   <a:noFill/>
                 </a:ln>
@@ -13870,7 +13920,7 @@
               <a:t>  </a:t>
             </a:r>
             <a:r>
-              <a:rPr kumimoji="0" lang="de-DE" altLang="de-DE" sz="2400" b="0" i="0" u="none" strike="noStrike" cap="none" normalizeH="0" baseline="0" dirty="0" err="1" smtClean="0">
+              <a:rPr kumimoji="0" lang="de-DE" altLang="de-DE" sz="2400" b="0" i="0" u="none" strike="noStrike" cap="none" normalizeH="0" baseline="0" dirty="0" err="1">
                 <a:ln>
                   <a:noFill/>
                 </a:ln>
@@ -13883,7 +13933,7 @@
               <a:t>keepers</a:t>
             </a:r>
             <a:r>
-              <a:rPr kumimoji="0" lang="de-DE" altLang="de-DE" sz="2400" b="0" i="0" u="none" strike="noStrike" cap="none" normalizeH="0" baseline="0" dirty="0" smtClean="0">
+              <a:rPr kumimoji="0" lang="de-DE" altLang="de-DE" sz="2400" b="0" i="0" u="none" strike="noStrike" cap="none" normalizeH="0" baseline="0" dirty="0">
                 <a:ln>
                   <a:noFill/>
                 </a:ln>
@@ -13896,7 +13946,7 @@
               <a:t> </a:t>
             </a:r>
             <a:r>
-              <a:rPr kumimoji="0" lang="de-DE" altLang="de-DE" sz="2400" b="0" i="0" u="none" strike="noStrike" cap="none" normalizeH="0" baseline="0" dirty="0" smtClean="0">
+              <a:rPr kumimoji="0" lang="de-DE" altLang="de-DE" sz="2400" b="0" i="0" u="none" strike="noStrike" cap="none" normalizeH="0" baseline="0" dirty="0">
                 <a:ln>
                   <a:noFill/>
                 </a:ln>
@@ -13909,7 +13959,7 @@
               <a:t>= {</a:t>
             </a:r>
             <a:br>
-              <a:rPr kumimoji="0" lang="de-DE" altLang="de-DE" sz="2400" b="0" i="0" u="none" strike="noStrike" cap="none" normalizeH="0" baseline="0" dirty="0" smtClean="0">
+              <a:rPr kumimoji="0" lang="de-DE" altLang="de-DE" sz="2400" b="0" i="0" u="none" strike="noStrike" cap="none" normalizeH="0" baseline="0" dirty="0">
                 <a:ln>
                   <a:noFill/>
                 </a:ln>
@@ -13921,7 +13971,7 @@
               </a:rPr>
             </a:br>
             <a:r>
-              <a:rPr kumimoji="0" lang="de-DE" altLang="de-DE" sz="2400" b="0" i="0" u="none" strike="noStrike" cap="none" normalizeH="0" baseline="0" dirty="0" smtClean="0">
+              <a:rPr kumimoji="0" lang="de-DE" altLang="de-DE" sz="2400" b="0" i="0" u="none" strike="noStrike" cap="none" normalizeH="0" baseline="0" dirty="0">
                 <a:ln>
                   <a:noFill/>
                 </a:ln>
@@ -13934,7 +13984,7 @@
               <a:t>    </a:t>
             </a:r>
             <a:r>
-              <a:rPr kumimoji="0" lang="de-DE" altLang="de-DE" sz="2400" b="0" i="0" u="none" strike="noStrike" cap="none" normalizeH="0" baseline="0" dirty="0" err="1" smtClean="0">
+              <a:rPr kumimoji="0" lang="de-DE" altLang="de-DE" sz="2400" b="0" i="0" u="none" strike="noStrike" cap="none" normalizeH="0" baseline="0" dirty="0" err="1">
                 <a:ln>
                   <a:noFill/>
                 </a:ln>
@@ -13947,7 +13997,7 @@
               <a:t>aws_instance_ami</a:t>
             </a:r>
             <a:r>
-              <a:rPr kumimoji="0" lang="de-DE" altLang="de-DE" sz="2400" b="0" i="0" u="none" strike="noStrike" cap="none" normalizeH="0" baseline="0" dirty="0" smtClean="0">
+              <a:rPr kumimoji="0" lang="de-DE" altLang="de-DE" sz="2400" b="0" i="0" u="none" strike="noStrike" cap="none" normalizeH="0" baseline="0" dirty="0">
                 <a:ln>
                   <a:noFill/>
                 </a:ln>
@@ -13960,7 +14010,7 @@
               <a:t> </a:t>
             </a:r>
             <a:r>
-              <a:rPr kumimoji="0" lang="de-DE" altLang="de-DE" sz="2400" b="0" i="0" u="none" strike="noStrike" cap="none" normalizeH="0" baseline="0" dirty="0" smtClean="0">
+              <a:rPr kumimoji="0" lang="de-DE" altLang="de-DE" sz="2400" b="0" i="0" u="none" strike="noStrike" cap="none" normalizeH="0" baseline="0" dirty="0">
                 <a:ln>
                   <a:noFill/>
                 </a:ln>
@@ -13973,7 +14023,7 @@
               <a:t>= </a:t>
             </a:r>
             <a:r>
-              <a:rPr kumimoji="0" lang="de-DE" altLang="de-DE" sz="2400" b="0" i="0" u="none" strike="noStrike" cap="none" normalizeH="0" baseline="0" dirty="0" err="1" smtClean="0">
+              <a:rPr kumimoji="0" lang="de-DE" altLang="de-DE" sz="2400" b="0" i="0" u="none" strike="noStrike" cap="none" normalizeH="0" baseline="0" dirty="0" err="1">
                 <a:ln>
                   <a:noFill/>
                 </a:ln>
@@ -13986,7 +14036,7 @@
               <a:t>aws_instance</a:t>
             </a:r>
             <a:r>
-              <a:rPr kumimoji="0" lang="de-DE" altLang="de-DE" sz="2400" b="0" i="0" u="none" strike="noStrike" cap="none" normalizeH="0" baseline="0" dirty="0" err="1" smtClean="0">
+              <a:rPr kumimoji="0" lang="de-DE" altLang="de-DE" sz="2400" b="0" i="0" u="none" strike="noStrike" cap="none" normalizeH="0" baseline="0" dirty="0" err="1">
                 <a:ln>
                   <a:noFill/>
                 </a:ln>
@@ -13999,7 +14049,7 @@
               <a:t>.</a:t>
             </a:r>
             <a:r>
-              <a:rPr kumimoji="0" lang="de-DE" altLang="de-DE" sz="2400" b="0" i="0" u="none" strike="noStrike" cap="none" normalizeH="0" baseline="0" dirty="0" err="1" smtClean="0">
+              <a:rPr kumimoji="0" lang="de-DE" altLang="de-DE" sz="2400" b="0" i="0" u="none" strike="noStrike" cap="none" normalizeH="0" baseline="0" dirty="0" err="1">
                 <a:ln>
                   <a:noFill/>
                 </a:ln>
@@ -14012,7 +14062,7 @@
               <a:t>demo</a:t>
             </a:r>
             <a:r>
-              <a:rPr kumimoji="0" lang="de-DE" altLang="de-DE" sz="2400" b="0" i="0" u="none" strike="noStrike" cap="none" normalizeH="0" baseline="0" dirty="0" err="1" smtClean="0">
+              <a:rPr kumimoji="0" lang="de-DE" altLang="de-DE" sz="2400" b="0" i="0" u="none" strike="noStrike" cap="none" normalizeH="0" baseline="0" dirty="0" err="1">
                 <a:ln>
                   <a:noFill/>
                 </a:ln>
@@ -14025,7 +14075,7 @@
               <a:t>.</a:t>
             </a:r>
             <a:r>
-              <a:rPr kumimoji="0" lang="de-DE" altLang="de-DE" sz="2400" b="0" i="0" u="none" strike="noStrike" cap="none" normalizeH="0" baseline="0" dirty="0" err="1" smtClean="0">
+              <a:rPr kumimoji="0" lang="de-DE" altLang="de-DE" sz="2400" b="0" i="0" u="none" strike="noStrike" cap="none" normalizeH="0" baseline="0" dirty="0" err="1">
                 <a:ln>
                   <a:noFill/>
                 </a:ln>
@@ -14037,8 +14087,8 @@
               </a:rPr>
               <a:t>ami</a:t>
             </a:r>
-            <a:r>
-              <a:rPr kumimoji="0" lang="de-DE" altLang="de-DE" sz="2400" b="0" i="0" u="none" strike="noStrike" cap="none" normalizeH="0" baseline="0" dirty="0" smtClean="0">
+            <a:br>
+              <a:rPr kumimoji="0" lang="de-DE" altLang="de-DE" sz="2400" b="0" i="0" u="none" strike="noStrike" cap="none" normalizeH="0" baseline="0" dirty="0">
                 <a:ln>
                   <a:noFill/>
                 </a:ln>
@@ -14048,10 +14098,60 @@
                 <a:effectLst/>
                 <a:latin typeface="JetBrains Mono"/>
               </a:rPr>
-              <a:t/>
+            </a:br>
+            <a:r>
+              <a:rPr kumimoji="0" lang="de-DE" altLang="de-DE" sz="2400" b="0" i="0" u="none" strike="noStrike" cap="none" normalizeH="0" baseline="0" dirty="0">
+                <a:ln>
+                  <a:noFill/>
+                </a:ln>
+                <a:solidFill>
+                  <a:srgbClr val="EF596F"/>
+                </a:solidFill>
+                <a:effectLst/>
+                <a:latin typeface="JetBrains Mono"/>
+              </a:rPr>
+              <a:t>  </a:t>
+            </a:r>
+            <a:r>
+              <a:rPr kumimoji="0" lang="de-DE" altLang="de-DE" sz="2400" b="0" i="0" u="none" strike="noStrike" cap="none" normalizeH="0" baseline="0" dirty="0">
+                <a:ln>
+                  <a:noFill/>
+                </a:ln>
+                <a:solidFill>
+                  <a:srgbClr val="BBBBBB"/>
+                </a:solidFill>
+                <a:effectLst/>
+                <a:latin typeface="JetBrains Mono"/>
+              </a:rPr>
+              <a:t>}</a:t>
             </a:r>
             <a:br>
-              <a:rPr kumimoji="0" lang="de-DE" altLang="de-DE" sz="2400" b="0" i="0" u="none" strike="noStrike" cap="none" normalizeH="0" baseline="0" dirty="0" smtClean="0">
+              <a:rPr kumimoji="0" lang="de-DE" altLang="de-DE" sz="2400" b="0" i="0" u="none" strike="noStrike" cap="none" normalizeH="0" baseline="0" dirty="0">
+                <a:ln>
+                  <a:noFill/>
+                </a:ln>
+                <a:solidFill>
+                  <a:srgbClr val="BBBBBB"/>
+                </a:solidFill>
+                <a:effectLst/>
+                <a:latin typeface="JetBrains Mono"/>
+              </a:rPr>
+            </a:br>
+            <a:r>
+              <a:rPr kumimoji="0" lang="de-DE" altLang="de-DE" sz="2400" b="0" i="0" u="none" strike="noStrike" cap="none" normalizeH="0" baseline="0" dirty="0">
+                <a:ln>
+                  <a:noFill/>
+                </a:ln>
+                <a:solidFill>
+                  <a:srgbClr val="BBBBBB"/>
+                </a:solidFill>
+                <a:effectLst/>
+                <a:latin typeface="JetBrains Mono"/>
+              </a:rPr>
+              <a:t>  </a:t>
+            </a:r>
+            <a:r>
+              <a:rPr kumimoji="0" lang="de-DE" altLang="de-DE" sz="2400" b="0" i="0" u="none" strike="noStrike" cap="none" normalizeH="0" baseline="0" dirty="0" err="1">
                 <a:ln>
                   <a:noFill/>
                 </a:ln>
@@ -14061,22 +14161,61 @@
                 <a:effectLst/>
                 <a:latin typeface="JetBrains Mono"/>
               </a:rPr>
+              <a:t>byte_length</a:t>
+            </a:r>
+            <a:r>
+              <a:rPr kumimoji="0" lang="de-DE" altLang="de-DE" sz="2400" b="0" i="0" u="none" strike="noStrike" cap="none" normalizeH="0" baseline="0" dirty="0">
+                <a:ln>
+                  <a:noFill/>
+                </a:ln>
+                <a:solidFill>
+                  <a:srgbClr val="EF596F"/>
+                </a:solidFill>
+                <a:effectLst/>
+                <a:latin typeface="JetBrains Mono"/>
+              </a:rPr>
+              <a:t> </a:t>
+            </a:r>
+            <a:r>
+              <a:rPr kumimoji="0" lang="de-DE" altLang="de-DE" sz="2400" b="0" i="0" u="none" strike="noStrike" cap="none" normalizeH="0" baseline="0" dirty="0">
+                <a:ln>
+                  <a:noFill/>
+                </a:ln>
+                <a:solidFill>
+                  <a:srgbClr val="BBBBBB"/>
+                </a:solidFill>
+                <a:effectLst/>
+                <a:latin typeface="JetBrains Mono"/>
+              </a:rPr>
+              <a:t>= </a:t>
+            </a:r>
+            <a:r>
+              <a:rPr kumimoji="0" lang="de-DE" altLang="de-DE" sz="2400" b="0" i="0" u="none" strike="noStrike" cap="none" normalizeH="0" baseline="0" dirty="0">
+                <a:ln>
+                  <a:noFill/>
+                </a:ln>
+                <a:solidFill>
+                  <a:srgbClr val="D19A66"/>
+                </a:solidFill>
+                <a:effectLst/>
+                <a:latin typeface="JetBrains Mono"/>
+              </a:rPr>
+              <a:t>16</a:t>
+            </a:r>
+            <a:br>
+              <a:rPr kumimoji="0" lang="de-DE" altLang="de-DE" sz="2400" b="0" i="0" u="none" strike="noStrike" cap="none" normalizeH="0" baseline="0" dirty="0">
+                <a:ln>
+                  <a:noFill/>
+                </a:ln>
+                <a:solidFill>
+                  <a:srgbClr val="D19A66"/>
+                </a:solidFill>
+                <a:effectLst/>
+                <a:latin typeface="JetBrains Mono"/>
+              </a:rPr>
             </a:br>
             <a:r>
-              <a:rPr kumimoji="0" lang="de-DE" altLang="de-DE" sz="2400" b="0" i="0" u="none" strike="noStrike" cap="none" normalizeH="0" baseline="0" dirty="0" smtClean="0">
-                <a:ln>
-                  <a:noFill/>
-                </a:ln>
-                <a:solidFill>
-                  <a:srgbClr val="EF596F"/>
-                </a:solidFill>
-                <a:effectLst/>
-                <a:latin typeface="JetBrains Mono"/>
-              </a:rPr>
-              <a:t>  </a:t>
-            </a:r>
-            <a:r>
-              <a:rPr kumimoji="0" lang="de-DE" altLang="de-DE" sz="2400" b="0" i="0" u="none" strike="noStrike" cap="none" normalizeH="0" baseline="0" dirty="0" smtClean="0">
+              <a:rPr kumimoji="0" lang="de-DE" altLang="de-DE" sz="2400" b="0" i="0" u="none" strike="noStrike" cap="none" normalizeH="0" baseline="0" dirty="0">
                 <a:ln>
                   <a:noFill/>
                 </a:ln>
@@ -14088,109 +14227,7 @@
               </a:rPr>
               <a:t>}</a:t>
             </a:r>
-            <a:br>
-              <a:rPr kumimoji="0" lang="de-DE" altLang="de-DE" sz="2400" b="0" i="0" u="none" strike="noStrike" cap="none" normalizeH="0" baseline="0" dirty="0" smtClean="0">
-                <a:ln>
-                  <a:noFill/>
-                </a:ln>
-                <a:solidFill>
-                  <a:srgbClr val="BBBBBB"/>
-                </a:solidFill>
-                <a:effectLst/>
-                <a:latin typeface="JetBrains Mono"/>
-              </a:rPr>
-            </a:br>
-            <a:r>
-              <a:rPr kumimoji="0" lang="de-DE" altLang="de-DE" sz="2400" b="0" i="0" u="none" strike="noStrike" cap="none" normalizeH="0" baseline="0" dirty="0" smtClean="0">
-                <a:ln>
-                  <a:noFill/>
-                </a:ln>
-                <a:solidFill>
-                  <a:srgbClr val="BBBBBB"/>
-                </a:solidFill>
-                <a:effectLst/>
-                <a:latin typeface="JetBrains Mono"/>
-              </a:rPr>
-              <a:t>  </a:t>
-            </a:r>
-            <a:r>
-              <a:rPr kumimoji="0" lang="de-DE" altLang="de-DE" sz="2400" b="0" i="0" u="none" strike="noStrike" cap="none" normalizeH="0" baseline="0" dirty="0" err="1" smtClean="0">
-                <a:ln>
-                  <a:noFill/>
-                </a:ln>
-                <a:solidFill>
-                  <a:srgbClr val="EF596F"/>
-                </a:solidFill>
-                <a:effectLst/>
-                <a:latin typeface="JetBrains Mono"/>
-              </a:rPr>
-              <a:t>byte_length</a:t>
-            </a:r>
-            <a:r>
-              <a:rPr kumimoji="0" lang="de-DE" altLang="de-DE" sz="2400" b="0" i="0" u="none" strike="noStrike" cap="none" normalizeH="0" baseline="0" dirty="0" smtClean="0">
-                <a:ln>
-                  <a:noFill/>
-                </a:ln>
-                <a:solidFill>
-                  <a:srgbClr val="EF596F"/>
-                </a:solidFill>
-                <a:effectLst/>
-                <a:latin typeface="JetBrains Mono"/>
-              </a:rPr>
-              <a:t> </a:t>
-            </a:r>
-            <a:r>
-              <a:rPr kumimoji="0" lang="de-DE" altLang="de-DE" sz="2400" b="0" i="0" u="none" strike="noStrike" cap="none" normalizeH="0" baseline="0" dirty="0" smtClean="0">
-                <a:ln>
-                  <a:noFill/>
-                </a:ln>
-                <a:solidFill>
-                  <a:srgbClr val="BBBBBB"/>
-                </a:solidFill>
-                <a:effectLst/>
-                <a:latin typeface="JetBrains Mono"/>
-              </a:rPr>
-              <a:t>= </a:t>
-            </a:r>
-            <a:r>
-              <a:rPr kumimoji="0" lang="de-DE" altLang="de-DE" sz="2400" b="0" i="0" u="none" strike="noStrike" cap="none" normalizeH="0" baseline="0" dirty="0" smtClean="0">
-                <a:ln>
-                  <a:noFill/>
-                </a:ln>
-                <a:solidFill>
-                  <a:srgbClr val="D19A66"/>
-                </a:solidFill>
-                <a:effectLst/>
-                <a:latin typeface="JetBrains Mono"/>
-              </a:rPr>
-              <a:t>16</a:t>
-            </a:r>
-            <a:br>
-              <a:rPr kumimoji="0" lang="de-DE" altLang="de-DE" sz="2400" b="0" i="0" u="none" strike="noStrike" cap="none" normalizeH="0" baseline="0" dirty="0" smtClean="0">
-                <a:ln>
-                  <a:noFill/>
-                </a:ln>
-                <a:solidFill>
-                  <a:srgbClr val="D19A66"/>
-                </a:solidFill>
-                <a:effectLst/>
-                <a:latin typeface="JetBrains Mono"/>
-              </a:rPr>
-            </a:br>
-            <a:r>
-              <a:rPr kumimoji="0" lang="de-DE" altLang="de-DE" sz="2400" b="0" i="0" u="none" strike="noStrike" cap="none" normalizeH="0" baseline="0" dirty="0" smtClean="0">
-                <a:ln>
-                  <a:noFill/>
-                </a:ln>
-                <a:solidFill>
-                  <a:srgbClr val="BBBBBB"/>
-                </a:solidFill>
-                <a:effectLst/>
-                <a:latin typeface="JetBrains Mono"/>
-              </a:rPr>
-              <a:t>}</a:t>
-            </a:r>
-            <a:endParaRPr kumimoji="0" lang="de-DE" altLang="de-DE" sz="4800" b="0" i="0" u="none" strike="noStrike" cap="none" normalizeH="0" baseline="0" dirty="0" smtClean="0">
+            <a:endParaRPr kumimoji="0" lang="de-DE" altLang="de-DE" sz="4800" b="0" i="0" u="none" strike="noStrike" cap="none" normalizeH="0" baseline="0" dirty="0">
               <a:ln>
                 <a:noFill/>
               </a:ln>
@@ -14213,13 +14250,6 @@
   <p:clrMapOvr>
     <a:masterClrMapping/>
   </p:clrMapOvr>
-  <p:timing>
-    <p:tnLst>
-      <p:par>
-        <p:cTn id="1" dur="indefinite" restart="never" nodeType="tmRoot"/>
-      </p:par>
-    </p:tnLst>
-  </p:timing>
 </p:sld>
 </file>
 
@@ -14256,18 +14286,17 @@
           <a:lstStyle/>
           <a:p>
             <a:r>
-              <a:rPr lang="de-DE" dirty="0" smtClean="0"/>
+              <a:rPr lang="de-DE" dirty="0"/>
               <a:t>Syntax </a:t>
             </a:r>
             <a:r>
-              <a:rPr lang="de-DE" dirty="0" err="1" smtClean="0"/>
+              <a:rPr lang="de-DE" dirty="0" err="1"/>
               <a:t>Resource</a:t>
             </a:r>
             <a:r>
-              <a:rPr lang="de-DE" dirty="0" smtClean="0"/>
+              <a:rPr lang="de-DE" dirty="0"/>
               <a:t>-Block</a:t>
             </a:r>
-            <a:endParaRPr lang="de-DE" dirty="0"/>
           </a:p>
         </p:txBody>
       </p:sp>
@@ -14341,7 +14370,7 @@
               <a:buNone/>
               <a:tabLst/>
             </a:pPr>
-            <a:endParaRPr kumimoji="0" lang="de-DE" altLang="de-DE" sz="1000" b="0" i="1" u="none" strike="noStrike" cap="none" normalizeH="0" baseline="0" dirty="0" smtClean="0">
+            <a:endParaRPr kumimoji="0" lang="de-DE" altLang="de-DE" sz="1000" b="0" i="1" u="none" strike="noStrike" cap="none" normalizeH="0" baseline="0" dirty="0">
               <a:ln>
                 <a:noFill/>
               </a:ln>
@@ -14370,7 +14399,7 @@
               <a:tabLst/>
             </a:pPr>
             <a:r>
-              <a:rPr kumimoji="0" lang="de-DE" altLang="de-DE" sz="2400" b="0" i="1" u="none" strike="noStrike" cap="none" normalizeH="0" baseline="0" dirty="0" err="1" smtClean="0">
+              <a:rPr kumimoji="0" lang="de-DE" altLang="de-DE" sz="2400" b="0" i="1" u="none" strike="noStrike" cap="none" normalizeH="0" baseline="0" dirty="0" err="1">
                 <a:ln>
                   <a:noFill/>
                 </a:ln>
@@ -14383,7 +14412,7 @@
               <a:t>resource</a:t>
             </a:r>
             <a:r>
-              <a:rPr kumimoji="0" lang="de-DE" altLang="de-DE" sz="2400" b="0" i="1" u="none" strike="noStrike" cap="none" normalizeH="0" baseline="0" dirty="0" smtClean="0">
+              <a:rPr kumimoji="0" lang="de-DE" altLang="de-DE" sz="2400" b="0" i="1" u="none" strike="noStrike" cap="none" normalizeH="0" baseline="0" dirty="0">
                 <a:ln>
                   <a:noFill/>
                 </a:ln>
@@ -14396,7 +14425,7 @@
               <a:t> </a:t>
             </a:r>
             <a:r>
-              <a:rPr kumimoji="0" lang="de-DE" altLang="de-DE" sz="2400" i="0" u="none" strike="noStrike" cap="none" normalizeH="0" baseline="0" dirty="0" smtClean="0">
+              <a:rPr kumimoji="0" lang="de-DE" altLang="de-DE" sz="2400" i="0" u="none" strike="noStrike" cap="none" normalizeH="0" baseline="0" dirty="0">
                 <a:ln>
                   <a:noFill/>
                 </a:ln>
@@ -14409,7 +14438,7 @@
               <a:t>"aws_s3_bucket"</a:t>
             </a:r>
             <a:r>
-              <a:rPr kumimoji="0" lang="de-DE" altLang="de-DE" sz="2400" b="0" i="0" u="none" strike="noStrike" cap="none" normalizeH="0" baseline="0" dirty="0" smtClean="0">
+              <a:rPr kumimoji="0" lang="de-DE" altLang="de-DE" sz="2400" b="0" i="0" u="none" strike="noStrike" cap="none" normalizeH="0" baseline="0" dirty="0">
                 <a:ln>
                   <a:noFill/>
                 </a:ln>
@@ -14422,7 +14451,7 @@
               <a:t> "</a:t>
             </a:r>
             <a:r>
-              <a:rPr kumimoji="0" lang="de-DE" altLang="de-DE" sz="2400" b="0" i="0" u="none" strike="noStrike" cap="none" normalizeH="0" baseline="0" dirty="0" err="1" smtClean="0">
+              <a:rPr kumimoji="0" lang="de-DE" altLang="de-DE" sz="2400" b="0" i="0" u="none" strike="noStrike" cap="none" normalizeH="0" baseline="0" dirty="0" err="1">
                 <a:ln>
                   <a:noFill/>
                 </a:ln>
@@ -14435,7 +14464,7 @@
               <a:t>file_storage</a:t>
             </a:r>
             <a:r>
-              <a:rPr kumimoji="0" lang="de-DE" altLang="de-DE" sz="2400" b="0" i="0" u="none" strike="noStrike" cap="none" normalizeH="0" baseline="0" dirty="0" smtClean="0">
+              <a:rPr kumimoji="0" lang="de-DE" altLang="de-DE" sz="2400" b="0" i="0" u="none" strike="noStrike" cap="none" normalizeH="0" baseline="0" dirty="0">
                 <a:ln>
                   <a:noFill/>
                 </a:ln>
@@ -14448,7 +14477,7 @@
               <a:t>" </a:t>
             </a:r>
             <a:r>
-              <a:rPr kumimoji="0" lang="de-DE" altLang="de-DE" sz="2400" b="0" i="0" u="none" strike="noStrike" cap="none" normalizeH="0" baseline="0" dirty="0" smtClean="0">
+              <a:rPr kumimoji="0" lang="de-DE" altLang="de-DE" sz="2400" b="0" i="0" u="none" strike="noStrike" cap="none" normalizeH="0" baseline="0" dirty="0">
                 <a:ln>
                   <a:noFill/>
                 </a:ln>
@@ -14461,7 +14490,7 @@
               <a:t>{</a:t>
             </a:r>
             <a:br>
-              <a:rPr kumimoji="0" lang="de-DE" altLang="de-DE" sz="2400" b="0" i="0" u="none" strike="noStrike" cap="none" normalizeH="0" baseline="0" dirty="0" smtClean="0">
+              <a:rPr kumimoji="0" lang="de-DE" altLang="de-DE" sz="2400" b="0" i="0" u="none" strike="noStrike" cap="none" normalizeH="0" baseline="0" dirty="0">
                 <a:ln>
                   <a:noFill/>
                 </a:ln>
@@ -14473,7 +14502,7 @@
               </a:rPr>
             </a:br>
             <a:r>
-              <a:rPr kumimoji="0" lang="de-DE" altLang="de-DE" sz="2400" b="0" i="0" u="none" strike="noStrike" cap="none" normalizeH="0" baseline="0" dirty="0" smtClean="0">
+              <a:rPr kumimoji="0" lang="de-DE" altLang="de-DE" sz="2400" b="0" i="0" u="none" strike="noStrike" cap="none" normalizeH="0" baseline="0" dirty="0">
                 <a:ln>
                   <a:noFill/>
                 </a:ln>
@@ -14486,7 +14515,7 @@
               <a:t>  </a:t>
             </a:r>
             <a:r>
-              <a:rPr kumimoji="0" lang="de-DE" altLang="de-DE" sz="2400" b="0" i="0" u="none" strike="noStrike" cap="none" normalizeH="0" baseline="0" dirty="0" err="1" smtClean="0">
+              <a:rPr kumimoji="0" lang="de-DE" altLang="de-DE" sz="2400" b="0" i="0" u="none" strike="noStrike" cap="none" normalizeH="0" baseline="0" dirty="0" err="1">
                 <a:ln>
                   <a:noFill/>
                 </a:ln>
@@ -14499,7 +14528,7 @@
               <a:t>bucket</a:t>
             </a:r>
             <a:r>
-              <a:rPr kumimoji="0" lang="de-DE" altLang="de-DE" sz="2400" b="0" i="0" u="none" strike="noStrike" cap="none" normalizeH="0" baseline="0" dirty="0" smtClean="0">
+              <a:rPr kumimoji="0" lang="de-DE" altLang="de-DE" sz="2400" b="0" i="0" u="none" strike="noStrike" cap="none" normalizeH="0" baseline="0" dirty="0">
                 <a:ln>
                   <a:noFill/>
                 </a:ln>
@@ -14512,7 +14541,7 @@
               <a:t> </a:t>
             </a:r>
             <a:r>
-              <a:rPr kumimoji="0" lang="de-DE" altLang="de-DE" sz="2400" b="0" i="0" u="none" strike="noStrike" cap="none" normalizeH="0" baseline="0" dirty="0" smtClean="0">
+              <a:rPr kumimoji="0" lang="de-DE" altLang="de-DE" sz="2400" b="0" i="0" u="none" strike="noStrike" cap="none" normalizeH="0" baseline="0" dirty="0">
                 <a:ln>
                   <a:noFill/>
                 </a:ln>
@@ -14525,7 +14554,7 @@
               <a:t>= </a:t>
             </a:r>
             <a:r>
-              <a:rPr kumimoji="0" lang="de-DE" altLang="de-DE" sz="2400" b="0" i="0" u="none" strike="noStrike" cap="none" normalizeH="0" baseline="0" dirty="0" smtClean="0">
+              <a:rPr kumimoji="0" lang="de-DE" altLang="de-DE" sz="2400" b="0" i="0" u="none" strike="noStrike" cap="none" normalizeH="0" baseline="0" dirty="0">
                 <a:ln>
                   <a:noFill/>
                 </a:ln>
@@ -14538,7 +14567,7 @@
               <a:t>"my-s3-bucket"</a:t>
             </a:r>
             <a:br>
-              <a:rPr kumimoji="0" lang="de-DE" altLang="de-DE" sz="2400" b="0" i="0" u="none" strike="noStrike" cap="none" normalizeH="0" baseline="0" dirty="0" smtClean="0">
+              <a:rPr kumimoji="0" lang="de-DE" altLang="de-DE" sz="2400" b="0" i="0" u="none" strike="noStrike" cap="none" normalizeH="0" baseline="0" dirty="0">
                 <a:ln>
                   <a:noFill/>
                 </a:ln>
@@ -14550,7 +14579,7 @@
               </a:rPr>
             </a:br>
             <a:r>
-              <a:rPr kumimoji="0" lang="de-DE" altLang="de-DE" sz="2400" b="0" i="0" u="none" strike="noStrike" cap="none" normalizeH="0" baseline="0" dirty="0" smtClean="0">
+              <a:rPr kumimoji="0" lang="de-DE" altLang="de-DE" sz="2400" b="0" i="0" u="none" strike="noStrike" cap="none" normalizeH="0" baseline="0" dirty="0">
                 <a:ln>
                   <a:noFill/>
                 </a:ln>
@@ -14580,7 +14609,7 @@
               <a:buNone/>
               <a:tabLst/>
             </a:pPr>
-            <a:endParaRPr kumimoji="0" lang="de-DE" altLang="de-DE" sz="1000" b="0" i="0" u="none" strike="noStrike" cap="none" normalizeH="0" baseline="0" dirty="0" smtClean="0">
+            <a:endParaRPr kumimoji="0" lang="de-DE" altLang="de-DE" sz="1000" b="0" i="0" u="none" strike="noStrike" cap="none" normalizeH="0" baseline="0" dirty="0">
               <a:ln>
                 <a:noFill/>
               </a:ln>
@@ -14616,7 +14645,7 @@
           <a:lstStyle/>
           <a:p>
             <a:r>
-              <a:rPr lang="de-DE" sz="2400" b="1" dirty="0" smtClean="0"/>
+              <a:rPr lang="de-DE" sz="2400" b="1" dirty="0"/>
               <a:t>Typ</a:t>
             </a:r>
             <a:endParaRPr lang="de-DE" b="1" dirty="0"/>
@@ -14675,10 +14704,9 @@
           <a:lstStyle/>
           <a:p>
             <a:r>
-              <a:rPr lang="de-DE" sz="2400" b="1" dirty="0" smtClean="0"/>
+              <a:rPr lang="de-DE" sz="2400" b="1" dirty="0"/>
               <a:t>Argument</a:t>
             </a:r>
-            <a:endParaRPr lang="de-DE" sz="2400" b="1" dirty="0"/>
           </a:p>
         </p:txBody>
       </p:sp>
@@ -14822,7 +14850,7 @@
           <a:lstStyle/>
           <a:p>
             <a:r>
-              <a:rPr lang="de-DE" sz="2400" b="1" dirty="0" smtClean="0"/>
+              <a:rPr lang="de-DE" sz="2400" b="1" dirty="0"/>
               <a:t>Schlüsselwort</a:t>
             </a:r>
             <a:endParaRPr lang="de-DE" b="1" dirty="0"/>
@@ -14878,13 +14906,6 @@
   <p:clrMapOvr>
     <a:masterClrMapping/>
   </p:clrMapOvr>
-  <p:timing>
-    <p:tnLst>
-      <p:par>
-        <p:cTn id="1" dur="indefinite" restart="never" nodeType="tmRoot"/>
-      </p:par>
-    </p:tnLst>
-  </p:timing>
 </p:sld>
 </file>
 
@@ -14921,10 +14942,9 @@
           <a:lstStyle/>
           <a:p>
             <a:r>
-              <a:rPr lang="de-DE" dirty="0" smtClean="0"/>
+              <a:rPr lang="de-DE" dirty="0"/>
               <a:t>Argumente</a:t>
             </a:r>
-            <a:endParaRPr lang="de-DE" dirty="0"/>
           </a:p>
         </p:txBody>
       </p:sp>
@@ -14948,7 +14968,7 @@
               <a:buChar char="-"/>
             </a:pPr>
             <a:r>
-              <a:rPr lang="de-DE" dirty="0" smtClean="0"/>
+              <a:rPr lang="de-DE" dirty="0"/>
               <a:t>Alle Ressourcen lassen sich über die Angabe von (teils optionalen) Argumenten konfigurieren</a:t>
             </a:r>
           </a:p>
@@ -14958,7 +14978,7 @@
               <a:buChar char="-"/>
             </a:pPr>
             <a:r>
-              <a:rPr lang="de-DE" dirty="0" smtClean="0"/>
+              <a:rPr lang="de-DE" dirty="0"/>
               <a:t>Die verfügbaren Argumente sind abhängig vom Ressource-Typ</a:t>
             </a:r>
           </a:p>
@@ -14968,11 +14988,11 @@
               <a:buChar char="-"/>
             </a:pPr>
             <a:r>
-              <a:rPr lang="de-DE" dirty="0" smtClean="0"/>
+              <a:rPr lang="de-DE" dirty="0"/>
               <a:t>Für Ressourcen der offiziellen Provider gibt es eine ausführliche Dokumentation in der </a:t>
             </a:r>
             <a:r>
-              <a:rPr lang="de-DE" dirty="0" err="1" smtClean="0"/>
+              <a:rPr lang="de-DE" dirty="0" err="1"/>
               <a:t>HashiCorp</a:t>
             </a:r>
             <a:r>
@@ -14983,29 +15003,23 @@
               <a:rPr lang="de-DE" dirty="0">
                 <a:hlinkClick r:id="rId2"/>
               </a:rPr>
-              <a:t>https://</a:t>
-            </a:r>
-            <a:r>
-              <a:rPr lang="de-DE" dirty="0" smtClean="0">
-                <a:hlinkClick r:id="rId2"/>
-              </a:rPr>
-              <a:t>registry.terraform.io/browse/providers</a:t>
-            </a:r>
-            <a:endParaRPr lang="de-DE" dirty="0" smtClean="0"/>
+              <a:t>https://registry.terraform.io/browse/providers</a:t>
+            </a:r>
+            <a:endParaRPr lang="de-DE" dirty="0"/>
           </a:p>
           <a:p>
             <a:pPr>
               <a:buFontTx/>
               <a:buChar char="-"/>
             </a:pPr>
-            <a:endParaRPr lang="de-DE" dirty="0" smtClean="0"/>
+            <a:endParaRPr lang="de-DE" dirty="0"/>
           </a:p>
           <a:p>
             <a:pPr marL="0" indent="0">
               <a:buNone/>
             </a:pPr>
             <a:r>
-              <a:rPr lang="de-DE" dirty="0" smtClean="0"/>
+              <a:rPr lang="de-DE" dirty="0"/>
               <a:t>  </a:t>
             </a:r>
           </a:p>
@@ -15021,13 +15035,6 @@
   <p:clrMapOvr>
     <a:masterClrMapping/>
   </p:clrMapOvr>
-  <p:timing>
-    <p:tnLst>
-      <p:par>
-        <p:cTn id="1" dur="indefinite" restart="never" nodeType="tmRoot"/>
-      </p:par>
-    </p:tnLst>
-  </p:timing>
 </p:sld>
 </file>
 
@@ -15064,10 +15071,9 @@
           <a:lstStyle/>
           <a:p>
             <a:r>
-              <a:rPr lang="de-DE" dirty="0" smtClean="0"/>
+              <a:rPr lang="de-DE" dirty="0"/>
               <a:t>Meta-Argumente</a:t>
             </a:r>
-            <a:endParaRPr lang="de-DE" dirty="0"/>
           </a:p>
         </p:txBody>
       </p:sp>
@@ -15090,7 +15096,7 @@
               <a:buNone/>
             </a:pPr>
             <a:r>
-              <a:rPr lang="de-DE" dirty="0" smtClean="0"/>
+              <a:rPr lang="de-DE" dirty="0"/>
               <a:t>- Meta-Argumente sind Argumente, welche unabhängig vom Ressource-Typ angegeben werden können  </a:t>
             </a:r>
           </a:p>
@@ -15119,7 +15125,7 @@
           <a:lstStyle/>
           <a:p>
             <a:r>
-              <a:rPr lang="de-DE" sz="2800" b="1" dirty="0" err="1" smtClean="0"/>
+              <a:rPr lang="de-DE" sz="2800" b="1" dirty="0" err="1"/>
               <a:t>count</a:t>
             </a:r>
             <a:endParaRPr lang="de-DE" b="1" dirty="0"/>
@@ -15150,11 +15156,7 @@
           <a:p>
             <a:r>
               <a:rPr lang="de-DE" sz="2800" b="1" dirty="0" err="1"/>
-              <a:t>d</a:t>
-            </a:r>
-            <a:r>
-              <a:rPr lang="de-DE" sz="2800" b="1" dirty="0" err="1" smtClean="0"/>
-              <a:t>epends_on</a:t>
+              <a:t>depends_on</a:t>
             </a:r>
             <a:endParaRPr lang="de-DE" b="1" dirty="0"/>
           </a:p>
@@ -15183,7 +15185,7 @@
           <a:lstStyle/>
           <a:p>
             <a:r>
-              <a:rPr lang="de-DE" sz="2800" b="1" dirty="0" err="1" smtClean="0"/>
+              <a:rPr lang="de-DE" sz="2800" b="1" dirty="0" err="1"/>
               <a:t>for_each</a:t>
             </a:r>
             <a:endParaRPr lang="de-DE" b="1" dirty="0"/>
@@ -15213,7 +15215,7 @@
           <a:lstStyle/>
           <a:p>
             <a:r>
-              <a:rPr lang="de-DE" sz="2800" b="1" dirty="0" err="1" smtClean="0"/>
+              <a:rPr lang="de-DE" sz="2800" b="1" dirty="0" err="1"/>
               <a:t>lifecycle</a:t>
             </a:r>
             <a:endParaRPr lang="de-DE" b="1" dirty="0"/>
@@ -15243,7 +15245,7 @@
           <a:lstStyle/>
           <a:p>
             <a:r>
-              <a:rPr lang="de-DE" sz="2800" b="1" dirty="0" err="1" smtClean="0"/>
+              <a:rPr lang="de-DE" sz="2800" b="1" dirty="0" err="1"/>
               <a:t>provider</a:t>
             </a:r>
             <a:endParaRPr lang="de-DE" b="1" dirty="0"/>
@@ -15260,13 +15262,6 @@
   <p:clrMapOvr>
     <a:masterClrMapping/>
   </p:clrMapOvr>
-  <p:timing>
-    <p:tnLst>
-      <p:par>
-        <p:cTn id="1" dur="indefinite" restart="never" nodeType="tmRoot"/>
-      </p:par>
-    </p:tnLst>
-  </p:timing>
 </p:sld>
 </file>
 
@@ -15303,11 +15298,11 @@
           <a:lstStyle/>
           <a:p>
             <a:r>
-              <a:rPr lang="de-DE" dirty="0" smtClean="0"/>
+              <a:rPr lang="de-DE" dirty="0"/>
               <a:t>Meta-Argument - </a:t>
             </a:r>
             <a:r>
-              <a:rPr lang="de-DE" dirty="0" err="1" smtClean="0"/>
+              <a:rPr lang="de-DE" dirty="0" err="1"/>
               <a:t>count</a:t>
             </a:r>
             <a:endParaRPr lang="de-DE" dirty="0"/>
@@ -15384,7 +15379,7 @@
               <a:buNone/>
               <a:tabLst/>
             </a:pPr>
-            <a:endParaRPr kumimoji="0" lang="de-DE" altLang="de-DE" sz="800" b="0" i="1" u="none" strike="noStrike" cap="none" normalizeH="0" baseline="0" dirty="0" smtClean="0">
+            <a:endParaRPr kumimoji="0" lang="de-DE" altLang="de-DE" sz="800" b="0" i="1" u="none" strike="noStrike" cap="none" normalizeH="0" baseline="0" dirty="0">
               <a:ln>
                 <a:noFill/>
               </a:ln>
@@ -15413,7 +15408,7 @@
               <a:tabLst/>
             </a:pPr>
             <a:r>
-              <a:rPr kumimoji="0" lang="de-DE" altLang="de-DE" sz="2400" b="0" i="1" u="none" strike="noStrike" cap="none" normalizeH="0" baseline="0" dirty="0" err="1" smtClean="0">
+              <a:rPr kumimoji="0" lang="de-DE" altLang="de-DE" sz="2400" b="0" i="1" u="none" strike="noStrike" cap="none" normalizeH="0" baseline="0" dirty="0" err="1">
                 <a:ln>
                   <a:noFill/>
                 </a:ln>
@@ -15426,7 +15421,7 @@
               <a:t>resource</a:t>
             </a:r>
             <a:r>
-              <a:rPr kumimoji="0" lang="de-DE" altLang="de-DE" sz="2400" b="0" i="1" u="none" strike="noStrike" cap="none" normalizeH="0" baseline="0" dirty="0" smtClean="0">
+              <a:rPr kumimoji="0" lang="de-DE" altLang="de-DE" sz="2400" b="0" i="1" u="none" strike="noStrike" cap="none" normalizeH="0" baseline="0" dirty="0">
                 <a:ln>
                   <a:noFill/>
                 </a:ln>
@@ -15439,7 +15434,7 @@
               <a:t> </a:t>
             </a:r>
             <a:r>
-              <a:rPr kumimoji="0" lang="de-DE" altLang="de-DE" sz="2400" b="0" i="0" u="none" strike="noStrike" cap="none" normalizeH="0" baseline="0" dirty="0" smtClean="0">
+              <a:rPr kumimoji="0" lang="de-DE" altLang="de-DE" sz="2400" b="0" i="0" u="none" strike="noStrike" cap="none" normalizeH="0" baseline="0" dirty="0">
                 <a:ln>
                   <a:noFill/>
                 </a:ln>
@@ -15452,7 +15447,7 @@
               <a:t>"aws_s3_bucket" "</a:t>
             </a:r>
             <a:r>
-              <a:rPr kumimoji="0" lang="de-DE" altLang="de-DE" sz="2400" b="0" i="0" u="none" strike="noStrike" cap="none" normalizeH="0" baseline="0" dirty="0" err="1" smtClean="0">
+              <a:rPr kumimoji="0" lang="de-DE" altLang="de-DE" sz="2400" b="0" i="0" u="none" strike="noStrike" cap="none" normalizeH="0" baseline="0" dirty="0" err="1">
                 <a:ln>
                   <a:noFill/>
                 </a:ln>
@@ -15465,7 +15460,7 @@
               <a:t>file_storage</a:t>
             </a:r>
             <a:r>
-              <a:rPr kumimoji="0" lang="de-DE" altLang="de-DE" sz="2400" b="0" i="0" u="none" strike="noStrike" cap="none" normalizeH="0" baseline="0" dirty="0" smtClean="0">
+              <a:rPr kumimoji="0" lang="de-DE" altLang="de-DE" sz="2400" b="0" i="0" u="none" strike="noStrike" cap="none" normalizeH="0" baseline="0" dirty="0">
                 <a:ln>
                   <a:noFill/>
                 </a:ln>
@@ -15478,7 +15473,7 @@
               <a:t>" </a:t>
             </a:r>
             <a:r>
-              <a:rPr kumimoji="0" lang="de-DE" altLang="de-DE" sz="2400" b="0" i="0" u="none" strike="noStrike" cap="none" normalizeH="0" baseline="0" dirty="0" smtClean="0">
+              <a:rPr kumimoji="0" lang="de-DE" altLang="de-DE" sz="2400" b="0" i="0" u="none" strike="noStrike" cap="none" normalizeH="0" baseline="0" dirty="0">
                 <a:ln>
                   <a:noFill/>
                 </a:ln>
@@ -15491,7 +15486,7 @@
               <a:t>{</a:t>
             </a:r>
             <a:br>
-              <a:rPr kumimoji="0" lang="de-DE" altLang="de-DE" sz="2400" b="0" i="0" u="none" strike="noStrike" cap="none" normalizeH="0" baseline="0" dirty="0" smtClean="0">
+              <a:rPr kumimoji="0" lang="de-DE" altLang="de-DE" sz="2400" b="0" i="0" u="none" strike="noStrike" cap="none" normalizeH="0" baseline="0" dirty="0">
                 <a:ln>
                   <a:noFill/>
                 </a:ln>
@@ -15503,7 +15498,7 @@
               </a:rPr>
             </a:br>
             <a:r>
-              <a:rPr kumimoji="0" lang="de-DE" altLang="de-DE" sz="2400" b="0" i="0" u="none" strike="noStrike" cap="none" normalizeH="0" baseline="0" dirty="0" smtClean="0">
+              <a:rPr kumimoji="0" lang="de-DE" altLang="de-DE" sz="2400" b="0" i="0" u="none" strike="noStrike" cap="none" normalizeH="0" baseline="0" dirty="0">
                 <a:ln>
                   <a:noFill/>
                 </a:ln>
@@ -15516,7 +15511,7 @@
               <a:t>  </a:t>
             </a:r>
             <a:r>
-              <a:rPr kumimoji="0" lang="de-DE" altLang="de-DE" sz="2400" b="0" i="0" u="none" strike="noStrike" cap="none" normalizeH="0" baseline="0" dirty="0" err="1" smtClean="0">
+              <a:rPr kumimoji="0" lang="de-DE" altLang="de-DE" sz="2400" b="0" i="0" u="none" strike="noStrike" cap="none" normalizeH="0" baseline="0" dirty="0" err="1">
                 <a:ln>
                   <a:noFill/>
                 </a:ln>
@@ -15529,7 +15524,7 @@
               <a:t>count</a:t>
             </a:r>
             <a:r>
-              <a:rPr kumimoji="0" lang="de-DE" altLang="de-DE" sz="2400" b="0" i="0" u="none" strike="noStrike" cap="none" normalizeH="0" baseline="0" dirty="0" smtClean="0">
+              <a:rPr kumimoji="0" lang="de-DE" altLang="de-DE" sz="2400" b="0" i="0" u="none" strike="noStrike" cap="none" normalizeH="0" baseline="0" dirty="0">
                 <a:ln>
                   <a:noFill/>
                 </a:ln>
@@ -15542,7 +15537,7 @@
               <a:t> </a:t>
             </a:r>
             <a:r>
-              <a:rPr kumimoji="0" lang="de-DE" altLang="de-DE" sz="2400" b="0" i="0" u="none" strike="noStrike" cap="none" normalizeH="0" baseline="0" dirty="0" smtClean="0">
+              <a:rPr kumimoji="0" lang="de-DE" altLang="de-DE" sz="2400" b="0" i="0" u="none" strike="noStrike" cap="none" normalizeH="0" baseline="0" dirty="0">
                 <a:ln>
                   <a:noFill/>
                 </a:ln>
@@ -15555,7 +15550,7 @@
               <a:t>= </a:t>
             </a:r>
             <a:r>
-              <a:rPr kumimoji="0" lang="de-DE" altLang="de-DE" sz="2400" b="0" i="0" u="none" strike="noStrike" cap="none" normalizeH="0" baseline="0" dirty="0" smtClean="0">
+              <a:rPr kumimoji="0" lang="de-DE" altLang="de-DE" sz="2400" b="0" i="0" u="none" strike="noStrike" cap="none" normalizeH="0" baseline="0" dirty="0">
                 <a:ln>
                   <a:noFill/>
                 </a:ln>
@@ -15568,7 +15563,7 @@
               <a:t>3</a:t>
             </a:r>
             <a:br>
-              <a:rPr kumimoji="0" lang="de-DE" altLang="de-DE" sz="2400" b="0" i="0" u="none" strike="noStrike" cap="none" normalizeH="0" baseline="0" dirty="0" smtClean="0">
+              <a:rPr kumimoji="0" lang="de-DE" altLang="de-DE" sz="2400" b="0" i="0" u="none" strike="noStrike" cap="none" normalizeH="0" baseline="0" dirty="0">
                 <a:ln>
                   <a:noFill/>
                 </a:ln>
@@ -15580,7 +15575,7 @@
               </a:rPr>
             </a:br>
             <a:r>
-              <a:rPr kumimoji="0" lang="de-DE" altLang="de-DE" sz="2400" b="0" i="0" u="none" strike="noStrike" cap="none" normalizeH="0" baseline="0" dirty="0" smtClean="0">
+              <a:rPr kumimoji="0" lang="de-DE" altLang="de-DE" sz="2400" b="0" i="0" u="none" strike="noStrike" cap="none" normalizeH="0" baseline="0" dirty="0">
                 <a:ln>
                   <a:noFill/>
                 </a:ln>
@@ -15593,7 +15588,7 @@
               <a:t>  </a:t>
             </a:r>
             <a:r>
-              <a:rPr kumimoji="0" lang="de-DE" altLang="de-DE" sz="2400" b="0" i="0" u="none" strike="noStrike" cap="none" normalizeH="0" baseline="0" dirty="0" err="1" smtClean="0">
+              <a:rPr kumimoji="0" lang="de-DE" altLang="de-DE" sz="2400" b="0" i="0" u="none" strike="noStrike" cap="none" normalizeH="0" baseline="0" dirty="0" err="1">
                 <a:ln>
                   <a:noFill/>
                 </a:ln>
@@ -15606,7 +15601,7 @@
               <a:t>bucket</a:t>
             </a:r>
             <a:r>
-              <a:rPr kumimoji="0" lang="de-DE" altLang="de-DE" sz="2400" b="0" i="0" u="none" strike="noStrike" cap="none" normalizeH="0" baseline="0" dirty="0" smtClean="0">
+              <a:rPr kumimoji="0" lang="de-DE" altLang="de-DE" sz="2400" b="0" i="0" u="none" strike="noStrike" cap="none" normalizeH="0" baseline="0" dirty="0">
                 <a:ln>
                   <a:noFill/>
                 </a:ln>
@@ -15619,7 +15614,7 @@
               <a:t> </a:t>
             </a:r>
             <a:r>
-              <a:rPr kumimoji="0" lang="de-DE" altLang="de-DE" sz="2400" b="0" i="0" u="none" strike="noStrike" cap="none" normalizeH="0" baseline="0" dirty="0" smtClean="0">
+              <a:rPr kumimoji="0" lang="de-DE" altLang="de-DE" sz="2400" b="0" i="0" u="none" strike="noStrike" cap="none" normalizeH="0" baseline="0" dirty="0">
                 <a:ln>
                   <a:noFill/>
                 </a:ln>
@@ -15632,7 +15627,7 @@
               <a:t>= </a:t>
             </a:r>
             <a:r>
-              <a:rPr kumimoji="0" lang="de-DE" altLang="de-DE" sz="2400" b="0" i="0" u="none" strike="noStrike" cap="none" normalizeH="0" baseline="0" dirty="0" smtClean="0">
+              <a:rPr kumimoji="0" lang="de-DE" altLang="de-DE" sz="2400" b="0" i="0" u="none" strike="noStrike" cap="none" normalizeH="0" baseline="0" dirty="0">
                 <a:ln>
                   <a:noFill/>
                 </a:ln>
@@ -15645,7 +15640,7 @@
               <a:t>"my-s3-bucket-${</a:t>
             </a:r>
             <a:r>
-              <a:rPr kumimoji="0" lang="de-DE" altLang="de-DE" sz="2400" b="0" i="0" u="none" strike="noStrike" cap="none" normalizeH="0" baseline="0" dirty="0" err="1" smtClean="0">
+              <a:rPr kumimoji="0" lang="de-DE" altLang="de-DE" sz="2400" b="0" i="0" u="none" strike="noStrike" cap="none" normalizeH="0" baseline="0" dirty="0" err="1">
                 <a:ln>
                   <a:noFill/>
                 </a:ln>
@@ -15658,7 +15653,7 @@
               <a:t>count.</a:t>
             </a:r>
             <a:r>
-              <a:rPr kumimoji="0" lang="de-DE" altLang="de-DE" sz="2400" b="0" i="0" u="none" strike="noStrike" cap="none" normalizeH="0" baseline="0" dirty="0" err="1" smtClean="0">
+              <a:rPr kumimoji="0" lang="de-DE" altLang="de-DE" sz="2400" b="0" i="0" u="none" strike="noStrike" cap="none" normalizeH="0" baseline="0" dirty="0" err="1">
                 <a:ln>
                   <a:noFill/>
                 </a:ln>
@@ -15671,7 +15666,7 @@
               <a:t>index</a:t>
             </a:r>
             <a:r>
-              <a:rPr kumimoji="0" lang="de-DE" altLang="de-DE" sz="2400" b="0" i="0" u="none" strike="noStrike" cap="none" normalizeH="0" baseline="0" dirty="0" smtClean="0">
+              <a:rPr kumimoji="0" lang="de-DE" altLang="de-DE" sz="2400" b="0" i="0" u="none" strike="noStrike" cap="none" normalizeH="0" baseline="0" dirty="0">
                 <a:ln>
                   <a:noFill/>
                 </a:ln>
@@ -15684,7 +15679,7 @@
               <a:t>}"</a:t>
             </a:r>
             <a:br>
-              <a:rPr kumimoji="0" lang="de-DE" altLang="de-DE" sz="2400" b="0" i="0" u="none" strike="noStrike" cap="none" normalizeH="0" baseline="0" dirty="0" smtClean="0">
+              <a:rPr kumimoji="0" lang="de-DE" altLang="de-DE" sz="2400" b="0" i="0" u="none" strike="noStrike" cap="none" normalizeH="0" baseline="0" dirty="0">
                 <a:ln>
                   <a:noFill/>
                 </a:ln>
@@ -15696,7 +15691,7 @@
               </a:rPr>
             </a:br>
             <a:r>
-              <a:rPr kumimoji="0" lang="de-DE" altLang="de-DE" sz="2400" b="0" i="0" u="none" strike="noStrike" cap="none" normalizeH="0" baseline="0" dirty="0" smtClean="0">
+              <a:rPr kumimoji="0" lang="de-DE" altLang="de-DE" sz="2400" b="0" i="0" u="none" strike="noStrike" cap="none" normalizeH="0" baseline="0" dirty="0">
                 <a:ln>
                   <a:noFill/>
                 </a:ln>
@@ -15726,7 +15721,7 @@
               <a:buNone/>
               <a:tabLst/>
             </a:pPr>
-            <a:endParaRPr kumimoji="0" lang="de-DE" altLang="de-DE" sz="800" b="0" i="0" u="none" strike="noStrike" cap="none" normalizeH="0" baseline="0" dirty="0" smtClean="0">
+            <a:endParaRPr kumimoji="0" lang="de-DE" altLang="de-DE" sz="800" b="0" i="0" u="none" strike="noStrike" cap="none" normalizeH="0" baseline="0" dirty="0">
               <a:ln>
                 <a:noFill/>
               </a:ln>
@@ -15764,15 +15759,15 @@
               <a:buChar char="-"/>
             </a:pPr>
             <a:r>
-              <a:rPr lang="de-DE" dirty="0" smtClean="0"/>
+              <a:rPr lang="de-DE" dirty="0"/>
               <a:t>Kann verwendet werden um mit einem </a:t>
             </a:r>
             <a:r>
-              <a:rPr lang="de-DE" dirty="0" err="1" smtClean="0"/>
+              <a:rPr lang="de-DE" dirty="0" err="1"/>
               <a:t>Resource</a:t>
             </a:r>
             <a:r>
-              <a:rPr lang="de-DE" dirty="0" smtClean="0"/>
+              <a:rPr lang="de-DE" dirty="0"/>
               <a:t>-Block n Ressourcen zu erzeugen</a:t>
             </a:r>
           </a:p>
@@ -15782,8 +15777,16 @@
               <a:buChar char="-"/>
             </a:pPr>
             <a:r>
-              <a:rPr lang="de-DE" dirty="0" smtClean="0"/>
-              <a:t>Kann auch das Ergebnis eines Ausdrucks zugewiesen bekommen, der Wert muss allerdings zum Zeitpunkt des Plan bereits bekannt sein</a:t>
+              <a:rPr lang="de-DE" dirty="0"/>
+              <a:t>Kann auch das Ergebnis eines Ausdrucks zugewiesen bekommen, der Wert muss allerdings zum Zeitpunkt des Aufrufs von </a:t>
+            </a:r>
+            <a:r>
+              <a:rPr lang="de-DE" dirty="0" err="1"/>
+              <a:t>terraform</a:t>
+            </a:r>
+            <a:r>
+              <a:rPr lang="de-DE" dirty="0"/>
+              <a:t> plan bereits bekannt sein</a:t>
             </a:r>
           </a:p>
         </p:txBody>
@@ -15798,13 +15801,6 @@
   <p:clrMapOvr>
     <a:masterClrMapping/>
   </p:clrMapOvr>
-  <p:timing>
-    <p:tnLst>
-      <p:par>
-        <p:cTn id="1" dur="indefinite" restart="never" nodeType="tmRoot"/>
-      </p:par>
-    </p:tnLst>
-  </p:timing>
 </p:sld>
 </file>
 
@@ -15841,11 +15837,11 @@
           <a:lstStyle/>
           <a:p>
             <a:r>
-              <a:rPr lang="de-DE" dirty="0" smtClean="0"/>
+              <a:rPr lang="de-DE" dirty="0"/>
               <a:t>Meta-Argument – </a:t>
             </a:r>
             <a:r>
-              <a:rPr lang="de-DE" dirty="0" err="1" smtClean="0"/>
+              <a:rPr lang="de-DE" dirty="0" err="1"/>
               <a:t>for_each</a:t>
             </a:r>
             <a:endParaRPr lang="de-DE" dirty="0"/>
@@ -15881,36 +15877,23 @@
             </a:r>
             <a:r>
               <a:rPr lang="de-DE" dirty="0"/>
-              <a:t>-Block </a:t>
-            </a:r>
-            <a:r>
-              <a:rPr lang="de-DE" dirty="0" smtClean="0"/>
-              <a:t>ein Ressource pro Element einer </a:t>
-            </a:r>
-            <a:r>
-              <a:rPr lang="de-DE" dirty="0" err="1" smtClean="0"/>
+              <a:t>-Block eine Ressource pro Element einer </a:t>
+            </a:r>
+            <a:r>
+              <a:rPr lang="de-DE" dirty="0" err="1"/>
               <a:t>Map</a:t>
             </a:r>
             <a:r>
-              <a:rPr lang="de-DE" dirty="0" smtClean="0"/>
-              <a:t> / eines Set </a:t>
-            </a:r>
-            <a:r>
               <a:rPr lang="de-DE" dirty="0"/>
-              <a:t>zu </a:t>
-            </a:r>
-            <a:r>
-              <a:rPr lang="de-DE" dirty="0" smtClean="0"/>
-              <a:t>erzeugen</a:t>
-            </a:r>
-            <a:endParaRPr lang="de-DE" dirty="0"/>
+              <a:t> / eines Set zu erzeugen</a:t>
+            </a:r>
           </a:p>
           <a:p>
             <a:pPr>
               <a:buFontTx/>
               <a:buChar char="-"/>
             </a:pPr>
-            <a:endParaRPr lang="de-DE" dirty="0" smtClean="0"/>
+            <a:endParaRPr lang="de-DE" dirty="0"/>
           </a:p>
         </p:txBody>
       </p:sp>
@@ -15985,7 +15968,7 @@
               <a:tabLst/>
             </a:pPr>
             <a:r>
-              <a:rPr kumimoji="0" lang="de-DE" altLang="de-DE" sz="2400" b="0" i="1" u="none" strike="noStrike" cap="none" normalizeH="0" baseline="0" dirty="0" err="1" smtClean="0">
+              <a:rPr kumimoji="0" lang="de-DE" altLang="de-DE" sz="2400" b="0" i="1" u="none" strike="noStrike" cap="none" normalizeH="0" baseline="0" dirty="0" err="1">
                 <a:ln>
                   <a:noFill/>
                 </a:ln>
@@ -15998,7 +15981,7 @@
               <a:t>resource</a:t>
             </a:r>
             <a:r>
-              <a:rPr kumimoji="0" lang="de-DE" altLang="de-DE" sz="2400" b="0" i="1" u="none" strike="noStrike" cap="none" normalizeH="0" baseline="0" dirty="0" smtClean="0">
+              <a:rPr kumimoji="0" lang="de-DE" altLang="de-DE" sz="2400" b="0" i="1" u="none" strike="noStrike" cap="none" normalizeH="0" baseline="0" dirty="0">
                 <a:ln>
                   <a:noFill/>
                 </a:ln>
@@ -16011,7 +15994,7 @@
               <a:t> </a:t>
             </a:r>
             <a:r>
-              <a:rPr kumimoji="0" lang="de-DE" altLang="de-DE" sz="2400" b="0" i="0" u="none" strike="noStrike" cap="none" normalizeH="0" baseline="0" dirty="0" smtClean="0">
+              <a:rPr kumimoji="0" lang="de-DE" altLang="de-DE" sz="2400" b="0" i="0" u="none" strike="noStrike" cap="none" normalizeH="0" baseline="0" dirty="0">
                 <a:ln>
                   <a:noFill/>
                 </a:ln>
@@ -16024,7 +16007,7 @@
               <a:t>"aws_s3_bucket" "</a:t>
             </a:r>
             <a:r>
-              <a:rPr kumimoji="0" lang="de-DE" altLang="de-DE" sz="2400" b="0" i="0" u="none" strike="noStrike" cap="none" normalizeH="0" baseline="0" dirty="0" err="1" smtClean="0">
+              <a:rPr kumimoji="0" lang="de-DE" altLang="de-DE" sz="2400" b="0" i="0" u="none" strike="noStrike" cap="none" normalizeH="0" baseline="0" dirty="0" err="1">
                 <a:ln>
                   <a:noFill/>
                 </a:ln>
@@ -16037,7 +16020,7 @@
               <a:t>file_storage</a:t>
             </a:r>
             <a:r>
-              <a:rPr kumimoji="0" lang="de-DE" altLang="de-DE" sz="2400" b="0" i="0" u="none" strike="noStrike" cap="none" normalizeH="0" baseline="0" dirty="0" smtClean="0">
+              <a:rPr kumimoji="0" lang="de-DE" altLang="de-DE" sz="2400" b="0" i="0" u="none" strike="noStrike" cap="none" normalizeH="0" baseline="0" dirty="0">
                 <a:ln>
                   <a:noFill/>
                 </a:ln>
@@ -16050,7 +16033,7 @@
               <a:t>" </a:t>
             </a:r>
             <a:r>
-              <a:rPr kumimoji="0" lang="de-DE" altLang="de-DE" sz="2400" b="0" i="0" u="none" strike="noStrike" cap="none" normalizeH="0" baseline="0" dirty="0" smtClean="0">
+              <a:rPr kumimoji="0" lang="de-DE" altLang="de-DE" sz="2400" b="0" i="0" u="none" strike="noStrike" cap="none" normalizeH="0" baseline="0" dirty="0">
                 <a:ln>
                   <a:noFill/>
                 </a:ln>
@@ -16063,7 +16046,7 @@
               <a:t>{</a:t>
             </a:r>
             <a:br>
-              <a:rPr kumimoji="0" lang="de-DE" altLang="de-DE" sz="2400" b="0" i="0" u="none" strike="noStrike" cap="none" normalizeH="0" baseline="0" dirty="0" smtClean="0">
+              <a:rPr kumimoji="0" lang="de-DE" altLang="de-DE" sz="2400" b="0" i="0" u="none" strike="noStrike" cap="none" normalizeH="0" baseline="0" dirty="0">
                 <a:ln>
                   <a:noFill/>
                 </a:ln>
@@ -16075,7 +16058,7 @@
               </a:rPr>
             </a:br>
             <a:r>
-              <a:rPr kumimoji="0" lang="de-DE" altLang="de-DE" sz="2400" b="0" i="0" u="none" strike="noStrike" cap="none" normalizeH="0" baseline="0" dirty="0" smtClean="0">
+              <a:rPr kumimoji="0" lang="de-DE" altLang="de-DE" sz="2400" b="0" i="0" u="none" strike="noStrike" cap="none" normalizeH="0" baseline="0" dirty="0">
                 <a:ln>
                   <a:noFill/>
                 </a:ln>
@@ -16088,7 +16071,7 @@
               <a:t>  </a:t>
             </a:r>
             <a:r>
-              <a:rPr kumimoji="0" lang="de-DE" altLang="de-DE" sz="2400" b="0" i="0" u="none" strike="noStrike" cap="none" normalizeH="0" baseline="0" dirty="0" err="1" smtClean="0">
+              <a:rPr kumimoji="0" lang="de-DE" altLang="de-DE" sz="2400" b="0" i="0" u="none" strike="noStrike" cap="none" normalizeH="0" baseline="0" dirty="0" err="1">
                 <a:ln>
                   <a:noFill/>
                 </a:ln>
@@ -16101,7 +16084,7 @@
               <a:t>for_each</a:t>
             </a:r>
             <a:r>
-              <a:rPr kumimoji="0" lang="de-DE" altLang="de-DE" sz="2400" b="0" i="0" u="none" strike="noStrike" cap="none" normalizeH="0" baseline="0" dirty="0" smtClean="0">
+              <a:rPr kumimoji="0" lang="de-DE" altLang="de-DE" sz="2400" b="0" i="0" u="none" strike="noStrike" cap="none" normalizeH="0" baseline="0" dirty="0">
                 <a:ln>
                   <a:noFill/>
                 </a:ln>
@@ -16114,7 +16097,7 @@
               <a:t> </a:t>
             </a:r>
             <a:r>
-              <a:rPr kumimoji="0" lang="de-DE" altLang="de-DE" sz="2400" b="0" i="0" u="none" strike="noStrike" cap="none" normalizeH="0" baseline="0" dirty="0" smtClean="0">
+              <a:rPr kumimoji="0" lang="de-DE" altLang="de-DE" sz="2400" b="0" i="0" u="none" strike="noStrike" cap="none" normalizeH="0" baseline="0" dirty="0">
                 <a:ln>
                   <a:noFill/>
                 </a:ln>
@@ -16127,7 +16110,7 @@
               <a:t>= toset( [</a:t>
             </a:r>
             <a:r>
-              <a:rPr kumimoji="0" lang="de-DE" altLang="de-DE" sz="2400" b="0" i="0" u="none" strike="noStrike" cap="none" normalizeH="0" baseline="0" dirty="0" smtClean="0">
+              <a:rPr kumimoji="0" lang="de-DE" altLang="de-DE" sz="2400" b="0" i="0" u="none" strike="noStrike" cap="none" normalizeH="0" baseline="0" dirty="0">
                 <a:ln>
                   <a:noFill/>
                 </a:ln>
@@ -16140,7 +16123,7 @@
               <a:t>"</a:t>
             </a:r>
             <a:r>
-              <a:rPr kumimoji="0" lang="de-DE" altLang="de-DE" sz="2400" b="0" i="0" u="none" strike="noStrike" cap="none" normalizeH="0" baseline="0" dirty="0" err="1" smtClean="0">
+              <a:rPr kumimoji="0" lang="de-DE" altLang="de-DE" sz="2400" b="0" i="0" u="none" strike="noStrike" cap="none" normalizeH="0" baseline="0" dirty="0" err="1">
                 <a:ln>
                   <a:noFill/>
                 </a:ln>
@@ -16153,7 +16136,7 @@
               <a:t>FirstBucket</a:t>
             </a:r>
             <a:r>
-              <a:rPr kumimoji="0" lang="de-DE" altLang="de-DE" sz="2400" b="0" i="0" u="none" strike="noStrike" cap="none" normalizeH="0" baseline="0" dirty="0" smtClean="0">
+              <a:rPr kumimoji="0" lang="de-DE" altLang="de-DE" sz="2400" b="0" i="0" u="none" strike="noStrike" cap="none" normalizeH="0" baseline="0" dirty="0">
                 <a:ln>
                   <a:noFill/>
                 </a:ln>
@@ -16166,7 +16149,7 @@
               <a:t>"</a:t>
             </a:r>
             <a:r>
-              <a:rPr kumimoji="0" lang="de-DE" altLang="de-DE" sz="2400" b="0" i="0" u="none" strike="noStrike" cap="none" normalizeH="0" baseline="0" dirty="0" smtClean="0">
+              <a:rPr kumimoji="0" lang="de-DE" altLang="de-DE" sz="2400" b="0" i="0" u="none" strike="noStrike" cap="none" normalizeH="0" baseline="0" dirty="0">
                 <a:ln>
                   <a:noFill/>
                 </a:ln>
@@ -16179,7 +16162,7 @@
               <a:t>, </a:t>
             </a:r>
             <a:r>
-              <a:rPr kumimoji="0" lang="de-DE" altLang="de-DE" sz="2400" b="0" i="0" u="none" strike="noStrike" cap="none" normalizeH="0" baseline="0" dirty="0" smtClean="0">
+              <a:rPr kumimoji="0" lang="de-DE" altLang="de-DE" sz="2400" b="0" i="0" u="none" strike="noStrike" cap="none" normalizeH="0" baseline="0" dirty="0">
                 <a:ln>
                   <a:noFill/>
                 </a:ln>
@@ -16192,7 +16175,7 @@
               <a:t>"</a:t>
             </a:r>
             <a:r>
-              <a:rPr kumimoji="0" lang="de-DE" altLang="de-DE" sz="2400" b="0" i="0" u="none" strike="noStrike" cap="none" normalizeH="0" baseline="0" dirty="0" err="1" smtClean="0">
+              <a:rPr kumimoji="0" lang="de-DE" altLang="de-DE" sz="2400" b="0" i="0" u="none" strike="noStrike" cap="none" normalizeH="0" baseline="0" dirty="0" err="1">
                 <a:ln>
                   <a:noFill/>
                 </a:ln>
@@ -16205,7 +16188,7 @@
               <a:t>SecondBucket</a:t>
             </a:r>
             <a:r>
-              <a:rPr kumimoji="0" lang="de-DE" altLang="de-DE" sz="2400" b="0" i="0" u="none" strike="noStrike" cap="none" normalizeH="0" baseline="0" dirty="0" smtClean="0">
+              <a:rPr kumimoji="0" lang="de-DE" altLang="de-DE" sz="2400" b="0" i="0" u="none" strike="noStrike" cap="none" normalizeH="0" baseline="0" dirty="0">
                 <a:ln>
                   <a:noFill/>
                 </a:ln>
@@ -16218,7 +16201,7 @@
               <a:t>"</a:t>
             </a:r>
             <a:r>
-              <a:rPr kumimoji="0" lang="de-DE" altLang="de-DE" sz="2400" b="0" i="0" u="none" strike="noStrike" cap="none" normalizeH="0" baseline="0" dirty="0" smtClean="0">
+              <a:rPr kumimoji="0" lang="de-DE" altLang="de-DE" sz="2400" b="0" i="0" u="none" strike="noStrike" cap="none" normalizeH="0" baseline="0" dirty="0">
                 <a:ln>
                   <a:noFill/>
                 </a:ln>
@@ -16231,7 +16214,7 @@
               <a:t>, </a:t>
             </a:r>
             <a:r>
-              <a:rPr kumimoji="0" lang="de-DE" altLang="de-DE" sz="2400" b="0" i="0" u="none" strike="noStrike" cap="none" normalizeH="0" baseline="0" dirty="0" smtClean="0">
+              <a:rPr kumimoji="0" lang="de-DE" altLang="de-DE" sz="2400" b="0" i="0" u="none" strike="noStrike" cap="none" normalizeH="0" baseline="0" dirty="0">
                 <a:ln>
                   <a:noFill/>
                 </a:ln>
@@ -16244,7 +16227,7 @@
               <a:t>"</a:t>
             </a:r>
             <a:r>
-              <a:rPr kumimoji="0" lang="de-DE" altLang="de-DE" sz="2400" b="0" i="0" u="none" strike="noStrike" cap="none" normalizeH="0" baseline="0" dirty="0" err="1" smtClean="0">
+              <a:rPr kumimoji="0" lang="de-DE" altLang="de-DE" sz="2400" b="0" i="0" u="none" strike="noStrike" cap="none" normalizeH="0" baseline="0" dirty="0" err="1">
                 <a:ln>
                   <a:noFill/>
                 </a:ln>
@@ -16257,7 +16240,7 @@
               <a:t>ThirdBucket</a:t>
             </a:r>
             <a:r>
-              <a:rPr kumimoji="0" lang="de-DE" altLang="de-DE" sz="2400" b="0" i="0" u="none" strike="noStrike" cap="none" normalizeH="0" baseline="0" dirty="0" smtClean="0">
+              <a:rPr kumimoji="0" lang="de-DE" altLang="de-DE" sz="2400" b="0" i="0" u="none" strike="noStrike" cap="none" normalizeH="0" baseline="0" dirty="0">
                 <a:ln>
                   <a:noFill/>
                 </a:ln>
@@ -16270,7 +16253,7 @@
               <a:t>"</a:t>
             </a:r>
             <a:r>
-              <a:rPr kumimoji="0" lang="de-DE" altLang="de-DE" sz="2400" b="0" i="0" u="none" strike="noStrike" cap="none" normalizeH="0" baseline="0" dirty="0" smtClean="0">
+              <a:rPr kumimoji="0" lang="de-DE" altLang="de-DE" sz="2400" b="0" i="0" u="none" strike="noStrike" cap="none" normalizeH="0" baseline="0" dirty="0">
                 <a:ln>
                   <a:noFill/>
                 </a:ln>
@@ -16283,7 +16266,7 @@
               <a:t>] )</a:t>
             </a:r>
             <a:br>
-              <a:rPr kumimoji="0" lang="de-DE" altLang="de-DE" sz="2400" b="0" i="0" u="none" strike="noStrike" cap="none" normalizeH="0" baseline="0" dirty="0" smtClean="0">
+              <a:rPr kumimoji="0" lang="de-DE" altLang="de-DE" sz="2400" b="0" i="0" u="none" strike="noStrike" cap="none" normalizeH="0" baseline="0" dirty="0">
                 <a:ln>
                   <a:noFill/>
                 </a:ln>
@@ -16295,7 +16278,7 @@
               </a:rPr>
             </a:br>
             <a:r>
-              <a:rPr kumimoji="0" lang="de-DE" altLang="de-DE" sz="2400" b="0" i="0" u="none" strike="noStrike" cap="none" normalizeH="0" baseline="0" dirty="0" smtClean="0">
+              <a:rPr kumimoji="0" lang="de-DE" altLang="de-DE" sz="2400" b="0" i="0" u="none" strike="noStrike" cap="none" normalizeH="0" baseline="0" dirty="0">
                 <a:ln>
                   <a:noFill/>
                 </a:ln>
@@ -16308,7 +16291,7 @@
               <a:t>  </a:t>
             </a:r>
             <a:r>
-              <a:rPr kumimoji="0" lang="de-DE" altLang="de-DE" sz="2400" b="0" i="0" u="none" strike="noStrike" cap="none" normalizeH="0" baseline="0" dirty="0" err="1" smtClean="0">
+              <a:rPr kumimoji="0" lang="de-DE" altLang="de-DE" sz="2400" b="0" i="0" u="none" strike="noStrike" cap="none" normalizeH="0" baseline="0" dirty="0" err="1">
                 <a:ln>
                   <a:noFill/>
                 </a:ln>
@@ -16321,7 +16304,7 @@
               <a:t>bucket</a:t>
             </a:r>
             <a:r>
-              <a:rPr kumimoji="0" lang="de-DE" altLang="de-DE" sz="2400" b="0" i="0" u="none" strike="noStrike" cap="none" normalizeH="0" baseline="0" dirty="0" smtClean="0">
+              <a:rPr kumimoji="0" lang="de-DE" altLang="de-DE" sz="2400" b="0" i="0" u="none" strike="noStrike" cap="none" normalizeH="0" baseline="0" dirty="0">
                 <a:ln>
                   <a:noFill/>
                 </a:ln>
@@ -16334,7 +16317,7 @@
               <a:t> </a:t>
             </a:r>
             <a:r>
-              <a:rPr kumimoji="0" lang="de-DE" altLang="de-DE" sz="2400" b="0" i="0" u="none" strike="noStrike" cap="none" normalizeH="0" baseline="0" dirty="0" smtClean="0">
+              <a:rPr kumimoji="0" lang="de-DE" altLang="de-DE" sz="2400" b="0" i="0" u="none" strike="noStrike" cap="none" normalizeH="0" baseline="0" dirty="0">
                 <a:ln>
                   <a:noFill/>
                 </a:ln>
@@ -16347,7 +16330,7 @@
               <a:t>= </a:t>
             </a:r>
             <a:r>
-              <a:rPr kumimoji="0" lang="de-DE" altLang="de-DE" sz="2400" b="0" i="0" u="none" strike="noStrike" cap="none" normalizeH="0" baseline="0" dirty="0" err="1" smtClean="0">
+              <a:rPr kumimoji="0" lang="de-DE" altLang="de-DE" sz="2400" b="0" i="0" u="none" strike="noStrike" cap="none" normalizeH="0" baseline="0" dirty="0" err="1">
                 <a:ln>
                   <a:noFill/>
                 </a:ln>
@@ -16360,7 +16343,7 @@
               <a:t>each</a:t>
             </a:r>
             <a:r>
-              <a:rPr kumimoji="0" lang="de-DE" altLang="de-DE" sz="2400" b="0" i="0" u="none" strike="noStrike" cap="none" normalizeH="0" baseline="0" dirty="0" err="1" smtClean="0">
+              <a:rPr kumimoji="0" lang="de-DE" altLang="de-DE" sz="2400" b="0" i="0" u="none" strike="noStrike" cap="none" normalizeH="0" baseline="0" dirty="0" err="1">
                 <a:ln>
                   <a:noFill/>
                 </a:ln>
@@ -16373,7 +16356,7 @@
               <a:t>.</a:t>
             </a:r>
             <a:r>
-              <a:rPr kumimoji="0" lang="de-DE" altLang="de-DE" sz="2400" b="0" i="0" u="none" strike="noStrike" cap="none" normalizeH="0" baseline="0" dirty="0" err="1" smtClean="0">
+              <a:rPr kumimoji="0" lang="de-DE" altLang="de-DE" sz="2400" b="0" i="0" u="none" strike="noStrike" cap="none" normalizeH="0" baseline="0" dirty="0" err="1">
                 <a:ln>
                   <a:noFill/>
                 </a:ln>
@@ -16385,8 +16368,8 @@
               </a:rPr>
               <a:t>key</a:t>
             </a:r>
-            <a:r>
-              <a:rPr kumimoji="0" lang="de-DE" altLang="de-DE" sz="2400" b="0" i="0" u="none" strike="noStrike" cap="none" normalizeH="0" baseline="0" dirty="0" smtClean="0">
+            <a:br>
+              <a:rPr kumimoji="0" lang="de-DE" altLang="de-DE" sz="2400" b="0" i="0" u="none" strike="noStrike" cap="none" normalizeH="0" baseline="0" dirty="0">
                 <a:ln>
                   <a:noFill/>
                 </a:ln>
@@ -16396,22 +16379,9 @@
                 <a:effectLst/>
                 <a:latin typeface="JetBrains Mono"/>
               </a:rPr>
-              <a:t/>
-            </a:r>
-            <a:br>
-              <a:rPr kumimoji="0" lang="de-DE" altLang="de-DE" sz="2400" b="0" i="0" u="none" strike="noStrike" cap="none" normalizeH="0" baseline="0" dirty="0" smtClean="0">
-                <a:ln>
-                  <a:noFill/>
-                </a:ln>
-                <a:solidFill>
-                  <a:srgbClr val="E5C07B"/>
-                </a:solidFill>
-                <a:effectLst/>
-                <a:latin typeface="JetBrains Mono"/>
-              </a:rPr>
             </a:br>
             <a:r>
-              <a:rPr kumimoji="0" lang="de-DE" altLang="de-DE" sz="2400" b="0" i="0" u="none" strike="noStrike" cap="none" normalizeH="0" baseline="0" dirty="0" smtClean="0">
+              <a:rPr kumimoji="0" lang="de-DE" altLang="de-DE" sz="2400" b="0" i="0" u="none" strike="noStrike" cap="none" normalizeH="0" baseline="0" dirty="0">
                 <a:ln>
                   <a:noFill/>
                 </a:ln>
@@ -16423,7 +16393,7 @@
               </a:rPr>
               <a:t>}</a:t>
             </a:r>
-            <a:endParaRPr kumimoji="0" lang="de-DE" altLang="de-DE" sz="4800" b="0" i="0" u="none" strike="noStrike" cap="none" normalizeH="0" baseline="0" dirty="0" smtClean="0">
+            <a:endParaRPr kumimoji="0" lang="de-DE" altLang="de-DE" sz="4800" b="0" i="0" u="none" strike="noStrike" cap="none" normalizeH="0" baseline="0" dirty="0">
               <a:ln>
                 <a:noFill/>
               </a:ln>
@@ -16446,13 +16416,6 @@
   <p:clrMapOvr>
     <a:masterClrMapping/>
   </p:clrMapOvr>
-  <p:timing>
-    <p:tnLst>
-      <p:par>
-        <p:cTn id="1" dur="indefinite" restart="never" nodeType="tmRoot"/>
-      </p:par>
-    </p:tnLst>
-  </p:timing>
 </p:sld>
 </file>
 
@@ -16489,18 +16452,17 @@
           <a:lstStyle/>
           <a:p>
             <a:r>
-              <a:rPr lang="de-DE" dirty="0" smtClean="0"/>
+              <a:rPr lang="de-DE" dirty="0"/>
               <a:t>Meta-Argument – </a:t>
             </a:r>
             <a:r>
-              <a:rPr lang="de-DE" dirty="0" err="1" smtClean="0"/>
+              <a:rPr lang="de-DE" dirty="0" err="1"/>
               <a:t>for_each</a:t>
             </a:r>
             <a:r>
-              <a:rPr lang="de-DE" dirty="0" smtClean="0"/>
+              <a:rPr lang="de-DE" dirty="0"/>
               <a:t> II</a:t>
             </a:r>
-            <a:endParaRPr lang="de-DE" dirty="0"/>
           </a:p>
         </p:txBody>
       </p:sp>
@@ -16575,7 +16537,7 @@
               <a:tabLst/>
             </a:pPr>
             <a:r>
-              <a:rPr kumimoji="0" lang="de-DE" altLang="de-DE" sz="2400" b="0" i="1" u="none" strike="noStrike" cap="none" normalizeH="0" baseline="0" dirty="0" err="1" smtClean="0">
+              <a:rPr kumimoji="0" lang="de-DE" altLang="de-DE" sz="2400" b="0" i="1" u="none" strike="noStrike" cap="none" normalizeH="0" baseline="0" dirty="0" err="1">
                 <a:ln>
                   <a:noFill/>
                 </a:ln>
@@ -16588,7 +16550,7 @@
               <a:t>resource</a:t>
             </a:r>
             <a:r>
-              <a:rPr kumimoji="0" lang="de-DE" altLang="de-DE" sz="2400" b="0" i="1" u="none" strike="noStrike" cap="none" normalizeH="0" baseline="0" dirty="0" smtClean="0">
+              <a:rPr kumimoji="0" lang="de-DE" altLang="de-DE" sz="2400" b="0" i="1" u="none" strike="noStrike" cap="none" normalizeH="0" baseline="0" dirty="0">
                 <a:ln>
                   <a:noFill/>
                 </a:ln>
@@ -16601,7 +16563,7 @@
               <a:t> </a:t>
             </a:r>
             <a:r>
-              <a:rPr kumimoji="0" lang="de-DE" altLang="de-DE" sz="2400" b="0" i="0" u="none" strike="noStrike" cap="none" normalizeH="0" baseline="0" dirty="0" smtClean="0">
+              <a:rPr kumimoji="0" lang="de-DE" altLang="de-DE" sz="2400" b="0" i="0" u="none" strike="noStrike" cap="none" normalizeH="0" baseline="0" dirty="0">
                 <a:ln>
                   <a:noFill/>
                 </a:ln>
@@ -16614,7 +16576,7 @@
               <a:t>"</a:t>
             </a:r>
             <a:r>
-              <a:rPr kumimoji="0" lang="de-DE" altLang="de-DE" sz="2400" b="0" i="0" u="none" strike="noStrike" cap="none" normalizeH="0" baseline="0" dirty="0" err="1" smtClean="0">
+              <a:rPr kumimoji="0" lang="de-DE" altLang="de-DE" sz="2400" b="0" i="0" u="none" strike="noStrike" cap="none" normalizeH="0" baseline="0" dirty="0" err="1">
                 <a:ln>
                   <a:noFill/>
                 </a:ln>
@@ -16627,7 +16589,7 @@
               <a:t>aws_iam_user</a:t>
             </a:r>
             <a:r>
-              <a:rPr kumimoji="0" lang="de-DE" altLang="de-DE" sz="2400" b="0" i="0" u="none" strike="noStrike" cap="none" normalizeH="0" baseline="0" dirty="0" smtClean="0">
+              <a:rPr kumimoji="0" lang="de-DE" altLang="de-DE" sz="2400" b="0" i="0" u="none" strike="noStrike" cap="none" normalizeH="0" baseline="0" dirty="0">
                 <a:ln>
                   <a:noFill/>
                 </a:ln>
@@ -16640,7 +16602,7 @@
               <a:t>" "</a:t>
             </a:r>
             <a:r>
-              <a:rPr kumimoji="0" lang="de-DE" altLang="de-DE" sz="2400" b="0" i="0" u="none" strike="noStrike" cap="none" normalizeH="0" baseline="0" dirty="0" err="1" smtClean="0">
+              <a:rPr kumimoji="0" lang="de-DE" altLang="de-DE" sz="2400" b="0" i="0" u="none" strike="noStrike" cap="none" normalizeH="0" baseline="0" dirty="0" err="1">
                 <a:ln>
                   <a:noFill/>
                 </a:ln>
@@ -16653,7 +16615,7 @@
               <a:t>demo_user</a:t>
             </a:r>
             <a:r>
-              <a:rPr kumimoji="0" lang="de-DE" altLang="de-DE" sz="2400" b="0" i="0" u="none" strike="noStrike" cap="none" normalizeH="0" baseline="0" dirty="0" smtClean="0">
+              <a:rPr kumimoji="0" lang="de-DE" altLang="de-DE" sz="2400" b="0" i="0" u="none" strike="noStrike" cap="none" normalizeH="0" baseline="0" dirty="0">
                 <a:ln>
                   <a:noFill/>
                 </a:ln>
@@ -16666,7 +16628,7 @@
               <a:t>" </a:t>
             </a:r>
             <a:r>
-              <a:rPr kumimoji="0" lang="de-DE" altLang="de-DE" sz="2400" b="0" i="0" u="none" strike="noStrike" cap="none" normalizeH="0" baseline="0" dirty="0" smtClean="0">
+              <a:rPr kumimoji="0" lang="de-DE" altLang="de-DE" sz="2400" b="0" i="0" u="none" strike="noStrike" cap="none" normalizeH="0" baseline="0" dirty="0">
                 <a:ln>
                   <a:noFill/>
                 </a:ln>
@@ -16679,7 +16641,7 @@
               <a:t>{</a:t>
             </a:r>
             <a:br>
-              <a:rPr kumimoji="0" lang="de-DE" altLang="de-DE" sz="2400" b="0" i="0" u="none" strike="noStrike" cap="none" normalizeH="0" baseline="0" dirty="0" smtClean="0">
+              <a:rPr kumimoji="0" lang="de-DE" altLang="de-DE" sz="2400" b="0" i="0" u="none" strike="noStrike" cap="none" normalizeH="0" baseline="0" dirty="0">
                 <a:ln>
                   <a:noFill/>
                 </a:ln>
@@ -16691,7 +16653,7 @@
               </a:rPr>
             </a:br>
             <a:r>
-              <a:rPr kumimoji="0" lang="de-DE" altLang="de-DE" sz="2400" b="0" i="0" u="none" strike="noStrike" cap="none" normalizeH="0" baseline="0" dirty="0" smtClean="0">
+              <a:rPr kumimoji="0" lang="de-DE" altLang="de-DE" sz="2400" b="0" i="0" u="none" strike="noStrike" cap="none" normalizeH="0" baseline="0" dirty="0">
                 <a:ln>
                   <a:noFill/>
                 </a:ln>
@@ -16704,7 +16666,7 @@
               <a:t>  </a:t>
             </a:r>
             <a:r>
-              <a:rPr kumimoji="0" lang="de-DE" altLang="de-DE" sz="2400" b="0" i="0" u="none" strike="noStrike" cap="none" normalizeH="0" baseline="0" dirty="0" err="1" smtClean="0">
+              <a:rPr kumimoji="0" lang="de-DE" altLang="de-DE" sz="2400" b="0" i="0" u="none" strike="noStrike" cap="none" normalizeH="0" baseline="0" dirty="0" err="1">
                 <a:ln>
                   <a:noFill/>
                 </a:ln>
@@ -16717,7 +16679,7 @@
               <a:t>for_each</a:t>
             </a:r>
             <a:r>
-              <a:rPr kumimoji="0" lang="de-DE" altLang="de-DE" sz="2400" b="0" i="0" u="none" strike="noStrike" cap="none" normalizeH="0" baseline="0" dirty="0" smtClean="0">
+              <a:rPr kumimoji="0" lang="de-DE" altLang="de-DE" sz="2400" b="0" i="0" u="none" strike="noStrike" cap="none" normalizeH="0" baseline="0" dirty="0">
                 <a:ln>
                   <a:noFill/>
                 </a:ln>
@@ -16730,7 +16692,7 @@
               <a:t> </a:t>
             </a:r>
             <a:r>
-              <a:rPr kumimoji="0" lang="de-DE" altLang="de-DE" sz="2400" b="0" i="0" u="none" strike="noStrike" cap="none" normalizeH="0" baseline="0" dirty="0" smtClean="0">
+              <a:rPr kumimoji="0" lang="de-DE" altLang="de-DE" sz="2400" b="0" i="0" u="none" strike="noStrike" cap="none" normalizeH="0" baseline="0" dirty="0">
                 <a:ln>
                   <a:noFill/>
                 </a:ln>
@@ -16743,7 +16705,7 @@
               <a:t>= </a:t>
             </a:r>
             <a:r>
-              <a:rPr kumimoji="0" lang="de-DE" altLang="de-DE" sz="2400" b="0" i="0" u="none" strike="noStrike" cap="none" normalizeH="0" baseline="0" dirty="0" err="1" smtClean="0">
+              <a:rPr kumimoji="0" lang="de-DE" altLang="de-DE" sz="2400" b="0" i="0" u="none" strike="noStrike" cap="none" normalizeH="0" baseline="0" dirty="0" err="1">
                 <a:ln>
                   <a:noFill/>
                 </a:ln>
@@ -16756,7 +16718,7 @@
               <a:t>tomap</a:t>
             </a:r>
             <a:r>
-              <a:rPr kumimoji="0" lang="de-DE" altLang="de-DE" sz="2400" b="0" i="0" u="none" strike="noStrike" cap="none" normalizeH="0" baseline="0" dirty="0" smtClean="0">
+              <a:rPr kumimoji="0" lang="de-DE" altLang="de-DE" sz="2400" b="0" i="0" u="none" strike="noStrike" cap="none" normalizeH="0" baseline="0" dirty="0">
                 <a:ln>
                   <a:noFill/>
                 </a:ln>
@@ -16769,7 +16731,7 @@
               <a:t>({</a:t>
             </a:r>
             <a:br>
-              <a:rPr kumimoji="0" lang="de-DE" altLang="de-DE" sz="2400" b="0" i="0" u="none" strike="noStrike" cap="none" normalizeH="0" baseline="0" dirty="0" smtClean="0">
+              <a:rPr kumimoji="0" lang="de-DE" altLang="de-DE" sz="2400" b="0" i="0" u="none" strike="noStrike" cap="none" normalizeH="0" baseline="0" dirty="0">
                 <a:ln>
                   <a:noFill/>
                 </a:ln>
@@ -16781,7 +16743,7 @@
               </a:rPr>
             </a:br>
             <a:r>
-              <a:rPr kumimoji="0" lang="de-DE" altLang="de-DE" sz="2400" b="0" i="0" u="none" strike="noStrike" cap="none" normalizeH="0" baseline="0" dirty="0" smtClean="0">
+              <a:rPr kumimoji="0" lang="de-DE" altLang="de-DE" sz="2400" b="0" i="0" u="none" strike="noStrike" cap="none" normalizeH="0" baseline="0" dirty="0">
                 <a:ln>
                   <a:noFill/>
                 </a:ln>
@@ -16794,7 +16756,7 @@
               <a:t>    </a:t>
             </a:r>
             <a:r>
-              <a:rPr kumimoji="0" lang="de-DE" altLang="de-DE" sz="2400" b="0" i="0" u="none" strike="noStrike" cap="none" normalizeH="0" baseline="0" dirty="0" smtClean="0">
+              <a:rPr kumimoji="0" lang="de-DE" altLang="de-DE" sz="2400" b="0" i="0" u="none" strike="noStrike" cap="none" normalizeH="0" baseline="0" dirty="0">
                 <a:ln>
                   <a:noFill/>
                 </a:ln>
@@ -16807,7 +16769,7 @@
               <a:t>"4711" </a:t>
             </a:r>
             <a:r>
-              <a:rPr kumimoji="0" lang="de-DE" altLang="de-DE" sz="2400" b="0" i="0" u="none" strike="noStrike" cap="none" normalizeH="0" baseline="0" dirty="0" smtClean="0">
+              <a:rPr kumimoji="0" lang="de-DE" altLang="de-DE" sz="2400" b="0" i="0" u="none" strike="noStrike" cap="none" normalizeH="0" baseline="0" dirty="0">
                 <a:ln>
                   <a:noFill/>
                 </a:ln>
@@ -16820,7 +16782,7 @@
               <a:t>= {</a:t>
             </a:r>
             <a:r>
-              <a:rPr kumimoji="0" lang="de-DE" altLang="de-DE" sz="2400" b="0" i="0" u="none" strike="noStrike" cap="none" normalizeH="0" baseline="0" dirty="0" err="1" smtClean="0">
+              <a:rPr kumimoji="0" lang="de-DE" altLang="de-DE" sz="2400" b="0" i="0" u="none" strike="noStrike" cap="none" normalizeH="0" baseline="0" dirty="0" err="1">
                 <a:ln>
                   <a:noFill/>
                 </a:ln>
@@ -16833,7 +16795,7 @@
               <a:t>name</a:t>
             </a:r>
             <a:r>
-              <a:rPr kumimoji="0" lang="de-DE" altLang="de-DE" sz="2400" b="0" i="0" u="none" strike="noStrike" cap="none" normalizeH="0" baseline="0" dirty="0" smtClean="0">
+              <a:rPr kumimoji="0" lang="de-DE" altLang="de-DE" sz="2400" b="0" i="0" u="none" strike="noStrike" cap="none" normalizeH="0" baseline="0" dirty="0">
                 <a:ln>
                   <a:noFill/>
                 </a:ln>
@@ -16846,7 +16808,7 @@
               <a:t> </a:t>
             </a:r>
             <a:r>
-              <a:rPr kumimoji="0" lang="de-DE" altLang="de-DE" sz="2400" b="0" i="0" u="none" strike="noStrike" cap="none" normalizeH="0" baseline="0" dirty="0" smtClean="0">
+              <a:rPr kumimoji="0" lang="de-DE" altLang="de-DE" sz="2400" b="0" i="0" u="none" strike="noStrike" cap="none" normalizeH="0" baseline="0" dirty="0">
                 <a:ln>
                   <a:noFill/>
                 </a:ln>
@@ -16859,7 +16821,7 @@
               <a:t>= </a:t>
             </a:r>
             <a:r>
-              <a:rPr kumimoji="0" lang="de-DE" altLang="de-DE" sz="2400" b="0" i="0" u="none" strike="noStrike" cap="none" normalizeH="0" baseline="0" dirty="0" smtClean="0">
+              <a:rPr kumimoji="0" lang="de-DE" altLang="de-DE" sz="2400" b="0" i="0" u="none" strike="noStrike" cap="none" normalizeH="0" baseline="0" dirty="0">
                 <a:ln>
                   <a:noFill/>
                 </a:ln>
@@ -16872,7 +16834,7 @@
               <a:t>"</a:t>
             </a:r>
             <a:r>
-              <a:rPr kumimoji="0" lang="de-DE" altLang="de-DE" sz="2400" b="0" i="0" u="none" strike="noStrike" cap="none" normalizeH="0" baseline="0" dirty="0" err="1" smtClean="0">
+              <a:rPr kumimoji="0" lang="de-DE" altLang="de-DE" sz="2400" b="0" i="0" u="none" strike="noStrike" cap="none" normalizeH="0" baseline="0" dirty="0" err="1">
                 <a:ln>
                   <a:noFill/>
                 </a:ln>
@@ -16885,7 +16847,7 @@
               <a:t>mustermann</a:t>
             </a:r>
             <a:r>
-              <a:rPr kumimoji="0" lang="de-DE" altLang="de-DE" sz="2400" b="0" i="0" u="none" strike="noStrike" cap="none" normalizeH="0" baseline="0" dirty="0" smtClean="0">
+              <a:rPr kumimoji="0" lang="de-DE" altLang="de-DE" sz="2400" b="0" i="0" u="none" strike="noStrike" cap="none" normalizeH="0" baseline="0" dirty="0">
                 <a:ln>
                   <a:noFill/>
                 </a:ln>
@@ -16898,7 +16860,7 @@
               <a:t>"</a:t>
             </a:r>
             <a:r>
-              <a:rPr kumimoji="0" lang="de-DE" altLang="de-DE" sz="2400" b="0" i="0" u="none" strike="noStrike" cap="none" normalizeH="0" baseline="0" dirty="0" smtClean="0">
+              <a:rPr kumimoji="0" lang="de-DE" altLang="de-DE" sz="2400" b="0" i="0" u="none" strike="noStrike" cap="none" normalizeH="0" baseline="0" dirty="0">
                 <a:ln>
                   <a:noFill/>
                 </a:ln>
@@ -16911,7 +16873,7 @@
               <a:t>,</a:t>
             </a:r>
             <a:r>
-              <a:rPr kumimoji="0" lang="de-DE" altLang="de-DE" sz="2400" b="0" i="0" u="none" strike="noStrike" cap="none" normalizeH="0" baseline="0" dirty="0" err="1" smtClean="0">
+              <a:rPr kumimoji="0" lang="de-DE" altLang="de-DE" sz="2400" b="0" i="0" u="none" strike="noStrike" cap="none" normalizeH="0" baseline="0" dirty="0" err="1">
                 <a:ln>
                   <a:noFill/>
                 </a:ln>
@@ -16924,7 +16886,7 @@
               <a:t>department</a:t>
             </a:r>
             <a:r>
-              <a:rPr kumimoji="0" lang="de-DE" altLang="de-DE" sz="2400" b="0" i="0" u="none" strike="noStrike" cap="none" normalizeH="0" baseline="0" dirty="0" smtClean="0">
+              <a:rPr kumimoji="0" lang="de-DE" altLang="de-DE" sz="2400" b="0" i="0" u="none" strike="noStrike" cap="none" normalizeH="0" baseline="0" dirty="0">
                 <a:ln>
                   <a:noFill/>
                 </a:ln>
@@ -16937,7 +16899,7 @@
               <a:t> </a:t>
             </a:r>
             <a:r>
-              <a:rPr kumimoji="0" lang="de-DE" altLang="de-DE" sz="2400" b="0" i="0" u="none" strike="noStrike" cap="none" normalizeH="0" baseline="0" dirty="0" smtClean="0">
+              <a:rPr kumimoji="0" lang="de-DE" altLang="de-DE" sz="2400" b="0" i="0" u="none" strike="noStrike" cap="none" normalizeH="0" baseline="0" dirty="0">
                 <a:ln>
                   <a:noFill/>
                 </a:ln>
@@ -16950,7 +16912,7 @@
               <a:t>= </a:t>
             </a:r>
             <a:r>
-              <a:rPr kumimoji="0" lang="de-DE" altLang="de-DE" sz="2400" b="0" i="0" u="none" strike="noStrike" cap="none" normalizeH="0" baseline="0" dirty="0" smtClean="0">
+              <a:rPr kumimoji="0" lang="de-DE" altLang="de-DE" sz="2400" b="0" i="0" u="none" strike="noStrike" cap="none" normalizeH="0" baseline="0" dirty="0">
                 <a:ln>
                   <a:noFill/>
                 </a:ln>
@@ -16963,7 +16925,7 @@
               <a:t>"demo1"</a:t>
             </a:r>
             <a:r>
-              <a:rPr kumimoji="0" lang="de-DE" altLang="de-DE" sz="2400" b="0" i="0" u="none" strike="noStrike" cap="none" normalizeH="0" baseline="0" dirty="0" smtClean="0">
+              <a:rPr kumimoji="0" lang="de-DE" altLang="de-DE" sz="2400" b="0" i="0" u="none" strike="noStrike" cap="none" normalizeH="0" baseline="0" dirty="0">
                 <a:ln>
                   <a:noFill/>
                 </a:ln>
@@ -16976,7 +16938,7 @@
               <a:t>},</a:t>
             </a:r>
             <a:br>
-              <a:rPr kumimoji="0" lang="de-DE" altLang="de-DE" sz="2400" b="0" i="0" u="none" strike="noStrike" cap="none" normalizeH="0" baseline="0" dirty="0" smtClean="0">
+              <a:rPr kumimoji="0" lang="de-DE" altLang="de-DE" sz="2400" b="0" i="0" u="none" strike="noStrike" cap="none" normalizeH="0" baseline="0" dirty="0">
                 <a:ln>
                   <a:noFill/>
                 </a:ln>
@@ -16988,7 +16950,7 @@
               </a:rPr>
             </a:br>
             <a:r>
-              <a:rPr kumimoji="0" lang="de-DE" altLang="de-DE" sz="2400" b="0" i="0" u="none" strike="noStrike" cap="none" normalizeH="0" baseline="0" dirty="0" smtClean="0">
+              <a:rPr kumimoji="0" lang="de-DE" altLang="de-DE" sz="2400" b="0" i="0" u="none" strike="noStrike" cap="none" normalizeH="0" baseline="0" dirty="0">
                 <a:ln>
                   <a:noFill/>
                 </a:ln>
@@ -17001,7 +16963,7 @@
               <a:t>    </a:t>
             </a:r>
             <a:r>
-              <a:rPr kumimoji="0" lang="de-DE" altLang="de-DE" sz="2400" b="0" i="0" u="none" strike="noStrike" cap="none" normalizeH="0" baseline="0" dirty="0" smtClean="0">
+              <a:rPr kumimoji="0" lang="de-DE" altLang="de-DE" sz="2400" b="0" i="0" u="none" strike="noStrike" cap="none" normalizeH="0" baseline="0" dirty="0">
                 <a:ln>
                   <a:noFill/>
                 </a:ln>
@@ -17014,7 +16976,7 @@
               <a:t>"0815" </a:t>
             </a:r>
             <a:r>
-              <a:rPr kumimoji="0" lang="de-DE" altLang="de-DE" sz="2400" b="0" i="0" u="none" strike="noStrike" cap="none" normalizeH="0" baseline="0" dirty="0" smtClean="0">
+              <a:rPr kumimoji="0" lang="de-DE" altLang="de-DE" sz="2400" b="0" i="0" u="none" strike="noStrike" cap="none" normalizeH="0" baseline="0" dirty="0">
                 <a:ln>
                   <a:noFill/>
                 </a:ln>
@@ -17027,7 +16989,7 @@
               <a:t>= {</a:t>
             </a:r>
             <a:r>
-              <a:rPr kumimoji="0" lang="de-DE" altLang="de-DE" sz="2400" b="0" i="0" u="none" strike="noStrike" cap="none" normalizeH="0" baseline="0" dirty="0" err="1" smtClean="0">
+              <a:rPr kumimoji="0" lang="de-DE" altLang="de-DE" sz="2400" b="0" i="0" u="none" strike="noStrike" cap="none" normalizeH="0" baseline="0" dirty="0" err="1">
                 <a:ln>
                   <a:noFill/>
                 </a:ln>
@@ -17040,7 +17002,7 @@
               <a:t>name</a:t>
             </a:r>
             <a:r>
-              <a:rPr kumimoji="0" lang="de-DE" altLang="de-DE" sz="2400" b="0" i="0" u="none" strike="noStrike" cap="none" normalizeH="0" baseline="0" dirty="0" smtClean="0">
+              <a:rPr kumimoji="0" lang="de-DE" altLang="de-DE" sz="2400" b="0" i="0" u="none" strike="noStrike" cap="none" normalizeH="0" baseline="0" dirty="0">
                 <a:ln>
                   <a:noFill/>
                 </a:ln>
@@ -17053,7 +17015,7 @@
               <a:t> </a:t>
             </a:r>
             <a:r>
-              <a:rPr kumimoji="0" lang="de-DE" altLang="de-DE" sz="2400" b="0" i="0" u="none" strike="noStrike" cap="none" normalizeH="0" baseline="0" dirty="0" smtClean="0">
+              <a:rPr kumimoji="0" lang="de-DE" altLang="de-DE" sz="2400" b="0" i="0" u="none" strike="noStrike" cap="none" normalizeH="0" baseline="0" dirty="0">
                 <a:ln>
                   <a:noFill/>
                 </a:ln>
@@ -17066,7 +17028,7 @@
               <a:t>= </a:t>
             </a:r>
             <a:r>
-              <a:rPr kumimoji="0" lang="de-DE" altLang="de-DE" sz="2400" b="0" i="0" u="none" strike="noStrike" cap="none" normalizeH="0" baseline="0" dirty="0" smtClean="0">
+              <a:rPr kumimoji="0" lang="de-DE" altLang="de-DE" sz="2400" b="0" i="0" u="none" strike="noStrike" cap="none" normalizeH="0" baseline="0" dirty="0">
                 <a:ln>
                   <a:noFill/>
                 </a:ln>
@@ -17079,7 +17041,7 @@
               <a:t>"</a:t>
             </a:r>
             <a:r>
-              <a:rPr kumimoji="0" lang="de-DE" altLang="de-DE" sz="2400" b="0" i="0" u="none" strike="noStrike" cap="none" normalizeH="0" baseline="0" dirty="0" err="1" smtClean="0">
+              <a:rPr kumimoji="0" lang="de-DE" altLang="de-DE" sz="2400" b="0" i="0" u="none" strike="noStrike" cap="none" normalizeH="0" baseline="0" dirty="0" err="1">
                 <a:ln>
                   <a:noFill/>
                 </a:ln>
@@ -17092,7 +17054,7 @@
               <a:t>doe</a:t>
             </a:r>
             <a:r>
-              <a:rPr kumimoji="0" lang="de-DE" altLang="de-DE" sz="2400" b="0" i="0" u="none" strike="noStrike" cap="none" normalizeH="0" baseline="0" dirty="0" smtClean="0">
+              <a:rPr kumimoji="0" lang="de-DE" altLang="de-DE" sz="2400" b="0" i="0" u="none" strike="noStrike" cap="none" normalizeH="0" baseline="0" dirty="0">
                 <a:ln>
                   <a:noFill/>
                 </a:ln>
@@ -17105,7 +17067,7 @@
               <a:t>"</a:t>
             </a:r>
             <a:r>
-              <a:rPr kumimoji="0" lang="de-DE" altLang="de-DE" sz="2400" b="0" i="0" u="none" strike="noStrike" cap="none" normalizeH="0" baseline="0" dirty="0" smtClean="0">
+              <a:rPr kumimoji="0" lang="de-DE" altLang="de-DE" sz="2400" b="0" i="0" u="none" strike="noStrike" cap="none" normalizeH="0" baseline="0" dirty="0">
                 <a:ln>
                   <a:noFill/>
                 </a:ln>
@@ -17118,7 +17080,7 @@
               <a:t>,</a:t>
             </a:r>
             <a:r>
-              <a:rPr kumimoji="0" lang="de-DE" altLang="de-DE" sz="2400" b="0" i="0" u="none" strike="noStrike" cap="none" normalizeH="0" baseline="0" dirty="0" err="1" smtClean="0">
+              <a:rPr kumimoji="0" lang="de-DE" altLang="de-DE" sz="2400" b="0" i="0" u="none" strike="noStrike" cap="none" normalizeH="0" baseline="0" dirty="0" err="1">
                 <a:ln>
                   <a:noFill/>
                 </a:ln>
@@ -17131,7 +17093,7 @@
               <a:t>department</a:t>
             </a:r>
             <a:r>
-              <a:rPr kumimoji="0" lang="de-DE" altLang="de-DE" sz="2400" b="0" i="0" u="none" strike="noStrike" cap="none" normalizeH="0" baseline="0" dirty="0" smtClean="0">
+              <a:rPr kumimoji="0" lang="de-DE" altLang="de-DE" sz="2400" b="0" i="0" u="none" strike="noStrike" cap="none" normalizeH="0" baseline="0" dirty="0">
                 <a:ln>
                   <a:noFill/>
                 </a:ln>
@@ -17144,7 +17106,7 @@
               <a:t> </a:t>
             </a:r>
             <a:r>
-              <a:rPr kumimoji="0" lang="de-DE" altLang="de-DE" sz="2400" b="0" i="0" u="none" strike="noStrike" cap="none" normalizeH="0" baseline="0" dirty="0" smtClean="0">
+              <a:rPr kumimoji="0" lang="de-DE" altLang="de-DE" sz="2400" b="0" i="0" u="none" strike="noStrike" cap="none" normalizeH="0" baseline="0" dirty="0">
                 <a:ln>
                   <a:noFill/>
                 </a:ln>
@@ -17157,7 +17119,7 @@
               <a:t>= </a:t>
             </a:r>
             <a:r>
-              <a:rPr kumimoji="0" lang="de-DE" altLang="de-DE" sz="2400" b="0" i="0" u="none" strike="noStrike" cap="none" normalizeH="0" baseline="0" dirty="0" smtClean="0">
+              <a:rPr kumimoji="0" lang="de-DE" altLang="de-DE" sz="2400" b="0" i="0" u="none" strike="noStrike" cap="none" normalizeH="0" baseline="0" dirty="0">
                 <a:ln>
                   <a:noFill/>
                 </a:ln>
@@ -17170,7 +17132,7 @@
               <a:t>"demo2"</a:t>
             </a:r>
             <a:r>
-              <a:rPr kumimoji="0" lang="de-DE" altLang="de-DE" sz="2400" b="0" i="0" u="none" strike="noStrike" cap="none" normalizeH="0" baseline="0" dirty="0" smtClean="0">
+              <a:rPr kumimoji="0" lang="de-DE" altLang="de-DE" sz="2400" b="0" i="0" u="none" strike="noStrike" cap="none" normalizeH="0" baseline="0" dirty="0">
                 <a:ln>
                   <a:noFill/>
                 </a:ln>
@@ -17207,32 +17169,489 @@
                 </a:solidFill>
                 <a:latin typeface="JetBrains Mono"/>
               </a:rPr>
+              <a:t>  </a:t>
+            </a:r>
+            <a:r>
+              <a:rPr kumimoji="0" lang="de-DE" altLang="de-DE" sz="2400" b="0" i="0" u="none" strike="noStrike" cap="none" normalizeH="0" baseline="0" dirty="0">
+                <a:ln>
+                  <a:noFill/>
+                </a:ln>
+                <a:solidFill>
+                  <a:srgbClr val="BBBBBB"/>
+                </a:solidFill>
+                <a:effectLst/>
+                <a:latin typeface="JetBrains Mono"/>
+              </a:rPr>
+              <a:t>})</a:t>
+            </a:r>
+            <a:br>
+              <a:rPr kumimoji="0" lang="de-DE" altLang="de-DE" sz="2400" b="0" i="0" u="none" strike="noStrike" cap="none" normalizeH="0" baseline="0" dirty="0">
+                <a:ln>
+                  <a:noFill/>
+                </a:ln>
+                <a:solidFill>
+                  <a:srgbClr val="BBBBBB"/>
+                </a:solidFill>
+                <a:effectLst/>
+                <a:latin typeface="JetBrains Mono"/>
+              </a:rPr>
+            </a:br>
+            <a:r>
+              <a:rPr kumimoji="0" lang="de-DE" altLang="de-DE" sz="2400" b="0" i="0" u="none" strike="noStrike" cap="none" normalizeH="0" baseline="0" dirty="0">
+                <a:ln>
+                  <a:noFill/>
+                </a:ln>
+                <a:solidFill>
+                  <a:srgbClr val="BBBBBB"/>
+                </a:solidFill>
+                <a:effectLst/>
+                <a:latin typeface="JetBrains Mono"/>
+              </a:rPr>
+              <a:t>  </a:t>
+            </a:r>
+            <a:r>
+              <a:rPr kumimoji="0" lang="de-DE" altLang="de-DE" sz="2400" b="0" i="0" u="none" strike="noStrike" cap="none" normalizeH="0" baseline="0" dirty="0" err="1">
+                <a:ln>
+                  <a:noFill/>
+                </a:ln>
+                <a:solidFill>
+                  <a:srgbClr val="EF596F"/>
+                </a:solidFill>
+                <a:effectLst/>
+                <a:latin typeface="JetBrains Mono"/>
+              </a:rPr>
+              <a:t>name</a:t>
+            </a:r>
+            <a:r>
+              <a:rPr kumimoji="0" lang="de-DE" altLang="de-DE" sz="2400" b="0" i="0" u="none" strike="noStrike" cap="none" normalizeH="0" baseline="0" dirty="0">
+                <a:ln>
+                  <a:noFill/>
+                </a:ln>
+                <a:solidFill>
+                  <a:srgbClr val="EF596F"/>
+                </a:solidFill>
+                <a:effectLst/>
+                <a:latin typeface="JetBrains Mono"/>
+              </a:rPr>
               <a:t> </a:t>
             </a:r>
             <a:r>
-              <a:rPr lang="de-DE" altLang="de-DE" sz="2400" dirty="0" smtClean="0">
-                <a:solidFill>
-                  <a:srgbClr val="BBBBBB"/>
-                </a:solidFill>
+              <a:rPr kumimoji="0" lang="de-DE" altLang="de-DE" sz="2400" b="0" i="0" u="none" strike="noStrike" cap="none" normalizeH="0" baseline="0" dirty="0">
+                <a:ln>
+                  <a:noFill/>
+                </a:ln>
+                <a:solidFill>
+                  <a:srgbClr val="BBBBBB"/>
+                </a:solidFill>
+                <a:effectLst/>
+                <a:latin typeface="JetBrains Mono"/>
+              </a:rPr>
+              <a:t>= </a:t>
+            </a:r>
+            <a:r>
+              <a:rPr kumimoji="0" lang="de-DE" altLang="de-DE" sz="2400" b="0" i="0" u="none" strike="noStrike" cap="none" normalizeH="0" baseline="0" dirty="0" err="1">
+                <a:ln>
+                  <a:noFill/>
+                </a:ln>
+                <a:solidFill>
+                  <a:srgbClr val="BBBBBB"/>
+                </a:solidFill>
+                <a:effectLst/>
+                <a:latin typeface="JetBrains Mono"/>
+              </a:rPr>
+              <a:t>join</a:t>
+            </a:r>
+            <a:r>
+              <a:rPr kumimoji="0" lang="de-DE" altLang="de-DE" sz="2400" b="0" i="0" u="none" strike="noStrike" cap="none" normalizeH="0" baseline="0" dirty="0">
+                <a:ln>
+                  <a:noFill/>
+                </a:ln>
+                <a:solidFill>
+                  <a:srgbClr val="BBBBBB"/>
+                </a:solidFill>
+                <a:effectLst/>
+                <a:latin typeface="JetBrains Mono"/>
+              </a:rPr>
+              <a:t>(</a:t>
+            </a:r>
+            <a:r>
+              <a:rPr kumimoji="0" lang="de-DE" altLang="de-DE" sz="2400" b="0" i="0" u="none" strike="noStrike" cap="none" normalizeH="0" baseline="0" dirty="0">
+                <a:ln>
+                  <a:noFill/>
+                </a:ln>
+                <a:solidFill>
+                  <a:srgbClr val="89CA78"/>
+                </a:solidFill>
+                <a:effectLst/>
+                <a:latin typeface="JetBrains Mono"/>
+              </a:rPr>
+              <a:t>"_"</a:t>
+            </a:r>
+            <a:r>
+              <a:rPr kumimoji="0" lang="de-DE" altLang="de-DE" sz="2400" b="0" i="0" u="none" strike="noStrike" cap="none" normalizeH="0" baseline="0" dirty="0">
+                <a:ln>
+                  <a:noFill/>
+                </a:ln>
+                <a:solidFill>
+                  <a:srgbClr val="BBBBBB"/>
+                </a:solidFill>
+                <a:effectLst/>
+                <a:latin typeface="JetBrains Mono"/>
+              </a:rPr>
+              <a:t>, </a:t>
+            </a:r>
+            <a:r>
+              <a:rPr kumimoji="0" lang="de-DE" altLang="de-DE" sz="2400" b="0" i="0" u="none" strike="noStrike" cap="none" normalizeH="0" baseline="0" dirty="0" err="1">
+                <a:ln>
+                  <a:noFill/>
+                </a:ln>
+                <a:solidFill>
+                  <a:srgbClr val="BBBBBB"/>
+                </a:solidFill>
+                <a:effectLst/>
+                <a:latin typeface="JetBrains Mono"/>
+              </a:rPr>
+              <a:t>tolist</a:t>
+            </a:r>
+            <a:r>
+              <a:rPr kumimoji="0" lang="de-DE" altLang="de-DE" sz="2400" b="0" i="0" u="none" strike="noStrike" cap="none" normalizeH="0" baseline="0" dirty="0">
+                <a:ln>
+                  <a:noFill/>
+                </a:ln>
+                <a:solidFill>
+                  <a:srgbClr val="BBBBBB"/>
+                </a:solidFill>
+                <a:effectLst/>
+                <a:latin typeface="JetBrains Mono"/>
+              </a:rPr>
+              <a:t>([</a:t>
+            </a:r>
+            <a:r>
+              <a:rPr kumimoji="0" lang="de-DE" altLang="de-DE" sz="2400" b="0" i="0" u="none" strike="noStrike" cap="none" normalizeH="0" baseline="0" dirty="0" err="1">
+                <a:ln>
+                  <a:noFill/>
+                </a:ln>
+                <a:solidFill>
+                  <a:srgbClr val="E5C07B"/>
+                </a:solidFill>
+                <a:effectLst/>
+                <a:latin typeface="JetBrains Mono"/>
+              </a:rPr>
+              <a:t>each</a:t>
+            </a:r>
+            <a:r>
+              <a:rPr kumimoji="0" lang="de-DE" altLang="de-DE" sz="2400" b="0" i="0" u="none" strike="noStrike" cap="none" normalizeH="0" baseline="0" dirty="0" err="1">
+                <a:ln>
+                  <a:noFill/>
+                </a:ln>
+                <a:solidFill>
+                  <a:srgbClr val="BBBBBB"/>
+                </a:solidFill>
+                <a:effectLst/>
+                <a:latin typeface="JetBrains Mono"/>
+              </a:rPr>
+              <a:t>.</a:t>
+            </a:r>
+            <a:r>
+              <a:rPr kumimoji="0" lang="de-DE" altLang="de-DE" sz="2400" b="0" i="0" u="none" strike="noStrike" cap="none" normalizeH="0" baseline="0" dirty="0" err="1">
+                <a:ln>
+                  <a:noFill/>
+                </a:ln>
+                <a:solidFill>
+                  <a:srgbClr val="E5C07B"/>
+                </a:solidFill>
+                <a:effectLst/>
+                <a:latin typeface="JetBrains Mono"/>
+              </a:rPr>
+              <a:t>key</a:t>
+            </a:r>
+            <a:r>
+              <a:rPr kumimoji="0" lang="de-DE" altLang="de-DE" sz="2400" b="0" i="0" u="none" strike="noStrike" cap="none" normalizeH="0" baseline="0" dirty="0">
+                <a:ln>
+                  <a:noFill/>
+                </a:ln>
+                <a:solidFill>
+                  <a:srgbClr val="BBBBBB"/>
+                </a:solidFill>
+                <a:effectLst/>
+                <a:latin typeface="JetBrains Mono"/>
+              </a:rPr>
+              <a:t>, </a:t>
+            </a:r>
+            <a:r>
+              <a:rPr kumimoji="0" lang="de-DE" altLang="de-DE" sz="2400" b="0" i="0" u="none" strike="noStrike" cap="none" normalizeH="0" baseline="0" dirty="0" err="1">
+                <a:ln>
+                  <a:noFill/>
+                </a:ln>
+                <a:solidFill>
+                  <a:srgbClr val="E5C07B"/>
+                </a:solidFill>
+                <a:effectLst/>
+                <a:latin typeface="JetBrains Mono"/>
+              </a:rPr>
+              <a:t>each</a:t>
+            </a:r>
+            <a:r>
+              <a:rPr kumimoji="0" lang="de-DE" altLang="de-DE" sz="2400" b="0" i="0" u="none" strike="noStrike" cap="none" normalizeH="0" baseline="0" dirty="0" err="1">
+                <a:ln>
+                  <a:noFill/>
+                </a:ln>
+                <a:solidFill>
+                  <a:srgbClr val="BBBBBB"/>
+                </a:solidFill>
+                <a:effectLst/>
+                <a:latin typeface="JetBrains Mono"/>
+              </a:rPr>
+              <a:t>.</a:t>
+            </a:r>
+            <a:r>
+              <a:rPr kumimoji="0" lang="de-DE" altLang="de-DE" sz="2400" b="0" i="0" u="none" strike="noStrike" cap="none" normalizeH="0" baseline="0" dirty="0" err="1">
+                <a:ln>
+                  <a:noFill/>
+                </a:ln>
+                <a:solidFill>
+                  <a:srgbClr val="E5C07B"/>
+                </a:solidFill>
+                <a:effectLst/>
+                <a:latin typeface="JetBrains Mono"/>
+              </a:rPr>
+              <a:t>value</a:t>
+            </a:r>
+            <a:r>
+              <a:rPr kumimoji="0" lang="de-DE" altLang="de-DE" sz="2400" b="0" i="0" u="none" strike="noStrike" cap="none" normalizeH="0" baseline="0" dirty="0">
+                <a:ln>
+                  <a:noFill/>
+                </a:ln>
+                <a:solidFill>
+                  <a:srgbClr val="BBBBBB"/>
+                </a:solidFill>
+                <a:effectLst/>
+                <a:latin typeface="JetBrains Mono"/>
+              </a:rPr>
+              <a:t>[</a:t>
+            </a:r>
+            <a:r>
+              <a:rPr kumimoji="0" lang="de-DE" altLang="de-DE" sz="2400" b="0" i="0" u="none" strike="noStrike" cap="none" normalizeH="0" baseline="0" dirty="0">
+                <a:ln>
+                  <a:noFill/>
+                </a:ln>
+                <a:solidFill>
+                  <a:srgbClr val="89CA78"/>
+                </a:solidFill>
+                <a:effectLst/>
+                <a:latin typeface="JetBrains Mono"/>
+              </a:rPr>
+              <a:t>"</a:t>
+            </a:r>
+            <a:r>
+              <a:rPr kumimoji="0" lang="de-DE" altLang="de-DE" sz="2400" b="0" i="0" u="none" strike="noStrike" cap="none" normalizeH="0" baseline="0" dirty="0" err="1">
+                <a:ln>
+                  <a:noFill/>
+                </a:ln>
+                <a:solidFill>
+                  <a:srgbClr val="89CA78"/>
+                </a:solidFill>
+                <a:effectLst/>
+                <a:latin typeface="JetBrains Mono"/>
+              </a:rPr>
+              <a:t>name</a:t>
+            </a:r>
+            <a:r>
+              <a:rPr kumimoji="0" lang="de-DE" altLang="de-DE" sz="2400" b="0" i="0" u="none" strike="noStrike" cap="none" normalizeH="0" baseline="0" dirty="0">
+                <a:ln>
+                  <a:noFill/>
+                </a:ln>
+                <a:solidFill>
+                  <a:srgbClr val="89CA78"/>
+                </a:solidFill>
+                <a:effectLst/>
+                <a:latin typeface="JetBrains Mono"/>
+              </a:rPr>
+              <a:t>"</a:t>
+            </a:r>
+            <a:r>
+              <a:rPr kumimoji="0" lang="de-DE" altLang="de-DE" sz="2400" b="0" i="0" u="none" strike="noStrike" cap="none" normalizeH="0" baseline="0" dirty="0">
+                <a:ln>
+                  <a:noFill/>
+                </a:ln>
+                <a:solidFill>
+                  <a:srgbClr val="BBBBBB"/>
+                </a:solidFill>
+                <a:effectLst/>
+                <a:latin typeface="JetBrains Mono"/>
+              </a:rPr>
+              <a:t>]]))</a:t>
+            </a:r>
+            <a:br>
+              <a:rPr kumimoji="0" lang="de-DE" altLang="de-DE" sz="2400" b="0" i="0" u="none" strike="noStrike" cap="none" normalizeH="0" baseline="0" dirty="0">
+                <a:ln>
+                  <a:noFill/>
+                </a:ln>
+                <a:solidFill>
+                  <a:srgbClr val="BBBBBB"/>
+                </a:solidFill>
+                <a:effectLst/>
+                <a:latin typeface="JetBrains Mono"/>
+              </a:rPr>
+            </a:br>
+            <a:r>
+              <a:rPr kumimoji="0" lang="de-DE" altLang="de-DE" sz="2400" b="0" i="0" u="none" strike="noStrike" cap="none" normalizeH="0" baseline="0" dirty="0">
+                <a:ln>
+                  <a:noFill/>
+                </a:ln>
+                <a:solidFill>
+                  <a:srgbClr val="BBBBBB"/>
+                </a:solidFill>
+                <a:effectLst/>
+                <a:latin typeface="JetBrains Mono"/>
+              </a:rPr>
+              <a:t>  </a:t>
+            </a:r>
+            <a:r>
+              <a:rPr kumimoji="0" lang="de-DE" altLang="de-DE" sz="2400" b="0" i="0" u="none" strike="noStrike" cap="none" normalizeH="0" baseline="0" dirty="0" err="1">
+                <a:ln>
+                  <a:noFill/>
+                </a:ln>
+                <a:solidFill>
+                  <a:srgbClr val="EF596F"/>
+                </a:solidFill>
+                <a:effectLst/>
+                <a:latin typeface="JetBrains Mono"/>
+              </a:rPr>
+              <a:t>path</a:t>
+            </a:r>
+            <a:r>
+              <a:rPr kumimoji="0" lang="de-DE" altLang="de-DE" sz="2400" b="0" i="0" u="none" strike="noStrike" cap="none" normalizeH="0" baseline="0" dirty="0">
+                <a:ln>
+                  <a:noFill/>
+                </a:ln>
+                <a:solidFill>
+                  <a:srgbClr val="EF596F"/>
+                </a:solidFill>
+                <a:effectLst/>
                 <a:latin typeface="JetBrains Mono"/>
               </a:rPr>
               <a:t> </a:t>
             </a:r>
             <a:r>
-              <a:rPr kumimoji="0" lang="de-DE" altLang="de-DE" sz="2400" b="0" i="0" u="none" strike="noStrike" cap="none" normalizeH="0" baseline="0" dirty="0" smtClean="0">
-                <a:ln>
-                  <a:noFill/>
-                </a:ln>
-                <a:solidFill>
-                  <a:srgbClr val="BBBBBB"/>
-                </a:solidFill>
-                <a:effectLst/>
-                <a:latin typeface="JetBrains Mono"/>
-              </a:rPr>
-              <a:t>})</a:t>
+              <a:rPr kumimoji="0" lang="de-DE" altLang="de-DE" sz="2400" b="0" i="0" u="none" strike="noStrike" cap="none" normalizeH="0" baseline="0" dirty="0">
+                <a:ln>
+                  <a:noFill/>
+                </a:ln>
+                <a:solidFill>
+                  <a:srgbClr val="BBBBBB"/>
+                </a:solidFill>
+                <a:effectLst/>
+                <a:latin typeface="JetBrains Mono"/>
+              </a:rPr>
+              <a:t>= </a:t>
+            </a:r>
+            <a:r>
+              <a:rPr kumimoji="0" lang="de-DE" altLang="de-DE" sz="2400" b="0" i="0" u="none" strike="noStrike" cap="none" normalizeH="0" baseline="0" dirty="0" err="1">
+                <a:ln>
+                  <a:noFill/>
+                </a:ln>
+                <a:solidFill>
+                  <a:srgbClr val="E5C07B"/>
+                </a:solidFill>
+                <a:effectLst/>
+                <a:latin typeface="JetBrains Mono"/>
+              </a:rPr>
+              <a:t>each</a:t>
+            </a:r>
+            <a:r>
+              <a:rPr kumimoji="0" lang="de-DE" altLang="de-DE" sz="2400" b="0" i="0" u="none" strike="noStrike" cap="none" normalizeH="0" baseline="0" dirty="0" err="1">
+                <a:ln>
+                  <a:noFill/>
+                </a:ln>
+                <a:solidFill>
+                  <a:srgbClr val="BBBBBB"/>
+                </a:solidFill>
+                <a:effectLst/>
+                <a:latin typeface="JetBrains Mono"/>
+              </a:rPr>
+              <a:t>.</a:t>
+            </a:r>
+            <a:r>
+              <a:rPr kumimoji="0" lang="de-DE" altLang="de-DE" sz="2400" b="0" i="0" u="none" strike="noStrike" cap="none" normalizeH="0" baseline="0" dirty="0" err="1">
+                <a:ln>
+                  <a:noFill/>
+                </a:ln>
+                <a:solidFill>
+                  <a:srgbClr val="E5C07B"/>
+                </a:solidFill>
+                <a:effectLst/>
+                <a:latin typeface="JetBrains Mono"/>
+              </a:rPr>
+              <a:t>value</a:t>
+            </a:r>
+            <a:r>
+              <a:rPr kumimoji="0" lang="de-DE" altLang="de-DE" sz="2400" b="0" i="0" u="none" strike="noStrike" cap="none" normalizeH="0" baseline="0" dirty="0">
+                <a:ln>
+                  <a:noFill/>
+                </a:ln>
+                <a:solidFill>
+                  <a:srgbClr val="BBBBBB"/>
+                </a:solidFill>
+                <a:effectLst/>
+                <a:latin typeface="JetBrains Mono"/>
+              </a:rPr>
+              <a:t>[</a:t>
+            </a:r>
+            <a:r>
+              <a:rPr kumimoji="0" lang="de-DE" altLang="de-DE" sz="2400" b="0" i="0" u="none" strike="noStrike" cap="none" normalizeH="0" baseline="0" dirty="0">
+                <a:ln>
+                  <a:noFill/>
+                </a:ln>
+                <a:solidFill>
+                  <a:srgbClr val="89CA78"/>
+                </a:solidFill>
+                <a:effectLst/>
+                <a:latin typeface="JetBrains Mono"/>
+              </a:rPr>
+              <a:t>"</a:t>
+            </a:r>
+            <a:r>
+              <a:rPr kumimoji="0" lang="de-DE" altLang="de-DE" sz="2400" b="0" i="0" u="none" strike="noStrike" cap="none" normalizeH="0" baseline="0" dirty="0" err="1">
+                <a:ln>
+                  <a:noFill/>
+                </a:ln>
+                <a:solidFill>
+                  <a:srgbClr val="89CA78"/>
+                </a:solidFill>
+                <a:effectLst/>
+                <a:latin typeface="JetBrains Mono"/>
+              </a:rPr>
+              <a:t>department</a:t>
+            </a:r>
+            <a:r>
+              <a:rPr kumimoji="0" lang="de-DE" altLang="de-DE" sz="2400" b="0" i="0" u="none" strike="noStrike" cap="none" normalizeH="0" baseline="0" dirty="0">
+                <a:ln>
+                  <a:noFill/>
+                </a:ln>
+                <a:solidFill>
+                  <a:srgbClr val="89CA78"/>
+                </a:solidFill>
+                <a:effectLst/>
+                <a:latin typeface="JetBrains Mono"/>
+              </a:rPr>
+              <a:t>"</a:t>
+            </a:r>
+            <a:r>
+              <a:rPr kumimoji="0" lang="de-DE" altLang="de-DE" sz="2400" b="0" i="0" u="none" strike="noStrike" cap="none" normalizeH="0" baseline="0" dirty="0">
+                <a:ln>
+                  <a:noFill/>
+                </a:ln>
+                <a:solidFill>
+                  <a:srgbClr val="BBBBBB"/>
+                </a:solidFill>
+                <a:effectLst/>
+                <a:latin typeface="JetBrains Mono"/>
+              </a:rPr>
+              <a:t>]</a:t>
             </a:r>
             <a:br>
-              <a:rPr kumimoji="0" lang="de-DE" altLang="de-DE" sz="2400" b="0" i="0" u="none" strike="noStrike" cap="none" normalizeH="0" baseline="0" dirty="0" smtClean="0">
+              <a:rPr kumimoji="0" lang="de-DE" altLang="de-DE" sz="2400" b="0" i="0" u="none" strike="noStrike" cap="none" normalizeH="0" baseline="0" dirty="0">
                 <a:ln>
                   <a:noFill/>
                 </a:ln>
@@ -17244,473 +17663,7 @@
               </a:rPr>
             </a:br>
             <a:r>
-              <a:rPr kumimoji="0" lang="de-DE" altLang="de-DE" sz="2400" b="0" i="0" u="none" strike="noStrike" cap="none" normalizeH="0" baseline="0" dirty="0" smtClean="0">
-                <a:ln>
-                  <a:noFill/>
-                </a:ln>
-                <a:solidFill>
-                  <a:srgbClr val="BBBBBB"/>
-                </a:solidFill>
-                <a:effectLst/>
-                <a:latin typeface="JetBrains Mono"/>
-              </a:rPr>
-              <a:t>  </a:t>
-            </a:r>
-            <a:r>
-              <a:rPr kumimoji="0" lang="de-DE" altLang="de-DE" sz="2400" b="0" i="0" u="none" strike="noStrike" cap="none" normalizeH="0" baseline="0" dirty="0" err="1" smtClean="0">
-                <a:ln>
-                  <a:noFill/>
-                </a:ln>
-                <a:solidFill>
-                  <a:srgbClr val="EF596F"/>
-                </a:solidFill>
-                <a:effectLst/>
-                <a:latin typeface="JetBrains Mono"/>
-              </a:rPr>
-              <a:t>name</a:t>
-            </a:r>
-            <a:r>
-              <a:rPr kumimoji="0" lang="de-DE" altLang="de-DE" sz="2400" b="0" i="0" u="none" strike="noStrike" cap="none" normalizeH="0" baseline="0" dirty="0" smtClean="0">
-                <a:ln>
-                  <a:noFill/>
-                </a:ln>
-                <a:solidFill>
-                  <a:srgbClr val="EF596F"/>
-                </a:solidFill>
-                <a:effectLst/>
-                <a:latin typeface="JetBrains Mono"/>
-              </a:rPr>
-              <a:t> </a:t>
-            </a:r>
-            <a:r>
-              <a:rPr kumimoji="0" lang="de-DE" altLang="de-DE" sz="2400" b="0" i="0" u="none" strike="noStrike" cap="none" normalizeH="0" baseline="0" dirty="0" smtClean="0">
-                <a:ln>
-                  <a:noFill/>
-                </a:ln>
-                <a:solidFill>
-                  <a:srgbClr val="BBBBBB"/>
-                </a:solidFill>
-                <a:effectLst/>
-                <a:latin typeface="JetBrains Mono"/>
-              </a:rPr>
-              <a:t>= </a:t>
-            </a:r>
-            <a:r>
-              <a:rPr kumimoji="0" lang="de-DE" altLang="de-DE" sz="2400" b="0" i="0" u="none" strike="noStrike" cap="none" normalizeH="0" baseline="0" dirty="0" err="1" smtClean="0">
-                <a:ln>
-                  <a:noFill/>
-                </a:ln>
-                <a:solidFill>
-                  <a:srgbClr val="BBBBBB"/>
-                </a:solidFill>
-                <a:effectLst/>
-                <a:latin typeface="JetBrains Mono"/>
-              </a:rPr>
-              <a:t>join</a:t>
-            </a:r>
-            <a:r>
-              <a:rPr kumimoji="0" lang="de-DE" altLang="de-DE" sz="2400" b="0" i="0" u="none" strike="noStrike" cap="none" normalizeH="0" baseline="0" dirty="0" smtClean="0">
-                <a:ln>
-                  <a:noFill/>
-                </a:ln>
-                <a:solidFill>
-                  <a:srgbClr val="BBBBBB"/>
-                </a:solidFill>
-                <a:effectLst/>
-                <a:latin typeface="JetBrains Mono"/>
-              </a:rPr>
-              <a:t>(</a:t>
-            </a:r>
-            <a:r>
-              <a:rPr kumimoji="0" lang="de-DE" altLang="de-DE" sz="2400" b="0" i="0" u="none" strike="noStrike" cap="none" normalizeH="0" baseline="0" dirty="0" smtClean="0">
-                <a:ln>
-                  <a:noFill/>
-                </a:ln>
-                <a:solidFill>
-                  <a:srgbClr val="89CA78"/>
-                </a:solidFill>
-                <a:effectLst/>
-                <a:latin typeface="JetBrains Mono"/>
-              </a:rPr>
-              <a:t>"_"</a:t>
-            </a:r>
-            <a:r>
-              <a:rPr kumimoji="0" lang="de-DE" altLang="de-DE" sz="2400" b="0" i="0" u="none" strike="noStrike" cap="none" normalizeH="0" baseline="0" dirty="0" smtClean="0">
-                <a:ln>
-                  <a:noFill/>
-                </a:ln>
-                <a:solidFill>
-                  <a:srgbClr val="BBBBBB"/>
-                </a:solidFill>
-                <a:effectLst/>
-                <a:latin typeface="JetBrains Mono"/>
-              </a:rPr>
-              <a:t>, </a:t>
-            </a:r>
-            <a:r>
-              <a:rPr kumimoji="0" lang="de-DE" altLang="de-DE" sz="2400" b="0" i="0" u="none" strike="noStrike" cap="none" normalizeH="0" baseline="0" dirty="0" err="1" smtClean="0">
-                <a:ln>
-                  <a:noFill/>
-                </a:ln>
-                <a:solidFill>
-                  <a:srgbClr val="BBBBBB"/>
-                </a:solidFill>
-                <a:effectLst/>
-                <a:latin typeface="JetBrains Mono"/>
-              </a:rPr>
-              <a:t>tolist</a:t>
-            </a:r>
-            <a:r>
-              <a:rPr kumimoji="0" lang="de-DE" altLang="de-DE" sz="2400" b="0" i="0" u="none" strike="noStrike" cap="none" normalizeH="0" baseline="0" dirty="0" smtClean="0">
-                <a:ln>
-                  <a:noFill/>
-                </a:ln>
-                <a:solidFill>
-                  <a:srgbClr val="BBBBBB"/>
-                </a:solidFill>
-                <a:effectLst/>
-                <a:latin typeface="JetBrains Mono"/>
-              </a:rPr>
-              <a:t>([</a:t>
-            </a:r>
-            <a:r>
-              <a:rPr kumimoji="0" lang="de-DE" altLang="de-DE" sz="2400" b="0" i="0" u="none" strike="noStrike" cap="none" normalizeH="0" baseline="0" dirty="0" err="1" smtClean="0">
-                <a:ln>
-                  <a:noFill/>
-                </a:ln>
-                <a:solidFill>
-                  <a:srgbClr val="E5C07B"/>
-                </a:solidFill>
-                <a:effectLst/>
-                <a:latin typeface="JetBrains Mono"/>
-              </a:rPr>
-              <a:t>each</a:t>
-            </a:r>
-            <a:r>
-              <a:rPr kumimoji="0" lang="de-DE" altLang="de-DE" sz="2400" b="0" i="0" u="none" strike="noStrike" cap="none" normalizeH="0" baseline="0" dirty="0" err="1" smtClean="0">
-                <a:ln>
-                  <a:noFill/>
-                </a:ln>
-                <a:solidFill>
-                  <a:srgbClr val="BBBBBB"/>
-                </a:solidFill>
-                <a:effectLst/>
-                <a:latin typeface="JetBrains Mono"/>
-              </a:rPr>
-              <a:t>.</a:t>
-            </a:r>
-            <a:r>
-              <a:rPr kumimoji="0" lang="de-DE" altLang="de-DE" sz="2400" b="0" i="0" u="none" strike="noStrike" cap="none" normalizeH="0" baseline="0" dirty="0" err="1" smtClean="0">
-                <a:ln>
-                  <a:noFill/>
-                </a:ln>
-                <a:solidFill>
-                  <a:srgbClr val="E5C07B"/>
-                </a:solidFill>
-                <a:effectLst/>
-                <a:latin typeface="JetBrains Mono"/>
-              </a:rPr>
-              <a:t>key</a:t>
-            </a:r>
-            <a:r>
-              <a:rPr kumimoji="0" lang="de-DE" altLang="de-DE" sz="2400" b="0" i="0" u="none" strike="noStrike" cap="none" normalizeH="0" baseline="0" dirty="0" smtClean="0">
-                <a:ln>
-                  <a:noFill/>
-                </a:ln>
-                <a:solidFill>
-                  <a:srgbClr val="BBBBBB"/>
-                </a:solidFill>
-                <a:effectLst/>
-                <a:latin typeface="JetBrains Mono"/>
-              </a:rPr>
-              <a:t>, </a:t>
-            </a:r>
-            <a:r>
-              <a:rPr kumimoji="0" lang="de-DE" altLang="de-DE" sz="2400" b="0" i="0" u="none" strike="noStrike" cap="none" normalizeH="0" baseline="0" dirty="0" err="1" smtClean="0">
-                <a:ln>
-                  <a:noFill/>
-                </a:ln>
-                <a:solidFill>
-                  <a:srgbClr val="E5C07B"/>
-                </a:solidFill>
-                <a:effectLst/>
-                <a:latin typeface="JetBrains Mono"/>
-              </a:rPr>
-              <a:t>each</a:t>
-            </a:r>
-            <a:r>
-              <a:rPr kumimoji="0" lang="de-DE" altLang="de-DE" sz="2400" b="0" i="0" u="none" strike="noStrike" cap="none" normalizeH="0" baseline="0" dirty="0" err="1" smtClean="0">
-                <a:ln>
-                  <a:noFill/>
-                </a:ln>
-                <a:solidFill>
-                  <a:srgbClr val="BBBBBB"/>
-                </a:solidFill>
-                <a:effectLst/>
-                <a:latin typeface="JetBrains Mono"/>
-              </a:rPr>
-              <a:t>.</a:t>
-            </a:r>
-            <a:r>
-              <a:rPr kumimoji="0" lang="de-DE" altLang="de-DE" sz="2400" b="0" i="0" u="none" strike="noStrike" cap="none" normalizeH="0" baseline="0" dirty="0" err="1" smtClean="0">
-                <a:ln>
-                  <a:noFill/>
-                </a:ln>
-                <a:solidFill>
-                  <a:srgbClr val="E5C07B"/>
-                </a:solidFill>
-                <a:effectLst/>
-                <a:latin typeface="JetBrains Mono"/>
-              </a:rPr>
-              <a:t>value</a:t>
-            </a:r>
-            <a:r>
-              <a:rPr kumimoji="0" lang="de-DE" altLang="de-DE" sz="2400" b="0" i="0" u="none" strike="noStrike" cap="none" normalizeH="0" baseline="0" dirty="0" smtClean="0">
-                <a:ln>
-                  <a:noFill/>
-                </a:ln>
-                <a:solidFill>
-                  <a:srgbClr val="BBBBBB"/>
-                </a:solidFill>
-                <a:effectLst/>
-                <a:latin typeface="JetBrains Mono"/>
-              </a:rPr>
-              <a:t>[</a:t>
-            </a:r>
-            <a:r>
-              <a:rPr kumimoji="0" lang="de-DE" altLang="de-DE" sz="2400" b="0" i="0" u="none" strike="noStrike" cap="none" normalizeH="0" baseline="0" dirty="0" smtClean="0">
-                <a:ln>
-                  <a:noFill/>
-                </a:ln>
-                <a:solidFill>
-                  <a:srgbClr val="89CA78"/>
-                </a:solidFill>
-                <a:effectLst/>
-                <a:latin typeface="JetBrains Mono"/>
-              </a:rPr>
-              <a:t>"</a:t>
-            </a:r>
-            <a:r>
-              <a:rPr kumimoji="0" lang="de-DE" altLang="de-DE" sz="2400" b="0" i="0" u="none" strike="noStrike" cap="none" normalizeH="0" baseline="0" dirty="0" err="1" smtClean="0">
-                <a:ln>
-                  <a:noFill/>
-                </a:ln>
-                <a:solidFill>
-                  <a:srgbClr val="89CA78"/>
-                </a:solidFill>
-                <a:effectLst/>
-                <a:latin typeface="JetBrains Mono"/>
-              </a:rPr>
-              <a:t>name</a:t>
-            </a:r>
-            <a:r>
-              <a:rPr kumimoji="0" lang="de-DE" altLang="de-DE" sz="2400" b="0" i="0" u="none" strike="noStrike" cap="none" normalizeH="0" baseline="0" dirty="0" smtClean="0">
-                <a:ln>
-                  <a:noFill/>
-                </a:ln>
-                <a:solidFill>
-                  <a:srgbClr val="89CA78"/>
-                </a:solidFill>
-                <a:effectLst/>
-                <a:latin typeface="JetBrains Mono"/>
-              </a:rPr>
-              <a:t>"</a:t>
-            </a:r>
-            <a:r>
-              <a:rPr kumimoji="0" lang="de-DE" altLang="de-DE" sz="2400" b="0" i="0" u="none" strike="noStrike" cap="none" normalizeH="0" baseline="0" dirty="0" smtClean="0">
-                <a:ln>
-                  <a:noFill/>
-                </a:ln>
-                <a:solidFill>
-                  <a:srgbClr val="BBBBBB"/>
-                </a:solidFill>
-                <a:effectLst/>
-                <a:latin typeface="JetBrains Mono"/>
-              </a:rPr>
-              <a:t>]]))</a:t>
-            </a:r>
-            <a:br>
-              <a:rPr kumimoji="0" lang="de-DE" altLang="de-DE" sz="2400" b="0" i="0" u="none" strike="noStrike" cap="none" normalizeH="0" baseline="0" dirty="0" smtClean="0">
-                <a:ln>
-                  <a:noFill/>
-                </a:ln>
-                <a:solidFill>
-                  <a:srgbClr val="BBBBBB"/>
-                </a:solidFill>
-                <a:effectLst/>
-                <a:latin typeface="JetBrains Mono"/>
-              </a:rPr>
-            </a:br>
-            <a:r>
-              <a:rPr kumimoji="0" lang="de-DE" altLang="de-DE" sz="2400" b="0" i="0" u="none" strike="noStrike" cap="none" normalizeH="0" baseline="0" dirty="0" smtClean="0">
-                <a:ln>
-                  <a:noFill/>
-                </a:ln>
-                <a:solidFill>
-                  <a:srgbClr val="BBBBBB"/>
-                </a:solidFill>
-                <a:effectLst/>
-                <a:latin typeface="JetBrains Mono"/>
-              </a:rPr>
-              <a:t>  </a:t>
-            </a:r>
-            <a:r>
-              <a:rPr kumimoji="0" lang="de-DE" altLang="de-DE" sz="2400" b="0" i="0" u="none" strike="noStrike" cap="none" normalizeH="0" baseline="0" dirty="0" err="1" smtClean="0">
-                <a:ln>
-                  <a:noFill/>
-                </a:ln>
-                <a:solidFill>
-                  <a:srgbClr val="EF596F"/>
-                </a:solidFill>
-                <a:effectLst/>
-                <a:latin typeface="JetBrains Mono"/>
-              </a:rPr>
-              <a:t>path</a:t>
-            </a:r>
-            <a:r>
-              <a:rPr kumimoji="0" lang="de-DE" altLang="de-DE" sz="2400" b="0" i="0" u="none" strike="noStrike" cap="none" normalizeH="0" baseline="0" dirty="0" smtClean="0">
-                <a:ln>
-                  <a:noFill/>
-                </a:ln>
-                <a:solidFill>
-                  <a:srgbClr val="EF596F"/>
-                </a:solidFill>
-                <a:effectLst/>
-                <a:latin typeface="JetBrains Mono"/>
-              </a:rPr>
-              <a:t> </a:t>
-            </a:r>
-            <a:r>
-              <a:rPr kumimoji="0" lang="de-DE" altLang="de-DE" sz="2400" b="0" i="0" u="none" strike="noStrike" cap="none" normalizeH="0" baseline="0" dirty="0" smtClean="0">
-                <a:ln>
-                  <a:noFill/>
-                </a:ln>
-                <a:solidFill>
-                  <a:srgbClr val="BBBBBB"/>
-                </a:solidFill>
-                <a:effectLst/>
-                <a:latin typeface="JetBrains Mono"/>
-              </a:rPr>
-              <a:t>= </a:t>
-            </a:r>
-            <a:r>
-              <a:rPr kumimoji="0" lang="de-DE" altLang="de-DE" sz="2400" b="0" i="0" u="none" strike="noStrike" cap="none" normalizeH="0" baseline="0" dirty="0" err="1" smtClean="0">
-                <a:ln>
-                  <a:noFill/>
-                </a:ln>
-                <a:solidFill>
-                  <a:srgbClr val="E5C07B"/>
-                </a:solidFill>
-                <a:effectLst/>
-                <a:latin typeface="JetBrains Mono"/>
-              </a:rPr>
-              <a:t>each</a:t>
-            </a:r>
-            <a:r>
-              <a:rPr kumimoji="0" lang="de-DE" altLang="de-DE" sz="2400" b="0" i="0" u="none" strike="noStrike" cap="none" normalizeH="0" baseline="0" dirty="0" err="1" smtClean="0">
-                <a:ln>
-                  <a:noFill/>
-                </a:ln>
-                <a:solidFill>
-                  <a:srgbClr val="BBBBBB"/>
-                </a:solidFill>
-                <a:effectLst/>
-                <a:latin typeface="JetBrains Mono"/>
-              </a:rPr>
-              <a:t>.</a:t>
-            </a:r>
-            <a:r>
-              <a:rPr kumimoji="0" lang="de-DE" altLang="de-DE" sz="2400" b="0" i="0" u="none" strike="noStrike" cap="none" normalizeH="0" baseline="0" dirty="0" err="1" smtClean="0">
-                <a:ln>
-                  <a:noFill/>
-                </a:ln>
-                <a:solidFill>
-                  <a:srgbClr val="E5C07B"/>
-                </a:solidFill>
-                <a:effectLst/>
-                <a:latin typeface="JetBrains Mono"/>
-              </a:rPr>
-              <a:t>value</a:t>
-            </a:r>
-            <a:r>
-              <a:rPr kumimoji="0" lang="de-DE" altLang="de-DE" sz="2400" b="0" i="0" u="none" strike="noStrike" cap="none" normalizeH="0" baseline="0" dirty="0" smtClean="0">
-                <a:ln>
-                  <a:noFill/>
-                </a:ln>
-                <a:solidFill>
-                  <a:srgbClr val="BBBBBB"/>
-                </a:solidFill>
-                <a:effectLst/>
-                <a:latin typeface="JetBrains Mono"/>
-              </a:rPr>
-              <a:t>[</a:t>
-            </a:r>
-            <a:r>
-              <a:rPr kumimoji="0" lang="de-DE" altLang="de-DE" sz="2400" b="0" i="0" u="none" strike="noStrike" cap="none" normalizeH="0" baseline="0" dirty="0" smtClean="0">
-                <a:ln>
-                  <a:noFill/>
-                </a:ln>
-                <a:solidFill>
-                  <a:srgbClr val="89CA78"/>
-                </a:solidFill>
-                <a:effectLst/>
-                <a:latin typeface="JetBrains Mono"/>
-              </a:rPr>
-              <a:t>"</a:t>
-            </a:r>
-            <a:r>
-              <a:rPr kumimoji="0" lang="de-DE" altLang="de-DE" sz="2400" b="0" i="0" u="none" strike="noStrike" cap="none" normalizeH="0" baseline="0" dirty="0" err="1" smtClean="0">
-                <a:ln>
-                  <a:noFill/>
-                </a:ln>
-                <a:solidFill>
-                  <a:srgbClr val="89CA78"/>
-                </a:solidFill>
-                <a:effectLst/>
-                <a:latin typeface="JetBrains Mono"/>
-              </a:rPr>
-              <a:t>department</a:t>
-            </a:r>
-            <a:r>
-              <a:rPr kumimoji="0" lang="de-DE" altLang="de-DE" sz="2400" b="0" i="0" u="none" strike="noStrike" cap="none" normalizeH="0" baseline="0" dirty="0" smtClean="0">
-                <a:ln>
-                  <a:noFill/>
-                </a:ln>
-                <a:solidFill>
-                  <a:srgbClr val="89CA78"/>
-                </a:solidFill>
-                <a:effectLst/>
-                <a:latin typeface="JetBrains Mono"/>
-              </a:rPr>
-              <a:t>"</a:t>
-            </a:r>
-            <a:r>
-              <a:rPr kumimoji="0" lang="de-DE" altLang="de-DE" sz="2400" b="0" i="0" u="none" strike="noStrike" cap="none" normalizeH="0" baseline="0" dirty="0" smtClean="0">
-                <a:ln>
-                  <a:noFill/>
-                </a:ln>
-                <a:solidFill>
-                  <a:srgbClr val="BBBBBB"/>
-                </a:solidFill>
-                <a:effectLst/>
-                <a:latin typeface="JetBrains Mono"/>
-              </a:rPr>
-              <a:t>]</a:t>
-            </a:r>
-            <a:br>
-              <a:rPr kumimoji="0" lang="de-DE" altLang="de-DE" sz="2400" b="0" i="0" u="none" strike="noStrike" cap="none" normalizeH="0" baseline="0" dirty="0" smtClean="0">
-                <a:ln>
-                  <a:noFill/>
-                </a:ln>
-                <a:solidFill>
-                  <a:srgbClr val="BBBBBB"/>
-                </a:solidFill>
-                <a:effectLst/>
-                <a:latin typeface="JetBrains Mono"/>
-              </a:rPr>
-            </a:br>
-            <a:r>
-              <a:rPr kumimoji="0" lang="de-DE" altLang="de-DE" sz="2400" b="0" i="0" u="none" strike="noStrike" cap="none" normalizeH="0" baseline="0" dirty="0" smtClean="0">
+              <a:rPr kumimoji="0" lang="de-DE" altLang="de-DE" sz="2400" b="0" i="0" u="none" strike="noStrike" cap="none" normalizeH="0" baseline="0" dirty="0">
                 <a:ln>
                   <a:noFill/>
                 </a:ln>
@@ -17722,7 +17675,7 @@
               </a:rPr>
               <a:t>}</a:t>
             </a:r>
-            <a:endParaRPr kumimoji="0" lang="de-DE" altLang="de-DE" sz="4800" b="0" i="0" u="none" strike="noStrike" cap="none" normalizeH="0" baseline="0" dirty="0" smtClean="0">
+            <a:endParaRPr kumimoji="0" lang="de-DE" altLang="de-DE" sz="4800" b="0" i="0" u="none" strike="noStrike" cap="none" normalizeH="0" baseline="0" dirty="0">
               <a:ln>
                 <a:noFill/>
               </a:ln>
@@ -17745,13 +17698,6 @@
   <p:clrMapOvr>
     <a:masterClrMapping/>
   </p:clrMapOvr>
-  <p:timing>
-    <p:tnLst>
-      <p:par>
-        <p:cTn id="1" dur="indefinite" restart="never" nodeType="tmRoot"/>
-      </p:par>
-    </p:tnLst>
-  </p:timing>
 </p:sld>
 </file>
 
@@ -17789,25 +17735,20 @@
           <a:p>
             <a:r>
               <a:rPr lang="de-DE" dirty="0" err="1"/>
-              <a:t>c</a:t>
-            </a:r>
-            <a:r>
-              <a:rPr lang="de-DE" dirty="0" err="1" smtClean="0"/>
-              <a:t>ount</a:t>
-            </a:r>
-            <a:r>
-              <a:rPr lang="de-DE" dirty="0" smtClean="0"/>
+              <a:t>count</a:t>
+            </a:r>
+            <a:r>
+              <a:rPr lang="de-DE" dirty="0"/>
               <a:t> / </a:t>
             </a:r>
             <a:r>
-              <a:rPr lang="de-DE" dirty="0" err="1" smtClean="0"/>
+              <a:rPr lang="de-DE" dirty="0" err="1"/>
               <a:t>for_each</a:t>
             </a:r>
             <a:r>
-              <a:rPr lang="de-DE" dirty="0" smtClean="0"/>
+              <a:rPr lang="de-DE" dirty="0"/>
               <a:t> Instanzen referenzieren</a:t>
             </a:r>
-            <a:endParaRPr lang="de-DE" dirty="0"/>
           </a:p>
         </p:txBody>
       </p:sp>
@@ -17831,15 +17772,15 @@
               <a:buChar char="-"/>
             </a:pPr>
             <a:r>
-              <a:rPr lang="de-DE" dirty="0" smtClean="0"/>
+              <a:rPr lang="de-DE" dirty="0"/>
               <a:t>Referenzieren des </a:t>
             </a:r>
             <a:r>
-              <a:rPr lang="de-DE" dirty="0" err="1" smtClean="0"/>
+              <a:rPr lang="de-DE" dirty="0" err="1"/>
               <a:t>Resource</a:t>
             </a:r>
             <a:r>
-              <a:rPr lang="de-DE" dirty="0" smtClean="0"/>
+              <a:rPr lang="de-DE" dirty="0"/>
               <a:t>-Block via &lt;Type&gt;.&lt;Name&gt;</a:t>
             </a:r>
           </a:p>
@@ -17849,39 +17790,23 @@
               <a:buChar char="-"/>
             </a:pPr>
             <a:r>
-              <a:rPr lang="de-DE" dirty="0" smtClean="0"/>
+              <a:rPr lang="de-DE" dirty="0"/>
               <a:t>Referenzieren der jeweiligen Instanzen via &lt;Type&gt;.&lt;Name&gt;[</a:t>
             </a:r>
             <a:r>
-              <a:rPr lang="de-DE" dirty="0" err="1" smtClean="0"/>
+              <a:rPr lang="de-DE" dirty="0" err="1"/>
               <a:t>index</a:t>
             </a:r>
             <a:r>
-              <a:rPr lang="de-DE" dirty="0" smtClean="0"/>
-              <a:t>]</a:t>
-            </a:r>
-            <a:r>
               <a:rPr lang="de-DE" dirty="0"/>
-              <a:t> </a:t>
-            </a:r>
-            <a:r>
-              <a:rPr lang="de-DE" dirty="0" smtClean="0"/>
-              <a:t>bzw. </a:t>
+              <a:t>] bzw. &lt;Type&gt;.&lt;Name&gt;[</a:t>
+            </a:r>
+            <a:r>
+              <a:rPr lang="de-DE" dirty="0" err="1"/>
+              <a:t>key</a:t>
             </a:r>
             <a:r>
               <a:rPr lang="de-DE" dirty="0"/>
-              <a:t>&lt;Type&gt;.&lt;Name</a:t>
-            </a:r>
-            <a:r>
-              <a:rPr lang="de-DE" dirty="0" smtClean="0"/>
-              <a:t>&gt;[</a:t>
-            </a:r>
-            <a:r>
-              <a:rPr lang="de-DE" dirty="0" err="1" smtClean="0"/>
-              <a:t>key</a:t>
-            </a:r>
-            <a:r>
-              <a:rPr lang="de-DE" dirty="0" smtClean="0"/>
               <a:t>] </a:t>
             </a:r>
           </a:p>
@@ -17897,7 +17822,7 @@
               <a:buFontTx/>
               <a:buChar char="-"/>
             </a:pPr>
-            <a:endParaRPr lang="de-DE" dirty="0" smtClean="0"/>
+            <a:endParaRPr lang="de-DE" dirty="0"/>
           </a:p>
         </p:txBody>
       </p:sp>
@@ -18372,34 +18297,16 @@
                 </a:solidFill>
                 <a:latin typeface="JetBrains Mono"/>
               </a:rPr>
-              <a:t>"demo2</a:t>
-            </a:r>
-            <a:r>
-              <a:rPr lang="de-DE" altLang="de-DE" sz="2400" dirty="0" smtClean="0">
-                <a:solidFill>
-                  <a:srgbClr val="89CA78"/>
-                </a:solidFill>
-                <a:latin typeface="JetBrains Mono"/>
-              </a:rPr>
-              <a:t>"</a:t>
-            </a:r>
-            <a:r>
-              <a:rPr lang="de-DE" altLang="de-DE" sz="2400" dirty="0" smtClean="0">
+              <a:t>"demo2"</a:t>
+            </a:r>
+            <a:r>
+              <a:rPr lang="de-DE" altLang="de-DE" sz="2400" dirty="0">
                 <a:solidFill>
                   <a:srgbClr val="BBBBBB"/>
                 </a:solidFill>
                 <a:latin typeface="JetBrains Mono"/>
               </a:rPr>
               <a:t>}})</a:t>
-            </a:r>
-            <a:r>
-              <a:rPr lang="de-DE" altLang="de-DE" sz="2400" dirty="0">
-                <a:solidFill>
-                  <a:srgbClr val="BBBBBB"/>
-                </a:solidFill>
-                <a:latin typeface="JetBrains Mono"/>
-              </a:rPr>
-              <a:t/>
             </a:r>
             <a:br>
               <a:rPr lang="de-DE" altLang="de-DE" sz="2400" dirty="0">
@@ -18437,7 +18344,7 @@
               <a:t> </a:t>
             </a:r>
             <a:r>
-              <a:rPr lang="de-DE" altLang="de-DE" sz="2400" dirty="0" err="1" smtClean="0">
+              <a:rPr lang="de-DE" altLang="de-DE" sz="2400" dirty="0" err="1">
                 <a:solidFill>
                   <a:srgbClr val="E5C07B"/>
                 </a:solidFill>
@@ -18446,7 +18353,7 @@
               <a:t>each</a:t>
             </a:r>
             <a:r>
-              <a:rPr lang="de-DE" altLang="de-DE" sz="2400" dirty="0" err="1" smtClean="0">
+              <a:rPr lang="de-DE" altLang="de-DE" sz="2400" dirty="0" err="1">
                 <a:solidFill>
                   <a:srgbClr val="BBBBBB"/>
                 </a:solidFill>
@@ -18455,7 +18362,7 @@
               <a:t>.</a:t>
             </a:r>
             <a:r>
-              <a:rPr lang="de-DE" altLang="de-DE" sz="2400" dirty="0" err="1" smtClean="0">
+              <a:rPr lang="de-DE" altLang="de-DE" sz="2400" dirty="0" err="1">
                 <a:solidFill>
                   <a:srgbClr val="E5C07B"/>
                 </a:solidFill>
@@ -18491,7 +18398,7 @@
               <a:t>name</a:t>
             </a:r>
             <a:r>
-              <a:rPr lang="de-DE" altLang="de-DE" sz="2400" dirty="0" smtClean="0">
+              <a:rPr lang="de-DE" altLang="de-DE" sz="2400" dirty="0">
                 <a:solidFill>
                   <a:srgbClr val="89CA78"/>
                 </a:solidFill>
@@ -18500,22 +18407,13 @@
               <a:t>"</a:t>
             </a:r>
             <a:r>
-              <a:rPr lang="de-DE" altLang="de-DE" sz="2400" dirty="0" smtClean="0">
+              <a:rPr lang="de-DE" altLang="de-DE" sz="2400" dirty="0">
                 <a:solidFill>
                   <a:srgbClr val="BBBBBB"/>
                 </a:solidFill>
                 <a:latin typeface="JetBrains Mono"/>
               </a:rPr>
               <a:t>])</a:t>
-            </a:r>
-            <a:r>
-              <a:rPr lang="de-DE" altLang="de-DE" sz="2400" dirty="0">
-                <a:solidFill>
-                  <a:srgbClr val="BBBBBB"/>
-                </a:solidFill>
-                <a:latin typeface="JetBrains Mono"/>
-              </a:rPr>
-              <a:t/>
             </a:r>
             <a:br>
               <a:rPr lang="de-DE" altLang="de-DE" sz="2400" dirty="0">
@@ -18526,7 +18424,7 @@
               </a:rPr>
             </a:br>
             <a:r>
-              <a:rPr lang="de-DE" altLang="de-DE" sz="2400" dirty="0" smtClean="0">
+              <a:rPr lang="de-DE" altLang="de-DE" sz="2400" dirty="0">
                 <a:solidFill>
                   <a:srgbClr val="BBBBBB"/>
                 </a:solidFill>
@@ -18534,21 +18432,8 @@
               </a:rPr>
               <a:t>}</a:t>
             </a:r>
-            <a:r>
-              <a:rPr kumimoji="0" lang="de-DE" altLang="de-DE" sz="2400" b="0" i="0" u="none" strike="noStrike" cap="none" normalizeH="0" baseline="0" dirty="0" smtClean="0">
-                <a:ln>
-                  <a:noFill/>
-                </a:ln>
-                <a:solidFill>
-                  <a:srgbClr val="BBBBBB"/>
-                </a:solidFill>
-                <a:effectLst/>
-                <a:latin typeface="JetBrains Mono"/>
-              </a:rPr>
-              <a:t/>
-            </a:r>
             <a:br>
-              <a:rPr kumimoji="0" lang="de-DE" altLang="de-DE" sz="2400" b="0" i="0" u="none" strike="noStrike" cap="none" normalizeH="0" baseline="0" dirty="0" smtClean="0">
+              <a:rPr kumimoji="0" lang="de-DE" altLang="de-DE" sz="2400" b="0" i="0" u="none" strike="noStrike" cap="none" normalizeH="0" baseline="0" dirty="0">
                 <a:ln>
                   <a:noFill/>
                 </a:ln>
@@ -18560,7 +18445,7 @@
               </a:rPr>
             </a:br>
             <a:r>
-              <a:rPr kumimoji="0" lang="de-DE" altLang="de-DE" sz="2400" b="0" i="1" u="none" strike="noStrike" cap="none" normalizeH="0" baseline="0" dirty="0" err="1" smtClean="0">
+              <a:rPr kumimoji="0" lang="de-DE" altLang="de-DE" sz="2400" b="0" i="1" u="none" strike="noStrike" cap="none" normalizeH="0" baseline="0" dirty="0" err="1">
                 <a:ln>
                   <a:noFill/>
                 </a:ln>
@@ -18573,7 +18458,7 @@
               <a:t>resource</a:t>
             </a:r>
             <a:r>
-              <a:rPr kumimoji="0" lang="de-DE" altLang="de-DE" sz="2400" b="0" i="1" u="none" strike="noStrike" cap="none" normalizeH="0" baseline="0" dirty="0" smtClean="0">
+              <a:rPr kumimoji="0" lang="de-DE" altLang="de-DE" sz="2400" b="0" i="1" u="none" strike="noStrike" cap="none" normalizeH="0" baseline="0" dirty="0">
                 <a:ln>
                   <a:noFill/>
                 </a:ln>
@@ -18586,7 +18471,7 @@
               <a:t> </a:t>
             </a:r>
             <a:r>
-              <a:rPr kumimoji="0" lang="de-DE" altLang="de-DE" sz="2400" b="0" i="0" u="none" strike="noStrike" cap="none" normalizeH="0" baseline="0" dirty="0" smtClean="0">
+              <a:rPr kumimoji="0" lang="de-DE" altLang="de-DE" sz="2400" b="0" i="0" u="none" strike="noStrike" cap="none" normalizeH="0" baseline="0" dirty="0">
                 <a:ln>
                   <a:noFill/>
                 </a:ln>
@@ -18599,7 +18484,7 @@
               <a:t>"</a:t>
             </a:r>
             <a:r>
-              <a:rPr kumimoji="0" lang="de-DE" altLang="de-DE" sz="2400" b="0" i="0" u="none" strike="noStrike" cap="none" normalizeH="0" baseline="0" dirty="0" err="1" smtClean="0">
+              <a:rPr kumimoji="0" lang="de-DE" altLang="de-DE" sz="2400" b="0" i="0" u="none" strike="noStrike" cap="none" normalizeH="0" baseline="0" dirty="0" err="1">
                 <a:ln>
                   <a:noFill/>
                 </a:ln>
@@ -18612,7 +18497,7 @@
               <a:t>aws_iam_access_key</a:t>
             </a:r>
             <a:r>
-              <a:rPr kumimoji="0" lang="de-DE" altLang="de-DE" sz="2400" b="0" i="0" u="none" strike="noStrike" cap="none" normalizeH="0" baseline="0" dirty="0" smtClean="0">
+              <a:rPr kumimoji="0" lang="de-DE" altLang="de-DE" sz="2400" b="0" i="0" u="none" strike="noStrike" cap="none" normalizeH="0" baseline="0" dirty="0">
                 <a:ln>
                   <a:noFill/>
                 </a:ln>
@@ -18625,7 +18510,7 @@
               <a:t>" "test2_key" </a:t>
             </a:r>
             <a:r>
-              <a:rPr kumimoji="0" lang="de-DE" altLang="de-DE" sz="2400" b="0" i="0" u="none" strike="noStrike" cap="none" normalizeH="0" baseline="0" dirty="0" smtClean="0">
+              <a:rPr kumimoji="0" lang="de-DE" altLang="de-DE" sz="2400" b="0" i="0" u="none" strike="noStrike" cap="none" normalizeH="0" baseline="0" dirty="0">
                 <a:ln>
                   <a:noFill/>
                 </a:ln>
@@ -18638,7 +18523,7 @@
               <a:t>{</a:t>
             </a:r>
             <a:br>
-              <a:rPr kumimoji="0" lang="de-DE" altLang="de-DE" sz="2400" b="0" i="0" u="none" strike="noStrike" cap="none" normalizeH="0" baseline="0" dirty="0" smtClean="0">
+              <a:rPr kumimoji="0" lang="de-DE" altLang="de-DE" sz="2400" b="0" i="0" u="none" strike="noStrike" cap="none" normalizeH="0" baseline="0" dirty="0">
                 <a:ln>
                   <a:noFill/>
                 </a:ln>
@@ -18650,7 +18535,7 @@
               </a:rPr>
             </a:br>
             <a:r>
-              <a:rPr kumimoji="0" lang="de-DE" altLang="de-DE" sz="2400" b="0" i="0" u="none" strike="noStrike" cap="none" normalizeH="0" baseline="0" dirty="0" smtClean="0">
+              <a:rPr kumimoji="0" lang="de-DE" altLang="de-DE" sz="2400" b="0" i="0" u="none" strike="noStrike" cap="none" normalizeH="0" baseline="0" dirty="0">
                 <a:ln>
                   <a:noFill/>
                 </a:ln>
@@ -18663,7 +18548,7 @@
               <a:t>  </a:t>
             </a:r>
             <a:r>
-              <a:rPr kumimoji="0" lang="de-DE" altLang="de-DE" sz="2400" b="0" i="0" u="none" strike="noStrike" cap="none" normalizeH="0" baseline="0" dirty="0" err="1" smtClean="0">
+              <a:rPr kumimoji="0" lang="de-DE" altLang="de-DE" sz="2400" b="0" i="0" u="none" strike="noStrike" cap="none" normalizeH="0" baseline="0" dirty="0" err="1">
                 <a:ln>
                   <a:noFill/>
                 </a:ln>
@@ -18676,7 +18561,7 @@
               <a:t>user</a:t>
             </a:r>
             <a:r>
-              <a:rPr kumimoji="0" lang="de-DE" altLang="de-DE" sz="2400" b="0" i="0" u="none" strike="noStrike" cap="none" normalizeH="0" baseline="0" dirty="0" smtClean="0">
+              <a:rPr kumimoji="0" lang="de-DE" altLang="de-DE" sz="2400" b="0" i="0" u="none" strike="noStrike" cap="none" normalizeH="0" baseline="0" dirty="0">
                 <a:ln>
                   <a:noFill/>
                 </a:ln>
@@ -18689,7 +18574,7 @@
               <a:t> </a:t>
             </a:r>
             <a:r>
-              <a:rPr kumimoji="0" lang="de-DE" altLang="de-DE" sz="2400" b="0" i="0" u="none" strike="noStrike" cap="none" normalizeH="0" baseline="0" dirty="0" smtClean="0">
+              <a:rPr kumimoji="0" lang="de-DE" altLang="de-DE" sz="2400" b="0" i="0" u="none" strike="noStrike" cap="none" normalizeH="0" baseline="0" dirty="0">
                 <a:ln>
                   <a:noFill/>
                 </a:ln>
@@ -18702,7 +18587,7 @@
               <a:t>= </a:t>
             </a:r>
             <a:r>
-              <a:rPr kumimoji="0" lang="de-DE" altLang="de-DE" sz="2400" b="0" i="0" u="none" strike="noStrike" cap="none" normalizeH="0" baseline="0" dirty="0" err="1" smtClean="0">
+              <a:rPr kumimoji="0" lang="de-DE" altLang="de-DE" sz="2400" b="0" i="0" u="none" strike="noStrike" cap="none" normalizeH="0" baseline="0" dirty="0" err="1">
                 <a:ln>
                   <a:noFill/>
                 </a:ln>
@@ -18715,7 +18600,7 @@
               <a:t>aws_iam_user</a:t>
             </a:r>
             <a:r>
-              <a:rPr kumimoji="0" lang="de-DE" altLang="de-DE" sz="2400" b="0" i="0" u="none" strike="noStrike" cap="none" normalizeH="0" baseline="0" dirty="0" err="1" smtClean="0">
+              <a:rPr kumimoji="0" lang="de-DE" altLang="de-DE" sz="2400" b="0" i="0" u="none" strike="noStrike" cap="none" normalizeH="0" baseline="0" dirty="0" err="1">
                 <a:ln>
                   <a:noFill/>
                 </a:ln>
@@ -18728,7 +18613,7 @@
               <a:t>.</a:t>
             </a:r>
             <a:r>
-              <a:rPr lang="de-DE" altLang="de-DE" sz="2400" dirty="0" err="1" smtClean="0">
+              <a:rPr lang="de-DE" altLang="de-DE" sz="2400" dirty="0" err="1">
                 <a:solidFill>
                   <a:srgbClr val="E5C07B"/>
                 </a:solidFill>
@@ -18737,7 +18622,7 @@
               <a:t>demo</a:t>
             </a:r>
             <a:r>
-              <a:rPr kumimoji="0" lang="de-DE" altLang="de-DE" sz="2400" b="0" i="0" u="none" strike="noStrike" cap="none" normalizeH="0" baseline="0" dirty="0" err="1" smtClean="0">
+              <a:rPr kumimoji="0" lang="de-DE" altLang="de-DE" sz="2400" b="0" i="0" u="none" strike="noStrike" cap="none" normalizeH="0" baseline="0" dirty="0" err="1">
                 <a:ln>
                   <a:noFill/>
                 </a:ln>
@@ -18750,7 +18635,7 @@
               <a:t>_user</a:t>
             </a:r>
             <a:r>
-              <a:rPr lang="de-DE" altLang="de-DE" sz="2400" dirty="0" smtClean="0">
+              <a:rPr lang="de-DE" altLang="de-DE" sz="2400" dirty="0">
                 <a:solidFill>
                   <a:srgbClr val="BBBBBB"/>
                 </a:solidFill>
@@ -18768,7 +18653,7 @@
               <a:t>"0815"</a:t>
             </a:r>
             <a:r>
-              <a:rPr lang="de-DE" altLang="de-DE" sz="2400" dirty="0" smtClean="0">
+              <a:rPr lang="de-DE" altLang="de-DE" sz="2400" dirty="0">
                 <a:solidFill>
                   <a:srgbClr val="BBBBBB"/>
                 </a:solidFill>
@@ -18777,7 +18662,7 @@
               <a:t>].</a:t>
             </a:r>
             <a:r>
-              <a:rPr kumimoji="0" lang="de-DE" altLang="de-DE" sz="2400" b="0" i="0" u="none" strike="noStrike" cap="none" normalizeH="0" baseline="0" dirty="0" err="1" smtClean="0">
+              <a:rPr kumimoji="0" lang="de-DE" altLang="de-DE" sz="2400" b="0" i="0" u="none" strike="noStrike" cap="none" normalizeH="0" baseline="0" dirty="0" err="1">
                 <a:ln>
                   <a:noFill/>
                 </a:ln>
@@ -18789,8 +18674,8 @@
               </a:rPr>
               <a:t>name</a:t>
             </a:r>
-            <a:r>
-              <a:rPr kumimoji="0" lang="de-DE" altLang="de-DE" sz="2400" b="0" i="0" u="none" strike="noStrike" cap="none" normalizeH="0" baseline="0" dirty="0" smtClean="0">
+            <a:br>
+              <a:rPr kumimoji="0" lang="de-DE" altLang="de-DE" sz="2400" b="0" i="0" u="none" strike="noStrike" cap="none" normalizeH="0" baseline="0" dirty="0">
                 <a:ln>
                   <a:noFill/>
                 </a:ln>
@@ -18800,22 +18685,9 @@
                 <a:effectLst/>
                 <a:latin typeface="JetBrains Mono"/>
               </a:rPr>
-              <a:t/>
-            </a:r>
-            <a:br>
-              <a:rPr kumimoji="0" lang="de-DE" altLang="de-DE" sz="2400" b="0" i="0" u="none" strike="noStrike" cap="none" normalizeH="0" baseline="0" dirty="0" smtClean="0">
-                <a:ln>
-                  <a:noFill/>
-                </a:ln>
-                <a:solidFill>
-                  <a:srgbClr val="EF596F"/>
-                </a:solidFill>
-                <a:effectLst/>
-                <a:latin typeface="JetBrains Mono"/>
-              </a:rPr>
             </a:br>
             <a:r>
-              <a:rPr kumimoji="0" lang="de-DE" altLang="de-DE" sz="2400" b="0" i="0" u="none" strike="noStrike" cap="none" normalizeH="0" baseline="0" dirty="0" smtClean="0">
+              <a:rPr kumimoji="0" lang="de-DE" altLang="de-DE" sz="2400" b="0" i="0" u="none" strike="noStrike" cap="none" normalizeH="0" baseline="0" dirty="0">
                 <a:ln>
                   <a:noFill/>
                 </a:ln>
@@ -18827,7 +18699,7 @@
               </a:rPr>
               <a:t>}</a:t>
             </a:r>
-            <a:endParaRPr kumimoji="0" lang="de-DE" altLang="de-DE" sz="4800" b="0" i="0" u="none" strike="noStrike" cap="none" normalizeH="0" baseline="0" dirty="0" smtClean="0">
+            <a:endParaRPr kumimoji="0" lang="de-DE" altLang="de-DE" sz="4800" b="0" i="0" u="none" strike="noStrike" cap="none" normalizeH="0" baseline="0" dirty="0">
               <a:ln>
                 <a:noFill/>
               </a:ln>
@@ -18850,13 +18722,6 @@
   <p:clrMapOvr>
     <a:masterClrMapping/>
   </p:clrMapOvr>
-  <p:timing>
-    <p:tnLst>
-      <p:par>
-        <p:cTn id="1" dur="indefinite" restart="never" nodeType="tmRoot"/>
-      </p:par>
-    </p:tnLst>
-  </p:timing>
 </p:sld>
 </file>
 
